--- a/FINAL_PROJECT/Algorithms_Final_Project.pptx
+++ b/FINAL_PROJECT/Algorithms_Final_Project.pptx
@@ -107,6 +107,11 @@
       </a:defRPr>
     </a:lvl9pPr>
   </p:defaultTextStyle>
+  <p:extLst>
+    <p:ext uri="{EFAFB233-063F-42B5-8137-9DF3F51BA10A}">
+      <p15:sldGuideLst xmlns:p15="http://schemas.microsoft.com/office/powerpoint/2012/main"/>
+    </p:ext>
+  </p:extLst>
 </p:presentation>
 </file>
 
@@ -297,7 +302,7 @@
           <a:p>
             <a:fld id="{DA3B4582-B417-4F1F-B87A-BAB3C91F65C5}" type="datetimeFigureOut">
               <a:rPr lang="en-US" smtClean="0"/>
-              <a:t>11/30/2018</a:t>
+              <a:t>12/4/2018</a:t>
             </a:fld>
             <a:endParaRPr lang="en-US"/>
           </a:p>
@@ -495,7 +500,7 @@
           <a:p>
             <a:fld id="{DA3B4582-B417-4F1F-B87A-BAB3C91F65C5}" type="datetimeFigureOut">
               <a:rPr lang="en-US" smtClean="0"/>
-              <a:t>11/30/2018</a:t>
+              <a:t>12/4/2018</a:t>
             </a:fld>
             <a:endParaRPr lang="en-US"/>
           </a:p>
@@ -703,7 +708,7 @@
           <a:p>
             <a:fld id="{DA3B4582-B417-4F1F-B87A-BAB3C91F65C5}" type="datetimeFigureOut">
               <a:rPr lang="en-US" smtClean="0"/>
-              <a:t>11/30/2018</a:t>
+              <a:t>12/4/2018</a:t>
             </a:fld>
             <a:endParaRPr lang="en-US"/>
           </a:p>
@@ -901,7 +906,7 @@
           <a:p>
             <a:fld id="{DA3B4582-B417-4F1F-B87A-BAB3C91F65C5}" type="datetimeFigureOut">
               <a:rPr lang="en-US" smtClean="0"/>
-              <a:t>11/30/2018</a:t>
+              <a:t>12/4/2018</a:t>
             </a:fld>
             <a:endParaRPr lang="en-US"/>
           </a:p>
@@ -1176,7 +1181,7 @@
           <a:p>
             <a:fld id="{DA3B4582-B417-4F1F-B87A-BAB3C91F65C5}" type="datetimeFigureOut">
               <a:rPr lang="en-US" smtClean="0"/>
-              <a:t>11/30/2018</a:t>
+              <a:t>12/4/2018</a:t>
             </a:fld>
             <a:endParaRPr lang="en-US"/>
           </a:p>
@@ -1441,7 +1446,7 @@
           <a:p>
             <a:fld id="{DA3B4582-B417-4F1F-B87A-BAB3C91F65C5}" type="datetimeFigureOut">
               <a:rPr lang="en-US" smtClean="0"/>
-              <a:t>11/30/2018</a:t>
+              <a:t>12/4/2018</a:t>
             </a:fld>
             <a:endParaRPr lang="en-US"/>
           </a:p>
@@ -1853,7 +1858,7 @@
           <a:p>
             <a:fld id="{DA3B4582-B417-4F1F-B87A-BAB3C91F65C5}" type="datetimeFigureOut">
               <a:rPr lang="en-US" smtClean="0"/>
-              <a:t>11/30/2018</a:t>
+              <a:t>12/4/2018</a:t>
             </a:fld>
             <a:endParaRPr lang="en-US"/>
           </a:p>
@@ -1994,7 +1999,7 @@
           <a:p>
             <a:fld id="{DA3B4582-B417-4F1F-B87A-BAB3C91F65C5}" type="datetimeFigureOut">
               <a:rPr lang="en-US" smtClean="0"/>
-              <a:t>11/30/2018</a:t>
+              <a:t>12/4/2018</a:t>
             </a:fld>
             <a:endParaRPr lang="en-US"/>
           </a:p>
@@ -2107,7 +2112,7 @@
           <a:p>
             <a:fld id="{DA3B4582-B417-4F1F-B87A-BAB3C91F65C5}" type="datetimeFigureOut">
               <a:rPr lang="en-US" smtClean="0"/>
-              <a:t>11/30/2018</a:t>
+              <a:t>12/4/2018</a:t>
             </a:fld>
             <a:endParaRPr lang="en-US"/>
           </a:p>
@@ -2418,7 +2423,7 @@
           <a:p>
             <a:fld id="{DA3B4582-B417-4F1F-B87A-BAB3C91F65C5}" type="datetimeFigureOut">
               <a:rPr lang="en-US" smtClean="0"/>
-              <a:t>11/30/2018</a:t>
+              <a:t>12/4/2018</a:t>
             </a:fld>
             <a:endParaRPr lang="en-US"/>
           </a:p>
@@ -2706,7 +2711,7 @@
           <a:p>
             <a:fld id="{DA3B4582-B417-4F1F-B87A-BAB3C91F65C5}" type="datetimeFigureOut">
               <a:rPr lang="en-US" smtClean="0"/>
-              <a:t>11/30/2018</a:t>
+              <a:t>12/4/2018</a:t>
             </a:fld>
             <a:endParaRPr lang="en-US"/>
           </a:p>
@@ -2947,7 +2952,7 @@
           <a:p>
             <a:fld id="{DA3B4582-B417-4F1F-B87A-BAB3C91F65C5}" type="datetimeFigureOut">
               <a:rPr lang="en-US" smtClean="0"/>
-              <a:t>11/30/2018</a:t>
+              <a:t>12/4/2018</a:t>
             </a:fld>
             <a:endParaRPr lang="en-US"/>
           </a:p>
@@ -3471,7 +3476,12 @@
             <p:ph type="title"/>
           </p:nvPr>
         </p:nvSpPr>
-        <p:spPr/>
+        <p:spPr>
+          <a:xfrm>
+            <a:off x="908732" y="108763"/>
+            <a:ext cx="10515600" cy="1325563"/>
+          </a:xfrm>
+        </p:spPr>
         <p:txBody>
           <a:bodyPr/>
           <a:lstStyle/>
@@ -3506,12 +3516,14 @@
           </a:xfrm>
         </p:spPr>
         <p:txBody>
-          <a:bodyPr/>
+          <a:bodyPr>
+            <a:normAutofit fontScale="92500" lnSpcReduction="10000"/>
+          </a:bodyPr>
           <a:lstStyle/>
           <a:p>
             <a:r>
               <a:rPr lang="en-US" dirty="0"/>
-              <a:t>Goal: To find a T that will align the RNA-seq 100-bp reads from wild strain PWK with the reference genome B6. </a:t>
+              <a:t>Goal: To find a T that will align the single strand RNA-seq 100-bp reads from wild strain PWK with the reference genome B6. </a:t>
             </a:r>
           </a:p>
           <a:p>
@@ -3519,12 +3531,598 @@
           </a:p>
         </p:txBody>
       </p:sp>
-      <p:sp>
-        <p:nvSpPr>
-          <p:cNvPr id="4" name="Rectangle 3">
-            <a:extLst>
-              <a:ext uri="{FF2B5EF4-FFF2-40B4-BE49-F238E27FC236}">
-                <a16:creationId xmlns:a16="http://schemas.microsoft.com/office/drawing/2014/main" id="{04805936-9073-49F2-A50C-D6E2507A0449}"/>
+      <p:grpSp>
+        <p:nvGrpSpPr>
+          <p:cNvPr id="5" name="Group 4">
+            <a:extLst>
+              <a:ext uri="{FF2B5EF4-FFF2-40B4-BE49-F238E27FC236}">
+                <a16:creationId xmlns:a16="http://schemas.microsoft.com/office/drawing/2014/main" id="{13D824D2-FC69-459C-ABFC-1EB835AF6270}"/>
+              </a:ext>
+            </a:extLst>
+          </p:cNvPr>
+          <p:cNvGrpSpPr/>
+          <p:nvPr/>
+        </p:nvGrpSpPr>
+        <p:grpSpPr>
+          <a:xfrm>
+            <a:off x="5695279" y="4077816"/>
+            <a:ext cx="6407585" cy="2671421"/>
+            <a:chOff x="5585949" y="1690688"/>
+            <a:chExt cx="6407585" cy="2671421"/>
+          </a:xfrm>
+        </p:grpSpPr>
+        <p:sp>
+          <p:nvSpPr>
+            <p:cNvPr id="4" name="Rectangle 3">
+              <a:extLst>
+                <a:ext uri="{FF2B5EF4-FFF2-40B4-BE49-F238E27FC236}">
+                  <a16:creationId xmlns:a16="http://schemas.microsoft.com/office/drawing/2014/main" id="{04805936-9073-49F2-A50C-D6E2507A0449}"/>
+                </a:ext>
+              </a:extLst>
+            </p:cNvPr>
+            <p:cNvSpPr/>
+            <p:nvPr/>
+          </p:nvSpPr>
+          <p:spPr>
+            <a:xfrm>
+              <a:off x="6334125" y="2247900"/>
+              <a:ext cx="4000500" cy="333375"/>
+            </a:xfrm>
+            <a:prstGeom prst="rect">
+              <a:avLst/>
+            </a:prstGeom>
+          </p:spPr>
+          <p:style>
+            <a:lnRef idx="2">
+              <a:schemeClr val="accent1">
+                <a:shade val="50000"/>
+              </a:schemeClr>
+            </a:lnRef>
+            <a:fillRef idx="1">
+              <a:schemeClr val="accent1"/>
+            </a:fillRef>
+            <a:effectRef idx="0">
+              <a:schemeClr val="accent1"/>
+            </a:effectRef>
+            <a:fontRef idx="minor">
+              <a:schemeClr val="lt1"/>
+            </a:fontRef>
+          </p:style>
+          <p:txBody>
+            <a:bodyPr rtlCol="0" anchor="ctr"/>
+            <a:lstStyle/>
+            <a:p>
+              <a:pPr algn="ctr"/>
+              <a:endParaRPr lang="en-US"/>
+            </a:p>
+          </p:txBody>
+        </p:sp>
+        <p:cxnSp>
+          <p:nvCxnSpPr>
+            <p:cNvPr id="6" name="Straight Connector 5">
+              <a:extLst>
+                <a:ext uri="{FF2B5EF4-FFF2-40B4-BE49-F238E27FC236}">
+                  <a16:creationId xmlns:a16="http://schemas.microsoft.com/office/drawing/2014/main" id="{26D2792F-581A-41AC-A97A-21D150ABAAC4}"/>
+                </a:ext>
+              </a:extLst>
+            </p:cNvPr>
+            <p:cNvCxnSpPr/>
+            <p:nvPr/>
+          </p:nvCxnSpPr>
+          <p:spPr>
+            <a:xfrm flipV="1">
+              <a:off x="6324600" y="2085975"/>
+              <a:ext cx="0" cy="657225"/>
+            </a:xfrm>
+            <a:prstGeom prst="line">
+              <a:avLst/>
+            </a:prstGeom>
+          </p:spPr>
+          <p:style>
+            <a:lnRef idx="1">
+              <a:schemeClr val="accent1"/>
+            </a:lnRef>
+            <a:fillRef idx="0">
+              <a:schemeClr val="accent1"/>
+            </a:fillRef>
+            <a:effectRef idx="0">
+              <a:schemeClr val="accent1"/>
+            </a:effectRef>
+            <a:fontRef idx="minor">
+              <a:schemeClr val="tx1"/>
+            </a:fontRef>
+          </p:style>
+        </p:cxnSp>
+        <p:cxnSp>
+          <p:nvCxnSpPr>
+            <p:cNvPr id="7" name="Straight Connector 6">
+              <a:extLst>
+                <a:ext uri="{FF2B5EF4-FFF2-40B4-BE49-F238E27FC236}">
+                  <a16:creationId xmlns:a16="http://schemas.microsoft.com/office/drawing/2014/main" id="{7CD64ADE-A63E-47E8-9C83-198259EEB1FF}"/>
+                </a:ext>
+              </a:extLst>
+            </p:cNvPr>
+            <p:cNvCxnSpPr/>
+            <p:nvPr/>
+          </p:nvCxnSpPr>
+          <p:spPr>
+            <a:xfrm flipV="1">
+              <a:off x="10334625" y="2085974"/>
+              <a:ext cx="0" cy="657225"/>
+            </a:xfrm>
+            <a:prstGeom prst="line">
+              <a:avLst/>
+            </a:prstGeom>
+          </p:spPr>
+          <p:style>
+            <a:lnRef idx="1">
+              <a:schemeClr val="accent1"/>
+            </a:lnRef>
+            <a:fillRef idx="0">
+              <a:schemeClr val="accent1"/>
+            </a:fillRef>
+            <a:effectRef idx="0">
+              <a:schemeClr val="accent1"/>
+            </a:effectRef>
+            <a:fontRef idx="minor">
+              <a:schemeClr val="tx1"/>
+            </a:fontRef>
+          </p:style>
+        </p:cxnSp>
+        <p:sp>
+          <p:nvSpPr>
+            <p:cNvPr id="8" name="TextBox 7">
+              <a:extLst>
+                <a:ext uri="{FF2B5EF4-FFF2-40B4-BE49-F238E27FC236}">
+                  <a16:creationId xmlns:a16="http://schemas.microsoft.com/office/drawing/2014/main" id="{B4E2399B-24D2-469D-B509-B6FEFE189862}"/>
+                </a:ext>
+              </a:extLst>
+            </p:cNvPr>
+            <p:cNvSpPr txBox="1"/>
+            <p:nvPr/>
+          </p:nvSpPr>
+          <p:spPr>
+            <a:xfrm>
+              <a:off x="6173757" y="1690688"/>
+              <a:ext cx="301686" cy="369332"/>
+            </a:xfrm>
+            <a:prstGeom prst="rect">
+              <a:avLst/>
+            </a:prstGeom>
+            <a:noFill/>
+          </p:spPr>
+          <p:txBody>
+            <a:bodyPr wrap="none" rtlCol="0">
+              <a:spAutoFit/>
+            </a:bodyPr>
+            <a:lstStyle/>
+            <a:p>
+              <a:r>
+                <a:rPr lang="en-US" dirty="0"/>
+                <a:t>0</a:t>
+              </a:r>
+            </a:p>
+          </p:txBody>
+        </p:sp>
+        <p:sp>
+          <p:nvSpPr>
+            <p:cNvPr id="9" name="TextBox 8">
+              <a:extLst>
+                <a:ext uri="{FF2B5EF4-FFF2-40B4-BE49-F238E27FC236}">
+                  <a16:creationId xmlns:a16="http://schemas.microsoft.com/office/drawing/2014/main" id="{66C95F10-9921-4D8F-A172-06592AC8FA9B}"/>
+                </a:ext>
+              </a:extLst>
+            </p:cNvPr>
+            <p:cNvSpPr txBox="1"/>
+            <p:nvPr/>
+          </p:nvSpPr>
+          <p:spPr>
+            <a:xfrm>
+              <a:off x="9259509" y="1744147"/>
+              <a:ext cx="2164823" cy="369332"/>
+            </a:xfrm>
+            <a:prstGeom prst="rect">
+              <a:avLst/>
+            </a:prstGeom>
+            <a:noFill/>
+          </p:spPr>
+          <p:txBody>
+            <a:bodyPr wrap="none" rtlCol="0">
+              <a:spAutoFit/>
+            </a:bodyPr>
+            <a:lstStyle/>
+            <a:p>
+              <a:r>
+                <a:rPr lang="en-US" dirty="0"/>
+                <a:t>Window length (100)</a:t>
+              </a:r>
+            </a:p>
+          </p:txBody>
+        </p:sp>
+        <p:cxnSp>
+          <p:nvCxnSpPr>
+            <p:cNvPr id="11" name="Straight Arrow Connector 10">
+              <a:extLst>
+                <a:ext uri="{FF2B5EF4-FFF2-40B4-BE49-F238E27FC236}">
+                  <a16:creationId xmlns:a16="http://schemas.microsoft.com/office/drawing/2014/main" id="{55CA4E51-03BA-433B-AE66-9A2D7BEEFD36}"/>
+                </a:ext>
+              </a:extLst>
+            </p:cNvPr>
+            <p:cNvCxnSpPr/>
+            <p:nvPr/>
+          </p:nvCxnSpPr>
+          <p:spPr>
+            <a:xfrm flipH="1">
+              <a:off x="9020175" y="3171825"/>
+              <a:ext cx="1314450" cy="0"/>
+            </a:xfrm>
+            <a:prstGeom prst="straightConnector1">
+              <a:avLst/>
+            </a:prstGeom>
+            <a:ln>
+              <a:tailEnd type="triangle"/>
+            </a:ln>
+          </p:spPr>
+          <p:style>
+            <a:lnRef idx="1">
+              <a:schemeClr val="accent1"/>
+            </a:lnRef>
+            <a:fillRef idx="0">
+              <a:schemeClr val="accent1"/>
+            </a:fillRef>
+            <a:effectRef idx="0">
+              <a:schemeClr val="accent1"/>
+            </a:effectRef>
+            <a:fontRef idx="minor">
+              <a:schemeClr val="tx1"/>
+            </a:fontRef>
+          </p:style>
+        </p:cxnSp>
+        <p:cxnSp>
+          <p:nvCxnSpPr>
+            <p:cNvPr id="13" name="Straight Arrow Connector 12">
+              <a:extLst>
+                <a:ext uri="{FF2B5EF4-FFF2-40B4-BE49-F238E27FC236}">
+                  <a16:creationId xmlns:a16="http://schemas.microsoft.com/office/drawing/2014/main" id="{8C3F17BE-EE29-4241-AC65-BC25F8D19E25}"/>
+                </a:ext>
+              </a:extLst>
+            </p:cNvPr>
+            <p:cNvCxnSpPr/>
+            <p:nvPr/>
+          </p:nvCxnSpPr>
+          <p:spPr>
+            <a:xfrm>
+              <a:off x="6324600" y="3171825"/>
+              <a:ext cx="1390650" cy="0"/>
+            </a:xfrm>
+            <a:prstGeom prst="straightConnector1">
+              <a:avLst/>
+            </a:prstGeom>
+            <a:ln>
+              <a:tailEnd type="triangle"/>
+            </a:ln>
+          </p:spPr>
+          <p:style>
+            <a:lnRef idx="1">
+              <a:schemeClr val="accent1"/>
+            </a:lnRef>
+            <a:fillRef idx="0">
+              <a:schemeClr val="accent1"/>
+            </a:fillRef>
+            <a:effectRef idx="0">
+              <a:schemeClr val="accent1"/>
+            </a:effectRef>
+            <a:fontRef idx="minor">
+              <a:schemeClr val="tx1"/>
+            </a:fontRef>
+          </p:style>
+        </p:cxnSp>
+        <p:sp>
+          <p:nvSpPr>
+            <p:cNvPr id="14" name="TextBox 13">
+              <a:extLst>
+                <a:ext uri="{FF2B5EF4-FFF2-40B4-BE49-F238E27FC236}">
+                  <a16:creationId xmlns:a16="http://schemas.microsoft.com/office/drawing/2014/main" id="{4AA601C7-02D6-41D7-BCAE-93177C42F7F0}"/>
+                </a:ext>
+              </a:extLst>
+            </p:cNvPr>
+            <p:cNvSpPr txBox="1"/>
+            <p:nvPr/>
+          </p:nvSpPr>
+          <p:spPr>
+            <a:xfrm>
+              <a:off x="5585949" y="3200917"/>
+              <a:ext cx="2129301" cy="369332"/>
+            </a:xfrm>
+            <a:prstGeom prst="rect">
+              <a:avLst/>
+            </a:prstGeom>
+            <a:noFill/>
+          </p:spPr>
+          <p:txBody>
+            <a:bodyPr wrap="none" rtlCol="0">
+              <a:spAutoFit/>
+            </a:bodyPr>
+            <a:lstStyle/>
+            <a:p>
+              <a:r>
+                <a:rPr lang="en-US" dirty="0"/>
+                <a:t>Increasing sensitivity</a:t>
+              </a:r>
+            </a:p>
+          </p:txBody>
+        </p:sp>
+        <p:sp>
+          <p:nvSpPr>
+            <p:cNvPr id="19" name="TextBox 18">
+              <a:extLst>
+                <a:ext uri="{FF2B5EF4-FFF2-40B4-BE49-F238E27FC236}">
+                  <a16:creationId xmlns:a16="http://schemas.microsoft.com/office/drawing/2014/main" id="{D884D67C-8CB4-4FD7-9D83-80355860DA55}"/>
+                </a:ext>
+              </a:extLst>
+            </p:cNvPr>
+            <p:cNvSpPr txBox="1"/>
+            <p:nvPr/>
+          </p:nvSpPr>
+          <p:spPr>
+            <a:xfrm>
+              <a:off x="9020175" y="3200917"/>
+              <a:ext cx="2124492" cy="369332"/>
+            </a:xfrm>
+            <a:prstGeom prst="rect">
+              <a:avLst/>
+            </a:prstGeom>
+            <a:noFill/>
+          </p:spPr>
+          <p:txBody>
+            <a:bodyPr wrap="none" rtlCol="0">
+              <a:spAutoFit/>
+            </a:bodyPr>
+            <a:lstStyle/>
+            <a:p>
+              <a:r>
+                <a:rPr lang="en-US" dirty="0"/>
+                <a:t>Increasing specificity</a:t>
+              </a:r>
+            </a:p>
+          </p:txBody>
+        </p:sp>
+        <p:sp>
+          <p:nvSpPr>
+            <p:cNvPr id="20" name="Rectangle 19">
+              <a:extLst>
+                <a:ext uri="{FF2B5EF4-FFF2-40B4-BE49-F238E27FC236}">
+                  <a16:creationId xmlns:a16="http://schemas.microsoft.com/office/drawing/2014/main" id="{021A7F55-5CF8-4C7F-A2F2-902B08D41A5E}"/>
+                </a:ext>
+              </a:extLst>
+            </p:cNvPr>
+            <p:cNvSpPr/>
+            <p:nvPr/>
+          </p:nvSpPr>
+          <p:spPr>
+            <a:xfrm>
+              <a:off x="7800975" y="2060020"/>
+              <a:ext cx="1219186" cy="683173"/>
+            </a:xfrm>
+            <a:prstGeom prst="rect">
+              <a:avLst/>
+            </a:prstGeom>
+            <a:solidFill>
+              <a:srgbClr val="E43030">
+                <a:alpha val="18039"/>
+              </a:srgbClr>
+            </a:solidFill>
+          </p:spPr>
+          <p:style>
+            <a:lnRef idx="2">
+              <a:schemeClr val="accent1">
+                <a:shade val="50000"/>
+              </a:schemeClr>
+            </a:lnRef>
+            <a:fillRef idx="1">
+              <a:schemeClr val="accent1"/>
+            </a:fillRef>
+            <a:effectRef idx="0">
+              <a:schemeClr val="accent1"/>
+            </a:effectRef>
+            <a:fontRef idx="minor">
+              <a:schemeClr val="lt1"/>
+            </a:fontRef>
+          </p:style>
+          <p:txBody>
+            <a:bodyPr rtlCol="0" anchor="ctr"/>
+            <a:lstStyle/>
+            <a:p>
+              <a:pPr algn="ctr"/>
+              <a:endParaRPr lang="en-US"/>
+            </a:p>
+          </p:txBody>
+        </p:sp>
+        <p:cxnSp>
+          <p:nvCxnSpPr>
+            <p:cNvPr id="22" name="Connector: Elbow 21">
+              <a:extLst>
+                <a:ext uri="{FF2B5EF4-FFF2-40B4-BE49-F238E27FC236}">
+                  <a16:creationId xmlns:a16="http://schemas.microsoft.com/office/drawing/2014/main" id="{7DF7E82B-D106-4460-9E47-FA23B27454DD}"/>
+                </a:ext>
+              </a:extLst>
+            </p:cNvPr>
+            <p:cNvCxnSpPr>
+              <a:stCxn id="20" idx="2"/>
+            </p:cNvCxnSpPr>
+            <p:nvPr/>
+          </p:nvCxnSpPr>
+          <p:spPr>
+            <a:xfrm rot="16200000" flipH="1">
+              <a:off x="8439143" y="2714618"/>
+              <a:ext cx="1171582" cy="1228732"/>
+            </a:xfrm>
+            <a:prstGeom prst="bentConnector2">
+              <a:avLst/>
+            </a:prstGeom>
+          </p:spPr>
+          <p:style>
+            <a:lnRef idx="1">
+              <a:schemeClr val="accent1"/>
+            </a:lnRef>
+            <a:fillRef idx="0">
+              <a:schemeClr val="accent1"/>
+            </a:fillRef>
+            <a:effectRef idx="0">
+              <a:schemeClr val="accent1"/>
+            </a:effectRef>
+            <a:fontRef idx="minor">
+              <a:schemeClr val="tx1"/>
+            </a:fontRef>
+          </p:style>
+        </p:cxnSp>
+        <p:sp>
+          <p:nvSpPr>
+            <p:cNvPr id="23" name="TextBox 22">
+              <a:extLst>
+                <a:ext uri="{FF2B5EF4-FFF2-40B4-BE49-F238E27FC236}">
+                  <a16:creationId xmlns:a16="http://schemas.microsoft.com/office/drawing/2014/main" id="{11EE4159-6A94-4C30-86A8-9ED475282959}"/>
+                </a:ext>
+              </a:extLst>
+            </p:cNvPr>
+            <p:cNvSpPr txBox="1"/>
+            <p:nvPr/>
+          </p:nvSpPr>
+          <p:spPr>
+            <a:xfrm>
+              <a:off x="9639300" y="3715778"/>
+              <a:ext cx="2354234" cy="646331"/>
+            </a:xfrm>
+            <a:prstGeom prst="rect">
+              <a:avLst/>
+            </a:prstGeom>
+            <a:noFill/>
+          </p:spPr>
+          <p:txBody>
+            <a:bodyPr wrap="none" rtlCol="0">
+              <a:spAutoFit/>
+            </a:bodyPr>
+            <a:lstStyle/>
+            <a:p>
+              <a:r>
+                <a:rPr lang="en-US" dirty="0"/>
+                <a:t>Optimal region: </a:t>
+              </a:r>
+            </a:p>
+            <a:p>
+              <a:r>
+                <a:rPr lang="en-US" dirty="0"/>
+                <a:t>Maximize </a:t>
+              </a:r>
+              <a:r>
+                <a:rPr lang="en-US" dirty="0" err="1"/>
+                <a:t>sens.</a:t>
+              </a:r>
+              <a:r>
+                <a:rPr lang="en-US" dirty="0"/>
+                <a:t> &amp; spec.</a:t>
+              </a:r>
+            </a:p>
+          </p:txBody>
+        </p:sp>
+      </p:grpSp>
+      <p:sp>
+        <p:nvSpPr>
+          <p:cNvPr id="24" name="TextBox 23">
+            <a:extLst>
+              <a:ext uri="{FF2B5EF4-FFF2-40B4-BE49-F238E27FC236}">
+                <a16:creationId xmlns:a16="http://schemas.microsoft.com/office/drawing/2014/main" id="{975CC80D-DE85-4707-9FAC-8AAB1D5030AE}"/>
+              </a:ext>
+            </a:extLst>
+          </p:cNvPr>
+          <p:cNvSpPr txBox="1"/>
+          <p:nvPr/>
+        </p:nvSpPr>
+        <p:spPr>
+          <a:xfrm>
+            <a:off x="330614" y="4447148"/>
+            <a:ext cx="4844222" cy="1754326"/>
+          </a:xfrm>
+          <a:prstGeom prst="rect">
+            <a:avLst/>
+          </a:prstGeom>
+          <a:noFill/>
+        </p:spPr>
+        <p:txBody>
+          <a:bodyPr wrap="square" rtlCol="0">
+            <a:spAutoFit/>
+          </a:bodyPr>
+          <a:lstStyle/>
+          <a:p>
+            <a:r>
+              <a:rPr lang="en-US" dirty="0"/>
+              <a:t>Data we have to use: </a:t>
+            </a:r>
+          </a:p>
+          <a:p>
+            <a:r>
+              <a:rPr lang="en-US" dirty="0"/>
+              <a:t>	1. “True” variation in PWK-B6 chromosome 1(.</a:t>
+            </a:r>
+            <a:r>
+              <a:rPr lang="en-US" dirty="0" err="1"/>
+              <a:t>vcf</a:t>
+            </a:r>
+            <a:r>
+              <a:rPr lang="en-US" dirty="0"/>
+              <a:t>) </a:t>
+            </a:r>
+          </a:p>
+          <a:p>
+            <a:r>
+              <a:rPr lang="en-US" dirty="0"/>
+              <a:t>	2.  PWK RNA-seq reads (</a:t>
+            </a:r>
+            <a:r>
+              <a:rPr lang="en-US" dirty="0" err="1"/>
+              <a:t>fastq</a:t>
+            </a:r>
+            <a:r>
+              <a:rPr lang="en-US" dirty="0"/>
+              <a:t>) </a:t>
+            </a:r>
+          </a:p>
+          <a:p>
+            <a:r>
+              <a:rPr lang="en-US" dirty="0"/>
+              <a:t>	3. B6 Reference Genome (.</a:t>
+            </a:r>
+            <a:r>
+              <a:rPr lang="en-US" dirty="0" err="1"/>
+              <a:t>gcf</a:t>
+            </a:r>
+            <a:r>
+              <a:rPr lang="en-US" dirty="0"/>
+              <a:t>) </a:t>
+            </a:r>
+          </a:p>
+          <a:p>
+            <a:r>
+              <a:rPr lang="en-US" dirty="0"/>
+              <a:t>	4.  B6 </a:t>
+            </a:r>
+            <a:r>
+              <a:rPr lang="en-US" dirty="0" err="1"/>
+              <a:t>fasta</a:t>
+            </a:r>
+            <a:r>
+              <a:rPr lang="en-US" dirty="0"/>
+              <a:t> file for chromosome 1 (.fa)</a:t>
+            </a:r>
+          </a:p>
+        </p:txBody>
+      </p:sp>
+      <p:sp>
+        <p:nvSpPr>
+          <p:cNvPr id="10" name="Rectangle 9">
+            <a:extLst>
+              <a:ext uri="{FF2B5EF4-FFF2-40B4-BE49-F238E27FC236}">
+                <a16:creationId xmlns:a16="http://schemas.microsoft.com/office/drawing/2014/main" id="{D99FB61A-1CD0-40D8-ADEC-E7D971DB73C0}"/>
               </a:ext>
             </a:extLst>
           </p:cNvPr>
@@ -3533,8 +4131,8 @@
         </p:nvSpPr>
         <p:spPr>
           <a:xfrm>
-            <a:off x="6334125" y="2247900"/>
-            <a:ext cx="4000500" cy="333375"/>
+            <a:off x="6433930" y="2017643"/>
+            <a:ext cx="1476375" cy="393209"/>
           </a:xfrm>
           <a:prstGeom prst="rect">
             <a:avLst/>
@@ -3565,12 +4163,487 @@
           </a:p>
         </p:txBody>
       </p:sp>
+      <p:sp>
+        <p:nvSpPr>
+          <p:cNvPr id="21" name="Rectangle 20">
+            <a:extLst>
+              <a:ext uri="{FF2B5EF4-FFF2-40B4-BE49-F238E27FC236}">
+                <a16:creationId xmlns:a16="http://schemas.microsoft.com/office/drawing/2014/main" id="{BC53B4F0-CA83-4371-9DE4-D7BF1F115F68}"/>
+              </a:ext>
+            </a:extLst>
+          </p:cNvPr>
+          <p:cNvSpPr/>
+          <p:nvPr/>
+        </p:nvSpPr>
+        <p:spPr>
+          <a:xfrm>
+            <a:off x="7910306" y="2017643"/>
+            <a:ext cx="1425190" cy="393209"/>
+          </a:xfrm>
+          <a:prstGeom prst="rect">
+            <a:avLst/>
+          </a:prstGeom>
+        </p:spPr>
+        <p:style>
+          <a:lnRef idx="2">
+            <a:schemeClr val="accent1">
+              <a:shade val="50000"/>
+            </a:schemeClr>
+          </a:lnRef>
+          <a:fillRef idx="1">
+            <a:schemeClr val="accent1"/>
+          </a:fillRef>
+          <a:effectRef idx="0">
+            <a:schemeClr val="accent1"/>
+          </a:effectRef>
+          <a:fontRef idx="minor">
+            <a:schemeClr val="lt1"/>
+          </a:fontRef>
+        </p:style>
+        <p:txBody>
+          <a:bodyPr rtlCol="0" anchor="ctr"/>
+          <a:lstStyle/>
+          <a:p>
+            <a:pPr algn="ctr"/>
+            <a:endParaRPr lang="en-US"/>
+          </a:p>
+        </p:txBody>
+      </p:sp>
+      <p:sp>
+        <p:nvSpPr>
+          <p:cNvPr id="16" name="Rectangle 15">
+            <a:extLst>
+              <a:ext uri="{FF2B5EF4-FFF2-40B4-BE49-F238E27FC236}">
+                <a16:creationId xmlns:a16="http://schemas.microsoft.com/office/drawing/2014/main" id="{E71CA202-374F-47A0-B6AE-8E66743956C0}"/>
+              </a:ext>
+            </a:extLst>
+          </p:cNvPr>
+          <p:cNvSpPr/>
+          <p:nvPr/>
+        </p:nvSpPr>
+        <p:spPr>
+          <a:xfrm>
+            <a:off x="6433930" y="2017644"/>
+            <a:ext cx="622854" cy="228600"/>
+          </a:xfrm>
+          <a:prstGeom prst="rect">
+            <a:avLst/>
+          </a:prstGeom>
+        </p:spPr>
+        <p:style>
+          <a:lnRef idx="2">
+            <a:schemeClr val="accent4">
+              <a:shade val="50000"/>
+            </a:schemeClr>
+          </a:lnRef>
+          <a:fillRef idx="1">
+            <a:schemeClr val="accent4"/>
+          </a:fillRef>
+          <a:effectRef idx="0">
+            <a:schemeClr val="accent4"/>
+          </a:effectRef>
+          <a:fontRef idx="minor">
+            <a:schemeClr val="lt1"/>
+          </a:fontRef>
+        </p:style>
+        <p:txBody>
+          <a:bodyPr rtlCol="0" anchor="ctr"/>
+          <a:lstStyle/>
+          <a:p>
+            <a:pPr algn="ctr"/>
+            <a:r>
+              <a:rPr lang="en-US" sz="900" dirty="0"/>
+              <a:t>READ 1</a:t>
+            </a:r>
+          </a:p>
+        </p:txBody>
+      </p:sp>
+      <p:sp>
+        <p:nvSpPr>
+          <p:cNvPr id="25" name="Rectangle 24">
+            <a:extLst>
+              <a:ext uri="{FF2B5EF4-FFF2-40B4-BE49-F238E27FC236}">
+                <a16:creationId xmlns:a16="http://schemas.microsoft.com/office/drawing/2014/main" id="{FE412A3B-7272-4D26-9196-AAFD312E29D8}"/>
+              </a:ext>
+            </a:extLst>
+          </p:cNvPr>
+          <p:cNvSpPr/>
+          <p:nvPr/>
+        </p:nvSpPr>
+        <p:spPr>
+          <a:xfrm>
+            <a:off x="7075007" y="2017642"/>
+            <a:ext cx="546642" cy="228600"/>
+          </a:xfrm>
+          <a:prstGeom prst="rect">
+            <a:avLst/>
+          </a:prstGeom>
+        </p:spPr>
+        <p:style>
+          <a:lnRef idx="2">
+            <a:schemeClr val="accent4">
+              <a:shade val="50000"/>
+            </a:schemeClr>
+          </a:lnRef>
+          <a:fillRef idx="1">
+            <a:schemeClr val="accent4"/>
+          </a:fillRef>
+          <a:effectRef idx="0">
+            <a:schemeClr val="accent4"/>
+          </a:effectRef>
+          <a:fontRef idx="minor">
+            <a:schemeClr val="lt1"/>
+          </a:fontRef>
+        </p:style>
+        <p:txBody>
+          <a:bodyPr rtlCol="0" anchor="ctr"/>
+          <a:lstStyle/>
+          <a:p>
+            <a:pPr algn="ctr"/>
+            <a:r>
+              <a:rPr lang="en-US" sz="900" dirty="0"/>
+              <a:t>READ 2</a:t>
+            </a:r>
+          </a:p>
+        </p:txBody>
+      </p:sp>
+      <p:sp>
+        <p:nvSpPr>
+          <p:cNvPr id="26" name="Rectangle 25">
+            <a:extLst>
+              <a:ext uri="{FF2B5EF4-FFF2-40B4-BE49-F238E27FC236}">
+                <a16:creationId xmlns:a16="http://schemas.microsoft.com/office/drawing/2014/main" id="{446709D3-5A85-4414-9965-809ECF70340D}"/>
+              </a:ext>
+            </a:extLst>
+          </p:cNvPr>
+          <p:cNvSpPr/>
+          <p:nvPr/>
+        </p:nvSpPr>
+        <p:spPr>
+          <a:xfrm>
+            <a:off x="7646096" y="2017642"/>
+            <a:ext cx="546642" cy="228600"/>
+          </a:xfrm>
+          <a:prstGeom prst="rect">
+            <a:avLst/>
+          </a:prstGeom>
+        </p:spPr>
+        <p:style>
+          <a:lnRef idx="2">
+            <a:schemeClr val="accent4">
+              <a:shade val="50000"/>
+            </a:schemeClr>
+          </a:lnRef>
+          <a:fillRef idx="1">
+            <a:schemeClr val="accent4"/>
+          </a:fillRef>
+          <a:effectRef idx="0">
+            <a:schemeClr val="accent4"/>
+          </a:effectRef>
+          <a:fontRef idx="minor">
+            <a:schemeClr val="lt1"/>
+          </a:fontRef>
+        </p:style>
+        <p:txBody>
+          <a:bodyPr rtlCol="0" anchor="ctr"/>
+          <a:lstStyle/>
+          <a:p>
+            <a:pPr algn="ctr"/>
+            <a:r>
+              <a:rPr lang="en-US" sz="900" dirty="0"/>
+              <a:t>Read 3</a:t>
+            </a:r>
+          </a:p>
+        </p:txBody>
+      </p:sp>
       <p:cxnSp>
         <p:nvCxnSpPr>
-          <p:cNvPr id="6" name="Straight Connector 5">
-            <a:extLst>
-              <a:ext uri="{FF2B5EF4-FFF2-40B4-BE49-F238E27FC236}">
-                <a16:creationId xmlns:a16="http://schemas.microsoft.com/office/drawing/2014/main" id="{26D2792F-581A-41AC-A97A-21D150ABAAC4}"/>
+          <p:cNvPr id="15" name="Straight Connector 14">
+            <a:extLst>
+              <a:ext uri="{FF2B5EF4-FFF2-40B4-BE49-F238E27FC236}">
+                <a16:creationId xmlns:a16="http://schemas.microsoft.com/office/drawing/2014/main" id="{F544B857-5B0F-43BA-A6F3-B2F22F124495}"/>
+              </a:ext>
+            </a:extLst>
+          </p:cNvPr>
+          <p:cNvCxnSpPr>
+            <a:cxnSpLocks/>
+            <a:stCxn id="26" idx="0"/>
+          </p:cNvCxnSpPr>
+          <p:nvPr/>
+        </p:nvCxnSpPr>
+        <p:spPr>
+          <a:xfrm flipH="1">
+            <a:off x="7905750" y="2017642"/>
+            <a:ext cx="13667" cy="431592"/>
+          </a:xfrm>
+          <a:prstGeom prst="line">
+            <a:avLst/>
+          </a:prstGeom>
+          <a:ln w="9525" cap="flat" cmpd="sng" algn="ctr">
+            <a:solidFill>
+              <a:schemeClr val="dk1"/>
+            </a:solidFill>
+            <a:prstDash val="dash"/>
+            <a:round/>
+            <a:headEnd type="none" w="med" len="med"/>
+            <a:tailEnd type="none" w="med" len="med"/>
+          </a:ln>
+        </p:spPr>
+        <p:style>
+          <a:lnRef idx="0">
+            <a:scrgbClr r="0" g="0" b="0"/>
+          </a:lnRef>
+          <a:fillRef idx="0">
+            <a:scrgbClr r="0" g="0" b="0"/>
+          </a:fillRef>
+          <a:effectRef idx="0">
+            <a:scrgbClr r="0" g="0" b="0"/>
+          </a:effectRef>
+          <a:fontRef idx="minor">
+            <a:schemeClr val="tx1"/>
+          </a:fontRef>
+        </p:style>
+      </p:cxnSp>
+      <p:sp>
+        <p:nvSpPr>
+          <p:cNvPr id="27" name="Rectangle 26">
+            <a:extLst>
+              <a:ext uri="{FF2B5EF4-FFF2-40B4-BE49-F238E27FC236}">
+                <a16:creationId xmlns:a16="http://schemas.microsoft.com/office/drawing/2014/main" id="{7D848868-ED2A-42B3-A4AF-3CE9A034AEB6}"/>
+              </a:ext>
+            </a:extLst>
+          </p:cNvPr>
+          <p:cNvSpPr/>
+          <p:nvPr/>
+        </p:nvSpPr>
+        <p:spPr>
+          <a:xfrm>
+            <a:off x="8217475" y="2017642"/>
+            <a:ext cx="546642" cy="228600"/>
+          </a:xfrm>
+          <a:prstGeom prst="rect">
+            <a:avLst/>
+          </a:prstGeom>
+        </p:spPr>
+        <p:style>
+          <a:lnRef idx="2">
+            <a:schemeClr val="accent4">
+              <a:shade val="50000"/>
+            </a:schemeClr>
+          </a:lnRef>
+          <a:fillRef idx="1">
+            <a:schemeClr val="accent4"/>
+          </a:fillRef>
+          <a:effectRef idx="0">
+            <a:schemeClr val="accent4"/>
+          </a:effectRef>
+          <a:fontRef idx="minor">
+            <a:schemeClr val="lt1"/>
+          </a:fontRef>
+        </p:style>
+        <p:txBody>
+          <a:bodyPr rtlCol="0" anchor="ctr"/>
+          <a:lstStyle/>
+          <a:p>
+            <a:pPr algn="ctr"/>
+            <a:r>
+              <a:rPr lang="en-US" sz="900" dirty="0"/>
+              <a:t>Read 4</a:t>
+            </a:r>
+          </a:p>
+        </p:txBody>
+      </p:sp>
+      <p:sp>
+        <p:nvSpPr>
+          <p:cNvPr id="28" name="Rectangle 27">
+            <a:extLst>
+              <a:ext uri="{FF2B5EF4-FFF2-40B4-BE49-F238E27FC236}">
+                <a16:creationId xmlns:a16="http://schemas.microsoft.com/office/drawing/2014/main" id="{050E8EF8-C9DB-45C8-856A-94496F45F543}"/>
+              </a:ext>
+            </a:extLst>
+          </p:cNvPr>
+          <p:cNvSpPr/>
+          <p:nvPr/>
+        </p:nvSpPr>
+        <p:spPr>
+          <a:xfrm>
+            <a:off x="8788854" y="2017642"/>
+            <a:ext cx="546642" cy="228600"/>
+          </a:xfrm>
+          <a:prstGeom prst="rect">
+            <a:avLst/>
+          </a:prstGeom>
+        </p:spPr>
+        <p:style>
+          <a:lnRef idx="2">
+            <a:schemeClr val="accent4">
+              <a:shade val="50000"/>
+            </a:schemeClr>
+          </a:lnRef>
+          <a:fillRef idx="1">
+            <a:schemeClr val="accent4"/>
+          </a:fillRef>
+          <a:effectRef idx="0">
+            <a:schemeClr val="accent4"/>
+          </a:effectRef>
+          <a:fontRef idx="minor">
+            <a:schemeClr val="lt1"/>
+          </a:fontRef>
+        </p:style>
+        <p:txBody>
+          <a:bodyPr rtlCol="0" anchor="ctr"/>
+          <a:lstStyle/>
+          <a:p>
+            <a:pPr algn="ctr"/>
+            <a:r>
+              <a:rPr lang="en-US" sz="900" dirty="0"/>
+              <a:t>Read 5</a:t>
+            </a:r>
+          </a:p>
+        </p:txBody>
+      </p:sp>
+      <p:cxnSp>
+        <p:nvCxnSpPr>
+          <p:cNvPr id="18" name="Straight Connector 17">
+            <a:extLst>
+              <a:ext uri="{FF2B5EF4-FFF2-40B4-BE49-F238E27FC236}">
+                <a16:creationId xmlns:a16="http://schemas.microsoft.com/office/drawing/2014/main" id="{9F6F3E12-4505-468B-9E61-68FA463EEB33}"/>
+              </a:ext>
+            </a:extLst>
+          </p:cNvPr>
+          <p:cNvCxnSpPr>
+            <a:cxnSpLocks/>
+          </p:cNvCxnSpPr>
+          <p:nvPr/>
+        </p:nvCxnSpPr>
+        <p:spPr>
+          <a:xfrm>
+            <a:off x="5059680" y="3253047"/>
+            <a:ext cx="5767647" cy="0"/>
+          </a:xfrm>
+          <a:prstGeom prst="line">
+            <a:avLst/>
+          </a:prstGeom>
+        </p:spPr>
+        <p:style>
+          <a:lnRef idx="3">
+            <a:schemeClr val="dk1"/>
+          </a:lnRef>
+          <a:fillRef idx="0">
+            <a:schemeClr val="dk1"/>
+          </a:fillRef>
+          <a:effectRef idx="2">
+            <a:schemeClr val="dk1"/>
+          </a:effectRef>
+          <a:fontRef idx="minor">
+            <a:schemeClr val="tx1"/>
+          </a:fontRef>
+        </p:style>
+      </p:cxnSp>
+      <p:sp>
+        <p:nvSpPr>
+          <p:cNvPr id="29" name="Rectangle 28">
+            <a:extLst>
+              <a:ext uri="{FF2B5EF4-FFF2-40B4-BE49-F238E27FC236}">
+                <a16:creationId xmlns:a16="http://schemas.microsoft.com/office/drawing/2014/main" id="{C9882A2F-9CD9-4A5F-89A6-AFCFFD763C28}"/>
+              </a:ext>
+            </a:extLst>
+          </p:cNvPr>
+          <p:cNvSpPr/>
+          <p:nvPr/>
+        </p:nvSpPr>
+        <p:spPr>
+          <a:xfrm>
+            <a:off x="5638986" y="3039015"/>
+            <a:ext cx="1476375" cy="393209"/>
+          </a:xfrm>
+          <a:prstGeom prst="rect">
+            <a:avLst/>
+          </a:prstGeom>
+        </p:spPr>
+        <p:style>
+          <a:lnRef idx="2">
+            <a:schemeClr val="accent1">
+              <a:shade val="50000"/>
+            </a:schemeClr>
+          </a:lnRef>
+          <a:fillRef idx="1">
+            <a:schemeClr val="accent1"/>
+          </a:fillRef>
+          <a:effectRef idx="0">
+            <a:schemeClr val="accent1"/>
+          </a:effectRef>
+          <a:fontRef idx="minor">
+            <a:schemeClr val="lt1"/>
+          </a:fontRef>
+        </p:style>
+        <p:txBody>
+          <a:bodyPr rtlCol="0" anchor="ctr"/>
+          <a:lstStyle/>
+          <a:p>
+            <a:pPr algn="ctr"/>
+            <a:r>
+              <a:rPr lang="en-US" dirty="0"/>
+              <a:t>EXON 1</a:t>
+            </a:r>
+          </a:p>
+        </p:txBody>
+      </p:sp>
+      <p:sp>
+        <p:nvSpPr>
+          <p:cNvPr id="30" name="Rectangle 29">
+            <a:extLst>
+              <a:ext uri="{FF2B5EF4-FFF2-40B4-BE49-F238E27FC236}">
+                <a16:creationId xmlns:a16="http://schemas.microsoft.com/office/drawing/2014/main" id="{BB284B29-6D1D-44CF-AFEF-9D1BC7F85489}"/>
+              </a:ext>
+            </a:extLst>
+          </p:cNvPr>
+          <p:cNvSpPr/>
+          <p:nvPr/>
+        </p:nvSpPr>
+        <p:spPr>
+          <a:xfrm>
+            <a:off x="8535486" y="3039031"/>
+            <a:ext cx="1476375" cy="393209"/>
+          </a:xfrm>
+          <a:prstGeom prst="rect">
+            <a:avLst/>
+          </a:prstGeom>
+        </p:spPr>
+        <p:style>
+          <a:lnRef idx="2">
+            <a:schemeClr val="accent1">
+              <a:shade val="50000"/>
+            </a:schemeClr>
+          </a:lnRef>
+          <a:fillRef idx="1">
+            <a:schemeClr val="accent1"/>
+          </a:fillRef>
+          <a:effectRef idx="0">
+            <a:schemeClr val="accent1"/>
+          </a:effectRef>
+          <a:fontRef idx="minor">
+            <a:schemeClr val="lt1"/>
+          </a:fontRef>
+        </p:style>
+        <p:txBody>
+          <a:bodyPr rtlCol="0" anchor="ctr"/>
+          <a:lstStyle/>
+          <a:p>
+            <a:pPr algn="ctr"/>
+            <a:r>
+              <a:rPr lang="en-US" dirty="0"/>
+              <a:t>EXON 2</a:t>
+            </a:r>
+          </a:p>
+        </p:txBody>
+      </p:sp>
+      <p:cxnSp>
+        <p:nvCxnSpPr>
+          <p:cNvPr id="33" name="Straight Connector 32">
+            <a:extLst>
+              <a:ext uri="{FF2B5EF4-FFF2-40B4-BE49-F238E27FC236}">
+                <a16:creationId xmlns:a16="http://schemas.microsoft.com/office/drawing/2014/main" id="{E9DF9139-86A8-4B8A-80D0-984A95350DC1}"/>
               </a:ext>
             </a:extLst>
           </p:cNvPr>
@@ -3578,11 +4651,173 @@
           <p:nvPr/>
         </p:nvCxnSpPr>
         <p:spPr>
-          <a:xfrm flipV="1">
-            <a:off x="6324600" y="2085975"/>
-            <a:ext cx="0" cy="657225"/>
+          <a:xfrm flipH="1">
+            <a:off x="7087236" y="2419373"/>
+            <a:ext cx="804469" cy="628163"/>
           </a:xfrm>
           <a:prstGeom prst="line">
+            <a:avLst/>
+          </a:prstGeom>
+          <a:ln w="9525" cap="flat" cmpd="sng" algn="ctr">
+            <a:solidFill>
+              <a:schemeClr val="dk1"/>
+            </a:solidFill>
+            <a:prstDash val="dash"/>
+            <a:round/>
+            <a:headEnd type="none" w="med" len="med"/>
+            <a:tailEnd type="none" w="med" len="med"/>
+          </a:ln>
+        </p:spPr>
+        <p:style>
+          <a:lnRef idx="0">
+            <a:scrgbClr r="0" g="0" b="0"/>
+          </a:lnRef>
+          <a:fillRef idx="0">
+            <a:scrgbClr r="0" g="0" b="0"/>
+          </a:fillRef>
+          <a:effectRef idx="0">
+            <a:scrgbClr r="0" g="0" b="0"/>
+          </a:effectRef>
+          <a:fontRef idx="minor">
+            <a:schemeClr val="tx1"/>
+          </a:fontRef>
+        </p:style>
+      </p:cxnSp>
+      <p:cxnSp>
+        <p:nvCxnSpPr>
+          <p:cNvPr id="34" name="Straight Connector 33">
+            <a:extLst>
+              <a:ext uri="{FF2B5EF4-FFF2-40B4-BE49-F238E27FC236}">
+                <a16:creationId xmlns:a16="http://schemas.microsoft.com/office/drawing/2014/main" id="{34F87228-2DED-4B0C-836D-F69748257370}"/>
+              </a:ext>
+            </a:extLst>
+          </p:cNvPr>
+          <p:cNvCxnSpPr>
+            <a:cxnSpLocks/>
+          </p:cNvCxnSpPr>
+          <p:nvPr/>
+        </p:nvCxnSpPr>
+        <p:spPr>
+          <a:xfrm>
+            <a:off x="7919417" y="2419373"/>
+            <a:ext cx="600481" cy="619642"/>
+          </a:xfrm>
+          <a:prstGeom prst="line">
+            <a:avLst/>
+          </a:prstGeom>
+          <a:ln w="9525" cap="flat" cmpd="sng" algn="ctr">
+            <a:solidFill>
+              <a:schemeClr val="dk1"/>
+            </a:solidFill>
+            <a:prstDash val="dash"/>
+            <a:round/>
+            <a:headEnd type="none" w="med" len="med"/>
+            <a:tailEnd type="none" w="med" len="med"/>
+          </a:ln>
+        </p:spPr>
+        <p:style>
+          <a:lnRef idx="0">
+            <a:scrgbClr r="0" g="0" b="0"/>
+          </a:lnRef>
+          <a:fillRef idx="0">
+            <a:scrgbClr r="0" g="0" b="0"/>
+          </a:fillRef>
+          <a:effectRef idx="0">
+            <a:scrgbClr r="0" g="0" b="0"/>
+          </a:effectRef>
+          <a:fontRef idx="minor">
+            <a:schemeClr val="tx1"/>
+          </a:fontRef>
+        </p:style>
+      </p:cxnSp>
+      <p:sp>
+        <p:nvSpPr>
+          <p:cNvPr id="38" name="TextBox 37">
+            <a:extLst>
+              <a:ext uri="{FF2B5EF4-FFF2-40B4-BE49-F238E27FC236}">
+                <a16:creationId xmlns:a16="http://schemas.microsoft.com/office/drawing/2014/main" id="{642BF89C-16D5-4D11-81E3-C55135A56A56}"/>
+              </a:ext>
+            </a:extLst>
+          </p:cNvPr>
+          <p:cNvSpPr txBox="1"/>
+          <p:nvPr/>
+        </p:nvSpPr>
+        <p:spPr>
+          <a:xfrm>
+            <a:off x="7356317" y="2951907"/>
+            <a:ext cx="927818" cy="369332"/>
+          </a:xfrm>
+          <a:prstGeom prst="rect">
+            <a:avLst/>
+          </a:prstGeom>
+          <a:noFill/>
+        </p:spPr>
+        <p:txBody>
+          <a:bodyPr wrap="none" rtlCol="0">
+            <a:spAutoFit/>
+          </a:bodyPr>
+          <a:lstStyle/>
+          <a:p>
+            <a:r>
+              <a:rPr lang="en-US" dirty="0"/>
+              <a:t>INTRON</a:t>
+            </a:r>
+          </a:p>
+        </p:txBody>
+      </p:sp>
+      <p:sp>
+        <p:nvSpPr>
+          <p:cNvPr id="39" name="TextBox 38">
+            <a:extLst>
+              <a:ext uri="{FF2B5EF4-FFF2-40B4-BE49-F238E27FC236}">
+                <a16:creationId xmlns:a16="http://schemas.microsoft.com/office/drawing/2014/main" id="{701ED219-28F9-42DD-B5B6-BD5B644CAFCE}"/>
+              </a:ext>
+            </a:extLst>
+          </p:cNvPr>
+          <p:cNvSpPr txBox="1"/>
+          <p:nvPr/>
+        </p:nvSpPr>
+        <p:spPr>
+          <a:xfrm>
+            <a:off x="9360233" y="1990060"/>
+            <a:ext cx="776175" cy="369332"/>
+          </a:xfrm>
+          <a:prstGeom prst="rect">
+            <a:avLst/>
+          </a:prstGeom>
+          <a:noFill/>
+        </p:spPr>
+        <p:txBody>
+          <a:bodyPr wrap="none" rtlCol="0">
+            <a:spAutoFit/>
+          </a:bodyPr>
+          <a:lstStyle/>
+          <a:p>
+            <a:r>
+              <a:rPr lang="en-US" dirty="0"/>
+              <a:t>mRNA</a:t>
+            </a:r>
+          </a:p>
+        </p:txBody>
+      </p:sp>
+      <p:sp>
+        <p:nvSpPr>
+          <p:cNvPr id="40" name="Right Brace 39">
+            <a:extLst>
+              <a:ext uri="{FF2B5EF4-FFF2-40B4-BE49-F238E27FC236}">
+                <a16:creationId xmlns:a16="http://schemas.microsoft.com/office/drawing/2014/main" id="{54ADB8AC-9880-4FC0-86AC-928E80DC146C}"/>
+              </a:ext>
+            </a:extLst>
+          </p:cNvPr>
+          <p:cNvSpPr/>
+          <p:nvPr/>
+        </p:nvSpPr>
+        <p:spPr>
+          <a:xfrm rot="16200000">
+            <a:off x="7766401" y="428778"/>
+            <a:ext cx="228600" cy="2901564"/>
+          </a:xfrm>
+          <a:prstGeom prst="rightBrace">
             <a:avLst/>
           </a:prstGeom>
         </p:spPr>
@@ -3600,119 +4835,438 @@
             <a:schemeClr val="tx1"/>
           </a:fontRef>
         </p:style>
-      </p:cxnSp>
+        <p:txBody>
+          <a:bodyPr rtlCol="0" anchor="ctr"/>
+          <a:lstStyle/>
+          <a:p>
+            <a:pPr algn="ctr"/>
+            <a:endParaRPr lang="en-US"/>
+          </a:p>
+        </p:txBody>
+      </p:sp>
+      <p:sp>
+        <p:nvSpPr>
+          <p:cNvPr id="42" name="TextBox 41">
+            <a:extLst>
+              <a:ext uri="{FF2B5EF4-FFF2-40B4-BE49-F238E27FC236}">
+                <a16:creationId xmlns:a16="http://schemas.microsoft.com/office/drawing/2014/main" id="{F2B7B5C2-0629-4EB5-B321-EE58062EE3C4}"/>
+              </a:ext>
+            </a:extLst>
+          </p:cNvPr>
+          <p:cNvSpPr txBox="1"/>
+          <p:nvPr/>
+        </p:nvSpPr>
+        <p:spPr>
+          <a:xfrm>
+            <a:off x="7448523" y="1458108"/>
+            <a:ext cx="1042273" cy="369332"/>
+          </a:xfrm>
+          <a:prstGeom prst="rect">
+            <a:avLst/>
+          </a:prstGeom>
+          <a:noFill/>
+        </p:spPr>
+        <p:txBody>
+          <a:bodyPr wrap="none" rtlCol="0">
+            <a:spAutoFit/>
+          </a:bodyPr>
+          <a:lstStyle/>
+          <a:p>
+            <a:r>
+              <a:rPr lang="en-US" dirty="0"/>
+              <a:t>RNA-seq </a:t>
+            </a:r>
+          </a:p>
+        </p:txBody>
+      </p:sp>
       <p:cxnSp>
         <p:nvCxnSpPr>
-          <p:cNvPr id="7" name="Straight Connector 6">
-            <a:extLst>
-              <a:ext uri="{FF2B5EF4-FFF2-40B4-BE49-F238E27FC236}">
-                <a16:creationId xmlns:a16="http://schemas.microsoft.com/office/drawing/2014/main" id="{7CD64ADE-A63E-47E8-9C83-198259EEB1FF}"/>
-              </a:ext>
-            </a:extLst>
-          </p:cNvPr>
-          <p:cNvCxnSpPr/>
+          <p:cNvPr id="45" name="Straight Arrow Connector 44">
+            <a:extLst>
+              <a:ext uri="{FF2B5EF4-FFF2-40B4-BE49-F238E27FC236}">
+                <a16:creationId xmlns:a16="http://schemas.microsoft.com/office/drawing/2014/main" id="{FE898A5D-5CD0-4D63-82E3-DEBBB3EA7DC7}"/>
+              </a:ext>
+            </a:extLst>
+          </p:cNvPr>
+          <p:cNvCxnSpPr>
+            <a:cxnSpLocks/>
+          </p:cNvCxnSpPr>
           <p:nvPr/>
         </p:nvCxnSpPr>
         <p:spPr>
-          <a:xfrm flipV="1">
-            <a:off x="10334625" y="2085974"/>
-            <a:ext cx="0" cy="657225"/>
-          </a:xfrm>
-          <a:prstGeom prst="line">
+          <a:xfrm>
+            <a:off x="6882938" y="3035067"/>
+            <a:ext cx="0" cy="587897"/>
+          </a:xfrm>
+          <a:prstGeom prst="straightConnector1">
             <a:avLst/>
           </a:prstGeom>
+          <a:ln w="9525" cap="flat" cmpd="sng" algn="ctr">
+            <a:solidFill>
+              <a:schemeClr val="accent2"/>
+            </a:solidFill>
+            <a:prstDash val="solid"/>
+            <a:round/>
+            <a:headEnd type="none" w="med" len="med"/>
+            <a:tailEnd type="arrow" w="med" len="med"/>
+          </a:ln>
         </p:spPr>
         <p:style>
-          <a:lnRef idx="1">
-            <a:schemeClr val="accent1"/>
+          <a:lnRef idx="0">
+            <a:scrgbClr r="0" g="0" b="0"/>
           </a:lnRef>
           <a:fillRef idx="0">
-            <a:schemeClr val="accent1"/>
+            <a:scrgbClr r="0" g="0" b="0"/>
           </a:fillRef>
           <a:effectRef idx="0">
-            <a:schemeClr val="accent1"/>
+            <a:scrgbClr r="0" g="0" b="0"/>
           </a:effectRef>
           <a:fontRef idx="minor">
             <a:schemeClr val="tx1"/>
           </a:fontRef>
         </p:style>
       </p:cxnSp>
-      <p:sp>
-        <p:nvSpPr>
-          <p:cNvPr id="8" name="TextBox 7">
-            <a:extLst>
-              <a:ext uri="{FF2B5EF4-FFF2-40B4-BE49-F238E27FC236}">
-                <a16:creationId xmlns:a16="http://schemas.microsoft.com/office/drawing/2014/main" id="{B4E2399B-24D2-469D-B509-B6FEFE189862}"/>
-              </a:ext>
-            </a:extLst>
-          </p:cNvPr>
-          <p:cNvSpPr txBox="1"/>
+      <p:cxnSp>
+        <p:nvCxnSpPr>
+          <p:cNvPr id="49" name="Straight Arrow Connector 48">
+            <a:extLst>
+              <a:ext uri="{FF2B5EF4-FFF2-40B4-BE49-F238E27FC236}">
+                <a16:creationId xmlns:a16="http://schemas.microsoft.com/office/drawing/2014/main" id="{FD8A78D8-F18C-43B6-904E-A86B1E94AE2B}"/>
+              </a:ext>
+            </a:extLst>
+          </p:cNvPr>
+          <p:cNvCxnSpPr>
+            <a:cxnSpLocks/>
+          </p:cNvCxnSpPr>
           <p:nvPr/>
-        </p:nvSpPr>
+        </p:nvCxnSpPr>
         <p:spPr>
           <a:xfrm>
-            <a:off x="6173757" y="1690688"/>
-            <a:ext cx="301686" cy="369332"/>
+            <a:off x="7039436" y="3035067"/>
+            <a:ext cx="0" cy="587897"/>
+          </a:xfrm>
+          <a:prstGeom prst="straightConnector1">
+            <a:avLst/>
+          </a:prstGeom>
+          <a:ln w="9525" cap="flat" cmpd="sng" algn="ctr">
+            <a:solidFill>
+              <a:schemeClr val="accent2"/>
+            </a:solidFill>
+            <a:prstDash val="solid"/>
+            <a:round/>
+            <a:headEnd type="none" w="med" len="med"/>
+            <a:tailEnd type="arrow" w="med" len="med"/>
+          </a:ln>
+        </p:spPr>
+        <p:style>
+          <a:lnRef idx="0">
+            <a:scrgbClr r="0" g="0" b="0"/>
+          </a:lnRef>
+          <a:fillRef idx="0">
+            <a:scrgbClr r="0" g="0" b="0"/>
+          </a:fillRef>
+          <a:effectRef idx="0">
+            <a:scrgbClr r="0" g="0" b="0"/>
+          </a:effectRef>
+          <a:fontRef idx="minor">
+            <a:schemeClr val="tx1"/>
+          </a:fontRef>
+        </p:style>
+      </p:cxnSp>
+      <p:sp>
+        <p:nvSpPr>
+          <p:cNvPr id="50" name="Multiplication Sign 49">
+            <a:extLst>
+              <a:ext uri="{FF2B5EF4-FFF2-40B4-BE49-F238E27FC236}">
+                <a16:creationId xmlns:a16="http://schemas.microsoft.com/office/drawing/2014/main" id="{710FCDAE-3B9D-427A-82F7-1898824833EF}"/>
+              </a:ext>
+            </a:extLst>
+          </p:cNvPr>
+          <p:cNvSpPr/>
+          <p:nvPr/>
+        </p:nvSpPr>
+        <p:spPr>
+          <a:xfrm>
+            <a:off x="6813437" y="3576140"/>
+            <a:ext cx="139002" cy="240805"/>
+          </a:xfrm>
+          <a:prstGeom prst="mathMultiply">
+            <a:avLst/>
+          </a:prstGeom>
+        </p:spPr>
+        <p:style>
+          <a:lnRef idx="2">
+            <a:schemeClr val="accent2">
+              <a:shade val="50000"/>
+            </a:schemeClr>
+          </a:lnRef>
+          <a:fillRef idx="1">
+            <a:schemeClr val="accent2"/>
+          </a:fillRef>
+          <a:effectRef idx="0">
+            <a:schemeClr val="accent2"/>
+          </a:effectRef>
+          <a:fontRef idx="minor">
+            <a:schemeClr val="lt1"/>
+          </a:fontRef>
+        </p:style>
+        <p:txBody>
+          <a:bodyPr rtlCol="0" anchor="ctr"/>
+          <a:lstStyle/>
+          <a:p>
+            <a:pPr algn="ctr"/>
+            <a:endParaRPr lang="en-US"/>
+          </a:p>
+        </p:txBody>
+      </p:sp>
+      <p:sp>
+        <p:nvSpPr>
+          <p:cNvPr id="51" name="Multiplication Sign 50">
+            <a:extLst>
+              <a:ext uri="{FF2B5EF4-FFF2-40B4-BE49-F238E27FC236}">
+                <a16:creationId xmlns:a16="http://schemas.microsoft.com/office/drawing/2014/main" id="{BAF1E08F-E9D2-488D-AC3E-B604EB843C0F}"/>
+              </a:ext>
+            </a:extLst>
+          </p:cNvPr>
+          <p:cNvSpPr/>
+          <p:nvPr/>
+        </p:nvSpPr>
+        <p:spPr>
+          <a:xfrm>
+            <a:off x="6969935" y="3573328"/>
+            <a:ext cx="139002" cy="240805"/>
+          </a:xfrm>
+          <a:prstGeom prst="mathMultiply">
+            <a:avLst/>
+          </a:prstGeom>
+        </p:spPr>
+        <p:style>
+          <a:lnRef idx="2">
+            <a:schemeClr val="accent2">
+              <a:shade val="50000"/>
+            </a:schemeClr>
+          </a:lnRef>
+          <a:fillRef idx="1">
+            <a:schemeClr val="accent2"/>
+          </a:fillRef>
+          <a:effectRef idx="0">
+            <a:schemeClr val="accent2"/>
+          </a:effectRef>
+          <a:fontRef idx="minor">
+            <a:schemeClr val="lt1"/>
+          </a:fontRef>
+        </p:style>
+        <p:txBody>
+          <a:bodyPr rtlCol="0" anchor="ctr"/>
+          <a:lstStyle/>
+          <a:p>
+            <a:pPr algn="ctr"/>
+            <a:endParaRPr lang="en-US"/>
+          </a:p>
+        </p:txBody>
+      </p:sp>
+      <p:sp>
+        <p:nvSpPr>
+          <p:cNvPr id="52" name="Rectangle 51">
+            <a:extLst>
+              <a:ext uri="{FF2B5EF4-FFF2-40B4-BE49-F238E27FC236}">
+                <a16:creationId xmlns:a16="http://schemas.microsoft.com/office/drawing/2014/main" id="{9C254BE4-CE03-46A2-8093-E07A0B7E2763}"/>
+              </a:ext>
+            </a:extLst>
+          </p:cNvPr>
+          <p:cNvSpPr/>
+          <p:nvPr/>
+        </p:nvSpPr>
+        <p:spPr>
+          <a:xfrm>
+            <a:off x="5641225" y="2788826"/>
+            <a:ext cx="622854" cy="228600"/>
           </a:xfrm>
           <a:prstGeom prst="rect">
             <a:avLst/>
           </a:prstGeom>
-          <a:noFill/>
         </p:spPr>
-        <p:txBody>
-          <a:bodyPr wrap="none" rtlCol="0">
-            <a:spAutoFit/>
-          </a:bodyPr>
-          <a:lstStyle/>
-          <a:p>
-            <a:r>
-              <a:rPr lang="en-US" dirty="0"/>
-              <a:t>0</a:t>
-            </a:r>
-          </a:p>
-        </p:txBody>
-      </p:sp>
-      <p:sp>
-        <p:nvSpPr>
-          <p:cNvPr id="9" name="TextBox 8">
-            <a:extLst>
-              <a:ext uri="{FF2B5EF4-FFF2-40B4-BE49-F238E27FC236}">
-                <a16:creationId xmlns:a16="http://schemas.microsoft.com/office/drawing/2014/main" id="{66C95F10-9921-4D8F-A172-06592AC8FA9B}"/>
-              </a:ext>
-            </a:extLst>
-          </p:cNvPr>
-          <p:cNvSpPr txBox="1"/>
+        <p:style>
+          <a:lnRef idx="2">
+            <a:schemeClr val="accent4">
+              <a:shade val="50000"/>
+            </a:schemeClr>
+          </a:lnRef>
+          <a:fillRef idx="1">
+            <a:schemeClr val="accent4"/>
+          </a:fillRef>
+          <a:effectRef idx="0">
+            <a:schemeClr val="accent4"/>
+          </a:effectRef>
+          <a:fontRef idx="minor">
+            <a:schemeClr val="lt1"/>
+          </a:fontRef>
+        </p:style>
+        <p:txBody>
+          <a:bodyPr rtlCol="0" anchor="ctr"/>
+          <a:lstStyle/>
+          <a:p>
+            <a:pPr algn="ctr"/>
+            <a:r>
+              <a:rPr lang="en-US" sz="900" dirty="0"/>
+              <a:t>READ 1</a:t>
+            </a:r>
+          </a:p>
+        </p:txBody>
+      </p:sp>
+      <p:sp>
+        <p:nvSpPr>
+          <p:cNvPr id="53" name="Rectangle 52">
+            <a:extLst>
+              <a:ext uri="{FF2B5EF4-FFF2-40B4-BE49-F238E27FC236}">
+                <a16:creationId xmlns:a16="http://schemas.microsoft.com/office/drawing/2014/main" id="{6427D7F8-D0CC-4442-9CB1-FEF831A19B4F}"/>
+              </a:ext>
+            </a:extLst>
+          </p:cNvPr>
+          <p:cNvSpPr/>
           <p:nvPr/>
         </p:nvSpPr>
         <p:spPr>
           <a:xfrm>
-            <a:off x="9259509" y="1744147"/>
-            <a:ext cx="2164823" cy="369332"/>
+            <a:off x="6279667" y="2789413"/>
+            <a:ext cx="546642" cy="228600"/>
           </a:xfrm>
           <a:prstGeom prst="rect">
             <a:avLst/>
           </a:prstGeom>
-          <a:noFill/>
         </p:spPr>
-        <p:txBody>
-          <a:bodyPr wrap="none" rtlCol="0">
-            <a:spAutoFit/>
-          </a:bodyPr>
-          <a:lstStyle/>
-          <a:p>
-            <a:r>
-              <a:rPr lang="en-US" dirty="0"/>
-              <a:t>Window length (100)</a:t>
+        <p:style>
+          <a:lnRef idx="2">
+            <a:schemeClr val="accent4">
+              <a:shade val="50000"/>
+            </a:schemeClr>
+          </a:lnRef>
+          <a:fillRef idx="1">
+            <a:schemeClr val="accent4"/>
+          </a:fillRef>
+          <a:effectRef idx="0">
+            <a:schemeClr val="accent4"/>
+          </a:effectRef>
+          <a:fontRef idx="minor">
+            <a:schemeClr val="lt1"/>
+          </a:fontRef>
+        </p:style>
+        <p:txBody>
+          <a:bodyPr rtlCol="0" anchor="ctr"/>
+          <a:lstStyle/>
+          <a:p>
+            <a:pPr algn="ctr"/>
+            <a:r>
+              <a:rPr lang="en-US" sz="900" dirty="0"/>
+              <a:t>READ 2</a:t>
+            </a:r>
+          </a:p>
+        </p:txBody>
+      </p:sp>
+      <p:sp>
+        <p:nvSpPr>
+          <p:cNvPr id="54" name="Rectangle 53">
+            <a:extLst>
+              <a:ext uri="{FF2B5EF4-FFF2-40B4-BE49-F238E27FC236}">
+                <a16:creationId xmlns:a16="http://schemas.microsoft.com/office/drawing/2014/main" id="{514ED4B8-A17A-403B-A044-3FD8D06F3276}"/>
+              </a:ext>
+            </a:extLst>
+          </p:cNvPr>
+          <p:cNvSpPr/>
+          <p:nvPr/>
+        </p:nvSpPr>
+        <p:spPr>
+          <a:xfrm>
+            <a:off x="6844297" y="2788826"/>
+            <a:ext cx="273318" cy="228600"/>
+          </a:xfrm>
+          <a:prstGeom prst="rect">
+            <a:avLst/>
+          </a:prstGeom>
+        </p:spPr>
+        <p:style>
+          <a:lnRef idx="2">
+            <a:schemeClr val="accent4">
+              <a:shade val="50000"/>
+            </a:schemeClr>
+          </a:lnRef>
+          <a:fillRef idx="1">
+            <a:schemeClr val="accent4"/>
+          </a:fillRef>
+          <a:effectRef idx="0">
+            <a:schemeClr val="accent4"/>
+          </a:effectRef>
+          <a:fontRef idx="minor">
+            <a:schemeClr val="lt1"/>
+          </a:fontRef>
+        </p:style>
+        <p:txBody>
+          <a:bodyPr rtlCol="0" anchor="ctr"/>
+          <a:lstStyle/>
+          <a:p>
+            <a:pPr algn="ctr"/>
+            <a:r>
+              <a:rPr lang="en-US" sz="900" dirty="0"/>
+              <a:t>3</a:t>
+            </a:r>
+          </a:p>
+        </p:txBody>
+      </p:sp>
+      <p:sp>
+        <p:nvSpPr>
+          <p:cNvPr id="55" name="Rectangle 54">
+            <a:extLst>
+              <a:ext uri="{FF2B5EF4-FFF2-40B4-BE49-F238E27FC236}">
+                <a16:creationId xmlns:a16="http://schemas.microsoft.com/office/drawing/2014/main" id="{36087C18-0F6A-4D00-A25F-9B4150C13060}"/>
+              </a:ext>
+            </a:extLst>
+          </p:cNvPr>
+          <p:cNvSpPr/>
+          <p:nvPr/>
+        </p:nvSpPr>
+        <p:spPr>
+          <a:xfrm>
+            <a:off x="8535486" y="2790014"/>
+            <a:ext cx="328311" cy="228600"/>
+          </a:xfrm>
+          <a:prstGeom prst="rect">
+            <a:avLst/>
+          </a:prstGeom>
+        </p:spPr>
+        <p:style>
+          <a:lnRef idx="2">
+            <a:schemeClr val="accent4">
+              <a:shade val="50000"/>
+            </a:schemeClr>
+          </a:lnRef>
+          <a:fillRef idx="1">
+            <a:schemeClr val="accent4"/>
+          </a:fillRef>
+          <a:effectRef idx="0">
+            <a:schemeClr val="accent4"/>
+          </a:effectRef>
+          <a:fontRef idx="minor">
+            <a:schemeClr val="lt1"/>
+          </a:fontRef>
+        </p:style>
+        <p:txBody>
+          <a:bodyPr rtlCol="0" anchor="ctr"/>
+          <a:lstStyle/>
+          <a:p>
+            <a:pPr algn="ctr"/>
+            <a:r>
+              <a:rPr lang="en-US" sz="900" dirty="0"/>
+              <a:t>3</a:t>
             </a:r>
           </a:p>
         </p:txBody>
       </p:sp>
       <p:cxnSp>
         <p:nvCxnSpPr>
-          <p:cNvPr id="11" name="Straight Arrow Connector 10">
-            <a:extLst>
-              <a:ext uri="{FF2B5EF4-FFF2-40B4-BE49-F238E27FC236}">
-                <a16:creationId xmlns:a16="http://schemas.microsoft.com/office/drawing/2014/main" id="{55CA4E51-03BA-433B-AE66-9A2D7BEEFD36}"/>
+          <p:cNvPr id="32" name="Straight Connector 31">
+            <a:extLst>
+              <a:ext uri="{FF2B5EF4-FFF2-40B4-BE49-F238E27FC236}">
+                <a16:creationId xmlns:a16="http://schemas.microsoft.com/office/drawing/2014/main" id="{B289CEC0-5BC3-44D5-AE29-8F4D601496B5}"/>
               </a:ext>
             </a:extLst>
           </p:cNvPr>
@@ -3721,11 +5275,337 @@
         </p:nvCxnSpPr>
         <p:spPr>
           <a:xfrm flipH="1">
-            <a:off x="9020175" y="3171825"/>
-            <a:ext cx="1314450" cy="0"/>
+            <a:off x="5638986" y="2410852"/>
+            <a:ext cx="804469" cy="628163"/>
+          </a:xfrm>
+          <a:prstGeom prst="line">
+            <a:avLst/>
+          </a:prstGeom>
+          <a:ln w="9525" cap="flat" cmpd="sng" algn="ctr">
+            <a:solidFill>
+              <a:schemeClr val="dk1"/>
+            </a:solidFill>
+            <a:prstDash val="dash"/>
+            <a:round/>
+            <a:headEnd type="none" w="med" len="med"/>
+            <a:tailEnd type="none" w="med" len="med"/>
+          </a:ln>
+        </p:spPr>
+        <p:style>
+          <a:lnRef idx="0">
+            <a:scrgbClr r="0" g="0" b="0"/>
+          </a:lnRef>
+          <a:fillRef idx="0">
+            <a:scrgbClr r="0" g="0" b="0"/>
+          </a:fillRef>
+          <a:effectRef idx="0">
+            <a:scrgbClr r="0" g="0" b="0"/>
+          </a:effectRef>
+          <a:fontRef idx="minor">
+            <a:schemeClr val="tx1"/>
+          </a:fontRef>
+        </p:style>
+      </p:cxnSp>
+      <p:sp>
+        <p:nvSpPr>
+          <p:cNvPr id="56" name="Rectangle 55">
+            <a:extLst>
+              <a:ext uri="{FF2B5EF4-FFF2-40B4-BE49-F238E27FC236}">
+                <a16:creationId xmlns:a16="http://schemas.microsoft.com/office/drawing/2014/main" id="{09E566FB-26E9-4902-87BA-531EA3185A40}"/>
+              </a:ext>
+            </a:extLst>
+          </p:cNvPr>
+          <p:cNvSpPr/>
+          <p:nvPr/>
+        </p:nvSpPr>
+        <p:spPr>
+          <a:xfrm>
+            <a:off x="8885957" y="2790014"/>
+            <a:ext cx="546642" cy="228600"/>
+          </a:xfrm>
+          <a:prstGeom prst="rect">
+            <a:avLst/>
+          </a:prstGeom>
+        </p:spPr>
+        <p:style>
+          <a:lnRef idx="2">
+            <a:schemeClr val="accent4">
+              <a:shade val="50000"/>
+            </a:schemeClr>
+          </a:lnRef>
+          <a:fillRef idx="1">
+            <a:schemeClr val="accent4"/>
+          </a:fillRef>
+          <a:effectRef idx="0">
+            <a:schemeClr val="accent4"/>
+          </a:effectRef>
+          <a:fontRef idx="minor">
+            <a:schemeClr val="lt1"/>
+          </a:fontRef>
+        </p:style>
+        <p:txBody>
+          <a:bodyPr rtlCol="0" anchor="ctr"/>
+          <a:lstStyle/>
+          <a:p>
+            <a:pPr algn="ctr"/>
+            <a:r>
+              <a:rPr lang="en-US" sz="900" dirty="0"/>
+              <a:t>Read 4</a:t>
+            </a:r>
+          </a:p>
+        </p:txBody>
+      </p:sp>
+      <p:sp>
+        <p:nvSpPr>
+          <p:cNvPr id="57" name="Rectangle 56">
+            <a:extLst>
+              <a:ext uri="{FF2B5EF4-FFF2-40B4-BE49-F238E27FC236}">
+                <a16:creationId xmlns:a16="http://schemas.microsoft.com/office/drawing/2014/main" id="{58B41668-271F-4DF1-869D-80EE89A269DC}"/>
+              </a:ext>
+            </a:extLst>
+          </p:cNvPr>
+          <p:cNvSpPr/>
+          <p:nvPr/>
+        </p:nvSpPr>
+        <p:spPr>
+          <a:xfrm>
+            <a:off x="9454759" y="2789413"/>
+            <a:ext cx="546642" cy="228600"/>
+          </a:xfrm>
+          <a:prstGeom prst="rect">
+            <a:avLst/>
+          </a:prstGeom>
+        </p:spPr>
+        <p:style>
+          <a:lnRef idx="2">
+            <a:schemeClr val="accent4">
+              <a:shade val="50000"/>
+            </a:schemeClr>
+          </a:lnRef>
+          <a:fillRef idx="1">
+            <a:schemeClr val="accent4"/>
+          </a:fillRef>
+          <a:effectRef idx="0">
+            <a:schemeClr val="accent4"/>
+          </a:effectRef>
+          <a:fontRef idx="minor">
+            <a:schemeClr val="lt1"/>
+          </a:fontRef>
+        </p:style>
+        <p:txBody>
+          <a:bodyPr rtlCol="0" anchor="ctr"/>
+          <a:lstStyle/>
+          <a:p>
+            <a:pPr algn="ctr"/>
+            <a:r>
+              <a:rPr lang="en-US" sz="900" dirty="0"/>
+              <a:t>Read 5</a:t>
+            </a:r>
+          </a:p>
+        </p:txBody>
+      </p:sp>
+      <p:cxnSp>
+        <p:nvCxnSpPr>
+          <p:cNvPr id="37" name="Straight Connector 36">
+            <a:extLst>
+              <a:ext uri="{FF2B5EF4-FFF2-40B4-BE49-F238E27FC236}">
+                <a16:creationId xmlns:a16="http://schemas.microsoft.com/office/drawing/2014/main" id="{EB379CFA-0AF0-41D6-ABB6-5DB3A88833F3}"/>
+              </a:ext>
+            </a:extLst>
+          </p:cNvPr>
+          <p:cNvCxnSpPr>
+            <a:cxnSpLocks/>
+          </p:cNvCxnSpPr>
+          <p:nvPr/>
+        </p:nvCxnSpPr>
+        <p:spPr>
+          <a:xfrm>
+            <a:off x="9363362" y="2404546"/>
+            <a:ext cx="600481" cy="619642"/>
+          </a:xfrm>
+          <a:prstGeom prst="line">
+            <a:avLst/>
+          </a:prstGeom>
+          <a:ln w="9525" cap="flat" cmpd="sng" algn="ctr">
+            <a:solidFill>
+              <a:schemeClr val="dk1"/>
+            </a:solidFill>
+            <a:prstDash val="dash"/>
+            <a:round/>
+            <a:headEnd type="none" w="med" len="med"/>
+            <a:tailEnd type="none" w="med" len="med"/>
+          </a:ln>
+        </p:spPr>
+        <p:style>
+          <a:lnRef idx="0">
+            <a:scrgbClr r="0" g="0" b="0"/>
+          </a:lnRef>
+          <a:fillRef idx="0">
+            <a:scrgbClr r="0" g="0" b="0"/>
+          </a:fillRef>
+          <a:effectRef idx="0">
+            <a:scrgbClr r="0" g="0" b="0"/>
+          </a:effectRef>
+          <a:fontRef idx="minor">
+            <a:schemeClr val="tx1"/>
+          </a:fontRef>
+        </p:style>
+      </p:cxnSp>
+      <p:cxnSp>
+        <p:nvCxnSpPr>
+          <p:cNvPr id="58" name="Straight Arrow Connector 57">
+            <a:extLst>
+              <a:ext uri="{FF2B5EF4-FFF2-40B4-BE49-F238E27FC236}">
+                <a16:creationId xmlns:a16="http://schemas.microsoft.com/office/drawing/2014/main" id="{343DB739-194F-4577-9578-B6330B2B658F}"/>
+              </a:ext>
+            </a:extLst>
+          </p:cNvPr>
+          <p:cNvCxnSpPr>
+            <a:cxnSpLocks/>
+          </p:cNvCxnSpPr>
+          <p:nvPr/>
+        </p:nvCxnSpPr>
+        <p:spPr>
+          <a:xfrm>
+            <a:off x="9832487" y="3030825"/>
+            <a:ext cx="0" cy="587897"/>
           </a:xfrm>
           <a:prstGeom prst="straightConnector1">
             <a:avLst/>
+          </a:prstGeom>
+          <a:ln w="9525" cap="flat" cmpd="sng" algn="ctr">
+            <a:solidFill>
+              <a:schemeClr val="accent2"/>
+            </a:solidFill>
+            <a:prstDash val="solid"/>
+            <a:round/>
+            <a:headEnd type="none" w="med" len="med"/>
+            <a:tailEnd type="arrow" w="med" len="med"/>
+          </a:ln>
+        </p:spPr>
+        <p:style>
+          <a:lnRef idx="0">
+            <a:scrgbClr r="0" g="0" b="0"/>
+          </a:lnRef>
+          <a:fillRef idx="0">
+            <a:scrgbClr r="0" g="0" b="0"/>
+          </a:fillRef>
+          <a:effectRef idx="0">
+            <a:scrgbClr r="0" g="0" b="0"/>
+          </a:effectRef>
+          <a:fontRef idx="minor">
+            <a:schemeClr val="tx1"/>
+          </a:fontRef>
+        </p:style>
+      </p:cxnSp>
+      <p:sp>
+        <p:nvSpPr>
+          <p:cNvPr id="59" name="Multiplication Sign 58">
+            <a:extLst>
+              <a:ext uri="{FF2B5EF4-FFF2-40B4-BE49-F238E27FC236}">
+                <a16:creationId xmlns:a16="http://schemas.microsoft.com/office/drawing/2014/main" id="{B60D3612-7472-4B2F-AEF4-B2A9E367D524}"/>
+              </a:ext>
+            </a:extLst>
+          </p:cNvPr>
+          <p:cNvSpPr/>
+          <p:nvPr/>
+        </p:nvSpPr>
+        <p:spPr>
+          <a:xfrm>
+            <a:off x="9762986" y="3569086"/>
+            <a:ext cx="139002" cy="240805"/>
+          </a:xfrm>
+          <a:prstGeom prst="mathMultiply">
+            <a:avLst/>
+          </a:prstGeom>
+        </p:spPr>
+        <p:style>
+          <a:lnRef idx="2">
+            <a:schemeClr val="accent2">
+              <a:shade val="50000"/>
+            </a:schemeClr>
+          </a:lnRef>
+          <a:fillRef idx="1">
+            <a:schemeClr val="accent2"/>
+          </a:fillRef>
+          <a:effectRef idx="0">
+            <a:schemeClr val="accent2"/>
+          </a:effectRef>
+          <a:fontRef idx="minor">
+            <a:schemeClr val="lt1"/>
+          </a:fontRef>
+        </p:style>
+        <p:txBody>
+          <a:bodyPr rtlCol="0" anchor="ctr"/>
+          <a:lstStyle/>
+          <a:p>
+            <a:pPr algn="ctr"/>
+            <a:endParaRPr lang="en-US"/>
+          </a:p>
+        </p:txBody>
+      </p:sp>
+      <p:cxnSp>
+        <p:nvCxnSpPr>
+          <p:cNvPr id="61" name="Straight Connector 60">
+            <a:extLst>
+              <a:ext uri="{FF2B5EF4-FFF2-40B4-BE49-F238E27FC236}">
+                <a16:creationId xmlns:a16="http://schemas.microsoft.com/office/drawing/2014/main" id="{A4D389A3-B46A-4365-AEC3-822B95EC7E9F}"/>
+              </a:ext>
+            </a:extLst>
+          </p:cNvPr>
+          <p:cNvCxnSpPr>
+            <a:stCxn id="54" idx="3"/>
+            <a:endCxn id="55" idx="1"/>
+          </p:cNvCxnSpPr>
+          <p:nvPr/>
+        </p:nvCxnSpPr>
+        <p:spPr>
+          <a:xfrm>
+            <a:off x="7117615" y="2903126"/>
+            <a:ext cx="1417871" cy="1188"/>
+          </a:xfrm>
+          <a:prstGeom prst="line">
+            <a:avLst/>
+          </a:prstGeom>
+        </p:spPr>
+        <p:style>
+          <a:lnRef idx="3">
+            <a:schemeClr val="accent4"/>
+          </a:lnRef>
+          <a:fillRef idx="0">
+            <a:schemeClr val="accent4"/>
+          </a:fillRef>
+          <a:effectRef idx="2">
+            <a:schemeClr val="accent4"/>
+          </a:effectRef>
+          <a:fontRef idx="minor">
+            <a:schemeClr val="tx1"/>
+          </a:fontRef>
+        </p:style>
+      </p:cxnSp>
+      <p:cxnSp>
+        <p:nvCxnSpPr>
+          <p:cNvPr id="63" name="Connector: Elbow 62">
+            <a:extLst>
+              <a:ext uri="{FF2B5EF4-FFF2-40B4-BE49-F238E27FC236}">
+                <a16:creationId xmlns:a16="http://schemas.microsoft.com/office/drawing/2014/main" id="{CFF7279B-B711-4770-80BD-6464EC9C4275}"/>
+              </a:ext>
+            </a:extLst>
+          </p:cNvPr>
+          <p:cNvCxnSpPr>
+            <a:cxnSpLocks/>
+          </p:cNvCxnSpPr>
+          <p:nvPr/>
+        </p:nvCxnSpPr>
+        <p:spPr>
+          <a:xfrm rot="10800000" flipV="1">
+            <a:off x="8284136" y="2545273"/>
+            <a:ext cx="2002864" cy="338366"/>
+          </a:xfrm>
+          <a:prstGeom prst="bentConnector3">
+            <a:avLst>
+              <a:gd name="adj1" fmla="val 99805"/>
+            </a:avLst>
           </a:prstGeom>
           <a:ln>
             <a:tailEnd type="triangle"/>
@@ -3746,61 +5626,22 @@
           </a:fontRef>
         </p:style>
       </p:cxnSp>
-      <p:cxnSp>
-        <p:nvCxnSpPr>
-          <p:cNvPr id="13" name="Straight Arrow Connector 12">
-            <a:extLst>
-              <a:ext uri="{FF2B5EF4-FFF2-40B4-BE49-F238E27FC236}">
-                <a16:creationId xmlns:a16="http://schemas.microsoft.com/office/drawing/2014/main" id="{8C3F17BE-EE29-4241-AC65-BC25F8D19E25}"/>
-              </a:ext>
-            </a:extLst>
-          </p:cNvPr>
-          <p:cNvCxnSpPr/>
+      <p:sp>
+        <p:nvSpPr>
+          <p:cNvPr id="73" name="TextBox 72">
+            <a:extLst>
+              <a:ext uri="{FF2B5EF4-FFF2-40B4-BE49-F238E27FC236}">
+                <a16:creationId xmlns:a16="http://schemas.microsoft.com/office/drawing/2014/main" id="{E329CED7-B3B2-4B4C-B131-709CECBFE9A0}"/>
+              </a:ext>
+            </a:extLst>
+          </p:cNvPr>
+          <p:cNvSpPr txBox="1"/>
           <p:nvPr/>
-        </p:nvCxnSpPr>
+        </p:nvSpPr>
         <p:spPr>
           <a:xfrm>
-            <a:off x="6324600" y="3171825"/>
-            <a:ext cx="1390650" cy="0"/>
-          </a:xfrm>
-          <a:prstGeom prst="straightConnector1">
-            <a:avLst/>
-          </a:prstGeom>
-          <a:ln>
-            <a:tailEnd type="triangle"/>
-          </a:ln>
-        </p:spPr>
-        <p:style>
-          <a:lnRef idx="1">
-            <a:schemeClr val="accent1"/>
-          </a:lnRef>
-          <a:fillRef idx="0">
-            <a:schemeClr val="accent1"/>
-          </a:fillRef>
-          <a:effectRef idx="0">
-            <a:schemeClr val="accent1"/>
-          </a:effectRef>
-          <a:fontRef idx="minor">
-            <a:schemeClr val="tx1"/>
-          </a:fontRef>
-        </p:style>
-      </p:cxnSp>
-      <p:sp>
-        <p:nvSpPr>
-          <p:cNvPr id="14" name="TextBox 13">
-            <a:extLst>
-              <a:ext uri="{FF2B5EF4-FFF2-40B4-BE49-F238E27FC236}">
-                <a16:creationId xmlns:a16="http://schemas.microsoft.com/office/drawing/2014/main" id="{4AA601C7-02D6-41D7-BCAE-93177C42F7F0}"/>
-              </a:ext>
-            </a:extLst>
-          </p:cNvPr>
-          <p:cNvSpPr txBox="1"/>
-          <p:nvPr/>
-        </p:nvSpPr>
-        <p:spPr>
-          <a:xfrm>
-            <a:off x="5585949" y="3200917"/>
-            <a:ext cx="2129301" cy="369332"/>
+            <a:off x="10246624" y="2269005"/>
+            <a:ext cx="1679334" cy="646331"/>
           </a:xfrm>
           <a:prstGeom prst="rect">
             <a:avLst/>
@@ -3808,24 +5649,24 @@
           <a:noFill/>
         </p:spPr>
         <p:txBody>
-          <a:bodyPr wrap="none" rtlCol="0">
+          <a:bodyPr wrap="square" rtlCol="0">
             <a:spAutoFit/>
           </a:bodyPr>
           <a:lstStyle/>
           <a:p>
             <a:r>
               <a:rPr lang="en-US" dirty="0"/>
-              <a:t>Increasing sensitivity</a:t>
-            </a:r>
-          </a:p>
-        </p:txBody>
-      </p:sp>
-      <p:sp>
-        <p:nvSpPr>
-          <p:cNvPr id="19" name="TextBox 18">
-            <a:extLst>
-              <a:ext uri="{FF2B5EF4-FFF2-40B4-BE49-F238E27FC236}">
-                <a16:creationId xmlns:a16="http://schemas.microsoft.com/office/drawing/2014/main" id="{D884D67C-8CB4-4FD7-9D83-80355860DA55}"/>
+              <a:t>Not considered a mismatch</a:t>
+            </a:r>
+          </a:p>
+        </p:txBody>
+      </p:sp>
+      <p:sp>
+        <p:nvSpPr>
+          <p:cNvPr id="76" name="TextBox 75">
+            <a:extLst>
+              <a:ext uri="{FF2B5EF4-FFF2-40B4-BE49-F238E27FC236}">
+                <a16:creationId xmlns:a16="http://schemas.microsoft.com/office/drawing/2014/main" id="{D98681A7-B39D-4F5C-AAE7-C5F9D4814FA9}"/>
               </a:ext>
             </a:extLst>
           </p:cNvPr>
@@ -3834,8 +5675,8 @@
         </p:nvSpPr>
         <p:spPr>
           <a:xfrm>
-            <a:off x="9020175" y="3200917"/>
-            <a:ext cx="2124492" cy="369332"/>
+            <a:off x="10767814" y="3059668"/>
+            <a:ext cx="1421287" cy="369332"/>
           </a:xfrm>
           <a:prstGeom prst="rect">
             <a:avLst/>
@@ -3850,236 +5691,7 @@
           <a:p>
             <a:r>
               <a:rPr lang="en-US" dirty="0"/>
-              <a:t>Increasing specificity</a:t>
-            </a:r>
-          </a:p>
-        </p:txBody>
-      </p:sp>
-      <p:sp>
-        <p:nvSpPr>
-          <p:cNvPr id="20" name="Rectangle 19">
-            <a:extLst>
-              <a:ext uri="{FF2B5EF4-FFF2-40B4-BE49-F238E27FC236}">
-                <a16:creationId xmlns:a16="http://schemas.microsoft.com/office/drawing/2014/main" id="{021A7F55-5CF8-4C7F-A2F2-902B08D41A5E}"/>
-              </a:ext>
-            </a:extLst>
-          </p:cNvPr>
-          <p:cNvSpPr/>
-          <p:nvPr/>
-        </p:nvSpPr>
-        <p:spPr>
-          <a:xfrm>
-            <a:off x="7800975" y="2060020"/>
-            <a:ext cx="1219186" cy="683173"/>
-          </a:xfrm>
-          <a:prstGeom prst="rect">
-            <a:avLst/>
-          </a:prstGeom>
-          <a:solidFill>
-            <a:srgbClr val="E43030">
-              <a:alpha val="18039"/>
-            </a:srgbClr>
-          </a:solidFill>
-        </p:spPr>
-        <p:style>
-          <a:lnRef idx="2">
-            <a:schemeClr val="accent1">
-              <a:shade val="50000"/>
-            </a:schemeClr>
-          </a:lnRef>
-          <a:fillRef idx="1">
-            <a:schemeClr val="accent1"/>
-          </a:fillRef>
-          <a:effectRef idx="0">
-            <a:schemeClr val="accent1"/>
-          </a:effectRef>
-          <a:fontRef idx="minor">
-            <a:schemeClr val="lt1"/>
-          </a:fontRef>
-        </p:style>
-        <p:txBody>
-          <a:bodyPr rtlCol="0" anchor="ctr"/>
-          <a:lstStyle/>
-          <a:p>
-            <a:pPr algn="ctr"/>
-            <a:endParaRPr lang="en-US"/>
-          </a:p>
-        </p:txBody>
-      </p:sp>
-      <p:cxnSp>
-        <p:nvCxnSpPr>
-          <p:cNvPr id="22" name="Connector: Elbow 21">
-            <a:extLst>
-              <a:ext uri="{FF2B5EF4-FFF2-40B4-BE49-F238E27FC236}">
-                <a16:creationId xmlns:a16="http://schemas.microsoft.com/office/drawing/2014/main" id="{7DF7E82B-D106-4460-9E47-FA23B27454DD}"/>
-              </a:ext>
-            </a:extLst>
-          </p:cNvPr>
-          <p:cNvCxnSpPr>
-            <a:stCxn id="20" idx="2"/>
-          </p:cNvCxnSpPr>
-          <p:nvPr/>
-        </p:nvCxnSpPr>
-        <p:spPr>
-          <a:xfrm rot="16200000" flipH="1">
-            <a:off x="8439143" y="2714618"/>
-            <a:ext cx="1171582" cy="1228732"/>
-          </a:xfrm>
-          <a:prstGeom prst="bentConnector2">
-            <a:avLst/>
-          </a:prstGeom>
-        </p:spPr>
-        <p:style>
-          <a:lnRef idx="1">
-            <a:schemeClr val="accent1"/>
-          </a:lnRef>
-          <a:fillRef idx="0">
-            <a:schemeClr val="accent1"/>
-          </a:fillRef>
-          <a:effectRef idx="0">
-            <a:schemeClr val="accent1"/>
-          </a:effectRef>
-          <a:fontRef idx="minor">
-            <a:schemeClr val="tx1"/>
-          </a:fontRef>
-        </p:style>
-      </p:cxnSp>
-      <p:sp>
-        <p:nvSpPr>
-          <p:cNvPr id="23" name="TextBox 22">
-            <a:extLst>
-              <a:ext uri="{FF2B5EF4-FFF2-40B4-BE49-F238E27FC236}">
-                <a16:creationId xmlns:a16="http://schemas.microsoft.com/office/drawing/2014/main" id="{11EE4159-6A94-4C30-86A8-9ED475282959}"/>
-              </a:ext>
-            </a:extLst>
-          </p:cNvPr>
-          <p:cNvSpPr txBox="1"/>
-          <p:nvPr/>
-        </p:nvSpPr>
-        <p:spPr>
-          <a:xfrm>
-            <a:off x="9639300" y="3715778"/>
-            <a:ext cx="2354234" cy="646331"/>
-          </a:xfrm>
-          <a:prstGeom prst="rect">
-            <a:avLst/>
-          </a:prstGeom>
-          <a:noFill/>
-        </p:spPr>
-        <p:txBody>
-          <a:bodyPr wrap="none" rtlCol="0">
-            <a:spAutoFit/>
-          </a:bodyPr>
-          <a:lstStyle/>
-          <a:p>
-            <a:r>
-              <a:rPr lang="en-US" dirty="0"/>
-              <a:t>Optimal region: </a:t>
-            </a:r>
-          </a:p>
-          <a:p>
-            <a:r>
-              <a:rPr lang="en-US" dirty="0"/>
-              <a:t>Maximize </a:t>
-            </a:r>
-            <a:r>
-              <a:rPr lang="en-US" dirty="0" err="1"/>
-              <a:t>sens.</a:t>
-            </a:r>
-            <a:r>
-              <a:rPr lang="en-US" dirty="0"/>
-              <a:t> &amp; spec.</a:t>
-            </a:r>
-          </a:p>
-        </p:txBody>
-      </p:sp>
-      <p:sp>
-        <p:nvSpPr>
-          <p:cNvPr id="24" name="TextBox 23">
-            <a:extLst>
-              <a:ext uri="{FF2B5EF4-FFF2-40B4-BE49-F238E27FC236}">
-                <a16:creationId xmlns:a16="http://schemas.microsoft.com/office/drawing/2014/main" id="{975CC80D-DE85-4707-9FAC-8AAB1D5030AE}"/>
-              </a:ext>
-            </a:extLst>
-          </p:cNvPr>
-          <p:cNvSpPr txBox="1"/>
-          <p:nvPr/>
-        </p:nvSpPr>
-        <p:spPr>
-          <a:xfrm>
-            <a:off x="838200" y="4505320"/>
-            <a:ext cx="5844357" cy="1477328"/>
-          </a:xfrm>
-          <a:prstGeom prst="rect">
-            <a:avLst/>
-          </a:prstGeom>
-          <a:noFill/>
-        </p:spPr>
-        <p:txBody>
-          <a:bodyPr wrap="none" rtlCol="0">
-            <a:spAutoFit/>
-          </a:bodyPr>
-          <a:lstStyle/>
-          <a:p>
-            <a:r>
-              <a:rPr lang="en-US" dirty="0"/>
-              <a:t>Data we have to use: </a:t>
-            </a:r>
-          </a:p>
-          <a:p>
-            <a:r>
-              <a:rPr lang="en-US" dirty="0"/>
-              <a:t>	1. “True” variation in PWK-B6 chromosome 1(.</a:t>
-            </a:r>
-            <a:r>
-              <a:rPr lang="en-US" dirty="0" err="1"/>
-              <a:t>vcf</a:t>
-            </a:r>
-            <a:r>
-              <a:rPr lang="en-US" dirty="0"/>
-              <a:t>) </a:t>
-            </a:r>
-          </a:p>
-          <a:p>
-            <a:r>
-              <a:rPr lang="en-US" dirty="0"/>
-              <a:t>	2.  PWK RNA-seq reads (</a:t>
-            </a:r>
-            <a:r>
-              <a:rPr lang="en-US" dirty="0" err="1"/>
-              <a:t>fastq</a:t>
-            </a:r>
-            <a:r>
-              <a:rPr lang="en-US" dirty="0"/>
-              <a:t>) </a:t>
-            </a:r>
-          </a:p>
-          <a:p>
-            <a:r>
-              <a:rPr lang="en-US" dirty="0"/>
-              <a:t>	3. B6 Reference Genome (.</a:t>
-            </a:r>
-            <a:r>
-              <a:rPr lang="en-US" dirty="0" err="1"/>
-              <a:t>gcf</a:t>
-            </a:r>
-            <a:r>
-              <a:rPr lang="en-US" dirty="0"/>
-              <a:t>) </a:t>
-            </a:r>
-          </a:p>
-          <a:p>
-            <a:r>
-              <a:rPr lang="en-US" dirty="0"/>
-              <a:t>	4.  B6 </a:t>
-            </a:r>
-            <a:r>
-              <a:rPr lang="en-US" dirty="0" err="1"/>
-              <a:t>fasta</a:t>
-            </a:r>
-            <a:r>
-              <a:rPr lang="en-US" dirty="0"/>
-              <a:t> file for chromosome 1 (.fa)</a:t>
+              <a:t>REF. Genome</a:t>
             </a:r>
           </a:p>
         </p:txBody>

--- a/FINAL_PROJECT/Algorithms_Final_Project.pptx
+++ b/FINAL_PROJECT/Algorithms_Final_Project.pptx
@@ -129,24 +129,10 @@
 
 <file path=ppt/comments/comment1.xml><?xml version="1.0" encoding="utf-8"?>
 <p:cmLst xmlns:a="http://schemas.openxmlformats.org/drawingml/2006/main" xmlns:r="http://schemas.openxmlformats.org/officeDocument/2006/relationships" xmlns:p="http://schemas.openxmlformats.org/presentationml/2006/main">
-  <p:cm authorId="1" dt="2018-11-30T10:35:51.249" idx="1">
-    <p:pos x="3702" y="3654"/>
-    <p:text>DOES THIS SHOW ALL THE GENES ARE CHR1 ???</p:text>
-    <p:extLst>
-      <p:ext uri="{C676402C-5697-4E1C-873F-D02D1690AC5C}">
-        <p15:threadingInfo xmlns:p15="http://schemas.microsoft.com/office/powerpoint/2012/main" timeZoneBias="480"/>
-      </p:ext>
-    </p:extLst>
-  </p:cm>
-</p:cmLst>
-</file>
-
-<file path=ppt/comments/comment2.xml><?xml version="1.0" encoding="utf-8"?>
-<p:cmLst xmlns:a="http://schemas.openxmlformats.org/drawingml/2006/main" xmlns:r="http://schemas.openxmlformats.org/officeDocument/2006/relationships" xmlns:p="http://schemas.openxmlformats.org/presentationml/2006/main">
   <p:cm authorId="1" dt="2018-11-30T11:15:16.874" idx="2">
-    <p:pos x="2817" y="1609"/>
+    <p:pos x="3351" y="1422"/>
     <p:text>Which isn't necessarily a good assumption? since B6 is from the inbred mice line that has known decreased variation.</p:text>
-    <p:extLst>
+    <p:extLst mod="1">
       <p:ext uri="{C676402C-5697-4E1C-873F-D02D1690AC5C}">
         <p15:threadingInfo xmlns:p15="http://schemas.microsoft.com/office/powerpoint/2012/main" timeZoneBias="480"/>
       </p:ext>
@@ -3545,7 +3531,7 @@
         </p:nvGrpSpPr>
         <p:grpSpPr>
           <a:xfrm>
-            <a:off x="5695279" y="4077816"/>
+            <a:off x="5106377" y="4219861"/>
             <a:ext cx="6407585" cy="2671421"/>
             <a:chOff x="5585949" y="1690688"/>
             <a:chExt cx="6407585" cy="2671421"/>
@@ -4041,7 +4027,7 @@
         <p:spPr>
           <a:xfrm>
             <a:off x="330614" y="4447148"/>
-            <a:ext cx="4844222" cy="1754326"/>
+            <a:ext cx="4335074" cy="1477328"/>
           </a:xfrm>
           <a:prstGeom prst="rect">
             <a:avLst/>
@@ -4062,7 +4048,15 @@
           <a:p>
             <a:r>
               <a:rPr lang="en-US" dirty="0"/>
-              <a:t>	1. “True” variation in PWK-B6 chromosome 1(.</a:t>
+              <a:t>	1. variation in B6 </a:t>
+            </a:r>
+            <a:r>
+              <a:rPr lang="en-US" dirty="0" err="1"/>
+              <a:t>chr</a:t>
+            </a:r>
+            <a:r>
+              <a:rPr lang="en-US" dirty="0"/>
+              <a:t> 1 (.</a:t>
             </a:r>
             <a:r>
               <a:rPr lang="en-US" dirty="0" err="1"/>
@@ -4112,7 +4106,15 @@
             </a:r>
             <a:r>
               <a:rPr lang="en-US" dirty="0"/>
-              <a:t> file for chromosome 1 (.fa)</a:t>
+              <a:t> file for </a:t>
+            </a:r>
+            <a:r>
+              <a:rPr lang="en-US" dirty="0" err="1"/>
+              <a:t>chr</a:t>
+            </a:r>
+            <a:r>
+              <a:rPr lang="en-US" dirty="0"/>
+              <a:t> 1 (.fa)</a:t>
             </a:r>
           </a:p>
         </p:txBody>
@@ -5696,6 +5698,153 @@
           </a:p>
         </p:txBody>
       </p:sp>
+      <p:sp>
+        <p:nvSpPr>
+          <p:cNvPr id="78" name="TextBox 77">
+            <a:extLst>
+              <a:ext uri="{FF2B5EF4-FFF2-40B4-BE49-F238E27FC236}">
+                <a16:creationId xmlns:a16="http://schemas.microsoft.com/office/drawing/2014/main" id="{85AA37D0-FE29-4F93-9257-7C220F73D3D0}"/>
+              </a:ext>
+            </a:extLst>
+          </p:cNvPr>
+          <p:cNvSpPr txBox="1"/>
+          <p:nvPr/>
+        </p:nvSpPr>
+        <p:spPr>
+          <a:xfrm>
+            <a:off x="5524751" y="1443039"/>
+            <a:ext cx="1189365" cy="369332"/>
+          </a:xfrm>
+          <a:prstGeom prst="rect">
+            <a:avLst/>
+          </a:prstGeom>
+          <a:noFill/>
+        </p:spPr>
+        <p:txBody>
+          <a:bodyPr wrap="none" rtlCol="0">
+            <a:spAutoFit/>
+          </a:bodyPr>
+          <a:lstStyle/>
+          <a:p>
+            <a:r>
+              <a:rPr lang="en-US" dirty="0"/>
+              <a:t>using STAR</a:t>
+            </a:r>
+          </a:p>
+        </p:txBody>
+      </p:sp>
+      <p:cxnSp>
+        <p:nvCxnSpPr>
+          <p:cNvPr id="80" name="Straight Arrow Connector 79">
+            <a:extLst>
+              <a:ext uri="{FF2B5EF4-FFF2-40B4-BE49-F238E27FC236}">
+                <a16:creationId xmlns:a16="http://schemas.microsoft.com/office/drawing/2014/main" id="{143BB53E-0CD9-4B08-BB38-FC36CA01CD1E}"/>
+              </a:ext>
+            </a:extLst>
+          </p:cNvPr>
+          <p:cNvCxnSpPr>
+            <a:cxnSpLocks/>
+          </p:cNvCxnSpPr>
+          <p:nvPr/>
+        </p:nvCxnSpPr>
+        <p:spPr>
+          <a:xfrm>
+            <a:off x="5465724" y="3663018"/>
+            <a:ext cx="1246943" cy="18656"/>
+          </a:xfrm>
+          <a:prstGeom prst="straightConnector1">
+            <a:avLst/>
+          </a:prstGeom>
+          <a:ln>
+            <a:tailEnd type="triangle"/>
+          </a:ln>
+        </p:spPr>
+        <p:style>
+          <a:lnRef idx="1">
+            <a:schemeClr val="accent1"/>
+          </a:lnRef>
+          <a:fillRef idx="0">
+            <a:schemeClr val="accent1"/>
+          </a:fillRef>
+          <a:effectRef idx="0">
+            <a:schemeClr val="accent1"/>
+          </a:effectRef>
+          <a:fontRef idx="minor">
+            <a:schemeClr val="tx1"/>
+          </a:fontRef>
+        </p:style>
+      </p:cxnSp>
+      <p:sp>
+        <p:nvSpPr>
+          <p:cNvPr id="82" name="TextBox 81">
+            <a:extLst>
+              <a:ext uri="{FF2B5EF4-FFF2-40B4-BE49-F238E27FC236}">
+                <a16:creationId xmlns:a16="http://schemas.microsoft.com/office/drawing/2014/main" id="{5899FDA4-D1A7-4CDC-9BB4-D3A8CB4583CB}"/>
+              </a:ext>
+            </a:extLst>
+          </p:cNvPr>
+          <p:cNvSpPr txBox="1"/>
+          <p:nvPr/>
+        </p:nvSpPr>
+        <p:spPr>
+          <a:xfrm>
+            <a:off x="4405914" y="3478352"/>
+            <a:ext cx="1111073" cy="369332"/>
+          </a:xfrm>
+          <a:prstGeom prst="rect">
+            <a:avLst/>
+          </a:prstGeom>
+          <a:noFill/>
+        </p:spPr>
+        <p:txBody>
+          <a:bodyPr wrap="none" rtlCol="0">
+            <a:spAutoFit/>
+          </a:bodyPr>
+          <a:lstStyle/>
+          <a:p>
+            <a:r>
+              <a:rPr lang="en-US" dirty="0"/>
+              <a:t>Mismatch</a:t>
+            </a:r>
+          </a:p>
+        </p:txBody>
+      </p:sp>
+      <p:cxnSp>
+        <p:nvCxnSpPr>
+          <p:cNvPr id="84" name="Straight Connector 83">
+            <a:extLst>
+              <a:ext uri="{FF2B5EF4-FFF2-40B4-BE49-F238E27FC236}">
+                <a16:creationId xmlns:a16="http://schemas.microsoft.com/office/drawing/2014/main" id="{E13563E0-F2CB-49CB-B688-19C8C74C4E37}"/>
+              </a:ext>
+            </a:extLst>
+          </p:cNvPr>
+          <p:cNvCxnSpPr/>
+          <p:nvPr/>
+        </p:nvCxnSpPr>
+        <p:spPr>
+          <a:xfrm>
+            <a:off x="4021157" y="4032173"/>
+            <a:ext cx="7904801" cy="0"/>
+          </a:xfrm>
+          <a:prstGeom prst="line">
+            <a:avLst/>
+          </a:prstGeom>
+        </p:spPr>
+        <p:style>
+          <a:lnRef idx="1">
+            <a:schemeClr val="accent1"/>
+          </a:lnRef>
+          <a:fillRef idx="0">
+            <a:schemeClr val="accent1"/>
+          </a:fillRef>
+          <a:effectRef idx="0">
+            <a:schemeClr val="accent1"/>
+          </a:effectRef>
+          <a:fontRef idx="minor">
+            <a:schemeClr val="tx1"/>
+          </a:fontRef>
+        </p:style>
+      </p:cxnSp>
     </p:spTree>
     <p:extLst>
       <p:ext uri="{BB962C8B-B14F-4D97-AF65-F5344CB8AC3E}">
@@ -5744,8 +5893,8 @@
         </p:nvSpPr>
         <p:spPr>
           <a:xfrm>
-            <a:off x="3750365" y="96768"/>
-            <a:ext cx="5257800" cy="598971"/>
+            <a:off x="4146972" y="74734"/>
+            <a:ext cx="3267380" cy="598971"/>
           </a:xfrm>
         </p:spPr>
         <p:txBody>
@@ -5756,7 +5905,7 @@
           <a:p>
             <a:r>
               <a:rPr lang="en-US" dirty="0"/>
-              <a:t>Narrowing the T region</a:t>
+              <a:t>Calculating T</a:t>
             </a:r>
           </a:p>
         </p:txBody>
@@ -5783,7 +5932,7 @@
         </p:blipFill>
         <p:spPr>
           <a:xfrm>
-            <a:off x="190835" y="5174161"/>
+            <a:off x="190834" y="5428220"/>
             <a:ext cx="5257801" cy="1475861"/>
           </a:xfrm>
           <a:prstGeom prst="rect">
@@ -5805,8 +5954,8 @@
         </p:nvSpPr>
         <p:spPr>
           <a:xfrm>
-            <a:off x="295947" y="695739"/>
-            <a:ext cx="5047578" cy="5355312"/>
+            <a:off x="295945" y="582067"/>
+            <a:ext cx="5047578" cy="5693866"/>
           </a:xfrm>
           <a:prstGeom prst="rect">
             <a:avLst/>
@@ -5821,13 +5970,65 @@
           <a:p>
             <a:r>
               <a:rPr lang="en-US" b="1" dirty="0"/>
-              <a:t>From the Left (T’s lower bound)</a:t>
-            </a:r>
-          </a:p>
-          <a:p>
-            <a:r>
-              <a:rPr lang="en-US" dirty="0"/>
-              <a:t>Given common variation on B6 chromosome 1, what T will properly accept X% of the variation? </a:t>
+              <a:t>Estimating T’s lower bound</a:t>
+            </a:r>
+          </a:p>
+          <a:p>
+            <a:r>
+              <a:rPr lang="en-US" sz="1600" dirty="0"/>
+              <a:t>Given common variation on B6 chromosome 1, what T will properly accept </a:t>
+            </a:r>
+            <a:r>
+              <a:rPr lang="en-US" sz="1600" b="1" dirty="0"/>
+              <a:t>99.9</a:t>
+            </a:r>
+            <a:r>
+              <a:rPr lang="en-US" sz="1600" dirty="0"/>
+              <a:t>% of the variation? </a:t>
+            </a:r>
+          </a:p>
+          <a:p>
+            <a:endParaRPr lang="en-US" sz="1600" dirty="0"/>
+          </a:p>
+          <a:p>
+            <a:r>
+              <a:rPr lang="en-US" sz="1600" dirty="0"/>
+              <a:t>To extrapolate this to PWK alignment assumes:</a:t>
+            </a:r>
+          </a:p>
+          <a:p>
+            <a:r>
+              <a:rPr lang="en-US" sz="1600" dirty="0"/>
+              <a:t>1. B6 gene-region variation on chr1 is equal to the rest of the genome.  </a:t>
+            </a:r>
+          </a:p>
+          <a:p>
+            <a:r>
+              <a:rPr lang="en-US" sz="1600" dirty="0"/>
+              <a:t>2. PWK gene-region variation is similar to B6 </a:t>
+            </a:r>
+          </a:p>
+          <a:p>
+            <a:endParaRPr lang="en-US" sz="1600" dirty="0"/>
+          </a:p>
+          <a:p>
+            <a:r>
+              <a:rPr lang="en-US" sz="1600" dirty="0"/>
+              <a:t>Create a chromosome mask representing SNPs and iterate over each 100-mer in the mask, recording number of SNPs per 100-mer.</a:t>
+            </a:r>
+          </a:p>
+          <a:p>
+            <a:r>
+              <a:rPr lang="en-US" sz="1600" dirty="0"/>
+              <a:t>BUT, since we’re aligning RNA-seq, only include </a:t>
+            </a:r>
+            <a:r>
+              <a:rPr lang="en-US" sz="1600" dirty="0" err="1"/>
+              <a:t>exonic</a:t>
+            </a:r>
+            <a:r>
+              <a:rPr lang="en-US" sz="1600" dirty="0"/>
+              <a:t> 100-mers. </a:t>
             </a:r>
           </a:p>
           <a:p>
@@ -5835,49 +6036,14 @@
           </a:p>
           <a:p>
             <a:r>
-              <a:rPr lang="en-US" dirty="0"/>
-              <a:t>To extrapolate this to PWK alignment assumes:</a:t>
-            </a:r>
-          </a:p>
-          <a:p>
-            <a:r>
-              <a:rPr lang="en-US" dirty="0"/>
-              <a:t> 1. PWK variation is similar to B6 </a:t>
-            </a:r>
-          </a:p>
-          <a:p>
-            <a:endParaRPr lang="en-US" dirty="0"/>
-          </a:p>
-          <a:p>
-            <a:r>
-              <a:rPr lang="en-US" dirty="0"/>
-              <a:t>Create a chromosome mask representing SNPs and iterate over each 100-mer in the mask, recording number of SNPs.</a:t>
-            </a:r>
-          </a:p>
-          <a:p>
-            <a:r>
-              <a:rPr lang="en-US" dirty="0"/>
-              <a:t>BUT, looking at RNA-seq, so exon only, therefore, only include </a:t>
-            </a:r>
-            <a:r>
-              <a:rPr lang="en-US" dirty="0" err="1"/>
-              <a:t>exonic</a:t>
-            </a:r>
-            <a:r>
-              <a:rPr lang="en-US" dirty="0"/>
-              <a:t> 100-mers. </a:t>
-            </a:r>
-          </a:p>
-          <a:p>
-            <a:r>
               <a:rPr lang="en-US" b="1" dirty="0"/>
-              <a:t>From the Right (T’s Upper Bound)</a:t>
-            </a:r>
-          </a:p>
-          <a:p>
-            <a:r>
-              <a:rPr lang="en-US" dirty="0"/>
-              <a:t>Question: Assuming random sequence and subsequence, what is the probability of getting an alignment allowing for T mismatches?</a:t>
+              <a:t>Estimating T’s Upper Bound</a:t>
+            </a:r>
+          </a:p>
+          <a:p>
+            <a:r>
+              <a:rPr lang="en-US" sz="1600" dirty="0"/>
+              <a:t>Assuming random sequence and subsequence, what is the probability of getting an alignment allowing for T mismatches?</a:t>
             </a:r>
           </a:p>
           <a:p>
@@ -5917,7 +6083,7 @@
         <p:spPr>
           <a:xfrm>
             <a:off x="6379265" y="695739"/>
-            <a:ext cx="4628382" cy="3842526"/>
+            <a:ext cx="4229978" cy="3511767"/>
           </a:xfrm>
           <a:prstGeom prst="rect">
             <a:avLst/>
@@ -5939,14 +6105,14 @@
           <p:nvPr>
             <p:extLst>
               <p:ext uri="{D42A27DB-BD31-4B8C-83A1-F6EECF244321}">
-                <p14:modId xmlns:p14="http://schemas.microsoft.com/office/powerpoint/2010/main" val="281573747"/>
+                <p14:modId xmlns:p14="http://schemas.microsoft.com/office/powerpoint/2010/main" val="1736141966"/>
               </p:ext>
             </p:extLst>
           </p:nvPr>
         </p:nvGraphicFramePr>
         <p:xfrm>
-          <a:off x="6379263" y="4720831"/>
-          <a:ext cx="4628382" cy="1838960"/>
+          <a:off x="5676804" y="4234420"/>
+          <a:ext cx="5047578" cy="2082800"/>
         </p:xfrm>
         <a:graphic>
           <a:graphicData uri="http://schemas.openxmlformats.org/drawingml/2006/table">
@@ -5955,28 +6121,28 @@
                 <a:tableStyleId>{5C22544A-7EE6-4342-B048-85BDC9FD1C3A}</a:tableStyleId>
               </a:tblPr>
               <a:tblGrid>
-                <a:gridCol w="1781064">
+                <a:gridCol w="1942376">
                   <a:extLst>
                     <a:ext uri="{9D8B030D-6E8A-4147-A177-3AD203B41FA5}">
                       <a16:colId xmlns:a16="http://schemas.microsoft.com/office/drawing/2014/main" val="2850617111"/>
                     </a:ext>
                   </a:extLst>
                 </a:gridCol>
-                <a:gridCol w="955964">
+                <a:gridCol w="1042546">
                   <a:extLst>
                     <a:ext uri="{9D8B030D-6E8A-4147-A177-3AD203B41FA5}">
                       <a16:colId xmlns:a16="http://schemas.microsoft.com/office/drawing/2014/main" val="1107477252"/>
                     </a:ext>
                   </a:extLst>
                 </a:gridCol>
-                <a:gridCol w="928254">
+                <a:gridCol w="1012327">
                   <a:extLst>
                     <a:ext uri="{9D8B030D-6E8A-4147-A177-3AD203B41FA5}">
                       <a16:colId xmlns:a16="http://schemas.microsoft.com/office/drawing/2014/main" val="1145688475"/>
                     </a:ext>
                   </a:extLst>
                 </a:gridCol>
-                <a:gridCol w="963100">
+                <a:gridCol w="1050329">
                   <a:extLst>
                     <a:ext uri="{9D8B030D-6E8A-4147-A177-3AD203B41FA5}">
                       <a16:colId xmlns:a16="http://schemas.microsoft.com/office/drawing/2014/main" val="4195931949"/>
@@ -6050,10 +6216,21 @@
                     <a:lstStyle/>
                     <a:p>
                       <a:r>
-                        <a:rPr lang="en-US" dirty="0" err="1"/>
-                        <a:t>Exonic</a:t>
+                        <a:rPr lang="en-US" dirty="0"/>
+                        <a:t>Gene Regions </a:t>
                       </a:r>
-                      <a:endParaRPr lang="en-US" dirty="0"/>
+                      <a:r>
+                        <a:rPr lang="en-US" sz="1600" dirty="0"/>
+                        <a:t>(exon &amp; </a:t>
+                      </a:r>
+                      <a:r>
+                        <a:rPr lang="en-US" sz="1600" b="1" dirty="0"/>
+                        <a:t>intron!?</a:t>
+                      </a:r>
+                      <a:r>
+                        <a:rPr lang="en-US" sz="1600" dirty="0"/>
+                        <a:t>)</a:t>
+                      </a:r>
                     </a:p>
                   </a:txBody>
                   <a:tcPr/>
@@ -6102,7 +6279,7 @@
                     <a:p>
                       <a:r>
                         <a:rPr lang="en-US" dirty="0"/>
-                        <a:t>Intronic</a:t>
+                        <a:t>Non Gene Regions </a:t>
                       </a:r>
                     </a:p>
                   </a:txBody>
@@ -6314,79 +6491,6 @@
           </a:p>
         </p:txBody>
       </p:sp>
-      <p:pic>
-        <p:nvPicPr>
-          <p:cNvPr id="4" name="Picture 3">
-            <a:extLst>
-              <a:ext uri="{FF2B5EF4-FFF2-40B4-BE49-F238E27FC236}">
-                <a16:creationId xmlns:a16="http://schemas.microsoft.com/office/drawing/2014/main" id="{263B4C42-DAD8-46EB-A1EE-15931D08EAE0}"/>
-              </a:ext>
-            </a:extLst>
-          </p:cNvPr>
-          <p:cNvPicPr>
-            <a:picLocks noChangeAspect="1"/>
-          </p:cNvPicPr>
-          <p:nvPr/>
-        </p:nvPicPr>
-        <p:blipFill>
-          <a:blip r:embed="rId2"/>
-          <a:stretch>
-            <a:fillRect/>
-          </a:stretch>
-        </p:blipFill>
-        <p:spPr>
-          <a:xfrm>
-            <a:off x="569756" y="1780097"/>
-            <a:ext cx="2990850" cy="866775"/>
-          </a:xfrm>
-          <a:prstGeom prst="rect">
-            <a:avLst/>
-          </a:prstGeom>
-        </p:spPr>
-      </p:pic>
-      <p:sp>
-        <p:nvSpPr>
-          <p:cNvPr id="7" name="TextBox 6">
-            <a:extLst>
-              <a:ext uri="{FF2B5EF4-FFF2-40B4-BE49-F238E27FC236}">
-                <a16:creationId xmlns:a16="http://schemas.microsoft.com/office/drawing/2014/main" id="{7B59C361-2EC5-4877-8821-EB5234C1DE22}"/>
-              </a:ext>
-            </a:extLst>
-          </p:cNvPr>
-          <p:cNvSpPr txBox="1"/>
-          <p:nvPr/>
-        </p:nvSpPr>
-        <p:spPr>
-          <a:xfrm>
-            <a:off x="315894" y="2604402"/>
-            <a:ext cx="3498574" cy="923330"/>
-          </a:xfrm>
-          <a:prstGeom prst="rect">
-            <a:avLst/>
-          </a:prstGeom>
-          <a:noFill/>
-        </p:spPr>
-        <p:txBody>
-          <a:bodyPr wrap="square" rtlCol="0">
-            <a:spAutoFit/>
-          </a:bodyPr>
-          <a:lstStyle/>
-          <a:p>
-            <a:pPr algn="ctr"/>
-            <a:r>
-              <a:rPr lang="en-US" dirty="0"/>
-              <a:t>TP and FN : </a:t>
-            </a:r>
-          </a:p>
-          <a:p>
-            <a:pPr algn="ctr"/>
-            <a:r>
-              <a:rPr lang="en-US" dirty="0"/>
-              <a:t>Found by checking each T over all windows in chr1 </a:t>
-            </a:r>
-          </a:p>
-        </p:txBody>
-      </p:sp>
       <p:grpSp>
         <p:nvGrpSpPr>
           <p:cNvPr id="37" name="Group 36">
@@ -6401,7 +6505,7 @@
         </p:nvGrpSpPr>
         <p:grpSpPr>
           <a:xfrm>
-            <a:off x="147030" y="4770340"/>
+            <a:off x="1039396" y="4384750"/>
             <a:ext cx="4428730" cy="1908087"/>
             <a:chOff x="147030" y="4770340"/>
             <a:chExt cx="4428730" cy="1908087"/>
@@ -6824,36 +6928,6 @@
           </p:txBody>
         </p:sp>
       </p:grpSp>
-      <p:pic>
-        <p:nvPicPr>
-          <p:cNvPr id="36" name="Picture 35">
-            <a:extLst>
-              <a:ext uri="{FF2B5EF4-FFF2-40B4-BE49-F238E27FC236}">
-                <a16:creationId xmlns:a16="http://schemas.microsoft.com/office/drawing/2014/main" id="{21CF5CDE-C25E-4137-A824-F6CC8B451D21}"/>
-              </a:ext>
-            </a:extLst>
-          </p:cNvPr>
-          <p:cNvPicPr>
-            <a:picLocks noChangeAspect="1"/>
-          </p:cNvPicPr>
-          <p:nvPr/>
-        </p:nvPicPr>
-        <p:blipFill>
-          <a:blip r:embed="rId3"/>
-          <a:stretch>
-            <a:fillRect/>
-          </a:stretch>
-        </p:blipFill>
-        <p:spPr>
-          <a:xfrm>
-            <a:off x="3814468" y="1580615"/>
-            <a:ext cx="3985276" cy="2407771"/>
-          </a:xfrm>
-          <a:prstGeom prst="rect">
-            <a:avLst/>
-          </a:prstGeom>
-        </p:spPr>
-      </p:pic>
     </p:spTree>
     <p:extLst>
       <p:ext uri="{BB962C8B-B14F-4D97-AF65-F5344CB8AC3E}">

--- a/FINAL_PROJECT/Algorithms_Final_Project.pptx
+++ b/FINAL_PROJECT/Algorithms_Final_Project.pptx
@@ -1,30 +1,125 @@
 
 <file path=ppt/presentation.xml><?xml version="1.0" encoding="utf-8"?>
-<p:presentation xmlns:a="http://schemas.openxmlformats.org/drawingml/2006/main" xmlns:p="http://schemas.openxmlformats.org/presentationml/2006/main" xmlns:r="http://schemas.openxmlformats.org/officeDocument/2006/relationships" xmlns:p14="http://schemas.microsoft.com/office/powerpoint/2010/main" xmlns:p15="http://schemas.microsoft.com/office/powerpoint/2012/main" xmlns:mc="http://schemas.openxmlformats.org/markup-compatibility/2006">
+<p:presentation xmlns:a="http://schemas.openxmlformats.org/drawingml/2006/main" xmlns:r="http://schemas.openxmlformats.org/officeDocument/2006/relationships" xmlns:p="http://schemas.openxmlformats.org/presentationml/2006/main">
   <p:sldMasterIdLst>
-    <p:sldMasterId id="2147483648" r:id="rId2"/>
-    <p:sldMasterId id="2147483661" r:id="rId3"/>
+    <p:sldMasterId id="2147483648" r:id="rId1"/>
+    <p:sldMasterId id="2147483661" r:id="rId2"/>
   </p:sldMasterIdLst>
   <p:sldIdLst>
-    <p:sldId id="256" r:id="rId4"/>
-    <p:sldId id="257" r:id="rId5"/>
-    <p:sldId id="258" r:id="rId6"/>
-    <p:sldId id="259" r:id="rId7"/>
+    <p:sldId id="256" r:id="rId3"/>
+    <p:sldId id="257" r:id="rId4"/>
+    <p:sldId id="258" r:id="rId5"/>
+    <p:sldId id="259" r:id="rId6"/>
   </p:sldIdLst>
   <p:sldSz cx="12192000" cy="6858000"/>
   <p:notesSz cx="7772400" cy="10058400"/>
+  <p:defaultTextStyle>
+    <a:defPPr>
+      <a:defRPr lang="en-US"/>
+    </a:defPPr>
+    <a:lvl1pPr marL="0" algn="l" defTabSz="914400" rtl="0" eaLnBrk="1" latinLnBrk="0" hangingPunct="1">
+      <a:defRPr sz="1800" kern="1200">
+        <a:solidFill>
+          <a:schemeClr val="tx1"/>
+        </a:solidFill>
+        <a:latin typeface="+mn-lt"/>
+        <a:ea typeface="+mn-ea"/>
+        <a:cs typeface="+mn-cs"/>
+      </a:defRPr>
+    </a:lvl1pPr>
+    <a:lvl2pPr marL="457200" algn="l" defTabSz="914400" rtl="0" eaLnBrk="1" latinLnBrk="0" hangingPunct="1">
+      <a:defRPr sz="1800" kern="1200">
+        <a:solidFill>
+          <a:schemeClr val="tx1"/>
+        </a:solidFill>
+        <a:latin typeface="+mn-lt"/>
+        <a:ea typeface="+mn-ea"/>
+        <a:cs typeface="+mn-cs"/>
+      </a:defRPr>
+    </a:lvl2pPr>
+    <a:lvl3pPr marL="914400" algn="l" defTabSz="914400" rtl="0" eaLnBrk="1" latinLnBrk="0" hangingPunct="1">
+      <a:defRPr sz="1800" kern="1200">
+        <a:solidFill>
+          <a:schemeClr val="tx1"/>
+        </a:solidFill>
+        <a:latin typeface="+mn-lt"/>
+        <a:ea typeface="+mn-ea"/>
+        <a:cs typeface="+mn-cs"/>
+      </a:defRPr>
+    </a:lvl3pPr>
+    <a:lvl4pPr marL="1371600" algn="l" defTabSz="914400" rtl="0" eaLnBrk="1" latinLnBrk="0" hangingPunct="1">
+      <a:defRPr sz="1800" kern="1200">
+        <a:solidFill>
+          <a:schemeClr val="tx1"/>
+        </a:solidFill>
+        <a:latin typeface="+mn-lt"/>
+        <a:ea typeface="+mn-ea"/>
+        <a:cs typeface="+mn-cs"/>
+      </a:defRPr>
+    </a:lvl4pPr>
+    <a:lvl5pPr marL="1828800" algn="l" defTabSz="914400" rtl="0" eaLnBrk="1" latinLnBrk="0" hangingPunct="1">
+      <a:defRPr sz="1800" kern="1200">
+        <a:solidFill>
+          <a:schemeClr val="tx1"/>
+        </a:solidFill>
+        <a:latin typeface="+mn-lt"/>
+        <a:ea typeface="+mn-ea"/>
+        <a:cs typeface="+mn-cs"/>
+      </a:defRPr>
+    </a:lvl5pPr>
+    <a:lvl6pPr marL="2286000" algn="l" defTabSz="914400" rtl="0" eaLnBrk="1" latinLnBrk="0" hangingPunct="1">
+      <a:defRPr sz="1800" kern="1200">
+        <a:solidFill>
+          <a:schemeClr val="tx1"/>
+        </a:solidFill>
+        <a:latin typeface="+mn-lt"/>
+        <a:ea typeface="+mn-ea"/>
+        <a:cs typeface="+mn-cs"/>
+      </a:defRPr>
+    </a:lvl6pPr>
+    <a:lvl7pPr marL="2743200" algn="l" defTabSz="914400" rtl="0" eaLnBrk="1" latinLnBrk="0" hangingPunct="1">
+      <a:defRPr sz="1800" kern="1200">
+        <a:solidFill>
+          <a:schemeClr val="tx1"/>
+        </a:solidFill>
+        <a:latin typeface="+mn-lt"/>
+        <a:ea typeface="+mn-ea"/>
+        <a:cs typeface="+mn-cs"/>
+      </a:defRPr>
+    </a:lvl7pPr>
+    <a:lvl8pPr marL="3200400" algn="l" defTabSz="914400" rtl="0" eaLnBrk="1" latinLnBrk="0" hangingPunct="1">
+      <a:defRPr sz="1800" kern="1200">
+        <a:solidFill>
+          <a:schemeClr val="tx1"/>
+        </a:solidFill>
+        <a:latin typeface="+mn-lt"/>
+        <a:ea typeface="+mn-ea"/>
+        <a:cs typeface="+mn-cs"/>
+      </a:defRPr>
+    </a:lvl8pPr>
+    <a:lvl9pPr marL="3657600" algn="l" defTabSz="914400" rtl="0" eaLnBrk="1" latinLnBrk="0" hangingPunct="1">
+      <a:defRPr sz="1800" kern="1200">
+        <a:solidFill>
+          <a:schemeClr val="tx1"/>
+        </a:solidFill>
+        <a:latin typeface="+mn-lt"/>
+        <a:ea typeface="+mn-ea"/>
+        <a:cs typeface="+mn-cs"/>
+      </a:defRPr>
+    </a:lvl9pPr>
+  </p:defaultTextStyle>
 </p:presentation>
 </file>
 
 <file path=ppt/commentAuthors.xml><?xml version="1.0" encoding="utf-8"?>
-<p:cmAuthorLst xmlns:p="http://schemas.openxmlformats.org/presentationml/2006/main">
+<p:cmAuthorLst xmlns:a="http://schemas.openxmlformats.org/drawingml/2006/main" xmlns:r="http://schemas.openxmlformats.org/officeDocument/2006/relationships" xmlns:p="http://schemas.openxmlformats.org/presentationml/2006/main">
   <p:cmAuthor id="0" name="Nathaniel Evans" initials="NE" lastIdx="1" clrIdx="0"/>
 </p:cmAuthorLst>
 </file>
 
-<file path=ppt/comments/comment3.xml><?xml version="1.0" encoding="utf-8"?>
-<p:cmLst xmlns:p="http://schemas.openxmlformats.org/presentationml/2006/main">
-  <p:cm authorId="0" dt="2018-11-30T11:15:16.874000000" idx="1">
+<file path=ppt/comments/comment1.xml><?xml version="1.0" encoding="utf-8"?>
+<p:cmLst xmlns:a="http://schemas.openxmlformats.org/drawingml/2006/main" xmlns:r="http://schemas.openxmlformats.org/officeDocument/2006/relationships" xmlns:p="http://schemas.openxmlformats.org/presentationml/2006/main">
+  <p:cm authorId="0" dt="2018-11-30T11:15:16.874" idx="1">
     <p:pos x="3239" y="1440"/>
     <p:text>Which isn't necessarily a good assumption? since B6 is from the inbred mice line that has known decreased variation.</p:text>
   </p:cm>
@@ -32,7 +127,7 @@
 </file>
 
 <file path=ppt/slideLayouts/slideLayout1.xml><?xml version="1.0" encoding="utf-8"?>
-<p:sldLayout xmlns:a="http://schemas.openxmlformats.org/drawingml/2006/main" xmlns:p="http://schemas.openxmlformats.org/presentationml/2006/main" xmlns:r="http://schemas.openxmlformats.org/officeDocument/2006/relationships" xmlns:p14="http://schemas.microsoft.com/office/powerpoint/2010/main" xmlns:p15="http://schemas.microsoft.com/office/powerpoint/2012/main" xmlns:mc="http://schemas.openxmlformats.org/markup-compatibility/2006" type="blank" preserve="1">
+<p:sldLayout xmlns:a="http://schemas.openxmlformats.org/drawingml/2006/main" xmlns:r="http://schemas.openxmlformats.org/officeDocument/2006/relationships" xmlns:p="http://schemas.openxmlformats.org/presentationml/2006/main" type="blank" preserve="1">
   <p:cSld name="Blank Slide">
     <p:spTree>
       <p:nvGrpSpPr>
@@ -50,11 +145,14 @@
       </p:grpSpPr>
     </p:spTree>
   </p:cSld>
+  <p:clrMapOvr>
+    <a:masterClrMapping/>
+  </p:clrMapOvr>
 </p:sldLayout>
 </file>
 
 <file path=ppt/slideLayouts/slideLayout10.xml><?xml version="1.0" encoding="utf-8"?>
-<p:sldLayout xmlns:a="http://schemas.openxmlformats.org/drawingml/2006/main" xmlns:p="http://schemas.openxmlformats.org/presentationml/2006/main" xmlns:r="http://schemas.openxmlformats.org/officeDocument/2006/relationships" xmlns:p14="http://schemas.microsoft.com/office/powerpoint/2010/main" xmlns:p15="http://schemas.microsoft.com/office/powerpoint/2012/main" xmlns:mc="http://schemas.openxmlformats.org/markup-compatibility/2006" type="objOverTx" preserve="1">
+<p:sldLayout xmlns:a="http://schemas.openxmlformats.org/drawingml/2006/main" xmlns:r="http://schemas.openxmlformats.org/officeDocument/2006/relationships" xmlns:p="http://schemas.openxmlformats.org/presentationml/2006/main" type="objOverTx" preserve="1">
   <p:cSld name="Title, Content over Content">
     <p:spTree>
       <p:nvGrpSpPr>
@@ -90,9 +188,10 @@
           </a:prstGeom>
         </p:spPr>
         <p:txBody>
-          <a:bodyPr lIns="0" rIns="0" tIns="0" bIns="0" anchor="ctr"/>
-          <a:p>
-            <a:endParaRPr b="0" lang="en-US" sz="1800" spc="-1" strike="noStrike">
+          <a:bodyPr lIns="0" tIns="0" rIns="0" bIns="0" anchor="ctr"/>
+          <a:lstStyle/>
+          <a:p>
+            <a:endParaRPr lang="en-US" sz="1800" b="0" strike="noStrike" spc="-1">
               <a:solidFill>
                 <a:srgbClr val="000000"/>
               </a:solidFill>
@@ -121,11 +220,12 @@
           </a:prstGeom>
         </p:spPr>
         <p:txBody>
-          <a:bodyPr lIns="0" rIns="0" tIns="0" bIns="0">
+          <a:bodyPr lIns="0" tIns="0" rIns="0" bIns="0">
             <a:normAutofit/>
           </a:bodyPr>
-          <a:p>
-            <a:endParaRPr b="0" lang="en-US" sz="2800" spc="-1" strike="noStrike">
+          <a:lstStyle/>
+          <a:p>
+            <a:endParaRPr lang="en-US" sz="2800" b="0" strike="noStrike" spc="-1">
               <a:solidFill>
                 <a:srgbClr val="000000"/>
               </a:solidFill>
@@ -154,11 +254,12 @@
           </a:prstGeom>
         </p:spPr>
         <p:txBody>
-          <a:bodyPr lIns="0" rIns="0" tIns="0" bIns="0">
+          <a:bodyPr lIns="0" tIns="0" rIns="0" bIns="0">
             <a:normAutofit/>
           </a:bodyPr>
-          <a:p>
-            <a:endParaRPr b="0" lang="en-US" sz="2800" spc="-1" strike="noStrike">
+          <a:lstStyle/>
+          <a:p>
+            <a:endParaRPr lang="en-US" sz="2800" b="0" strike="noStrike" spc="-1">
               <a:solidFill>
                 <a:srgbClr val="000000"/>
               </a:solidFill>
@@ -169,11 +270,14 @@
       </p:sp>
     </p:spTree>
   </p:cSld>
+  <p:clrMapOvr>
+    <a:masterClrMapping/>
+  </p:clrMapOvr>
 </p:sldLayout>
 </file>
 
 <file path=ppt/slideLayouts/slideLayout11.xml><?xml version="1.0" encoding="utf-8"?>
-<p:sldLayout xmlns:a="http://schemas.openxmlformats.org/drawingml/2006/main" xmlns:p="http://schemas.openxmlformats.org/presentationml/2006/main" xmlns:r="http://schemas.openxmlformats.org/officeDocument/2006/relationships" xmlns:p14="http://schemas.microsoft.com/office/powerpoint/2010/main" xmlns:p15="http://schemas.microsoft.com/office/powerpoint/2012/main" xmlns:mc="http://schemas.openxmlformats.org/markup-compatibility/2006" type="fourObj" preserve="1">
+<p:sldLayout xmlns:a="http://schemas.openxmlformats.org/drawingml/2006/main" xmlns:r="http://schemas.openxmlformats.org/officeDocument/2006/relationships" xmlns:p="http://schemas.openxmlformats.org/presentationml/2006/main" type="fourObj" preserve="1">
   <p:cSld name="Title, 4 Content">
     <p:spTree>
       <p:nvGrpSpPr>
@@ -209,9 +313,10 @@
           </a:prstGeom>
         </p:spPr>
         <p:txBody>
-          <a:bodyPr lIns="0" rIns="0" tIns="0" bIns="0" anchor="ctr"/>
-          <a:p>
-            <a:endParaRPr b="0" lang="en-US" sz="1800" spc="-1" strike="noStrike">
+          <a:bodyPr lIns="0" tIns="0" rIns="0" bIns="0" anchor="ctr"/>
+          <a:lstStyle/>
+          <a:p>
+            <a:endParaRPr lang="en-US" sz="1800" b="0" strike="noStrike" spc="-1">
               <a:solidFill>
                 <a:srgbClr val="000000"/>
               </a:solidFill>
@@ -240,11 +345,12 @@
           </a:prstGeom>
         </p:spPr>
         <p:txBody>
-          <a:bodyPr lIns="0" rIns="0" tIns="0" bIns="0">
+          <a:bodyPr lIns="0" tIns="0" rIns="0" bIns="0">
             <a:normAutofit/>
           </a:bodyPr>
-          <a:p>
-            <a:endParaRPr b="0" lang="en-US" sz="2800" spc="-1" strike="noStrike">
+          <a:lstStyle/>
+          <a:p>
+            <a:endParaRPr lang="en-US" sz="2800" b="0" strike="noStrike" spc="-1">
               <a:solidFill>
                 <a:srgbClr val="000000"/>
               </a:solidFill>
@@ -273,11 +379,12 @@
           </a:prstGeom>
         </p:spPr>
         <p:txBody>
-          <a:bodyPr lIns="0" rIns="0" tIns="0" bIns="0">
+          <a:bodyPr lIns="0" tIns="0" rIns="0" bIns="0">
             <a:normAutofit/>
           </a:bodyPr>
-          <a:p>
-            <a:endParaRPr b="0" lang="en-US" sz="2800" spc="-1" strike="noStrike">
+          <a:lstStyle/>
+          <a:p>
+            <a:endParaRPr lang="en-US" sz="2800" b="0" strike="noStrike" spc="-1">
               <a:solidFill>
                 <a:srgbClr val="000000"/>
               </a:solidFill>
@@ -306,11 +413,12 @@
           </a:prstGeom>
         </p:spPr>
         <p:txBody>
-          <a:bodyPr lIns="0" rIns="0" tIns="0" bIns="0">
+          <a:bodyPr lIns="0" tIns="0" rIns="0" bIns="0">
             <a:normAutofit/>
           </a:bodyPr>
-          <a:p>
-            <a:endParaRPr b="0" lang="en-US" sz="2800" spc="-1" strike="noStrike">
+          <a:lstStyle/>
+          <a:p>
+            <a:endParaRPr lang="en-US" sz="2800" b="0" strike="noStrike" spc="-1">
               <a:solidFill>
                 <a:srgbClr val="000000"/>
               </a:solidFill>
@@ -339,11 +447,12 @@
           </a:prstGeom>
         </p:spPr>
         <p:txBody>
-          <a:bodyPr lIns="0" rIns="0" tIns="0" bIns="0">
+          <a:bodyPr lIns="0" tIns="0" rIns="0" bIns="0">
             <a:normAutofit/>
           </a:bodyPr>
-          <a:p>
-            <a:endParaRPr b="0" lang="en-US" sz="2800" spc="-1" strike="noStrike">
+          <a:lstStyle/>
+          <a:p>
+            <a:endParaRPr lang="en-US" sz="2800" b="0" strike="noStrike" spc="-1">
               <a:solidFill>
                 <a:srgbClr val="000000"/>
               </a:solidFill>
@@ -354,11 +463,14 @@
       </p:sp>
     </p:spTree>
   </p:cSld>
+  <p:clrMapOvr>
+    <a:masterClrMapping/>
+  </p:clrMapOvr>
 </p:sldLayout>
 </file>
 
 <file path=ppt/slideLayouts/slideLayout12.xml><?xml version="1.0" encoding="utf-8"?>
-<p:sldLayout xmlns:a="http://schemas.openxmlformats.org/drawingml/2006/main" xmlns:p="http://schemas.openxmlformats.org/presentationml/2006/main" xmlns:r="http://schemas.openxmlformats.org/officeDocument/2006/relationships" xmlns:p14="http://schemas.microsoft.com/office/powerpoint/2010/main" xmlns:p15="http://schemas.microsoft.com/office/powerpoint/2012/main" xmlns:mc="http://schemas.openxmlformats.org/markup-compatibility/2006" type="blank" preserve="1">
+<p:sldLayout xmlns:a="http://schemas.openxmlformats.org/drawingml/2006/main" xmlns:r="http://schemas.openxmlformats.org/officeDocument/2006/relationships" xmlns:p="http://schemas.openxmlformats.org/presentationml/2006/main" type="blank" preserve="1">
   <p:cSld name="Title, 6 Content">
     <p:spTree>
       <p:nvGrpSpPr>
@@ -394,9 +506,10 @@
           </a:prstGeom>
         </p:spPr>
         <p:txBody>
-          <a:bodyPr lIns="0" rIns="0" tIns="0" bIns="0" anchor="ctr"/>
-          <a:p>
-            <a:endParaRPr b="0" lang="en-US" sz="1800" spc="-1" strike="noStrike">
+          <a:bodyPr lIns="0" tIns="0" rIns="0" bIns="0" anchor="ctr"/>
+          <a:lstStyle/>
+          <a:p>
+            <a:endParaRPr lang="en-US" sz="1800" b="0" strike="noStrike" spc="-1">
               <a:solidFill>
                 <a:srgbClr val="000000"/>
               </a:solidFill>
@@ -425,11 +538,12 @@
           </a:prstGeom>
         </p:spPr>
         <p:txBody>
-          <a:bodyPr lIns="0" rIns="0" tIns="0" bIns="0">
+          <a:bodyPr lIns="0" tIns="0" rIns="0" bIns="0">
             <a:normAutofit/>
           </a:bodyPr>
-          <a:p>
-            <a:endParaRPr b="0" lang="en-US" sz="2800" spc="-1" strike="noStrike">
+          <a:lstStyle/>
+          <a:p>
+            <a:endParaRPr lang="en-US" sz="2800" b="0" strike="noStrike" spc="-1">
               <a:solidFill>
                 <a:srgbClr val="000000"/>
               </a:solidFill>
@@ -458,11 +572,12 @@
           </a:prstGeom>
         </p:spPr>
         <p:txBody>
-          <a:bodyPr lIns="0" rIns="0" tIns="0" bIns="0">
+          <a:bodyPr lIns="0" tIns="0" rIns="0" bIns="0">
             <a:normAutofit/>
           </a:bodyPr>
-          <a:p>
-            <a:endParaRPr b="0" lang="en-US" sz="2800" spc="-1" strike="noStrike">
+          <a:lstStyle/>
+          <a:p>
+            <a:endParaRPr lang="en-US" sz="2800" b="0" strike="noStrike" spc="-1">
               <a:solidFill>
                 <a:srgbClr val="000000"/>
               </a:solidFill>
@@ -491,11 +606,12 @@
           </a:prstGeom>
         </p:spPr>
         <p:txBody>
-          <a:bodyPr lIns="0" rIns="0" tIns="0" bIns="0">
+          <a:bodyPr lIns="0" tIns="0" rIns="0" bIns="0">
             <a:normAutofit/>
           </a:bodyPr>
-          <a:p>
-            <a:endParaRPr b="0" lang="en-US" sz="2800" spc="-1" strike="noStrike">
+          <a:lstStyle/>
+          <a:p>
+            <a:endParaRPr lang="en-US" sz="2800" b="0" strike="noStrike" spc="-1">
               <a:solidFill>
                 <a:srgbClr val="000000"/>
               </a:solidFill>
@@ -524,11 +640,12 @@
           </a:prstGeom>
         </p:spPr>
         <p:txBody>
-          <a:bodyPr lIns="0" rIns="0" tIns="0" bIns="0">
+          <a:bodyPr lIns="0" tIns="0" rIns="0" bIns="0">
             <a:normAutofit/>
           </a:bodyPr>
-          <a:p>
-            <a:endParaRPr b="0" lang="en-US" sz="2800" spc="-1" strike="noStrike">
+          <a:lstStyle/>
+          <a:p>
+            <a:endParaRPr lang="en-US" sz="2800" b="0" strike="noStrike" spc="-1">
               <a:solidFill>
                 <a:srgbClr val="000000"/>
               </a:solidFill>
@@ -557,11 +674,12 @@
           </a:prstGeom>
         </p:spPr>
         <p:txBody>
-          <a:bodyPr lIns="0" rIns="0" tIns="0" bIns="0">
+          <a:bodyPr lIns="0" tIns="0" rIns="0" bIns="0">
             <a:normAutofit/>
           </a:bodyPr>
-          <a:p>
-            <a:endParaRPr b="0" lang="en-US" sz="2800" spc="-1" strike="noStrike">
+          <a:lstStyle/>
+          <a:p>
+            <a:endParaRPr lang="en-US" sz="2800" b="0" strike="noStrike" spc="-1">
               <a:solidFill>
                 <a:srgbClr val="000000"/>
               </a:solidFill>
@@ -590,11 +708,12 @@
           </a:prstGeom>
         </p:spPr>
         <p:txBody>
-          <a:bodyPr lIns="0" rIns="0" tIns="0" bIns="0">
+          <a:bodyPr lIns="0" tIns="0" rIns="0" bIns="0">
             <a:normAutofit/>
           </a:bodyPr>
-          <a:p>
-            <a:endParaRPr b="0" lang="en-US" sz="2800" spc="-1" strike="noStrike">
+          <a:lstStyle/>
+          <a:p>
+            <a:endParaRPr lang="en-US" sz="2800" b="0" strike="noStrike" spc="-1">
               <a:solidFill>
                 <a:srgbClr val="000000"/>
               </a:solidFill>
@@ -605,11 +724,14 @@
       </p:sp>
     </p:spTree>
   </p:cSld>
+  <p:clrMapOvr>
+    <a:masterClrMapping/>
+  </p:clrMapOvr>
 </p:sldLayout>
 </file>
 
 <file path=ppt/slideLayouts/slideLayout13.xml><?xml version="1.0" encoding="utf-8"?>
-<p:sldLayout xmlns:a="http://schemas.openxmlformats.org/drawingml/2006/main" xmlns:p="http://schemas.openxmlformats.org/presentationml/2006/main" xmlns:r="http://schemas.openxmlformats.org/officeDocument/2006/relationships" xmlns:p14="http://schemas.microsoft.com/office/powerpoint/2010/main" xmlns:p15="http://schemas.microsoft.com/office/powerpoint/2012/main" xmlns:mc="http://schemas.openxmlformats.org/markup-compatibility/2006" type="blank" preserve="1">
+<p:sldLayout xmlns:a="http://schemas.openxmlformats.org/drawingml/2006/main" xmlns:r="http://schemas.openxmlformats.org/officeDocument/2006/relationships" xmlns:p="http://schemas.openxmlformats.org/presentationml/2006/main" type="blank" preserve="1">
   <p:cSld name="Blank Slide">
     <p:spTree>
       <p:nvGrpSpPr>
@@ -627,11 +749,14 @@
       </p:grpSpPr>
     </p:spTree>
   </p:cSld>
+  <p:clrMapOvr>
+    <a:masterClrMapping/>
+  </p:clrMapOvr>
 </p:sldLayout>
 </file>
 
 <file path=ppt/slideLayouts/slideLayout14.xml><?xml version="1.0" encoding="utf-8"?>
-<p:sldLayout xmlns:a="http://schemas.openxmlformats.org/drawingml/2006/main" xmlns:p="http://schemas.openxmlformats.org/presentationml/2006/main" xmlns:r="http://schemas.openxmlformats.org/officeDocument/2006/relationships" xmlns:p14="http://schemas.microsoft.com/office/powerpoint/2010/main" xmlns:p15="http://schemas.microsoft.com/office/powerpoint/2012/main" xmlns:mc="http://schemas.openxmlformats.org/markup-compatibility/2006" type="tx" preserve="1">
+<p:sldLayout xmlns:a="http://schemas.openxmlformats.org/drawingml/2006/main" xmlns:r="http://schemas.openxmlformats.org/officeDocument/2006/relationships" xmlns:p="http://schemas.openxmlformats.org/presentationml/2006/main" type="tx" preserve="1">
   <p:cSld name="Title Slide">
     <p:spTree>
       <p:nvGrpSpPr>
@@ -667,9 +792,10 @@
           </a:prstGeom>
         </p:spPr>
         <p:txBody>
-          <a:bodyPr lIns="0" rIns="0" tIns="0" bIns="0" anchor="ctr"/>
-          <a:p>
-            <a:endParaRPr b="0" lang="en-US" sz="1800" spc="-1" strike="noStrike">
+          <a:bodyPr lIns="0" tIns="0" rIns="0" bIns="0" anchor="ctr"/>
+          <a:lstStyle/>
+          <a:p>
+            <a:endParaRPr lang="en-US" sz="1800" b="0" strike="noStrike" spc="-1">
               <a:solidFill>
                 <a:srgbClr val="000000"/>
               </a:solidFill>
@@ -698,10 +824,11 @@
           </a:prstGeom>
         </p:spPr>
         <p:txBody>
-          <a:bodyPr lIns="0" rIns="0" tIns="0" bIns="0" anchor="ctr"/>
+          <a:bodyPr lIns="0" tIns="0" rIns="0" bIns="0" anchor="ctr"/>
+          <a:lstStyle/>
           <a:p>
             <a:pPr algn="ctr"/>
-            <a:endParaRPr b="0" lang="en-US" sz="3200" spc="-1" strike="noStrike">
+            <a:endParaRPr lang="en-US" sz="3200" b="0" strike="noStrike" spc="-1">
               <a:latin typeface="Arial"/>
             </a:endParaRPr>
           </a:p>
@@ -709,11 +836,14 @@
       </p:sp>
     </p:spTree>
   </p:cSld>
+  <p:clrMapOvr>
+    <a:masterClrMapping/>
+  </p:clrMapOvr>
 </p:sldLayout>
 </file>
 
 <file path=ppt/slideLayouts/slideLayout15.xml><?xml version="1.0" encoding="utf-8"?>
-<p:sldLayout xmlns:a="http://schemas.openxmlformats.org/drawingml/2006/main" xmlns:p="http://schemas.openxmlformats.org/presentationml/2006/main" xmlns:r="http://schemas.openxmlformats.org/officeDocument/2006/relationships" xmlns:p14="http://schemas.microsoft.com/office/powerpoint/2010/main" xmlns:p15="http://schemas.microsoft.com/office/powerpoint/2012/main" xmlns:mc="http://schemas.openxmlformats.org/markup-compatibility/2006" type="obj" preserve="1">
+<p:sldLayout xmlns:a="http://schemas.openxmlformats.org/drawingml/2006/main" xmlns:r="http://schemas.openxmlformats.org/officeDocument/2006/relationships" xmlns:p="http://schemas.openxmlformats.org/presentationml/2006/main" type="obj" preserve="1">
   <p:cSld name="Title, Content">
     <p:spTree>
       <p:nvGrpSpPr>
@@ -749,9 +879,10 @@
           </a:prstGeom>
         </p:spPr>
         <p:txBody>
-          <a:bodyPr lIns="0" rIns="0" tIns="0" bIns="0" anchor="ctr"/>
-          <a:p>
-            <a:endParaRPr b="0" lang="en-US" sz="1800" spc="-1" strike="noStrike">
+          <a:bodyPr lIns="0" tIns="0" rIns="0" bIns="0" anchor="ctr"/>
+          <a:lstStyle/>
+          <a:p>
+            <a:endParaRPr lang="en-US" sz="1800" b="0" strike="noStrike" spc="-1">
               <a:solidFill>
                 <a:srgbClr val="000000"/>
               </a:solidFill>
@@ -780,11 +911,12 @@
           </a:prstGeom>
         </p:spPr>
         <p:txBody>
-          <a:bodyPr lIns="0" rIns="0" tIns="0" bIns="0">
+          <a:bodyPr lIns="0" tIns="0" rIns="0" bIns="0">
             <a:normAutofit/>
           </a:bodyPr>
-          <a:p>
-            <a:endParaRPr b="0" lang="en-US" sz="2800" spc="-1" strike="noStrike">
+          <a:lstStyle/>
+          <a:p>
+            <a:endParaRPr lang="en-US" sz="2800" b="0" strike="noStrike" spc="-1">
               <a:solidFill>
                 <a:srgbClr val="000000"/>
               </a:solidFill>
@@ -795,11 +927,14 @@
       </p:sp>
     </p:spTree>
   </p:cSld>
+  <p:clrMapOvr>
+    <a:masterClrMapping/>
+  </p:clrMapOvr>
 </p:sldLayout>
 </file>
 
 <file path=ppt/slideLayouts/slideLayout16.xml><?xml version="1.0" encoding="utf-8"?>
-<p:sldLayout xmlns:a="http://schemas.openxmlformats.org/drawingml/2006/main" xmlns:p="http://schemas.openxmlformats.org/presentationml/2006/main" xmlns:r="http://schemas.openxmlformats.org/officeDocument/2006/relationships" xmlns:p14="http://schemas.microsoft.com/office/powerpoint/2010/main" xmlns:p15="http://schemas.microsoft.com/office/powerpoint/2012/main" xmlns:mc="http://schemas.openxmlformats.org/markup-compatibility/2006" type="twoObj" preserve="1">
+<p:sldLayout xmlns:a="http://schemas.openxmlformats.org/drawingml/2006/main" xmlns:r="http://schemas.openxmlformats.org/officeDocument/2006/relationships" xmlns:p="http://schemas.openxmlformats.org/presentationml/2006/main" type="twoObj" preserve="1">
   <p:cSld name="Title, 2 Content">
     <p:spTree>
       <p:nvGrpSpPr>
@@ -835,9 +970,10 @@
           </a:prstGeom>
         </p:spPr>
         <p:txBody>
-          <a:bodyPr lIns="0" rIns="0" tIns="0" bIns="0" anchor="ctr"/>
-          <a:p>
-            <a:endParaRPr b="0" lang="en-US" sz="1800" spc="-1" strike="noStrike">
+          <a:bodyPr lIns="0" tIns="0" rIns="0" bIns="0" anchor="ctr"/>
+          <a:lstStyle/>
+          <a:p>
+            <a:endParaRPr lang="en-US" sz="1800" b="0" strike="noStrike" spc="-1">
               <a:solidFill>
                 <a:srgbClr val="000000"/>
               </a:solidFill>
@@ -866,11 +1002,12 @@
           </a:prstGeom>
         </p:spPr>
         <p:txBody>
-          <a:bodyPr lIns="0" rIns="0" tIns="0" bIns="0">
+          <a:bodyPr lIns="0" tIns="0" rIns="0" bIns="0">
             <a:normAutofit/>
           </a:bodyPr>
-          <a:p>
-            <a:endParaRPr b="0" lang="en-US" sz="2800" spc="-1" strike="noStrike">
+          <a:lstStyle/>
+          <a:p>
+            <a:endParaRPr lang="en-US" sz="2800" b="0" strike="noStrike" spc="-1">
               <a:solidFill>
                 <a:srgbClr val="000000"/>
               </a:solidFill>
@@ -899,11 +1036,12 @@
           </a:prstGeom>
         </p:spPr>
         <p:txBody>
-          <a:bodyPr lIns="0" rIns="0" tIns="0" bIns="0">
+          <a:bodyPr lIns="0" tIns="0" rIns="0" bIns="0">
             <a:normAutofit/>
           </a:bodyPr>
-          <a:p>
-            <a:endParaRPr b="0" lang="en-US" sz="2800" spc="-1" strike="noStrike">
+          <a:lstStyle/>
+          <a:p>
+            <a:endParaRPr lang="en-US" sz="2800" b="0" strike="noStrike" spc="-1">
               <a:solidFill>
                 <a:srgbClr val="000000"/>
               </a:solidFill>
@@ -914,11 +1052,14 @@
       </p:sp>
     </p:spTree>
   </p:cSld>
+  <p:clrMapOvr>
+    <a:masterClrMapping/>
+  </p:clrMapOvr>
 </p:sldLayout>
 </file>
 
 <file path=ppt/slideLayouts/slideLayout17.xml><?xml version="1.0" encoding="utf-8"?>
-<p:sldLayout xmlns:a="http://schemas.openxmlformats.org/drawingml/2006/main" xmlns:p="http://schemas.openxmlformats.org/presentationml/2006/main" xmlns:r="http://schemas.openxmlformats.org/officeDocument/2006/relationships" xmlns:p14="http://schemas.microsoft.com/office/powerpoint/2010/main" xmlns:p15="http://schemas.microsoft.com/office/powerpoint/2012/main" xmlns:mc="http://schemas.openxmlformats.org/markup-compatibility/2006" type="titleOnly" preserve="1">
+<p:sldLayout xmlns:a="http://schemas.openxmlformats.org/drawingml/2006/main" xmlns:r="http://schemas.openxmlformats.org/officeDocument/2006/relationships" xmlns:p="http://schemas.openxmlformats.org/presentationml/2006/main" type="titleOnly" preserve="1">
   <p:cSld name="Title Only">
     <p:spTree>
       <p:nvGrpSpPr>
@@ -954,9 +1095,10 @@
           </a:prstGeom>
         </p:spPr>
         <p:txBody>
-          <a:bodyPr lIns="0" rIns="0" tIns="0" bIns="0" anchor="ctr"/>
-          <a:p>
-            <a:endParaRPr b="0" lang="en-US" sz="1800" spc="-1" strike="noStrike">
+          <a:bodyPr lIns="0" tIns="0" rIns="0" bIns="0" anchor="ctr"/>
+          <a:lstStyle/>
+          <a:p>
+            <a:endParaRPr lang="en-US" sz="1800" b="0" strike="noStrike" spc="-1">
               <a:solidFill>
                 <a:srgbClr val="000000"/>
               </a:solidFill>
@@ -967,11 +1109,14 @@
       </p:sp>
     </p:spTree>
   </p:cSld>
+  <p:clrMapOvr>
+    <a:masterClrMapping/>
+  </p:clrMapOvr>
 </p:sldLayout>
 </file>
 
 <file path=ppt/slideLayouts/slideLayout18.xml><?xml version="1.0" encoding="utf-8"?>
-<p:sldLayout xmlns:a="http://schemas.openxmlformats.org/drawingml/2006/main" xmlns:p="http://schemas.openxmlformats.org/presentationml/2006/main" xmlns:r="http://schemas.openxmlformats.org/officeDocument/2006/relationships" xmlns:p14="http://schemas.microsoft.com/office/powerpoint/2010/main" xmlns:p15="http://schemas.microsoft.com/office/powerpoint/2012/main" xmlns:mc="http://schemas.openxmlformats.org/markup-compatibility/2006" type="objOnly" preserve="1">
+<p:sldLayout xmlns:a="http://schemas.openxmlformats.org/drawingml/2006/main" xmlns:r="http://schemas.openxmlformats.org/officeDocument/2006/relationships" xmlns:p="http://schemas.openxmlformats.org/presentationml/2006/main" type="objOnly" preserve="1">
   <p:cSld name="Centered Text">
     <p:spTree>
       <p:nvGrpSpPr>
@@ -1007,10 +1152,11 @@
           </a:prstGeom>
         </p:spPr>
         <p:txBody>
-          <a:bodyPr lIns="0" rIns="0" tIns="0" bIns="0" anchor="ctr"/>
+          <a:bodyPr lIns="0" tIns="0" rIns="0" bIns="0" anchor="ctr"/>
+          <a:lstStyle/>
           <a:p>
             <a:pPr algn="ctr"/>
-            <a:endParaRPr b="0" lang="en-US" sz="3200" spc="-1" strike="noStrike">
+            <a:endParaRPr lang="en-US" sz="3200" b="0" strike="noStrike" spc="-1">
               <a:latin typeface="Arial"/>
             </a:endParaRPr>
           </a:p>
@@ -1018,11 +1164,14 @@
       </p:sp>
     </p:spTree>
   </p:cSld>
+  <p:clrMapOvr>
+    <a:masterClrMapping/>
+  </p:clrMapOvr>
 </p:sldLayout>
 </file>
 
 <file path=ppt/slideLayouts/slideLayout19.xml><?xml version="1.0" encoding="utf-8"?>
-<p:sldLayout xmlns:a="http://schemas.openxmlformats.org/drawingml/2006/main" xmlns:p="http://schemas.openxmlformats.org/presentationml/2006/main" xmlns:r="http://schemas.openxmlformats.org/officeDocument/2006/relationships" xmlns:p14="http://schemas.microsoft.com/office/powerpoint/2010/main" xmlns:p15="http://schemas.microsoft.com/office/powerpoint/2012/main" xmlns:mc="http://schemas.openxmlformats.org/markup-compatibility/2006" type="twoObjAndObj" preserve="1">
+<p:sldLayout xmlns:a="http://schemas.openxmlformats.org/drawingml/2006/main" xmlns:r="http://schemas.openxmlformats.org/officeDocument/2006/relationships" xmlns:p="http://schemas.openxmlformats.org/presentationml/2006/main" type="twoObjAndObj" preserve="1">
   <p:cSld name="Title, 2 Content and Content">
     <p:spTree>
       <p:nvGrpSpPr>
@@ -1058,9 +1207,10 @@
           </a:prstGeom>
         </p:spPr>
         <p:txBody>
-          <a:bodyPr lIns="0" rIns="0" tIns="0" bIns="0" anchor="ctr"/>
-          <a:p>
-            <a:endParaRPr b="0" lang="en-US" sz="1800" spc="-1" strike="noStrike">
+          <a:bodyPr lIns="0" tIns="0" rIns="0" bIns="0" anchor="ctr"/>
+          <a:lstStyle/>
+          <a:p>
+            <a:endParaRPr lang="en-US" sz="1800" b="0" strike="noStrike" spc="-1">
               <a:solidFill>
                 <a:srgbClr val="000000"/>
               </a:solidFill>
@@ -1089,11 +1239,12 @@
           </a:prstGeom>
         </p:spPr>
         <p:txBody>
-          <a:bodyPr lIns="0" rIns="0" tIns="0" bIns="0">
+          <a:bodyPr lIns="0" tIns="0" rIns="0" bIns="0">
             <a:normAutofit/>
           </a:bodyPr>
-          <a:p>
-            <a:endParaRPr b="0" lang="en-US" sz="2800" spc="-1" strike="noStrike">
+          <a:lstStyle/>
+          <a:p>
+            <a:endParaRPr lang="en-US" sz="2800" b="0" strike="noStrike" spc="-1">
               <a:solidFill>
                 <a:srgbClr val="000000"/>
               </a:solidFill>
@@ -1122,11 +1273,12 @@
           </a:prstGeom>
         </p:spPr>
         <p:txBody>
-          <a:bodyPr lIns="0" rIns="0" tIns="0" bIns="0">
+          <a:bodyPr lIns="0" tIns="0" rIns="0" bIns="0">
             <a:normAutofit/>
           </a:bodyPr>
-          <a:p>
-            <a:endParaRPr b="0" lang="en-US" sz="2800" spc="-1" strike="noStrike">
+          <a:lstStyle/>
+          <a:p>
+            <a:endParaRPr lang="en-US" sz="2800" b="0" strike="noStrike" spc="-1">
               <a:solidFill>
                 <a:srgbClr val="000000"/>
               </a:solidFill>
@@ -1155,11 +1307,12 @@
           </a:prstGeom>
         </p:spPr>
         <p:txBody>
-          <a:bodyPr lIns="0" rIns="0" tIns="0" bIns="0">
+          <a:bodyPr lIns="0" tIns="0" rIns="0" bIns="0">
             <a:normAutofit/>
           </a:bodyPr>
-          <a:p>
-            <a:endParaRPr b="0" lang="en-US" sz="2800" spc="-1" strike="noStrike">
+          <a:lstStyle/>
+          <a:p>
+            <a:endParaRPr lang="en-US" sz="2800" b="0" strike="noStrike" spc="-1">
               <a:solidFill>
                 <a:srgbClr val="000000"/>
               </a:solidFill>
@@ -1170,11 +1323,14 @@
       </p:sp>
     </p:spTree>
   </p:cSld>
+  <p:clrMapOvr>
+    <a:masterClrMapping/>
+  </p:clrMapOvr>
 </p:sldLayout>
 </file>
 
 <file path=ppt/slideLayouts/slideLayout2.xml><?xml version="1.0" encoding="utf-8"?>
-<p:sldLayout xmlns:a="http://schemas.openxmlformats.org/drawingml/2006/main" xmlns:p="http://schemas.openxmlformats.org/presentationml/2006/main" xmlns:r="http://schemas.openxmlformats.org/officeDocument/2006/relationships" xmlns:p14="http://schemas.microsoft.com/office/powerpoint/2010/main" xmlns:p15="http://schemas.microsoft.com/office/powerpoint/2012/main" xmlns:mc="http://schemas.openxmlformats.org/markup-compatibility/2006" type="tx" preserve="1">
+<p:sldLayout xmlns:a="http://schemas.openxmlformats.org/drawingml/2006/main" xmlns:r="http://schemas.openxmlformats.org/officeDocument/2006/relationships" xmlns:p="http://schemas.openxmlformats.org/presentationml/2006/main" type="tx" preserve="1">
   <p:cSld name="Title Slide">
     <p:spTree>
       <p:nvGrpSpPr>
@@ -1210,9 +1366,10 @@
           </a:prstGeom>
         </p:spPr>
         <p:txBody>
-          <a:bodyPr lIns="0" rIns="0" tIns="0" bIns="0" anchor="ctr"/>
-          <a:p>
-            <a:endParaRPr b="0" lang="en-US" sz="1800" spc="-1" strike="noStrike">
+          <a:bodyPr lIns="0" tIns="0" rIns="0" bIns="0" anchor="ctr"/>
+          <a:lstStyle/>
+          <a:p>
+            <a:endParaRPr lang="en-US" sz="1800" b="0" strike="noStrike" spc="-1">
               <a:solidFill>
                 <a:srgbClr val="000000"/>
               </a:solidFill>
@@ -1241,10 +1398,11 @@
           </a:prstGeom>
         </p:spPr>
         <p:txBody>
-          <a:bodyPr lIns="0" rIns="0" tIns="0" bIns="0" anchor="ctr"/>
+          <a:bodyPr lIns="0" tIns="0" rIns="0" bIns="0" anchor="ctr"/>
+          <a:lstStyle/>
           <a:p>
             <a:pPr algn="ctr"/>
-            <a:endParaRPr b="0" lang="en-US" sz="3200" spc="-1" strike="noStrike">
+            <a:endParaRPr lang="en-US" sz="3200" b="0" strike="noStrike" spc="-1">
               <a:latin typeface="Arial"/>
             </a:endParaRPr>
           </a:p>
@@ -1252,11 +1410,14 @@
       </p:sp>
     </p:spTree>
   </p:cSld>
+  <p:clrMapOvr>
+    <a:masterClrMapping/>
+  </p:clrMapOvr>
 </p:sldLayout>
 </file>
 
 <file path=ppt/slideLayouts/slideLayout20.xml><?xml version="1.0" encoding="utf-8"?>
-<p:sldLayout xmlns:a="http://schemas.openxmlformats.org/drawingml/2006/main" xmlns:p="http://schemas.openxmlformats.org/presentationml/2006/main" xmlns:r="http://schemas.openxmlformats.org/officeDocument/2006/relationships" xmlns:p14="http://schemas.microsoft.com/office/powerpoint/2010/main" xmlns:p15="http://schemas.microsoft.com/office/powerpoint/2012/main" xmlns:mc="http://schemas.openxmlformats.org/markup-compatibility/2006" type="objAndTwoObj" preserve="1">
+<p:sldLayout xmlns:a="http://schemas.openxmlformats.org/drawingml/2006/main" xmlns:r="http://schemas.openxmlformats.org/officeDocument/2006/relationships" xmlns:p="http://schemas.openxmlformats.org/presentationml/2006/main" type="objAndTwoObj" preserve="1">
   <p:cSld name="Title Content and 2 Content">
     <p:spTree>
       <p:nvGrpSpPr>
@@ -1292,9 +1453,10 @@
           </a:prstGeom>
         </p:spPr>
         <p:txBody>
-          <a:bodyPr lIns="0" rIns="0" tIns="0" bIns="0" anchor="ctr"/>
-          <a:p>
-            <a:endParaRPr b="0" lang="en-US" sz="1800" spc="-1" strike="noStrike">
+          <a:bodyPr lIns="0" tIns="0" rIns="0" bIns="0" anchor="ctr"/>
+          <a:lstStyle/>
+          <a:p>
+            <a:endParaRPr lang="en-US" sz="1800" b="0" strike="noStrike" spc="-1">
               <a:solidFill>
                 <a:srgbClr val="000000"/>
               </a:solidFill>
@@ -1323,11 +1485,12 @@
           </a:prstGeom>
         </p:spPr>
         <p:txBody>
-          <a:bodyPr lIns="0" rIns="0" tIns="0" bIns="0">
+          <a:bodyPr lIns="0" tIns="0" rIns="0" bIns="0">
             <a:normAutofit/>
           </a:bodyPr>
-          <a:p>
-            <a:endParaRPr b="0" lang="en-US" sz="2800" spc="-1" strike="noStrike">
+          <a:lstStyle/>
+          <a:p>
+            <a:endParaRPr lang="en-US" sz="2800" b="0" strike="noStrike" spc="-1">
               <a:solidFill>
                 <a:srgbClr val="000000"/>
               </a:solidFill>
@@ -1356,11 +1519,12 @@
           </a:prstGeom>
         </p:spPr>
         <p:txBody>
-          <a:bodyPr lIns="0" rIns="0" tIns="0" bIns="0">
+          <a:bodyPr lIns="0" tIns="0" rIns="0" bIns="0">
             <a:normAutofit/>
           </a:bodyPr>
-          <a:p>
-            <a:endParaRPr b="0" lang="en-US" sz="2800" spc="-1" strike="noStrike">
+          <a:lstStyle/>
+          <a:p>
+            <a:endParaRPr lang="en-US" sz="2800" b="0" strike="noStrike" spc="-1">
               <a:solidFill>
                 <a:srgbClr val="000000"/>
               </a:solidFill>
@@ -1389,11 +1553,12 @@
           </a:prstGeom>
         </p:spPr>
         <p:txBody>
-          <a:bodyPr lIns="0" rIns="0" tIns="0" bIns="0">
+          <a:bodyPr lIns="0" tIns="0" rIns="0" bIns="0">
             <a:normAutofit/>
           </a:bodyPr>
-          <a:p>
-            <a:endParaRPr b="0" lang="en-US" sz="2800" spc="-1" strike="noStrike">
+          <a:lstStyle/>
+          <a:p>
+            <a:endParaRPr lang="en-US" sz="2800" b="0" strike="noStrike" spc="-1">
               <a:solidFill>
                 <a:srgbClr val="000000"/>
               </a:solidFill>
@@ -1404,11 +1569,14 @@
       </p:sp>
     </p:spTree>
   </p:cSld>
+  <p:clrMapOvr>
+    <a:masterClrMapping/>
+  </p:clrMapOvr>
 </p:sldLayout>
 </file>
 
 <file path=ppt/slideLayouts/slideLayout21.xml><?xml version="1.0" encoding="utf-8"?>
-<p:sldLayout xmlns:a="http://schemas.openxmlformats.org/drawingml/2006/main" xmlns:p="http://schemas.openxmlformats.org/presentationml/2006/main" xmlns:r="http://schemas.openxmlformats.org/officeDocument/2006/relationships" xmlns:p14="http://schemas.microsoft.com/office/powerpoint/2010/main" xmlns:p15="http://schemas.microsoft.com/office/powerpoint/2012/main" xmlns:mc="http://schemas.openxmlformats.org/markup-compatibility/2006" type="twoObjOverTx" preserve="1">
+<p:sldLayout xmlns:a="http://schemas.openxmlformats.org/drawingml/2006/main" xmlns:r="http://schemas.openxmlformats.org/officeDocument/2006/relationships" xmlns:p="http://schemas.openxmlformats.org/presentationml/2006/main" type="twoObjOverTx" preserve="1">
   <p:cSld name="Title, 2 Content over Content">
     <p:spTree>
       <p:nvGrpSpPr>
@@ -1444,9 +1612,10 @@
           </a:prstGeom>
         </p:spPr>
         <p:txBody>
-          <a:bodyPr lIns="0" rIns="0" tIns="0" bIns="0" anchor="ctr"/>
-          <a:p>
-            <a:endParaRPr b="0" lang="en-US" sz="1800" spc="-1" strike="noStrike">
+          <a:bodyPr lIns="0" tIns="0" rIns="0" bIns="0" anchor="ctr"/>
+          <a:lstStyle/>
+          <a:p>
+            <a:endParaRPr lang="en-US" sz="1800" b="0" strike="noStrike" spc="-1">
               <a:solidFill>
                 <a:srgbClr val="000000"/>
               </a:solidFill>
@@ -1475,11 +1644,12 @@
           </a:prstGeom>
         </p:spPr>
         <p:txBody>
-          <a:bodyPr lIns="0" rIns="0" tIns="0" bIns="0">
+          <a:bodyPr lIns="0" tIns="0" rIns="0" bIns="0">
             <a:normAutofit/>
           </a:bodyPr>
-          <a:p>
-            <a:endParaRPr b="0" lang="en-US" sz="2800" spc="-1" strike="noStrike">
+          <a:lstStyle/>
+          <a:p>
+            <a:endParaRPr lang="en-US" sz="2800" b="0" strike="noStrike" spc="-1">
               <a:solidFill>
                 <a:srgbClr val="000000"/>
               </a:solidFill>
@@ -1508,11 +1678,12 @@
           </a:prstGeom>
         </p:spPr>
         <p:txBody>
-          <a:bodyPr lIns="0" rIns="0" tIns="0" bIns="0">
+          <a:bodyPr lIns="0" tIns="0" rIns="0" bIns="0">
             <a:normAutofit/>
           </a:bodyPr>
-          <a:p>
-            <a:endParaRPr b="0" lang="en-US" sz="2800" spc="-1" strike="noStrike">
+          <a:lstStyle/>
+          <a:p>
+            <a:endParaRPr lang="en-US" sz="2800" b="0" strike="noStrike" spc="-1">
               <a:solidFill>
                 <a:srgbClr val="000000"/>
               </a:solidFill>
@@ -1541,11 +1712,12 @@
           </a:prstGeom>
         </p:spPr>
         <p:txBody>
-          <a:bodyPr lIns="0" rIns="0" tIns="0" bIns="0">
+          <a:bodyPr lIns="0" tIns="0" rIns="0" bIns="0">
             <a:normAutofit/>
           </a:bodyPr>
-          <a:p>
-            <a:endParaRPr b="0" lang="en-US" sz="2800" spc="-1" strike="noStrike">
+          <a:lstStyle/>
+          <a:p>
+            <a:endParaRPr lang="en-US" sz="2800" b="0" strike="noStrike" spc="-1">
               <a:solidFill>
                 <a:srgbClr val="000000"/>
               </a:solidFill>
@@ -1556,11 +1728,14 @@
       </p:sp>
     </p:spTree>
   </p:cSld>
+  <p:clrMapOvr>
+    <a:masterClrMapping/>
+  </p:clrMapOvr>
 </p:sldLayout>
 </file>
 
 <file path=ppt/slideLayouts/slideLayout22.xml><?xml version="1.0" encoding="utf-8"?>
-<p:sldLayout xmlns:a="http://schemas.openxmlformats.org/drawingml/2006/main" xmlns:p="http://schemas.openxmlformats.org/presentationml/2006/main" xmlns:r="http://schemas.openxmlformats.org/officeDocument/2006/relationships" xmlns:p14="http://schemas.microsoft.com/office/powerpoint/2010/main" xmlns:p15="http://schemas.microsoft.com/office/powerpoint/2012/main" xmlns:mc="http://schemas.openxmlformats.org/markup-compatibility/2006" type="objOverTx" preserve="1">
+<p:sldLayout xmlns:a="http://schemas.openxmlformats.org/drawingml/2006/main" xmlns:r="http://schemas.openxmlformats.org/officeDocument/2006/relationships" xmlns:p="http://schemas.openxmlformats.org/presentationml/2006/main" type="objOverTx" preserve="1">
   <p:cSld name="Title, Content over Content">
     <p:spTree>
       <p:nvGrpSpPr>
@@ -1596,9 +1771,10 @@
           </a:prstGeom>
         </p:spPr>
         <p:txBody>
-          <a:bodyPr lIns="0" rIns="0" tIns="0" bIns="0" anchor="ctr"/>
-          <a:p>
-            <a:endParaRPr b="0" lang="en-US" sz="1800" spc="-1" strike="noStrike">
+          <a:bodyPr lIns="0" tIns="0" rIns="0" bIns="0" anchor="ctr"/>
+          <a:lstStyle/>
+          <a:p>
+            <a:endParaRPr lang="en-US" sz="1800" b="0" strike="noStrike" spc="-1">
               <a:solidFill>
                 <a:srgbClr val="000000"/>
               </a:solidFill>
@@ -1627,11 +1803,12 @@
           </a:prstGeom>
         </p:spPr>
         <p:txBody>
-          <a:bodyPr lIns="0" rIns="0" tIns="0" bIns="0">
+          <a:bodyPr lIns="0" tIns="0" rIns="0" bIns="0">
             <a:normAutofit/>
           </a:bodyPr>
-          <a:p>
-            <a:endParaRPr b="0" lang="en-US" sz="2800" spc="-1" strike="noStrike">
+          <a:lstStyle/>
+          <a:p>
+            <a:endParaRPr lang="en-US" sz="2800" b="0" strike="noStrike" spc="-1">
               <a:solidFill>
                 <a:srgbClr val="000000"/>
               </a:solidFill>
@@ -1660,11 +1837,12 @@
           </a:prstGeom>
         </p:spPr>
         <p:txBody>
-          <a:bodyPr lIns="0" rIns="0" tIns="0" bIns="0">
+          <a:bodyPr lIns="0" tIns="0" rIns="0" bIns="0">
             <a:normAutofit/>
           </a:bodyPr>
-          <a:p>
-            <a:endParaRPr b="0" lang="en-US" sz="2800" spc="-1" strike="noStrike">
+          <a:lstStyle/>
+          <a:p>
+            <a:endParaRPr lang="en-US" sz="2800" b="0" strike="noStrike" spc="-1">
               <a:solidFill>
                 <a:srgbClr val="000000"/>
               </a:solidFill>
@@ -1675,11 +1853,14 @@
       </p:sp>
     </p:spTree>
   </p:cSld>
+  <p:clrMapOvr>
+    <a:masterClrMapping/>
+  </p:clrMapOvr>
 </p:sldLayout>
 </file>
 
 <file path=ppt/slideLayouts/slideLayout23.xml><?xml version="1.0" encoding="utf-8"?>
-<p:sldLayout xmlns:a="http://schemas.openxmlformats.org/drawingml/2006/main" xmlns:p="http://schemas.openxmlformats.org/presentationml/2006/main" xmlns:r="http://schemas.openxmlformats.org/officeDocument/2006/relationships" xmlns:p14="http://schemas.microsoft.com/office/powerpoint/2010/main" xmlns:p15="http://schemas.microsoft.com/office/powerpoint/2012/main" xmlns:mc="http://schemas.openxmlformats.org/markup-compatibility/2006" type="fourObj" preserve="1">
+<p:sldLayout xmlns:a="http://schemas.openxmlformats.org/drawingml/2006/main" xmlns:r="http://schemas.openxmlformats.org/officeDocument/2006/relationships" xmlns:p="http://schemas.openxmlformats.org/presentationml/2006/main" type="fourObj" preserve="1">
   <p:cSld name="Title, 4 Content">
     <p:spTree>
       <p:nvGrpSpPr>
@@ -1715,9 +1896,10 @@
           </a:prstGeom>
         </p:spPr>
         <p:txBody>
-          <a:bodyPr lIns="0" rIns="0" tIns="0" bIns="0" anchor="ctr"/>
-          <a:p>
-            <a:endParaRPr b="0" lang="en-US" sz="1800" spc="-1" strike="noStrike">
+          <a:bodyPr lIns="0" tIns="0" rIns="0" bIns="0" anchor="ctr"/>
+          <a:lstStyle/>
+          <a:p>
+            <a:endParaRPr lang="en-US" sz="1800" b="0" strike="noStrike" spc="-1">
               <a:solidFill>
                 <a:srgbClr val="000000"/>
               </a:solidFill>
@@ -1746,11 +1928,12 @@
           </a:prstGeom>
         </p:spPr>
         <p:txBody>
-          <a:bodyPr lIns="0" rIns="0" tIns="0" bIns="0">
+          <a:bodyPr lIns="0" tIns="0" rIns="0" bIns="0">
             <a:normAutofit/>
           </a:bodyPr>
-          <a:p>
-            <a:endParaRPr b="0" lang="en-US" sz="2800" spc="-1" strike="noStrike">
+          <a:lstStyle/>
+          <a:p>
+            <a:endParaRPr lang="en-US" sz="2800" b="0" strike="noStrike" spc="-1">
               <a:solidFill>
                 <a:srgbClr val="000000"/>
               </a:solidFill>
@@ -1779,11 +1962,12 @@
           </a:prstGeom>
         </p:spPr>
         <p:txBody>
-          <a:bodyPr lIns="0" rIns="0" tIns="0" bIns="0">
+          <a:bodyPr lIns="0" tIns="0" rIns="0" bIns="0">
             <a:normAutofit/>
           </a:bodyPr>
-          <a:p>
-            <a:endParaRPr b="0" lang="en-US" sz="2800" spc="-1" strike="noStrike">
+          <a:lstStyle/>
+          <a:p>
+            <a:endParaRPr lang="en-US" sz="2800" b="0" strike="noStrike" spc="-1">
               <a:solidFill>
                 <a:srgbClr val="000000"/>
               </a:solidFill>
@@ -1812,11 +1996,12 @@
           </a:prstGeom>
         </p:spPr>
         <p:txBody>
-          <a:bodyPr lIns="0" rIns="0" tIns="0" bIns="0">
+          <a:bodyPr lIns="0" tIns="0" rIns="0" bIns="0">
             <a:normAutofit/>
           </a:bodyPr>
-          <a:p>
-            <a:endParaRPr b="0" lang="en-US" sz="2800" spc="-1" strike="noStrike">
+          <a:lstStyle/>
+          <a:p>
+            <a:endParaRPr lang="en-US" sz="2800" b="0" strike="noStrike" spc="-1">
               <a:solidFill>
                 <a:srgbClr val="000000"/>
               </a:solidFill>
@@ -1845,11 +2030,12 @@
           </a:prstGeom>
         </p:spPr>
         <p:txBody>
-          <a:bodyPr lIns="0" rIns="0" tIns="0" bIns="0">
+          <a:bodyPr lIns="0" tIns="0" rIns="0" bIns="0">
             <a:normAutofit/>
           </a:bodyPr>
-          <a:p>
-            <a:endParaRPr b="0" lang="en-US" sz="2800" spc="-1" strike="noStrike">
+          <a:lstStyle/>
+          <a:p>
+            <a:endParaRPr lang="en-US" sz="2800" b="0" strike="noStrike" spc="-1">
               <a:solidFill>
                 <a:srgbClr val="000000"/>
               </a:solidFill>
@@ -1860,11 +2046,14 @@
       </p:sp>
     </p:spTree>
   </p:cSld>
+  <p:clrMapOvr>
+    <a:masterClrMapping/>
+  </p:clrMapOvr>
 </p:sldLayout>
 </file>
 
 <file path=ppt/slideLayouts/slideLayout24.xml><?xml version="1.0" encoding="utf-8"?>
-<p:sldLayout xmlns:a="http://schemas.openxmlformats.org/drawingml/2006/main" xmlns:p="http://schemas.openxmlformats.org/presentationml/2006/main" xmlns:r="http://schemas.openxmlformats.org/officeDocument/2006/relationships" xmlns:p14="http://schemas.microsoft.com/office/powerpoint/2010/main" xmlns:p15="http://schemas.microsoft.com/office/powerpoint/2012/main" xmlns:mc="http://schemas.openxmlformats.org/markup-compatibility/2006" type="blank" preserve="1">
+<p:sldLayout xmlns:a="http://schemas.openxmlformats.org/drawingml/2006/main" xmlns:r="http://schemas.openxmlformats.org/officeDocument/2006/relationships" xmlns:p="http://schemas.openxmlformats.org/presentationml/2006/main" type="blank" preserve="1">
   <p:cSld name="Title, 6 Content">
     <p:spTree>
       <p:nvGrpSpPr>
@@ -1900,9 +2089,10 @@
           </a:prstGeom>
         </p:spPr>
         <p:txBody>
-          <a:bodyPr lIns="0" rIns="0" tIns="0" bIns="0" anchor="ctr"/>
-          <a:p>
-            <a:endParaRPr b="0" lang="en-US" sz="1800" spc="-1" strike="noStrike">
+          <a:bodyPr lIns="0" tIns="0" rIns="0" bIns="0" anchor="ctr"/>
+          <a:lstStyle/>
+          <a:p>
+            <a:endParaRPr lang="en-US" sz="1800" b="0" strike="noStrike" spc="-1">
               <a:solidFill>
                 <a:srgbClr val="000000"/>
               </a:solidFill>
@@ -1931,11 +2121,12 @@
           </a:prstGeom>
         </p:spPr>
         <p:txBody>
-          <a:bodyPr lIns="0" rIns="0" tIns="0" bIns="0">
+          <a:bodyPr lIns="0" tIns="0" rIns="0" bIns="0">
             <a:normAutofit/>
           </a:bodyPr>
-          <a:p>
-            <a:endParaRPr b="0" lang="en-US" sz="2800" spc="-1" strike="noStrike">
+          <a:lstStyle/>
+          <a:p>
+            <a:endParaRPr lang="en-US" sz="2800" b="0" strike="noStrike" spc="-1">
               <a:solidFill>
                 <a:srgbClr val="000000"/>
               </a:solidFill>
@@ -1964,11 +2155,12 @@
           </a:prstGeom>
         </p:spPr>
         <p:txBody>
-          <a:bodyPr lIns="0" rIns="0" tIns="0" bIns="0">
+          <a:bodyPr lIns="0" tIns="0" rIns="0" bIns="0">
             <a:normAutofit/>
           </a:bodyPr>
-          <a:p>
-            <a:endParaRPr b="0" lang="en-US" sz="2800" spc="-1" strike="noStrike">
+          <a:lstStyle/>
+          <a:p>
+            <a:endParaRPr lang="en-US" sz="2800" b="0" strike="noStrike" spc="-1">
               <a:solidFill>
                 <a:srgbClr val="000000"/>
               </a:solidFill>
@@ -1997,11 +2189,12 @@
           </a:prstGeom>
         </p:spPr>
         <p:txBody>
-          <a:bodyPr lIns="0" rIns="0" tIns="0" bIns="0">
+          <a:bodyPr lIns="0" tIns="0" rIns="0" bIns="0">
             <a:normAutofit/>
           </a:bodyPr>
-          <a:p>
-            <a:endParaRPr b="0" lang="en-US" sz="2800" spc="-1" strike="noStrike">
+          <a:lstStyle/>
+          <a:p>
+            <a:endParaRPr lang="en-US" sz="2800" b="0" strike="noStrike" spc="-1">
               <a:solidFill>
                 <a:srgbClr val="000000"/>
               </a:solidFill>
@@ -2030,11 +2223,12 @@
           </a:prstGeom>
         </p:spPr>
         <p:txBody>
-          <a:bodyPr lIns="0" rIns="0" tIns="0" bIns="0">
+          <a:bodyPr lIns="0" tIns="0" rIns="0" bIns="0">
             <a:normAutofit/>
           </a:bodyPr>
-          <a:p>
-            <a:endParaRPr b="0" lang="en-US" sz="2800" spc="-1" strike="noStrike">
+          <a:lstStyle/>
+          <a:p>
+            <a:endParaRPr lang="en-US" sz="2800" b="0" strike="noStrike" spc="-1">
               <a:solidFill>
                 <a:srgbClr val="000000"/>
               </a:solidFill>
@@ -2063,11 +2257,12 @@
           </a:prstGeom>
         </p:spPr>
         <p:txBody>
-          <a:bodyPr lIns="0" rIns="0" tIns="0" bIns="0">
+          <a:bodyPr lIns="0" tIns="0" rIns="0" bIns="0">
             <a:normAutofit/>
           </a:bodyPr>
-          <a:p>
-            <a:endParaRPr b="0" lang="en-US" sz="2800" spc="-1" strike="noStrike">
+          <a:lstStyle/>
+          <a:p>
+            <a:endParaRPr lang="en-US" sz="2800" b="0" strike="noStrike" spc="-1">
               <a:solidFill>
                 <a:srgbClr val="000000"/>
               </a:solidFill>
@@ -2096,11 +2291,12 @@
           </a:prstGeom>
         </p:spPr>
         <p:txBody>
-          <a:bodyPr lIns="0" rIns="0" tIns="0" bIns="0">
+          <a:bodyPr lIns="0" tIns="0" rIns="0" bIns="0">
             <a:normAutofit/>
           </a:bodyPr>
-          <a:p>
-            <a:endParaRPr b="0" lang="en-US" sz="2800" spc="-1" strike="noStrike">
+          <a:lstStyle/>
+          <a:p>
+            <a:endParaRPr lang="en-US" sz="2800" b="0" strike="noStrike" spc="-1">
               <a:solidFill>
                 <a:srgbClr val="000000"/>
               </a:solidFill>
@@ -2111,11 +2307,14 @@
       </p:sp>
     </p:spTree>
   </p:cSld>
+  <p:clrMapOvr>
+    <a:masterClrMapping/>
+  </p:clrMapOvr>
 </p:sldLayout>
 </file>
 
 <file path=ppt/slideLayouts/slideLayout3.xml><?xml version="1.0" encoding="utf-8"?>
-<p:sldLayout xmlns:a="http://schemas.openxmlformats.org/drawingml/2006/main" xmlns:p="http://schemas.openxmlformats.org/presentationml/2006/main" xmlns:r="http://schemas.openxmlformats.org/officeDocument/2006/relationships" xmlns:p14="http://schemas.microsoft.com/office/powerpoint/2010/main" xmlns:p15="http://schemas.microsoft.com/office/powerpoint/2012/main" xmlns:mc="http://schemas.openxmlformats.org/markup-compatibility/2006" type="obj" preserve="1">
+<p:sldLayout xmlns:a="http://schemas.openxmlformats.org/drawingml/2006/main" xmlns:r="http://schemas.openxmlformats.org/officeDocument/2006/relationships" xmlns:p="http://schemas.openxmlformats.org/presentationml/2006/main" type="obj" preserve="1">
   <p:cSld name="Title, Content">
     <p:spTree>
       <p:nvGrpSpPr>
@@ -2151,9 +2350,10 @@
           </a:prstGeom>
         </p:spPr>
         <p:txBody>
-          <a:bodyPr lIns="0" rIns="0" tIns="0" bIns="0" anchor="ctr"/>
-          <a:p>
-            <a:endParaRPr b="0" lang="en-US" sz="1800" spc="-1" strike="noStrike">
+          <a:bodyPr lIns="0" tIns="0" rIns="0" bIns="0" anchor="ctr"/>
+          <a:lstStyle/>
+          <a:p>
+            <a:endParaRPr lang="en-US" sz="1800" b="0" strike="noStrike" spc="-1">
               <a:solidFill>
                 <a:srgbClr val="000000"/>
               </a:solidFill>
@@ -2182,11 +2382,12 @@
           </a:prstGeom>
         </p:spPr>
         <p:txBody>
-          <a:bodyPr lIns="0" rIns="0" tIns="0" bIns="0">
+          <a:bodyPr lIns="0" tIns="0" rIns="0" bIns="0">
             <a:normAutofit/>
           </a:bodyPr>
-          <a:p>
-            <a:endParaRPr b="0" lang="en-US" sz="2800" spc="-1" strike="noStrike">
+          <a:lstStyle/>
+          <a:p>
+            <a:endParaRPr lang="en-US" sz="2800" b="0" strike="noStrike" spc="-1">
               <a:solidFill>
                 <a:srgbClr val="000000"/>
               </a:solidFill>
@@ -2197,11 +2398,14 @@
       </p:sp>
     </p:spTree>
   </p:cSld>
+  <p:clrMapOvr>
+    <a:masterClrMapping/>
+  </p:clrMapOvr>
 </p:sldLayout>
 </file>
 
 <file path=ppt/slideLayouts/slideLayout4.xml><?xml version="1.0" encoding="utf-8"?>
-<p:sldLayout xmlns:a="http://schemas.openxmlformats.org/drawingml/2006/main" xmlns:p="http://schemas.openxmlformats.org/presentationml/2006/main" xmlns:r="http://schemas.openxmlformats.org/officeDocument/2006/relationships" xmlns:p14="http://schemas.microsoft.com/office/powerpoint/2010/main" xmlns:p15="http://schemas.microsoft.com/office/powerpoint/2012/main" xmlns:mc="http://schemas.openxmlformats.org/markup-compatibility/2006" type="twoObj" preserve="1">
+<p:sldLayout xmlns:a="http://schemas.openxmlformats.org/drawingml/2006/main" xmlns:r="http://schemas.openxmlformats.org/officeDocument/2006/relationships" xmlns:p="http://schemas.openxmlformats.org/presentationml/2006/main" type="twoObj" preserve="1">
   <p:cSld name="Title, 2 Content">
     <p:spTree>
       <p:nvGrpSpPr>
@@ -2237,9 +2441,10 @@
           </a:prstGeom>
         </p:spPr>
         <p:txBody>
-          <a:bodyPr lIns="0" rIns="0" tIns="0" bIns="0" anchor="ctr"/>
-          <a:p>
-            <a:endParaRPr b="0" lang="en-US" sz="1800" spc="-1" strike="noStrike">
+          <a:bodyPr lIns="0" tIns="0" rIns="0" bIns="0" anchor="ctr"/>
+          <a:lstStyle/>
+          <a:p>
+            <a:endParaRPr lang="en-US" sz="1800" b="0" strike="noStrike" spc="-1">
               <a:solidFill>
                 <a:srgbClr val="000000"/>
               </a:solidFill>
@@ -2268,11 +2473,12 @@
           </a:prstGeom>
         </p:spPr>
         <p:txBody>
-          <a:bodyPr lIns="0" rIns="0" tIns="0" bIns="0">
+          <a:bodyPr lIns="0" tIns="0" rIns="0" bIns="0">
             <a:normAutofit/>
           </a:bodyPr>
-          <a:p>
-            <a:endParaRPr b="0" lang="en-US" sz="2800" spc="-1" strike="noStrike">
+          <a:lstStyle/>
+          <a:p>
+            <a:endParaRPr lang="en-US" sz="2800" b="0" strike="noStrike" spc="-1">
               <a:solidFill>
                 <a:srgbClr val="000000"/>
               </a:solidFill>
@@ -2301,11 +2507,12 @@
           </a:prstGeom>
         </p:spPr>
         <p:txBody>
-          <a:bodyPr lIns="0" rIns="0" tIns="0" bIns="0">
+          <a:bodyPr lIns="0" tIns="0" rIns="0" bIns="0">
             <a:normAutofit/>
           </a:bodyPr>
-          <a:p>
-            <a:endParaRPr b="0" lang="en-US" sz="2800" spc="-1" strike="noStrike">
+          <a:lstStyle/>
+          <a:p>
+            <a:endParaRPr lang="en-US" sz="2800" b="0" strike="noStrike" spc="-1">
               <a:solidFill>
                 <a:srgbClr val="000000"/>
               </a:solidFill>
@@ -2316,11 +2523,14 @@
       </p:sp>
     </p:spTree>
   </p:cSld>
+  <p:clrMapOvr>
+    <a:masterClrMapping/>
+  </p:clrMapOvr>
 </p:sldLayout>
 </file>
 
 <file path=ppt/slideLayouts/slideLayout5.xml><?xml version="1.0" encoding="utf-8"?>
-<p:sldLayout xmlns:a="http://schemas.openxmlformats.org/drawingml/2006/main" xmlns:p="http://schemas.openxmlformats.org/presentationml/2006/main" xmlns:r="http://schemas.openxmlformats.org/officeDocument/2006/relationships" xmlns:p14="http://schemas.microsoft.com/office/powerpoint/2010/main" xmlns:p15="http://schemas.microsoft.com/office/powerpoint/2012/main" xmlns:mc="http://schemas.openxmlformats.org/markup-compatibility/2006" type="titleOnly" preserve="1">
+<p:sldLayout xmlns:a="http://schemas.openxmlformats.org/drawingml/2006/main" xmlns:r="http://schemas.openxmlformats.org/officeDocument/2006/relationships" xmlns:p="http://schemas.openxmlformats.org/presentationml/2006/main" type="titleOnly" preserve="1">
   <p:cSld name="Title Only">
     <p:spTree>
       <p:nvGrpSpPr>
@@ -2356,9 +2566,10 @@
           </a:prstGeom>
         </p:spPr>
         <p:txBody>
-          <a:bodyPr lIns="0" rIns="0" tIns="0" bIns="0" anchor="ctr"/>
-          <a:p>
-            <a:endParaRPr b="0" lang="en-US" sz="1800" spc="-1" strike="noStrike">
+          <a:bodyPr lIns="0" tIns="0" rIns="0" bIns="0" anchor="ctr"/>
+          <a:lstStyle/>
+          <a:p>
+            <a:endParaRPr lang="en-US" sz="1800" b="0" strike="noStrike" spc="-1">
               <a:solidFill>
                 <a:srgbClr val="000000"/>
               </a:solidFill>
@@ -2369,11 +2580,14 @@
       </p:sp>
     </p:spTree>
   </p:cSld>
+  <p:clrMapOvr>
+    <a:masterClrMapping/>
+  </p:clrMapOvr>
 </p:sldLayout>
 </file>
 
 <file path=ppt/slideLayouts/slideLayout6.xml><?xml version="1.0" encoding="utf-8"?>
-<p:sldLayout xmlns:a="http://schemas.openxmlformats.org/drawingml/2006/main" xmlns:p="http://schemas.openxmlformats.org/presentationml/2006/main" xmlns:r="http://schemas.openxmlformats.org/officeDocument/2006/relationships" xmlns:p14="http://schemas.microsoft.com/office/powerpoint/2010/main" xmlns:p15="http://schemas.microsoft.com/office/powerpoint/2012/main" xmlns:mc="http://schemas.openxmlformats.org/markup-compatibility/2006" type="objOnly" preserve="1">
+<p:sldLayout xmlns:a="http://schemas.openxmlformats.org/drawingml/2006/main" xmlns:r="http://schemas.openxmlformats.org/officeDocument/2006/relationships" xmlns:p="http://schemas.openxmlformats.org/presentationml/2006/main" type="objOnly" preserve="1">
   <p:cSld name="Centered Text">
     <p:spTree>
       <p:nvGrpSpPr>
@@ -2409,10 +2623,11 @@
           </a:prstGeom>
         </p:spPr>
         <p:txBody>
-          <a:bodyPr lIns="0" rIns="0" tIns="0" bIns="0" anchor="ctr"/>
+          <a:bodyPr lIns="0" tIns="0" rIns="0" bIns="0" anchor="ctr"/>
+          <a:lstStyle/>
           <a:p>
             <a:pPr algn="ctr"/>
-            <a:endParaRPr b="0" lang="en-US" sz="3200" spc="-1" strike="noStrike">
+            <a:endParaRPr lang="en-US" sz="3200" b="0" strike="noStrike" spc="-1">
               <a:latin typeface="Arial"/>
             </a:endParaRPr>
           </a:p>
@@ -2420,11 +2635,14 @@
       </p:sp>
     </p:spTree>
   </p:cSld>
+  <p:clrMapOvr>
+    <a:masterClrMapping/>
+  </p:clrMapOvr>
 </p:sldLayout>
 </file>
 
 <file path=ppt/slideLayouts/slideLayout7.xml><?xml version="1.0" encoding="utf-8"?>
-<p:sldLayout xmlns:a="http://schemas.openxmlformats.org/drawingml/2006/main" xmlns:p="http://schemas.openxmlformats.org/presentationml/2006/main" xmlns:r="http://schemas.openxmlformats.org/officeDocument/2006/relationships" xmlns:p14="http://schemas.microsoft.com/office/powerpoint/2010/main" xmlns:p15="http://schemas.microsoft.com/office/powerpoint/2012/main" xmlns:mc="http://schemas.openxmlformats.org/markup-compatibility/2006" type="twoObjAndObj" preserve="1">
+<p:sldLayout xmlns:a="http://schemas.openxmlformats.org/drawingml/2006/main" xmlns:r="http://schemas.openxmlformats.org/officeDocument/2006/relationships" xmlns:p="http://schemas.openxmlformats.org/presentationml/2006/main" type="twoObjAndObj" preserve="1">
   <p:cSld name="Title, 2 Content and Content">
     <p:spTree>
       <p:nvGrpSpPr>
@@ -2460,9 +2678,10 @@
           </a:prstGeom>
         </p:spPr>
         <p:txBody>
-          <a:bodyPr lIns="0" rIns="0" tIns="0" bIns="0" anchor="ctr"/>
-          <a:p>
-            <a:endParaRPr b="0" lang="en-US" sz="1800" spc="-1" strike="noStrike">
+          <a:bodyPr lIns="0" tIns="0" rIns="0" bIns="0" anchor="ctr"/>
+          <a:lstStyle/>
+          <a:p>
+            <a:endParaRPr lang="en-US" sz="1800" b="0" strike="noStrike" spc="-1">
               <a:solidFill>
                 <a:srgbClr val="000000"/>
               </a:solidFill>
@@ -2491,11 +2710,12 @@
           </a:prstGeom>
         </p:spPr>
         <p:txBody>
-          <a:bodyPr lIns="0" rIns="0" tIns="0" bIns="0">
+          <a:bodyPr lIns="0" tIns="0" rIns="0" bIns="0">
             <a:normAutofit/>
           </a:bodyPr>
-          <a:p>
-            <a:endParaRPr b="0" lang="en-US" sz="2800" spc="-1" strike="noStrike">
+          <a:lstStyle/>
+          <a:p>
+            <a:endParaRPr lang="en-US" sz="2800" b="0" strike="noStrike" spc="-1">
               <a:solidFill>
                 <a:srgbClr val="000000"/>
               </a:solidFill>
@@ -2524,11 +2744,12 @@
           </a:prstGeom>
         </p:spPr>
         <p:txBody>
-          <a:bodyPr lIns="0" rIns="0" tIns="0" bIns="0">
+          <a:bodyPr lIns="0" tIns="0" rIns="0" bIns="0">
             <a:normAutofit/>
           </a:bodyPr>
-          <a:p>
-            <a:endParaRPr b="0" lang="en-US" sz="2800" spc="-1" strike="noStrike">
+          <a:lstStyle/>
+          <a:p>
+            <a:endParaRPr lang="en-US" sz="2800" b="0" strike="noStrike" spc="-1">
               <a:solidFill>
                 <a:srgbClr val="000000"/>
               </a:solidFill>
@@ -2557,11 +2778,12 @@
           </a:prstGeom>
         </p:spPr>
         <p:txBody>
-          <a:bodyPr lIns="0" rIns="0" tIns="0" bIns="0">
+          <a:bodyPr lIns="0" tIns="0" rIns="0" bIns="0">
             <a:normAutofit/>
           </a:bodyPr>
-          <a:p>
-            <a:endParaRPr b="0" lang="en-US" sz="2800" spc="-1" strike="noStrike">
+          <a:lstStyle/>
+          <a:p>
+            <a:endParaRPr lang="en-US" sz="2800" b="0" strike="noStrike" spc="-1">
               <a:solidFill>
                 <a:srgbClr val="000000"/>
               </a:solidFill>
@@ -2572,11 +2794,14 @@
       </p:sp>
     </p:spTree>
   </p:cSld>
+  <p:clrMapOvr>
+    <a:masterClrMapping/>
+  </p:clrMapOvr>
 </p:sldLayout>
 </file>
 
 <file path=ppt/slideLayouts/slideLayout8.xml><?xml version="1.0" encoding="utf-8"?>
-<p:sldLayout xmlns:a="http://schemas.openxmlformats.org/drawingml/2006/main" xmlns:p="http://schemas.openxmlformats.org/presentationml/2006/main" xmlns:r="http://schemas.openxmlformats.org/officeDocument/2006/relationships" xmlns:p14="http://schemas.microsoft.com/office/powerpoint/2010/main" xmlns:p15="http://schemas.microsoft.com/office/powerpoint/2012/main" xmlns:mc="http://schemas.openxmlformats.org/markup-compatibility/2006" type="objAndTwoObj" preserve="1">
+<p:sldLayout xmlns:a="http://schemas.openxmlformats.org/drawingml/2006/main" xmlns:r="http://schemas.openxmlformats.org/officeDocument/2006/relationships" xmlns:p="http://schemas.openxmlformats.org/presentationml/2006/main" type="objAndTwoObj" preserve="1">
   <p:cSld name="Title Content and 2 Content">
     <p:spTree>
       <p:nvGrpSpPr>
@@ -2612,9 +2837,10 @@
           </a:prstGeom>
         </p:spPr>
         <p:txBody>
-          <a:bodyPr lIns="0" rIns="0" tIns="0" bIns="0" anchor="ctr"/>
-          <a:p>
-            <a:endParaRPr b="0" lang="en-US" sz="1800" spc="-1" strike="noStrike">
+          <a:bodyPr lIns="0" tIns="0" rIns="0" bIns="0" anchor="ctr"/>
+          <a:lstStyle/>
+          <a:p>
+            <a:endParaRPr lang="en-US" sz="1800" b="0" strike="noStrike" spc="-1">
               <a:solidFill>
                 <a:srgbClr val="000000"/>
               </a:solidFill>
@@ -2643,11 +2869,12 @@
           </a:prstGeom>
         </p:spPr>
         <p:txBody>
-          <a:bodyPr lIns="0" rIns="0" tIns="0" bIns="0">
+          <a:bodyPr lIns="0" tIns="0" rIns="0" bIns="0">
             <a:normAutofit/>
           </a:bodyPr>
-          <a:p>
-            <a:endParaRPr b="0" lang="en-US" sz="2800" spc="-1" strike="noStrike">
+          <a:lstStyle/>
+          <a:p>
+            <a:endParaRPr lang="en-US" sz="2800" b="0" strike="noStrike" spc="-1">
               <a:solidFill>
                 <a:srgbClr val="000000"/>
               </a:solidFill>
@@ -2676,11 +2903,12 @@
           </a:prstGeom>
         </p:spPr>
         <p:txBody>
-          <a:bodyPr lIns="0" rIns="0" tIns="0" bIns="0">
+          <a:bodyPr lIns="0" tIns="0" rIns="0" bIns="0">
             <a:normAutofit/>
           </a:bodyPr>
-          <a:p>
-            <a:endParaRPr b="0" lang="en-US" sz="2800" spc="-1" strike="noStrike">
+          <a:lstStyle/>
+          <a:p>
+            <a:endParaRPr lang="en-US" sz="2800" b="0" strike="noStrike" spc="-1">
               <a:solidFill>
                 <a:srgbClr val="000000"/>
               </a:solidFill>
@@ -2709,11 +2937,12 @@
           </a:prstGeom>
         </p:spPr>
         <p:txBody>
-          <a:bodyPr lIns="0" rIns="0" tIns="0" bIns="0">
+          <a:bodyPr lIns="0" tIns="0" rIns="0" bIns="0">
             <a:normAutofit/>
           </a:bodyPr>
-          <a:p>
-            <a:endParaRPr b="0" lang="en-US" sz="2800" spc="-1" strike="noStrike">
+          <a:lstStyle/>
+          <a:p>
+            <a:endParaRPr lang="en-US" sz="2800" b="0" strike="noStrike" spc="-1">
               <a:solidFill>
                 <a:srgbClr val="000000"/>
               </a:solidFill>
@@ -2724,11 +2953,14 @@
       </p:sp>
     </p:spTree>
   </p:cSld>
+  <p:clrMapOvr>
+    <a:masterClrMapping/>
+  </p:clrMapOvr>
 </p:sldLayout>
 </file>
 
 <file path=ppt/slideLayouts/slideLayout9.xml><?xml version="1.0" encoding="utf-8"?>
-<p:sldLayout xmlns:a="http://schemas.openxmlformats.org/drawingml/2006/main" xmlns:p="http://schemas.openxmlformats.org/presentationml/2006/main" xmlns:r="http://schemas.openxmlformats.org/officeDocument/2006/relationships" xmlns:p14="http://schemas.microsoft.com/office/powerpoint/2010/main" xmlns:p15="http://schemas.microsoft.com/office/powerpoint/2012/main" xmlns:mc="http://schemas.openxmlformats.org/markup-compatibility/2006" type="twoObjOverTx" preserve="1">
+<p:sldLayout xmlns:a="http://schemas.openxmlformats.org/drawingml/2006/main" xmlns:r="http://schemas.openxmlformats.org/officeDocument/2006/relationships" xmlns:p="http://schemas.openxmlformats.org/presentationml/2006/main" type="twoObjOverTx" preserve="1">
   <p:cSld name="Title, 2 Content over Content">
     <p:spTree>
       <p:nvGrpSpPr>
@@ -2764,9 +2996,10 @@
           </a:prstGeom>
         </p:spPr>
         <p:txBody>
-          <a:bodyPr lIns="0" rIns="0" tIns="0" bIns="0" anchor="ctr"/>
-          <a:p>
-            <a:endParaRPr b="0" lang="en-US" sz="1800" spc="-1" strike="noStrike">
+          <a:bodyPr lIns="0" tIns="0" rIns="0" bIns="0" anchor="ctr"/>
+          <a:lstStyle/>
+          <a:p>
+            <a:endParaRPr lang="en-US" sz="1800" b="0" strike="noStrike" spc="-1">
               <a:solidFill>
                 <a:srgbClr val="000000"/>
               </a:solidFill>
@@ -2795,11 +3028,12 @@
           </a:prstGeom>
         </p:spPr>
         <p:txBody>
-          <a:bodyPr lIns="0" rIns="0" tIns="0" bIns="0">
+          <a:bodyPr lIns="0" tIns="0" rIns="0" bIns="0">
             <a:normAutofit/>
           </a:bodyPr>
-          <a:p>
-            <a:endParaRPr b="0" lang="en-US" sz="2800" spc="-1" strike="noStrike">
+          <a:lstStyle/>
+          <a:p>
+            <a:endParaRPr lang="en-US" sz="2800" b="0" strike="noStrike" spc="-1">
               <a:solidFill>
                 <a:srgbClr val="000000"/>
               </a:solidFill>
@@ -2828,11 +3062,12 @@
           </a:prstGeom>
         </p:spPr>
         <p:txBody>
-          <a:bodyPr lIns="0" rIns="0" tIns="0" bIns="0">
+          <a:bodyPr lIns="0" tIns="0" rIns="0" bIns="0">
             <a:normAutofit/>
           </a:bodyPr>
-          <a:p>
-            <a:endParaRPr b="0" lang="en-US" sz="2800" spc="-1" strike="noStrike">
+          <a:lstStyle/>
+          <a:p>
+            <a:endParaRPr lang="en-US" sz="2800" b="0" strike="noStrike" spc="-1">
               <a:solidFill>
                 <a:srgbClr val="000000"/>
               </a:solidFill>
@@ -2861,11 +3096,12 @@
           </a:prstGeom>
         </p:spPr>
         <p:txBody>
-          <a:bodyPr lIns="0" rIns="0" tIns="0" bIns="0">
+          <a:bodyPr lIns="0" tIns="0" rIns="0" bIns="0">
             <a:normAutofit/>
           </a:bodyPr>
-          <a:p>
-            <a:endParaRPr b="0" lang="en-US" sz="2800" spc="-1" strike="noStrike">
+          <a:lstStyle/>
+          <a:p>
+            <a:endParaRPr lang="en-US" sz="2800" b="0" strike="noStrike" spc="-1">
               <a:solidFill>
                 <a:srgbClr val="000000"/>
               </a:solidFill>
@@ -2876,17 +3112,21 @@
       </p:sp>
     </p:spTree>
   </p:cSld>
+  <p:clrMapOvr>
+    <a:masterClrMapping/>
+  </p:clrMapOvr>
 </p:sldLayout>
 </file>
 
 <file path=ppt/slideMasters/slideMaster1.xml><?xml version="1.0" encoding="utf-8"?>
-<p:sldMaster xmlns:a="http://schemas.openxmlformats.org/drawingml/2006/main" xmlns:p="http://schemas.openxmlformats.org/presentationml/2006/main" xmlns:r="http://schemas.openxmlformats.org/officeDocument/2006/relationships" xmlns:p14="http://schemas.microsoft.com/office/powerpoint/2010/main" xmlns:p15="http://schemas.microsoft.com/office/powerpoint/2012/main" xmlns:mc="http://schemas.openxmlformats.org/markup-compatibility/2006">
+<p:sldMaster xmlns:a="http://schemas.openxmlformats.org/drawingml/2006/main" xmlns:r="http://schemas.openxmlformats.org/officeDocument/2006/relationships" xmlns:p="http://schemas.openxmlformats.org/presentationml/2006/main">
   <p:cSld>
     <p:bg>
       <p:bgPr>
         <a:solidFill>
-          <a:srgbClr val="ffffff"/>
+          <a:srgbClr val="FFFFFF"/>
         </a:solidFill>
+        <a:effectLst/>
       </p:bgPr>
     </p:bg>
     <p:spTree>
@@ -2905,7 +3145,7 @@
       </p:grpSpPr>
       <p:sp>
         <p:nvSpPr>
-          <p:cNvPr id="0" name="PlaceHolder 1"/>
+          <p:cNvPr id="5" name="PlaceHolder 1"/>
           <p:cNvSpPr>
             <a:spLocks noGrp="1"/>
           </p:cNvSpPr>
@@ -2924,6 +3164,7 @@
         </p:spPr>
         <p:txBody>
           <a:bodyPr anchor="b"/>
+          <a:lstStyle/>
           <a:p>
             <a:pPr algn="ctr">
               <a:lnSpc>
@@ -2931,78 +3172,15 @@
               </a:lnSpc>
             </a:pPr>
             <a:r>
-              <a:rPr b="0" lang="en-US" sz="6000" spc="-1" strike="noStrike">
+              <a:rPr lang="en-US" sz="6000" b="0" strike="noStrike" spc="-1">
                 <a:solidFill>
                   <a:srgbClr val="000000"/>
                 </a:solidFill>
                 <a:latin typeface="Calibri Light"/>
               </a:rPr>
-              <a:t>Clic</a:t>
+              <a:t>Click to edit Master title style</a:t>
             </a:r>
-            <a:r>
-              <a:rPr b="0" lang="en-US" sz="6000" spc="-1" strike="noStrike">
-                <a:solidFill>
-                  <a:srgbClr val="000000"/>
-                </a:solidFill>
-                <a:latin typeface="Calibri Light"/>
-              </a:rPr>
-              <a:t>k to </a:t>
-            </a:r>
-            <a:r>
-              <a:rPr b="0" lang="en-US" sz="6000" spc="-1" strike="noStrike">
-                <a:solidFill>
-                  <a:srgbClr val="000000"/>
-                </a:solidFill>
-                <a:latin typeface="Calibri Light"/>
-              </a:rPr>
-              <a:t>edit </a:t>
-            </a:r>
-            <a:r>
-              <a:rPr b="0" lang="en-US" sz="6000" spc="-1" strike="noStrike">
-                <a:solidFill>
-                  <a:srgbClr val="000000"/>
-                </a:solidFill>
-                <a:latin typeface="Calibri Light"/>
-              </a:rPr>
-              <a:t>Mas</a:t>
-            </a:r>
-            <a:r>
-              <a:rPr b="0" lang="en-US" sz="6000" spc="-1" strike="noStrike">
-                <a:solidFill>
-                  <a:srgbClr val="000000"/>
-                </a:solidFill>
-                <a:latin typeface="Calibri Light"/>
-              </a:rPr>
-              <a:t>ter </a:t>
-            </a:r>
-            <a:r>
-              <a:rPr b="0" lang="en-US" sz="6000" spc="-1" strike="noStrike">
-                <a:solidFill>
-                  <a:srgbClr val="000000"/>
-                </a:solidFill>
-                <a:latin typeface="Calibri Light"/>
-              </a:rPr>
-              <a:t>title </a:t>
-            </a:r>
-            <a:r>
-              <a:rPr b="0" lang="en-US" sz="6000" spc="-1" strike="noStrike">
-                <a:solidFill>
-                  <a:srgbClr val="000000"/>
-                </a:solidFill>
-                <a:latin typeface="Calibri Light"/>
-              </a:rPr>
-              <a:t>styl</a:t>
-            </a:r>
-            <a:r>
-              <a:rPr b="0" lang="en-US" sz="6000" spc="-1" strike="noStrike">
-                <a:solidFill>
-                  <a:srgbClr val="000000"/>
-                </a:solidFill>
-                <a:latin typeface="Calibri Light"/>
-              </a:rPr>
-              <a:t>e</a:t>
-            </a:r>
-            <a:endParaRPr b="0" lang="en-US" sz="6000" spc="-1" strike="noStrike">
+            <a:endParaRPr lang="en-US" sz="6000" b="0" strike="noStrike" spc="-1">
               <a:solidFill>
                 <a:srgbClr val="000000"/>
               </a:solidFill>
@@ -3013,7 +3191,7 @@
       </p:sp>
       <p:sp>
         <p:nvSpPr>
-          <p:cNvPr id="1" name="PlaceHolder 2"/>
+          <p:cNvPr id="6" name="PlaceHolder 2"/>
           <p:cNvSpPr>
             <a:spLocks noGrp="1"/>
           </p:cNvSpPr>
@@ -3032,6 +3210,7 @@
         </p:spPr>
         <p:txBody>
           <a:bodyPr anchor="ctr"/>
+          <a:lstStyle/>
           <a:p>
             <a:pPr>
               <a:lnSpc>
@@ -3039,15 +3218,15 @@
               </a:lnSpc>
             </a:pPr>
             <a:fld id="{E9FFEE1A-1471-47E4-BF20-22B26DA67185}" type="datetime">
-              <a:rPr b="0" lang="en-US" sz="1200" spc="-1" strike="noStrike">
+              <a:rPr lang="en-US" sz="1200" b="0" strike="noStrike" spc="-1">
                 <a:solidFill>
-                  <a:srgbClr val="8b8b8b"/>
+                  <a:srgbClr val="8B8B8B"/>
                 </a:solidFill>
                 <a:latin typeface="Calibri"/>
               </a:rPr>
-              <a:t>12/4/18</a:t>
+              <a:t>12/4/2018</a:t>
             </a:fld>
-            <a:endParaRPr b="0" lang="en-US" sz="1200" spc="-1" strike="noStrike">
+            <a:endParaRPr lang="en-US" sz="1200" b="0" strike="noStrike" spc="-1">
               <a:latin typeface="Times New Roman"/>
             </a:endParaRPr>
           </a:p>
@@ -3074,8 +3253,9 @@
         </p:spPr>
         <p:txBody>
           <a:bodyPr anchor="ctr"/>
-          <a:p>
-            <a:endParaRPr b="0" lang="en-US" sz="2400" spc="-1" strike="noStrike">
+          <a:lstStyle/>
+          <a:p>
+            <a:endParaRPr lang="en-US" sz="2400" b="0" strike="noStrike" spc="-1">
               <a:latin typeface="Times New Roman"/>
             </a:endParaRPr>
           </a:p>
@@ -3102,6 +3282,7 @@
         </p:spPr>
         <p:txBody>
           <a:bodyPr anchor="ctr"/>
+          <a:lstStyle/>
           <a:p>
             <a:pPr algn="r">
               <a:lnSpc>
@@ -3109,15 +3290,15 @@
               </a:lnSpc>
             </a:pPr>
             <a:fld id="{21C69373-F4E2-4F0B-AC2E-5EE2DC888083}" type="slidenum">
-              <a:rPr b="0" lang="en-US" sz="1200" spc="-1" strike="noStrike">
+              <a:rPr lang="en-US" sz="1200" b="0" strike="noStrike" spc="-1">
                 <a:solidFill>
-                  <a:srgbClr val="8b8b8b"/>
+                  <a:srgbClr val="8B8B8B"/>
                 </a:solidFill>
                 <a:latin typeface="Calibri"/>
               </a:rPr>
-              <a:t>&lt;number&gt;</a:t>
+              <a:t>‹#›</a:t>
             </a:fld>
-            <a:endParaRPr b="0" lang="en-US" sz="1200" spc="-1" strike="noStrike">
+            <a:endParaRPr lang="en-US" sz="1200" b="0" strike="noStrike" spc="-1">
               <a:latin typeface="Times New Roman"/>
             </a:endParaRPr>
           </a:p>
@@ -3143,9 +3324,10 @@
           </a:prstGeom>
         </p:spPr>
         <p:txBody>
-          <a:bodyPr lIns="0" rIns="0" tIns="0" bIns="0">
+          <a:bodyPr lIns="0" tIns="0" rIns="0" bIns="0">
             <a:normAutofit/>
           </a:bodyPr>
+          <a:lstStyle/>
           <a:p>
             <a:pPr marL="432000" indent="-324000">
               <a:spcBef>
@@ -3159,32 +3341,17 @@
               <a:buChar char=""/>
             </a:pPr>
             <a:r>
-              <a:rPr b="0" lang="en-US" sz="2800" spc="-1" strike="noStrike">
+              <a:rPr lang="en-US" sz="2800" b="0" strike="noStrike" spc="-1">
                 <a:solidFill>
                   <a:srgbClr val="000000"/>
                 </a:solidFill>
                 <a:latin typeface="Calibri"/>
               </a:rPr>
-              <a:t>Click to edit the </a:t>
+              <a:t>Click to edit the outline text format</a:t>
             </a:r>
-            <a:r>
-              <a:rPr b="0" lang="en-US" sz="2800" spc="-1" strike="noStrike">
-                <a:solidFill>
-                  <a:srgbClr val="000000"/>
-                </a:solidFill>
-                <a:latin typeface="Calibri"/>
-              </a:rPr>
-              <a:t>outline text format</a:t>
-            </a:r>
-            <a:endParaRPr b="0" lang="en-US" sz="2800" spc="-1" strike="noStrike">
-              <a:solidFill>
-                <a:srgbClr val="000000"/>
-              </a:solidFill>
-              <a:latin typeface="Calibri"/>
-            </a:endParaRPr>
-          </a:p>
-          <a:p>
-            <a:pPr lvl="1" marL="864000" indent="-324000">
+          </a:p>
+          <a:p>
+            <a:pPr marL="864000" lvl="1" indent="-324000">
               <a:spcBef>
                 <a:spcPts val="1134"/>
               </a:spcBef>
@@ -3196,7 +3363,7 @@
               <a:buChar char=""/>
             </a:pPr>
             <a:r>
-              <a:rPr b="0" lang="en-US" sz="2000" spc="-1" strike="noStrike">
+              <a:rPr lang="en-US" sz="2000" b="0" strike="noStrike" spc="-1">
                 <a:solidFill>
                   <a:srgbClr val="000000"/>
                 </a:solidFill>
@@ -3204,15 +3371,9 @@
               </a:rPr>
               <a:t>Second Outline Level</a:t>
             </a:r>
-            <a:endParaRPr b="0" lang="en-US" sz="2000" spc="-1" strike="noStrike">
-              <a:solidFill>
-                <a:srgbClr val="000000"/>
-              </a:solidFill>
-              <a:latin typeface="Calibri"/>
-            </a:endParaRPr>
-          </a:p>
-          <a:p>
-            <a:pPr lvl="2" marL="1296000" indent="-288000">
+          </a:p>
+          <a:p>
+            <a:pPr marL="1296000" lvl="2" indent="-288000">
               <a:spcBef>
                 <a:spcPts val="850"/>
               </a:spcBef>
@@ -3224,7 +3385,7 @@
               <a:buChar char=""/>
             </a:pPr>
             <a:r>
-              <a:rPr b="0" lang="en-US" sz="1800" spc="-1" strike="noStrike">
+              <a:rPr lang="en-US" sz="1800" b="0" strike="noStrike" spc="-1">
                 <a:solidFill>
                   <a:srgbClr val="000000"/>
                 </a:solidFill>
@@ -3232,15 +3393,9 @@
               </a:rPr>
               <a:t>Third Outline Level</a:t>
             </a:r>
-            <a:endParaRPr b="0" lang="en-US" sz="1800" spc="-1" strike="noStrike">
-              <a:solidFill>
-                <a:srgbClr val="000000"/>
-              </a:solidFill>
-              <a:latin typeface="Calibri"/>
-            </a:endParaRPr>
-          </a:p>
-          <a:p>
-            <a:pPr lvl="3" marL="1728000" indent="-216000">
+          </a:p>
+          <a:p>
+            <a:pPr marL="1728000" lvl="3" indent="-216000">
               <a:spcBef>
                 <a:spcPts val="567"/>
               </a:spcBef>
@@ -3252,7 +3407,7 @@
               <a:buChar char=""/>
             </a:pPr>
             <a:r>
-              <a:rPr b="0" lang="en-US" sz="1800" spc="-1" strike="noStrike">
+              <a:rPr lang="en-US" sz="1800" b="0" strike="noStrike" spc="-1">
                 <a:solidFill>
                   <a:srgbClr val="000000"/>
                 </a:solidFill>
@@ -3260,15 +3415,9 @@
               </a:rPr>
               <a:t>Fourth Outline Level</a:t>
             </a:r>
-            <a:endParaRPr b="0" lang="en-US" sz="1800" spc="-1" strike="noStrike">
-              <a:solidFill>
-                <a:srgbClr val="000000"/>
-              </a:solidFill>
-              <a:latin typeface="Calibri"/>
-            </a:endParaRPr>
-          </a:p>
-          <a:p>
-            <a:pPr lvl="4" marL="2160000" indent="-216000">
+          </a:p>
+          <a:p>
+            <a:pPr marL="2160000" lvl="4" indent="-216000">
               <a:spcBef>
                 <a:spcPts val="283"/>
               </a:spcBef>
@@ -3280,32 +3429,17 @@
               <a:buChar char=""/>
             </a:pPr>
             <a:r>
-              <a:rPr b="0" lang="en-US" sz="2000" spc="-1" strike="noStrike">
+              <a:rPr lang="en-US" sz="2000" b="0" strike="noStrike" spc="-1">
                 <a:solidFill>
                   <a:srgbClr val="000000"/>
                 </a:solidFill>
                 <a:latin typeface="Calibri"/>
               </a:rPr>
-              <a:t>Fifth Outline </a:t>
+              <a:t>Fifth Outline Level</a:t>
             </a:r>
-            <a:r>
-              <a:rPr b="0" lang="en-US" sz="2000" spc="-1" strike="noStrike">
-                <a:solidFill>
-                  <a:srgbClr val="000000"/>
-                </a:solidFill>
-                <a:latin typeface="Calibri"/>
-              </a:rPr>
-              <a:t>Level</a:t>
-            </a:r>
-            <a:endParaRPr b="0" lang="en-US" sz="2000" spc="-1" strike="noStrike">
-              <a:solidFill>
-                <a:srgbClr val="000000"/>
-              </a:solidFill>
-              <a:latin typeface="Calibri"/>
-            </a:endParaRPr>
-          </a:p>
-          <a:p>
-            <a:pPr lvl="5" marL="2592000" indent="-216000">
+          </a:p>
+          <a:p>
+            <a:pPr marL="2592000" lvl="5" indent="-216000">
               <a:spcBef>
                 <a:spcPts val="283"/>
               </a:spcBef>
@@ -3317,41 +3451,17 @@
               <a:buChar char=""/>
             </a:pPr>
             <a:r>
-              <a:rPr b="0" lang="en-US" sz="2000" spc="-1" strike="noStrike">
+              <a:rPr lang="en-US" sz="2000" b="0" strike="noStrike" spc="-1">
                 <a:solidFill>
                   <a:srgbClr val="000000"/>
                 </a:solidFill>
                 <a:latin typeface="Calibri"/>
               </a:rPr>
-              <a:t>Sixth </a:t>
+              <a:t>Sixth Outline Level</a:t>
             </a:r>
-            <a:r>
-              <a:rPr b="0" lang="en-US" sz="2000" spc="-1" strike="noStrike">
-                <a:solidFill>
-                  <a:srgbClr val="000000"/>
-                </a:solidFill>
-                <a:latin typeface="Calibri"/>
-              </a:rPr>
-              <a:t>Outline </a:t>
-            </a:r>
-            <a:r>
-              <a:rPr b="0" lang="en-US" sz="2000" spc="-1" strike="noStrike">
-                <a:solidFill>
-                  <a:srgbClr val="000000"/>
-                </a:solidFill>
-                <a:latin typeface="Calibri"/>
-              </a:rPr>
-              <a:t>Level</a:t>
-            </a:r>
-            <a:endParaRPr b="0" lang="en-US" sz="2000" spc="-1" strike="noStrike">
-              <a:solidFill>
-                <a:srgbClr val="000000"/>
-              </a:solidFill>
-              <a:latin typeface="Calibri"/>
-            </a:endParaRPr>
-          </a:p>
-          <a:p>
-            <a:pPr lvl="6" marL="3024000" indent="-216000">
+          </a:p>
+          <a:p>
+            <a:pPr marL="3024000" lvl="6" indent="-216000">
               <a:spcBef>
                 <a:spcPts val="283"/>
               </a:spcBef>
@@ -3363,69 +3473,326 @@
               <a:buChar char=""/>
             </a:pPr>
             <a:r>
-              <a:rPr b="0" lang="en-US" sz="2000" spc="-1" strike="noStrike">
+              <a:rPr lang="en-US" sz="2000" b="0" strike="noStrike" spc="-1">
                 <a:solidFill>
                   <a:srgbClr val="000000"/>
                 </a:solidFill>
                 <a:latin typeface="Calibri"/>
               </a:rPr>
-              <a:t>Seventh </a:t>
+              <a:t>Seventh Outline Level</a:t>
             </a:r>
-            <a:r>
-              <a:rPr b="0" lang="en-US" sz="2000" spc="-1" strike="noStrike">
-                <a:solidFill>
-                  <a:srgbClr val="000000"/>
-                </a:solidFill>
-                <a:latin typeface="Calibri"/>
-              </a:rPr>
-              <a:t>Outline </a:t>
-            </a:r>
-            <a:r>
-              <a:rPr b="0" lang="en-US" sz="2000" spc="-1" strike="noStrike">
-                <a:solidFill>
-                  <a:srgbClr val="000000"/>
-                </a:solidFill>
-                <a:latin typeface="Calibri"/>
-              </a:rPr>
-              <a:t>Level</a:t>
-            </a:r>
-            <a:endParaRPr b="0" lang="en-US" sz="2000" spc="-1" strike="noStrike">
-              <a:solidFill>
-                <a:srgbClr val="000000"/>
-              </a:solidFill>
-              <a:latin typeface="Calibri"/>
-            </a:endParaRPr>
           </a:p>
         </p:txBody>
       </p:sp>
     </p:spTree>
   </p:cSld>
-  <p:clrMap bg1="lt1" bg2="lt2" tx1="dk1" tx2="dk2" accent1="accent1" accent2="accent2" accent3="accent3" accent4="accent4" accent5="accent5" accent6="accent6" hlink="hlink" folHlink="folHlink"/>
+  <p:clrMap bg1="lt1" tx1="dk1" bg2="lt2" tx2="dk2" accent1="accent1" accent2="accent2" accent3="accent3" accent4="accent4" accent5="accent5" accent6="accent6" hlink="hlink" folHlink="folHlink"/>
   <p:sldLayoutIdLst>
-    <p:sldLayoutId id="2147483649" r:id="rId2"/>
-    <p:sldLayoutId id="2147483650" r:id="rId3"/>
-    <p:sldLayoutId id="2147483651" r:id="rId4"/>
-    <p:sldLayoutId id="2147483652" r:id="rId5"/>
-    <p:sldLayoutId id="2147483653" r:id="rId6"/>
-    <p:sldLayoutId id="2147483654" r:id="rId7"/>
-    <p:sldLayoutId id="2147483655" r:id="rId8"/>
-    <p:sldLayoutId id="2147483656" r:id="rId9"/>
-    <p:sldLayoutId id="2147483657" r:id="rId10"/>
-    <p:sldLayoutId id="2147483658" r:id="rId11"/>
-    <p:sldLayoutId id="2147483659" r:id="rId12"/>
-    <p:sldLayoutId id="2147483660" r:id="rId13"/>
+    <p:sldLayoutId id="2147483649" r:id="rId1"/>
+    <p:sldLayoutId id="2147483650" r:id="rId2"/>
+    <p:sldLayoutId id="2147483651" r:id="rId3"/>
+    <p:sldLayoutId id="2147483652" r:id="rId4"/>
+    <p:sldLayoutId id="2147483653" r:id="rId5"/>
+    <p:sldLayoutId id="2147483654" r:id="rId6"/>
+    <p:sldLayoutId id="2147483655" r:id="rId7"/>
+    <p:sldLayoutId id="2147483656" r:id="rId8"/>
+    <p:sldLayoutId id="2147483657" r:id="rId9"/>
+    <p:sldLayoutId id="2147483658" r:id="rId10"/>
+    <p:sldLayoutId id="2147483659" r:id="rId11"/>
+    <p:sldLayoutId id="2147483660" r:id="rId12"/>
   </p:sldLayoutIdLst>
+  <p:txStyles>
+    <p:titleStyle>
+      <a:lvl1pPr algn="l" defTabSz="914400" rtl="0" eaLnBrk="1" latinLnBrk="0" hangingPunct="1">
+        <a:lnSpc>
+          <a:spcPct val="90000"/>
+        </a:lnSpc>
+        <a:spcBef>
+          <a:spcPct val="0"/>
+        </a:spcBef>
+        <a:buNone/>
+        <a:defRPr sz="4400" kern="1200">
+          <a:solidFill>
+            <a:schemeClr val="tx1"/>
+          </a:solidFill>
+          <a:latin typeface="+mj-lt"/>
+          <a:ea typeface="+mj-ea"/>
+          <a:cs typeface="+mj-cs"/>
+        </a:defRPr>
+      </a:lvl1pPr>
+    </p:titleStyle>
+    <p:bodyStyle>
+      <a:lvl1pPr marL="228600" indent="-228600" algn="l" defTabSz="914400" rtl="0" eaLnBrk="1" latinLnBrk="0" hangingPunct="1">
+        <a:lnSpc>
+          <a:spcPct val="90000"/>
+        </a:lnSpc>
+        <a:spcBef>
+          <a:spcPts val="1000"/>
+        </a:spcBef>
+        <a:buFont typeface="Arial" panose="020B0604020202020204" pitchFamily="34" charset="0"/>
+        <a:buChar char="•"/>
+        <a:defRPr sz="2800" kern="1200">
+          <a:solidFill>
+            <a:schemeClr val="tx1"/>
+          </a:solidFill>
+          <a:latin typeface="+mn-lt"/>
+          <a:ea typeface="+mn-ea"/>
+          <a:cs typeface="+mn-cs"/>
+        </a:defRPr>
+      </a:lvl1pPr>
+      <a:lvl2pPr marL="685800" indent="-228600" algn="l" defTabSz="914400" rtl="0" eaLnBrk="1" latinLnBrk="0" hangingPunct="1">
+        <a:lnSpc>
+          <a:spcPct val="90000"/>
+        </a:lnSpc>
+        <a:spcBef>
+          <a:spcPts val="500"/>
+        </a:spcBef>
+        <a:buFont typeface="Arial" panose="020B0604020202020204" pitchFamily="34" charset="0"/>
+        <a:buChar char="•"/>
+        <a:defRPr sz="2400" kern="1200">
+          <a:solidFill>
+            <a:schemeClr val="tx1"/>
+          </a:solidFill>
+          <a:latin typeface="+mn-lt"/>
+          <a:ea typeface="+mn-ea"/>
+          <a:cs typeface="+mn-cs"/>
+        </a:defRPr>
+      </a:lvl2pPr>
+      <a:lvl3pPr marL="1143000" indent="-228600" algn="l" defTabSz="914400" rtl="0" eaLnBrk="1" latinLnBrk="0" hangingPunct="1">
+        <a:lnSpc>
+          <a:spcPct val="90000"/>
+        </a:lnSpc>
+        <a:spcBef>
+          <a:spcPts val="500"/>
+        </a:spcBef>
+        <a:buFont typeface="Arial" panose="020B0604020202020204" pitchFamily="34" charset="0"/>
+        <a:buChar char="•"/>
+        <a:defRPr sz="2000" kern="1200">
+          <a:solidFill>
+            <a:schemeClr val="tx1"/>
+          </a:solidFill>
+          <a:latin typeface="+mn-lt"/>
+          <a:ea typeface="+mn-ea"/>
+          <a:cs typeface="+mn-cs"/>
+        </a:defRPr>
+      </a:lvl3pPr>
+      <a:lvl4pPr marL="1600200" indent="-228600" algn="l" defTabSz="914400" rtl="0" eaLnBrk="1" latinLnBrk="0" hangingPunct="1">
+        <a:lnSpc>
+          <a:spcPct val="90000"/>
+        </a:lnSpc>
+        <a:spcBef>
+          <a:spcPts val="500"/>
+        </a:spcBef>
+        <a:buFont typeface="Arial" panose="020B0604020202020204" pitchFamily="34" charset="0"/>
+        <a:buChar char="•"/>
+        <a:defRPr sz="1800" kern="1200">
+          <a:solidFill>
+            <a:schemeClr val="tx1"/>
+          </a:solidFill>
+          <a:latin typeface="+mn-lt"/>
+          <a:ea typeface="+mn-ea"/>
+          <a:cs typeface="+mn-cs"/>
+        </a:defRPr>
+      </a:lvl4pPr>
+      <a:lvl5pPr marL="2057400" indent="-228600" algn="l" defTabSz="914400" rtl="0" eaLnBrk="1" latinLnBrk="0" hangingPunct="1">
+        <a:lnSpc>
+          <a:spcPct val="90000"/>
+        </a:lnSpc>
+        <a:spcBef>
+          <a:spcPts val="500"/>
+        </a:spcBef>
+        <a:buFont typeface="Arial" panose="020B0604020202020204" pitchFamily="34" charset="0"/>
+        <a:buChar char="•"/>
+        <a:defRPr sz="1800" kern="1200">
+          <a:solidFill>
+            <a:schemeClr val="tx1"/>
+          </a:solidFill>
+          <a:latin typeface="+mn-lt"/>
+          <a:ea typeface="+mn-ea"/>
+          <a:cs typeface="+mn-cs"/>
+        </a:defRPr>
+      </a:lvl5pPr>
+      <a:lvl6pPr marL="2514600" indent="-228600" algn="l" defTabSz="914400" rtl="0" eaLnBrk="1" latinLnBrk="0" hangingPunct="1">
+        <a:lnSpc>
+          <a:spcPct val="90000"/>
+        </a:lnSpc>
+        <a:spcBef>
+          <a:spcPts val="500"/>
+        </a:spcBef>
+        <a:buFont typeface="Arial" panose="020B0604020202020204" pitchFamily="34" charset="0"/>
+        <a:buChar char="•"/>
+        <a:defRPr sz="1800" kern="1200">
+          <a:solidFill>
+            <a:schemeClr val="tx1"/>
+          </a:solidFill>
+          <a:latin typeface="+mn-lt"/>
+          <a:ea typeface="+mn-ea"/>
+          <a:cs typeface="+mn-cs"/>
+        </a:defRPr>
+      </a:lvl6pPr>
+      <a:lvl7pPr marL="2971800" indent="-228600" algn="l" defTabSz="914400" rtl="0" eaLnBrk="1" latinLnBrk="0" hangingPunct="1">
+        <a:lnSpc>
+          <a:spcPct val="90000"/>
+        </a:lnSpc>
+        <a:spcBef>
+          <a:spcPts val="500"/>
+        </a:spcBef>
+        <a:buFont typeface="Arial" panose="020B0604020202020204" pitchFamily="34" charset="0"/>
+        <a:buChar char="•"/>
+        <a:defRPr sz="1800" kern="1200">
+          <a:solidFill>
+            <a:schemeClr val="tx1"/>
+          </a:solidFill>
+          <a:latin typeface="+mn-lt"/>
+          <a:ea typeface="+mn-ea"/>
+          <a:cs typeface="+mn-cs"/>
+        </a:defRPr>
+      </a:lvl7pPr>
+      <a:lvl8pPr marL="3429000" indent="-228600" algn="l" defTabSz="914400" rtl="0" eaLnBrk="1" latinLnBrk="0" hangingPunct="1">
+        <a:lnSpc>
+          <a:spcPct val="90000"/>
+        </a:lnSpc>
+        <a:spcBef>
+          <a:spcPts val="500"/>
+        </a:spcBef>
+        <a:buFont typeface="Arial" panose="020B0604020202020204" pitchFamily="34" charset="0"/>
+        <a:buChar char="•"/>
+        <a:defRPr sz="1800" kern="1200">
+          <a:solidFill>
+            <a:schemeClr val="tx1"/>
+          </a:solidFill>
+          <a:latin typeface="+mn-lt"/>
+          <a:ea typeface="+mn-ea"/>
+          <a:cs typeface="+mn-cs"/>
+        </a:defRPr>
+      </a:lvl8pPr>
+      <a:lvl9pPr marL="3886200" indent="-228600" algn="l" defTabSz="914400" rtl="0" eaLnBrk="1" latinLnBrk="0" hangingPunct="1">
+        <a:lnSpc>
+          <a:spcPct val="90000"/>
+        </a:lnSpc>
+        <a:spcBef>
+          <a:spcPts val="500"/>
+        </a:spcBef>
+        <a:buFont typeface="Arial" panose="020B0604020202020204" pitchFamily="34" charset="0"/>
+        <a:buChar char="•"/>
+        <a:defRPr sz="1800" kern="1200">
+          <a:solidFill>
+            <a:schemeClr val="tx1"/>
+          </a:solidFill>
+          <a:latin typeface="+mn-lt"/>
+          <a:ea typeface="+mn-ea"/>
+          <a:cs typeface="+mn-cs"/>
+        </a:defRPr>
+      </a:lvl9pPr>
+    </p:bodyStyle>
+    <p:otherStyle>
+      <a:defPPr>
+        <a:defRPr lang="en-US"/>
+      </a:defPPr>
+      <a:lvl1pPr marL="0" algn="l" defTabSz="914400" rtl="0" eaLnBrk="1" latinLnBrk="0" hangingPunct="1">
+        <a:defRPr sz="1800" kern="1200">
+          <a:solidFill>
+            <a:schemeClr val="tx1"/>
+          </a:solidFill>
+          <a:latin typeface="+mn-lt"/>
+          <a:ea typeface="+mn-ea"/>
+          <a:cs typeface="+mn-cs"/>
+        </a:defRPr>
+      </a:lvl1pPr>
+      <a:lvl2pPr marL="457200" algn="l" defTabSz="914400" rtl="0" eaLnBrk="1" latinLnBrk="0" hangingPunct="1">
+        <a:defRPr sz="1800" kern="1200">
+          <a:solidFill>
+            <a:schemeClr val="tx1"/>
+          </a:solidFill>
+          <a:latin typeface="+mn-lt"/>
+          <a:ea typeface="+mn-ea"/>
+          <a:cs typeface="+mn-cs"/>
+        </a:defRPr>
+      </a:lvl2pPr>
+      <a:lvl3pPr marL="914400" algn="l" defTabSz="914400" rtl="0" eaLnBrk="1" latinLnBrk="0" hangingPunct="1">
+        <a:defRPr sz="1800" kern="1200">
+          <a:solidFill>
+            <a:schemeClr val="tx1"/>
+          </a:solidFill>
+          <a:latin typeface="+mn-lt"/>
+          <a:ea typeface="+mn-ea"/>
+          <a:cs typeface="+mn-cs"/>
+        </a:defRPr>
+      </a:lvl3pPr>
+      <a:lvl4pPr marL="1371600" algn="l" defTabSz="914400" rtl="0" eaLnBrk="1" latinLnBrk="0" hangingPunct="1">
+        <a:defRPr sz="1800" kern="1200">
+          <a:solidFill>
+            <a:schemeClr val="tx1"/>
+          </a:solidFill>
+          <a:latin typeface="+mn-lt"/>
+          <a:ea typeface="+mn-ea"/>
+          <a:cs typeface="+mn-cs"/>
+        </a:defRPr>
+      </a:lvl4pPr>
+      <a:lvl5pPr marL="1828800" algn="l" defTabSz="914400" rtl="0" eaLnBrk="1" latinLnBrk="0" hangingPunct="1">
+        <a:defRPr sz="1800" kern="1200">
+          <a:solidFill>
+            <a:schemeClr val="tx1"/>
+          </a:solidFill>
+          <a:latin typeface="+mn-lt"/>
+          <a:ea typeface="+mn-ea"/>
+          <a:cs typeface="+mn-cs"/>
+        </a:defRPr>
+      </a:lvl5pPr>
+      <a:lvl6pPr marL="2286000" algn="l" defTabSz="914400" rtl="0" eaLnBrk="1" latinLnBrk="0" hangingPunct="1">
+        <a:defRPr sz="1800" kern="1200">
+          <a:solidFill>
+            <a:schemeClr val="tx1"/>
+          </a:solidFill>
+          <a:latin typeface="+mn-lt"/>
+          <a:ea typeface="+mn-ea"/>
+          <a:cs typeface="+mn-cs"/>
+        </a:defRPr>
+      </a:lvl6pPr>
+      <a:lvl7pPr marL="2743200" algn="l" defTabSz="914400" rtl="0" eaLnBrk="1" latinLnBrk="0" hangingPunct="1">
+        <a:defRPr sz="1800" kern="1200">
+          <a:solidFill>
+            <a:schemeClr val="tx1"/>
+          </a:solidFill>
+          <a:latin typeface="+mn-lt"/>
+          <a:ea typeface="+mn-ea"/>
+          <a:cs typeface="+mn-cs"/>
+        </a:defRPr>
+      </a:lvl7pPr>
+      <a:lvl8pPr marL="3200400" algn="l" defTabSz="914400" rtl="0" eaLnBrk="1" latinLnBrk="0" hangingPunct="1">
+        <a:defRPr sz="1800" kern="1200">
+          <a:solidFill>
+            <a:schemeClr val="tx1"/>
+          </a:solidFill>
+          <a:latin typeface="+mn-lt"/>
+          <a:ea typeface="+mn-ea"/>
+          <a:cs typeface="+mn-cs"/>
+        </a:defRPr>
+      </a:lvl8pPr>
+      <a:lvl9pPr marL="3657600" algn="l" defTabSz="914400" rtl="0" eaLnBrk="1" latinLnBrk="0" hangingPunct="1">
+        <a:defRPr sz="1800" kern="1200">
+          <a:solidFill>
+            <a:schemeClr val="tx1"/>
+          </a:solidFill>
+          <a:latin typeface="+mn-lt"/>
+          <a:ea typeface="+mn-ea"/>
+          <a:cs typeface="+mn-cs"/>
+        </a:defRPr>
+      </a:lvl9pPr>
+    </p:otherStyle>
+  </p:txStyles>
 </p:sldMaster>
 </file>
 
 <file path=ppt/slideMasters/slideMaster2.xml><?xml version="1.0" encoding="utf-8"?>
-<p:sldMaster xmlns:a="http://schemas.openxmlformats.org/drawingml/2006/main" xmlns:p="http://schemas.openxmlformats.org/presentationml/2006/main" xmlns:r="http://schemas.openxmlformats.org/officeDocument/2006/relationships" xmlns:p14="http://schemas.microsoft.com/office/powerpoint/2010/main" xmlns:p15="http://schemas.microsoft.com/office/powerpoint/2012/main" xmlns:mc="http://schemas.openxmlformats.org/markup-compatibility/2006">
+<p:sldMaster xmlns:a="http://schemas.openxmlformats.org/drawingml/2006/main" xmlns:r="http://schemas.openxmlformats.org/officeDocument/2006/relationships" xmlns:p="http://schemas.openxmlformats.org/presentationml/2006/main">
   <p:cSld>
     <p:bg>
       <p:bgPr>
         <a:solidFill>
-          <a:srgbClr val="ffffff"/>
+          <a:srgbClr val="FFFFFF"/>
         </a:solidFill>
+        <a:effectLst/>
       </p:bgPr>
     </p:bg>
     <p:spTree>
@@ -3463,6 +3830,7 @@
         </p:spPr>
         <p:txBody>
           <a:bodyPr anchor="ctr"/>
+          <a:lstStyle/>
           <a:p>
             <a:pPr>
               <a:lnSpc>
@@ -3470,240 +3838,15 @@
               </a:lnSpc>
             </a:pPr>
             <a:r>
-              <a:rPr b="0" lang="en-US" sz="4400" spc="-1" strike="noStrike">
+              <a:rPr lang="en-US" sz="4400" b="0" strike="noStrike" spc="-1">
                 <a:solidFill>
                   <a:srgbClr val="000000"/>
                 </a:solidFill>
                 <a:latin typeface="Calibri Light"/>
               </a:rPr>
-              <a:t>C</a:t>
+              <a:t>Click to edit Master title style</a:t>
             </a:r>
-            <a:r>
-              <a:rPr b="0" lang="en-US" sz="4400" spc="-1" strike="noStrike">
-                <a:solidFill>
-                  <a:srgbClr val="000000"/>
-                </a:solidFill>
-                <a:latin typeface="Calibri Light"/>
-              </a:rPr>
-              <a:t>li</a:t>
-            </a:r>
-            <a:r>
-              <a:rPr b="0" lang="en-US" sz="4400" spc="-1" strike="noStrike">
-                <a:solidFill>
-                  <a:srgbClr val="000000"/>
-                </a:solidFill>
-                <a:latin typeface="Calibri Light"/>
-              </a:rPr>
-              <a:t>c</a:t>
-            </a:r>
-            <a:r>
-              <a:rPr b="0" lang="en-US" sz="4400" spc="-1" strike="noStrike">
-                <a:solidFill>
-                  <a:srgbClr val="000000"/>
-                </a:solidFill>
-                <a:latin typeface="Calibri Light"/>
-              </a:rPr>
-              <a:t>k </a:t>
-            </a:r>
-            <a:r>
-              <a:rPr b="0" lang="en-US" sz="4400" spc="-1" strike="noStrike">
-                <a:solidFill>
-                  <a:srgbClr val="000000"/>
-                </a:solidFill>
-                <a:latin typeface="Calibri Light"/>
-              </a:rPr>
-              <a:t>t</a:t>
-            </a:r>
-            <a:r>
-              <a:rPr b="0" lang="en-US" sz="4400" spc="-1" strike="noStrike">
-                <a:solidFill>
-                  <a:srgbClr val="000000"/>
-                </a:solidFill>
-                <a:latin typeface="Calibri Light"/>
-              </a:rPr>
-              <a:t>o </a:t>
-            </a:r>
-            <a:r>
-              <a:rPr b="0" lang="en-US" sz="4400" spc="-1" strike="noStrike">
-                <a:solidFill>
-                  <a:srgbClr val="000000"/>
-                </a:solidFill>
-                <a:latin typeface="Calibri Light"/>
-              </a:rPr>
-              <a:t>e</a:t>
-            </a:r>
-            <a:r>
-              <a:rPr b="0" lang="en-US" sz="4400" spc="-1" strike="noStrike">
-                <a:solidFill>
-                  <a:srgbClr val="000000"/>
-                </a:solidFill>
-                <a:latin typeface="Calibri Light"/>
-              </a:rPr>
-              <a:t>d</a:t>
-            </a:r>
-            <a:r>
-              <a:rPr b="0" lang="en-US" sz="4400" spc="-1" strike="noStrike">
-                <a:solidFill>
-                  <a:srgbClr val="000000"/>
-                </a:solidFill>
-                <a:latin typeface="Calibri Light"/>
-              </a:rPr>
-              <a:t>i</a:t>
-            </a:r>
-            <a:r>
-              <a:rPr b="0" lang="en-US" sz="4400" spc="-1" strike="noStrike">
-                <a:solidFill>
-                  <a:srgbClr val="000000"/>
-                </a:solidFill>
-                <a:latin typeface="Calibri Light"/>
-              </a:rPr>
-              <a:t>t </a:t>
-            </a:r>
-            <a:r>
-              <a:rPr b="0" lang="en-US" sz="4400" spc="-1" strike="noStrike">
-                <a:solidFill>
-                  <a:srgbClr val="000000"/>
-                </a:solidFill>
-                <a:latin typeface="Calibri Light"/>
-              </a:rPr>
-              <a:t>M</a:t>
-            </a:r>
-            <a:r>
-              <a:rPr b="0" lang="en-US" sz="4400" spc="-1" strike="noStrike">
-                <a:solidFill>
-                  <a:srgbClr val="000000"/>
-                </a:solidFill>
-                <a:latin typeface="Calibri Light"/>
-              </a:rPr>
-              <a:t>a</a:t>
-            </a:r>
-            <a:r>
-              <a:rPr b="0" lang="en-US" sz="4400" spc="-1" strike="noStrike">
-                <a:solidFill>
-                  <a:srgbClr val="000000"/>
-                </a:solidFill>
-                <a:latin typeface="Calibri Light"/>
-              </a:rPr>
-              <a:t>s</a:t>
-            </a:r>
-            <a:r>
-              <a:rPr b="0" lang="en-US" sz="4400" spc="-1" strike="noStrike">
-                <a:solidFill>
-                  <a:srgbClr val="000000"/>
-                </a:solidFill>
-                <a:latin typeface="Calibri Light"/>
-              </a:rPr>
-              <a:t>t</a:t>
-            </a:r>
-            <a:r>
-              <a:rPr b="0" lang="en-US" sz="4400" spc="-1" strike="noStrike">
-                <a:solidFill>
-                  <a:srgbClr val="000000"/>
-                </a:solidFill>
-                <a:latin typeface="Calibri Light"/>
-              </a:rPr>
-              <a:t>e</a:t>
-            </a:r>
-            <a:r>
-              <a:rPr b="0" lang="en-US" sz="4400" spc="-1" strike="noStrike">
-                <a:solidFill>
-                  <a:srgbClr val="000000"/>
-                </a:solidFill>
-                <a:latin typeface="Calibri Light"/>
-              </a:rPr>
-              <a:t>r </a:t>
-            </a:r>
-            <a:r>
-              <a:rPr b="0" lang="en-US" sz="4400" spc="-1" strike="noStrike">
-                <a:solidFill>
-                  <a:srgbClr val="000000"/>
-                </a:solidFill>
-                <a:latin typeface="Calibri Light"/>
-              </a:rPr>
-              <a:t>t</a:t>
-            </a:r>
-            <a:r>
-              <a:rPr b="0" lang="en-US" sz="4400" spc="-1" strike="noStrike">
-                <a:solidFill>
-                  <a:srgbClr val="000000"/>
-                </a:solidFill>
-                <a:latin typeface="Calibri Light"/>
-              </a:rPr>
-              <a:t>i</a:t>
-            </a:r>
-            <a:r>
-              <a:rPr b="0" lang="en-US" sz="4400" spc="-1" strike="noStrike">
-                <a:solidFill>
-                  <a:srgbClr val="000000"/>
-                </a:solidFill>
-                <a:latin typeface="Calibri Light"/>
-              </a:rPr>
-              <a:t>t</a:t>
-            </a:r>
-            <a:r>
-              <a:rPr b="0" lang="en-US" sz="4400" spc="-1" strike="noStrike">
-                <a:solidFill>
-                  <a:srgbClr val="000000"/>
-                </a:solidFill>
-                <a:latin typeface="Calibri Light"/>
-              </a:rPr>
-              <a:t>l</a:t>
-            </a:r>
-            <a:r>
-              <a:rPr b="0" lang="en-US" sz="4400" spc="-1" strike="noStrike">
-                <a:solidFill>
-                  <a:srgbClr val="000000"/>
-                </a:solidFill>
-                <a:latin typeface="Calibri Light"/>
-              </a:rPr>
-              <a:t>e </a:t>
-            </a:r>
-            <a:r>
-              <a:rPr b="0" lang="en-US" sz="4400" spc="-1" strike="noStrike">
-                <a:solidFill>
-                  <a:srgbClr val="000000"/>
-                </a:solidFill>
-                <a:latin typeface="Calibri Light"/>
-              </a:rPr>
-              <a:t>s</a:t>
-            </a:r>
-            <a:r>
-              <a:rPr b="0" lang="en-US" sz="4400" spc="-1" strike="noStrike">
-                <a:solidFill>
-                  <a:srgbClr val="000000"/>
-                </a:solidFill>
-                <a:latin typeface="Calibri Light"/>
-              </a:rPr>
-              <a:t>t</a:t>
-            </a:r>
-            <a:r>
-              <a:rPr b="0" lang="en-US" sz="4400" spc="-1" strike="noStrike">
-                <a:solidFill>
-                  <a:srgbClr val="000000"/>
-                </a:solidFill>
-                <a:latin typeface="Calibri Light"/>
-              </a:rPr>
-              <a:t>y</a:t>
-            </a:r>
-            <a:r>
-              <a:rPr b="0" lang="en-US" sz="4400" spc="-1" strike="noStrike">
-                <a:solidFill>
-                  <a:srgbClr val="000000"/>
-                </a:solidFill>
-                <a:latin typeface="Calibri Light"/>
-              </a:rPr>
-              <a:t>l</a:t>
-            </a:r>
-            <a:r>
-              <a:rPr b="0" lang="en-US" sz="4400" spc="-1" strike="noStrike">
-                <a:solidFill>
-                  <a:srgbClr val="000000"/>
-                </a:solidFill>
-                <a:latin typeface="Calibri Light"/>
-              </a:rPr>
-              <a:t>e</a:t>
-            </a:r>
-            <a:endParaRPr b="0" lang="en-US" sz="4400" spc="-1" strike="noStrike">
+            <a:endParaRPr lang="en-US" sz="4400" b="0" strike="noStrike" spc="-1">
               <a:solidFill>
                 <a:srgbClr val="000000"/>
               </a:solidFill>
@@ -3733,6 +3876,7 @@
         </p:spPr>
         <p:txBody>
           <a:bodyPr/>
+          <a:lstStyle/>
           <a:p>
             <a:pPr marL="228600" indent="-228240">
               <a:lnSpc>
@@ -3748,7 +3892,7 @@
               <a:buChar char="•"/>
             </a:pPr>
             <a:r>
-              <a:rPr b="0" lang="en-US" sz="2800" spc="-1" strike="noStrike">
+              <a:rPr lang="en-US" sz="2800" b="0" strike="noStrike" spc="-1">
                 <a:solidFill>
                   <a:srgbClr val="000000"/>
                 </a:solidFill>
@@ -3756,15 +3900,9 @@
               </a:rPr>
               <a:t>Edit Master text styles</a:t>
             </a:r>
-            <a:endParaRPr b="0" lang="en-US" sz="2800" spc="-1" strike="noStrike">
-              <a:solidFill>
-                <a:srgbClr val="000000"/>
-              </a:solidFill>
-              <a:latin typeface="Calibri"/>
-            </a:endParaRPr>
-          </a:p>
-          <a:p>
-            <a:pPr lvl="1" marL="685800" indent="-228240">
+          </a:p>
+          <a:p>
+            <a:pPr marL="685800" lvl="1" indent="-228240">
               <a:lnSpc>
                 <a:spcPct val="90000"/>
               </a:lnSpc>
@@ -3778,7 +3916,7 @@
               <a:buChar char="•"/>
             </a:pPr>
             <a:r>
-              <a:rPr b="0" lang="en-US" sz="2400" spc="-1" strike="noStrike">
+              <a:rPr lang="en-US" sz="2400" b="0" strike="noStrike" spc="-1">
                 <a:solidFill>
                   <a:srgbClr val="000000"/>
                 </a:solidFill>
@@ -3786,15 +3924,9 @@
               </a:rPr>
               <a:t>Second level</a:t>
             </a:r>
-            <a:endParaRPr b="0" lang="en-US" sz="2400" spc="-1" strike="noStrike">
-              <a:solidFill>
-                <a:srgbClr val="000000"/>
-              </a:solidFill>
-              <a:latin typeface="Calibri"/>
-            </a:endParaRPr>
-          </a:p>
-          <a:p>
-            <a:pPr lvl="2" marL="1143000" indent="-228240">
+          </a:p>
+          <a:p>
+            <a:pPr marL="1143000" lvl="2" indent="-228240">
               <a:lnSpc>
                 <a:spcPct val="90000"/>
               </a:lnSpc>
@@ -3808,7 +3940,7 @@
               <a:buChar char="•"/>
             </a:pPr>
             <a:r>
-              <a:rPr b="0" lang="en-US" sz="2000" spc="-1" strike="noStrike">
+              <a:rPr lang="en-US" sz="2000" b="0" strike="noStrike" spc="-1">
                 <a:solidFill>
                   <a:srgbClr val="000000"/>
                 </a:solidFill>
@@ -3816,15 +3948,9 @@
               </a:rPr>
               <a:t>Third level</a:t>
             </a:r>
-            <a:endParaRPr b="0" lang="en-US" sz="2000" spc="-1" strike="noStrike">
-              <a:solidFill>
-                <a:srgbClr val="000000"/>
-              </a:solidFill>
-              <a:latin typeface="Calibri"/>
-            </a:endParaRPr>
-          </a:p>
-          <a:p>
-            <a:pPr lvl="3" marL="1600200" indent="-228240">
+          </a:p>
+          <a:p>
+            <a:pPr marL="1600200" lvl="3" indent="-228240">
               <a:lnSpc>
                 <a:spcPct val="90000"/>
               </a:lnSpc>
@@ -3838,7 +3964,7 @@
               <a:buChar char="•"/>
             </a:pPr>
             <a:r>
-              <a:rPr b="0" lang="en-US" sz="1800" spc="-1" strike="noStrike">
+              <a:rPr lang="en-US" sz="1800" b="0" strike="noStrike" spc="-1">
                 <a:solidFill>
                   <a:srgbClr val="000000"/>
                 </a:solidFill>
@@ -3846,15 +3972,9 @@
               </a:rPr>
               <a:t>Fourth level</a:t>
             </a:r>
-            <a:endParaRPr b="0" lang="en-US" sz="1800" spc="-1" strike="noStrike">
-              <a:solidFill>
-                <a:srgbClr val="000000"/>
-              </a:solidFill>
-              <a:latin typeface="Calibri"/>
-            </a:endParaRPr>
-          </a:p>
-          <a:p>
-            <a:pPr lvl="4" marL="2057400" indent="-228240">
+          </a:p>
+          <a:p>
+            <a:pPr marL="2057400" lvl="4" indent="-228240">
               <a:lnSpc>
                 <a:spcPct val="90000"/>
               </a:lnSpc>
@@ -3868,7 +3988,7 @@
               <a:buChar char="•"/>
             </a:pPr>
             <a:r>
-              <a:rPr b="0" lang="en-US" sz="1800" spc="-1" strike="noStrike">
+              <a:rPr lang="en-US" sz="1800" b="0" strike="noStrike" spc="-1">
                 <a:solidFill>
                   <a:srgbClr val="000000"/>
                 </a:solidFill>
@@ -3876,12 +3996,6 @@
               </a:rPr>
               <a:t>Fifth level</a:t>
             </a:r>
-            <a:endParaRPr b="0" lang="en-US" sz="1800" spc="-1" strike="noStrike">
-              <a:solidFill>
-                <a:srgbClr val="000000"/>
-              </a:solidFill>
-              <a:latin typeface="Calibri"/>
-            </a:endParaRPr>
           </a:p>
         </p:txBody>
       </p:sp>
@@ -3906,6 +4020,7 @@
         </p:spPr>
         <p:txBody>
           <a:bodyPr anchor="ctr"/>
+          <a:lstStyle/>
           <a:p>
             <a:pPr>
               <a:lnSpc>
@@ -3913,15 +4028,15 @@
               </a:lnSpc>
             </a:pPr>
             <a:fld id="{25BC7334-6D18-4FEB-AA39-7ACA8AB74167}" type="datetime">
-              <a:rPr b="0" lang="en-US" sz="1200" spc="-1" strike="noStrike">
+              <a:rPr lang="en-US" sz="1200" b="0" strike="noStrike" spc="-1">
                 <a:solidFill>
-                  <a:srgbClr val="8b8b8b"/>
+                  <a:srgbClr val="8B8B8B"/>
                 </a:solidFill>
                 <a:latin typeface="Calibri"/>
               </a:rPr>
-              <a:t>12/4/18</a:t>
+              <a:t>12/4/2018</a:t>
             </a:fld>
-            <a:endParaRPr b="0" lang="en-US" sz="1200" spc="-1" strike="noStrike">
+            <a:endParaRPr lang="en-US" sz="1200" b="0" strike="noStrike" spc="-1">
               <a:latin typeface="Times New Roman"/>
             </a:endParaRPr>
           </a:p>
@@ -3948,8 +4063,9 @@
         </p:spPr>
         <p:txBody>
           <a:bodyPr anchor="ctr"/>
-          <a:p>
-            <a:endParaRPr b="0" lang="en-US" sz="2400" spc="-1" strike="noStrike">
+          <a:lstStyle/>
+          <a:p>
+            <a:endParaRPr lang="en-US" sz="2400" b="0" strike="noStrike" spc="-1">
               <a:latin typeface="Times New Roman"/>
             </a:endParaRPr>
           </a:p>
@@ -3976,6 +4092,7 @@
         </p:spPr>
         <p:txBody>
           <a:bodyPr anchor="ctr"/>
+          <a:lstStyle/>
           <a:p>
             <a:pPr algn="r">
               <a:lnSpc>
@@ -3983,15 +4100,15 @@
               </a:lnSpc>
             </a:pPr>
             <a:fld id="{3B2A07E5-C3AE-47E6-8767-F73C181B7267}" type="slidenum">
-              <a:rPr b="0" lang="en-US" sz="1200" spc="-1" strike="noStrike">
+              <a:rPr lang="en-US" sz="1200" b="0" strike="noStrike" spc="-1">
                 <a:solidFill>
-                  <a:srgbClr val="8b8b8b"/>
+                  <a:srgbClr val="8B8B8B"/>
                 </a:solidFill>
                 <a:latin typeface="Calibri"/>
               </a:rPr>
-              <a:t>&lt;number&gt;</a:t>
+              <a:t>‹#›</a:t>
             </a:fld>
-            <a:endParaRPr b="0" lang="en-US" sz="1200" spc="-1" strike="noStrike">
+            <a:endParaRPr lang="en-US" sz="1200" b="0" strike="noStrike" spc="-1">
               <a:latin typeface="Times New Roman"/>
             </a:endParaRPr>
           </a:p>
@@ -3999,26 +4116,306 @@
       </p:sp>
     </p:spTree>
   </p:cSld>
-  <p:clrMap bg1="lt1" bg2="lt2" tx1="dk1" tx2="dk2" accent1="accent1" accent2="accent2" accent3="accent3" accent4="accent4" accent5="accent5" accent6="accent6" hlink="hlink" folHlink="folHlink"/>
+  <p:clrMap bg1="lt1" tx1="dk1" bg2="lt2" tx2="dk2" accent1="accent1" accent2="accent2" accent3="accent3" accent4="accent4" accent5="accent5" accent6="accent6" hlink="hlink" folHlink="folHlink"/>
   <p:sldLayoutIdLst>
-    <p:sldLayoutId id="2147483662" r:id="rId2"/>
-    <p:sldLayoutId id="2147483663" r:id="rId3"/>
-    <p:sldLayoutId id="2147483664" r:id="rId4"/>
-    <p:sldLayoutId id="2147483665" r:id="rId5"/>
-    <p:sldLayoutId id="2147483666" r:id="rId6"/>
-    <p:sldLayoutId id="2147483667" r:id="rId7"/>
-    <p:sldLayoutId id="2147483668" r:id="rId8"/>
-    <p:sldLayoutId id="2147483669" r:id="rId9"/>
-    <p:sldLayoutId id="2147483670" r:id="rId10"/>
-    <p:sldLayoutId id="2147483671" r:id="rId11"/>
-    <p:sldLayoutId id="2147483672" r:id="rId12"/>
-    <p:sldLayoutId id="2147483673" r:id="rId13"/>
+    <p:sldLayoutId id="2147483662" r:id="rId1"/>
+    <p:sldLayoutId id="2147483663" r:id="rId2"/>
+    <p:sldLayoutId id="2147483664" r:id="rId3"/>
+    <p:sldLayoutId id="2147483665" r:id="rId4"/>
+    <p:sldLayoutId id="2147483666" r:id="rId5"/>
+    <p:sldLayoutId id="2147483667" r:id="rId6"/>
+    <p:sldLayoutId id="2147483668" r:id="rId7"/>
+    <p:sldLayoutId id="2147483669" r:id="rId8"/>
+    <p:sldLayoutId id="2147483670" r:id="rId9"/>
+    <p:sldLayoutId id="2147483671" r:id="rId10"/>
+    <p:sldLayoutId id="2147483672" r:id="rId11"/>
+    <p:sldLayoutId id="2147483673" r:id="rId12"/>
   </p:sldLayoutIdLst>
+  <p:txStyles>
+    <p:titleStyle>
+      <a:lvl1pPr algn="l" defTabSz="914400" rtl="0" eaLnBrk="1" latinLnBrk="0" hangingPunct="1">
+        <a:lnSpc>
+          <a:spcPct val="90000"/>
+        </a:lnSpc>
+        <a:spcBef>
+          <a:spcPct val="0"/>
+        </a:spcBef>
+        <a:buNone/>
+        <a:defRPr sz="4400" kern="1200">
+          <a:solidFill>
+            <a:schemeClr val="tx1"/>
+          </a:solidFill>
+          <a:latin typeface="+mj-lt"/>
+          <a:ea typeface="+mj-ea"/>
+          <a:cs typeface="+mj-cs"/>
+        </a:defRPr>
+      </a:lvl1pPr>
+    </p:titleStyle>
+    <p:bodyStyle>
+      <a:lvl1pPr marL="228600" indent="-228600" algn="l" defTabSz="914400" rtl="0" eaLnBrk="1" latinLnBrk="0" hangingPunct="1">
+        <a:lnSpc>
+          <a:spcPct val="90000"/>
+        </a:lnSpc>
+        <a:spcBef>
+          <a:spcPts val="1000"/>
+        </a:spcBef>
+        <a:buFont typeface="Arial" panose="020B0604020202020204" pitchFamily="34" charset="0"/>
+        <a:buChar char="•"/>
+        <a:defRPr sz="2800" kern="1200">
+          <a:solidFill>
+            <a:schemeClr val="tx1"/>
+          </a:solidFill>
+          <a:latin typeface="+mn-lt"/>
+          <a:ea typeface="+mn-ea"/>
+          <a:cs typeface="+mn-cs"/>
+        </a:defRPr>
+      </a:lvl1pPr>
+      <a:lvl2pPr marL="685800" indent="-228600" algn="l" defTabSz="914400" rtl="0" eaLnBrk="1" latinLnBrk="0" hangingPunct="1">
+        <a:lnSpc>
+          <a:spcPct val="90000"/>
+        </a:lnSpc>
+        <a:spcBef>
+          <a:spcPts val="500"/>
+        </a:spcBef>
+        <a:buFont typeface="Arial" panose="020B0604020202020204" pitchFamily="34" charset="0"/>
+        <a:buChar char="•"/>
+        <a:defRPr sz="2400" kern="1200">
+          <a:solidFill>
+            <a:schemeClr val="tx1"/>
+          </a:solidFill>
+          <a:latin typeface="+mn-lt"/>
+          <a:ea typeface="+mn-ea"/>
+          <a:cs typeface="+mn-cs"/>
+        </a:defRPr>
+      </a:lvl2pPr>
+      <a:lvl3pPr marL="1143000" indent="-228600" algn="l" defTabSz="914400" rtl="0" eaLnBrk="1" latinLnBrk="0" hangingPunct="1">
+        <a:lnSpc>
+          <a:spcPct val="90000"/>
+        </a:lnSpc>
+        <a:spcBef>
+          <a:spcPts val="500"/>
+        </a:spcBef>
+        <a:buFont typeface="Arial" panose="020B0604020202020204" pitchFamily="34" charset="0"/>
+        <a:buChar char="•"/>
+        <a:defRPr sz="2000" kern="1200">
+          <a:solidFill>
+            <a:schemeClr val="tx1"/>
+          </a:solidFill>
+          <a:latin typeface="+mn-lt"/>
+          <a:ea typeface="+mn-ea"/>
+          <a:cs typeface="+mn-cs"/>
+        </a:defRPr>
+      </a:lvl3pPr>
+      <a:lvl4pPr marL="1600200" indent="-228600" algn="l" defTabSz="914400" rtl="0" eaLnBrk="1" latinLnBrk="0" hangingPunct="1">
+        <a:lnSpc>
+          <a:spcPct val="90000"/>
+        </a:lnSpc>
+        <a:spcBef>
+          <a:spcPts val="500"/>
+        </a:spcBef>
+        <a:buFont typeface="Arial" panose="020B0604020202020204" pitchFamily="34" charset="0"/>
+        <a:buChar char="•"/>
+        <a:defRPr sz="1800" kern="1200">
+          <a:solidFill>
+            <a:schemeClr val="tx1"/>
+          </a:solidFill>
+          <a:latin typeface="+mn-lt"/>
+          <a:ea typeface="+mn-ea"/>
+          <a:cs typeface="+mn-cs"/>
+        </a:defRPr>
+      </a:lvl4pPr>
+      <a:lvl5pPr marL="2057400" indent="-228600" algn="l" defTabSz="914400" rtl="0" eaLnBrk="1" latinLnBrk="0" hangingPunct="1">
+        <a:lnSpc>
+          <a:spcPct val="90000"/>
+        </a:lnSpc>
+        <a:spcBef>
+          <a:spcPts val="500"/>
+        </a:spcBef>
+        <a:buFont typeface="Arial" panose="020B0604020202020204" pitchFamily="34" charset="0"/>
+        <a:buChar char="•"/>
+        <a:defRPr sz="1800" kern="1200">
+          <a:solidFill>
+            <a:schemeClr val="tx1"/>
+          </a:solidFill>
+          <a:latin typeface="+mn-lt"/>
+          <a:ea typeface="+mn-ea"/>
+          <a:cs typeface="+mn-cs"/>
+        </a:defRPr>
+      </a:lvl5pPr>
+      <a:lvl6pPr marL="2514600" indent="-228600" algn="l" defTabSz="914400" rtl="0" eaLnBrk="1" latinLnBrk="0" hangingPunct="1">
+        <a:lnSpc>
+          <a:spcPct val="90000"/>
+        </a:lnSpc>
+        <a:spcBef>
+          <a:spcPts val="500"/>
+        </a:spcBef>
+        <a:buFont typeface="Arial" panose="020B0604020202020204" pitchFamily="34" charset="0"/>
+        <a:buChar char="•"/>
+        <a:defRPr sz="1800" kern="1200">
+          <a:solidFill>
+            <a:schemeClr val="tx1"/>
+          </a:solidFill>
+          <a:latin typeface="+mn-lt"/>
+          <a:ea typeface="+mn-ea"/>
+          <a:cs typeface="+mn-cs"/>
+        </a:defRPr>
+      </a:lvl6pPr>
+      <a:lvl7pPr marL="2971800" indent="-228600" algn="l" defTabSz="914400" rtl="0" eaLnBrk="1" latinLnBrk="0" hangingPunct="1">
+        <a:lnSpc>
+          <a:spcPct val="90000"/>
+        </a:lnSpc>
+        <a:spcBef>
+          <a:spcPts val="500"/>
+        </a:spcBef>
+        <a:buFont typeface="Arial" panose="020B0604020202020204" pitchFamily="34" charset="0"/>
+        <a:buChar char="•"/>
+        <a:defRPr sz="1800" kern="1200">
+          <a:solidFill>
+            <a:schemeClr val="tx1"/>
+          </a:solidFill>
+          <a:latin typeface="+mn-lt"/>
+          <a:ea typeface="+mn-ea"/>
+          <a:cs typeface="+mn-cs"/>
+        </a:defRPr>
+      </a:lvl7pPr>
+      <a:lvl8pPr marL="3429000" indent="-228600" algn="l" defTabSz="914400" rtl="0" eaLnBrk="1" latinLnBrk="0" hangingPunct="1">
+        <a:lnSpc>
+          <a:spcPct val="90000"/>
+        </a:lnSpc>
+        <a:spcBef>
+          <a:spcPts val="500"/>
+        </a:spcBef>
+        <a:buFont typeface="Arial" panose="020B0604020202020204" pitchFamily="34" charset="0"/>
+        <a:buChar char="•"/>
+        <a:defRPr sz="1800" kern="1200">
+          <a:solidFill>
+            <a:schemeClr val="tx1"/>
+          </a:solidFill>
+          <a:latin typeface="+mn-lt"/>
+          <a:ea typeface="+mn-ea"/>
+          <a:cs typeface="+mn-cs"/>
+        </a:defRPr>
+      </a:lvl8pPr>
+      <a:lvl9pPr marL="3886200" indent="-228600" algn="l" defTabSz="914400" rtl="0" eaLnBrk="1" latinLnBrk="0" hangingPunct="1">
+        <a:lnSpc>
+          <a:spcPct val="90000"/>
+        </a:lnSpc>
+        <a:spcBef>
+          <a:spcPts val="500"/>
+        </a:spcBef>
+        <a:buFont typeface="Arial" panose="020B0604020202020204" pitchFamily="34" charset="0"/>
+        <a:buChar char="•"/>
+        <a:defRPr sz="1800" kern="1200">
+          <a:solidFill>
+            <a:schemeClr val="tx1"/>
+          </a:solidFill>
+          <a:latin typeface="+mn-lt"/>
+          <a:ea typeface="+mn-ea"/>
+          <a:cs typeface="+mn-cs"/>
+        </a:defRPr>
+      </a:lvl9pPr>
+    </p:bodyStyle>
+    <p:otherStyle>
+      <a:defPPr>
+        <a:defRPr lang="en-US"/>
+      </a:defPPr>
+      <a:lvl1pPr marL="0" algn="l" defTabSz="914400" rtl="0" eaLnBrk="1" latinLnBrk="0" hangingPunct="1">
+        <a:defRPr sz="1800" kern="1200">
+          <a:solidFill>
+            <a:schemeClr val="tx1"/>
+          </a:solidFill>
+          <a:latin typeface="+mn-lt"/>
+          <a:ea typeface="+mn-ea"/>
+          <a:cs typeface="+mn-cs"/>
+        </a:defRPr>
+      </a:lvl1pPr>
+      <a:lvl2pPr marL="457200" algn="l" defTabSz="914400" rtl="0" eaLnBrk="1" latinLnBrk="0" hangingPunct="1">
+        <a:defRPr sz="1800" kern="1200">
+          <a:solidFill>
+            <a:schemeClr val="tx1"/>
+          </a:solidFill>
+          <a:latin typeface="+mn-lt"/>
+          <a:ea typeface="+mn-ea"/>
+          <a:cs typeface="+mn-cs"/>
+        </a:defRPr>
+      </a:lvl2pPr>
+      <a:lvl3pPr marL="914400" algn="l" defTabSz="914400" rtl="0" eaLnBrk="1" latinLnBrk="0" hangingPunct="1">
+        <a:defRPr sz="1800" kern="1200">
+          <a:solidFill>
+            <a:schemeClr val="tx1"/>
+          </a:solidFill>
+          <a:latin typeface="+mn-lt"/>
+          <a:ea typeface="+mn-ea"/>
+          <a:cs typeface="+mn-cs"/>
+        </a:defRPr>
+      </a:lvl3pPr>
+      <a:lvl4pPr marL="1371600" algn="l" defTabSz="914400" rtl="0" eaLnBrk="1" latinLnBrk="0" hangingPunct="1">
+        <a:defRPr sz="1800" kern="1200">
+          <a:solidFill>
+            <a:schemeClr val="tx1"/>
+          </a:solidFill>
+          <a:latin typeface="+mn-lt"/>
+          <a:ea typeface="+mn-ea"/>
+          <a:cs typeface="+mn-cs"/>
+        </a:defRPr>
+      </a:lvl4pPr>
+      <a:lvl5pPr marL="1828800" algn="l" defTabSz="914400" rtl="0" eaLnBrk="1" latinLnBrk="0" hangingPunct="1">
+        <a:defRPr sz="1800" kern="1200">
+          <a:solidFill>
+            <a:schemeClr val="tx1"/>
+          </a:solidFill>
+          <a:latin typeface="+mn-lt"/>
+          <a:ea typeface="+mn-ea"/>
+          <a:cs typeface="+mn-cs"/>
+        </a:defRPr>
+      </a:lvl5pPr>
+      <a:lvl6pPr marL="2286000" algn="l" defTabSz="914400" rtl="0" eaLnBrk="1" latinLnBrk="0" hangingPunct="1">
+        <a:defRPr sz="1800" kern="1200">
+          <a:solidFill>
+            <a:schemeClr val="tx1"/>
+          </a:solidFill>
+          <a:latin typeface="+mn-lt"/>
+          <a:ea typeface="+mn-ea"/>
+          <a:cs typeface="+mn-cs"/>
+        </a:defRPr>
+      </a:lvl6pPr>
+      <a:lvl7pPr marL="2743200" algn="l" defTabSz="914400" rtl="0" eaLnBrk="1" latinLnBrk="0" hangingPunct="1">
+        <a:defRPr sz="1800" kern="1200">
+          <a:solidFill>
+            <a:schemeClr val="tx1"/>
+          </a:solidFill>
+          <a:latin typeface="+mn-lt"/>
+          <a:ea typeface="+mn-ea"/>
+          <a:cs typeface="+mn-cs"/>
+        </a:defRPr>
+      </a:lvl7pPr>
+      <a:lvl8pPr marL="3200400" algn="l" defTabSz="914400" rtl="0" eaLnBrk="1" latinLnBrk="0" hangingPunct="1">
+        <a:defRPr sz="1800" kern="1200">
+          <a:solidFill>
+            <a:schemeClr val="tx1"/>
+          </a:solidFill>
+          <a:latin typeface="+mn-lt"/>
+          <a:ea typeface="+mn-ea"/>
+          <a:cs typeface="+mn-cs"/>
+        </a:defRPr>
+      </a:lvl8pPr>
+      <a:lvl9pPr marL="3657600" algn="l" defTabSz="914400" rtl="0" eaLnBrk="1" latinLnBrk="0" hangingPunct="1">
+        <a:defRPr sz="1800" kern="1200">
+          <a:solidFill>
+            <a:schemeClr val="tx1"/>
+          </a:solidFill>
+          <a:latin typeface="+mn-lt"/>
+          <a:ea typeface="+mn-ea"/>
+          <a:cs typeface="+mn-cs"/>
+        </a:defRPr>
+      </a:lvl9pPr>
+    </p:otherStyle>
+  </p:txStyles>
 </p:sldMaster>
 </file>
 
 <file path=ppt/slides/slide1.xml><?xml version="1.0" encoding="utf-8"?>
-<p:sld xmlns:a="http://schemas.openxmlformats.org/drawingml/2006/main" xmlns:p="http://schemas.openxmlformats.org/presentationml/2006/main" xmlns:r="http://schemas.openxmlformats.org/officeDocument/2006/relationships" xmlns:p14="http://schemas.microsoft.com/office/powerpoint/2010/main" xmlns:p15="http://schemas.microsoft.com/office/powerpoint/2012/main" xmlns:mc="http://schemas.openxmlformats.org/markup-compatibility/2006">
+<p:sld xmlns:a="http://schemas.openxmlformats.org/drawingml/2006/main" xmlns:r="http://schemas.openxmlformats.org/officeDocument/2006/relationships" xmlns:p="http://schemas.openxmlformats.org/presentationml/2006/main">
   <p:cSld>
     <p:spTree>
       <p:nvGrpSpPr>
@@ -4055,6 +4452,7 @@
         </p:spPr>
         <p:txBody>
           <a:bodyPr anchor="b"/>
+          <a:lstStyle/>
           <a:p>
             <a:pPr algn="ctr">
               <a:lnSpc>
@@ -4062,7 +4460,7 @@
               </a:lnSpc>
             </a:pPr>
             <a:r>
-              <a:rPr b="0" lang="en-US" sz="6000" spc="-1" strike="noStrike">
+              <a:rPr lang="en-US" sz="6000" b="0" strike="noStrike" spc="-1">
                 <a:solidFill>
                   <a:srgbClr val="000000"/>
                 </a:solidFill>
@@ -4070,7 +4468,7 @@
               </a:rPr>
               <a:t>Algorithms Final Project</a:t>
             </a:r>
-            <a:endParaRPr b="0" lang="en-US" sz="6000" spc="-1" strike="noStrike">
+            <a:endParaRPr lang="en-US" sz="6000" b="0" strike="noStrike" spc="-1">
               <a:solidFill>
                 <a:srgbClr val="000000"/>
               </a:solidFill>
@@ -4100,6 +4498,7 @@
         </p:spPr>
         <p:txBody>
           <a:bodyPr/>
+          <a:lstStyle/>
           <a:p>
             <a:pPr algn="ctr">
               <a:lnSpc>
@@ -4110,7 +4509,7 @@
               </a:spcBef>
             </a:pPr>
             <a:r>
-              <a:rPr b="0" lang="en-US" sz="2400" spc="-1" strike="noStrike">
+              <a:rPr lang="en-US" sz="2400" b="0" strike="noStrike" spc="-1">
                 <a:solidFill>
                   <a:srgbClr val="000000"/>
                 </a:solidFill>
@@ -4118,7 +4517,7 @@
               </a:rPr>
               <a:t>Mismatch threshold parameter selection for short read sequence alignment</a:t>
             </a:r>
-            <a:endParaRPr b="0" lang="en-US" sz="2400" spc="-1" strike="noStrike">
+            <a:endParaRPr lang="en-US" sz="2400" b="0" strike="noStrike" spc="-1">
               <a:latin typeface="Arial"/>
             </a:endParaRPr>
           </a:p>
@@ -4126,6 +4525,9 @@
       </p:sp>
     </p:spTree>
   </p:cSld>
+  <p:clrMapOvr>
+    <a:masterClrMapping/>
+  </p:clrMapOvr>
   <p:timing>
     <p:tnLst>
       <p:par>
@@ -4134,14 +4536,14 @@
             <p:seq>
               <p:cTn id="2" dur="indefinite" nodeType="mainSeq"/>
               <p:prevCondLst>
-                <p:cond delay="0" evt="onPrev">
+                <p:cond evt="onPrev" delay="0">
                   <p:tgtEl>
                     <p:sldTgt/>
                   </p:tgtEl>
                 </p:cond>
               </p:prevCondLst>
               <p:nextCondLst>
-                <p:cond delay="0" evt="onNext">
+                <p:cond evt="onNext" delay="0">
                   <p:tgtEl>
                     <p:sldTgt/>
                   </p:tgtEl>
@@ -4157,7 +4559,7 @@
 </file>
 
 <file path=ppt/slides/slide2.xml><?xml version="1.0" encoding="utf-8"?>
-<p:sld xmlns:a="http://schemas.openxmlformats.org/drawingml/2006/main" xmlns:p="http://schemas.openxmlformats.org/presentationml/2006/main" xmlns:r="http://schemas.openxmlformats.org/officeDocument/2006/relationships" xmlns:p14="http://schemas.microsoft.com/office/powerpoint/2010/main" xmlns:p15="http://schemas.microsoft.com/office/powerpoint/2012/main" xmlns:mc="http://schemas.openxmlformats.org/markup-compatibility/2006">
+<p:sld xmlns:a="http://schemas.openxmlformats.org/drawingml/2006/main" xmlns:r="http://schemas.openxmlformats.org/officeDocument/2006/relationships" xmlns:p="http://schemas.openxmlformats.org/presentationml/2006/main">
   <p:cSld>
     <p:spTree>
       <p:nvGrpSpPr>
@@ -4194,6 +4596,7 @@
         </p:spPr>
         <p:txBody>
           <a:bodyPr anchor="ctr"/>
+          <a:lstStyle/>
           <a:p>
             <a:pPr>
               <a:lnSpc>
@@ -4201,7 +4604,7 @@
               </a:lnSpc>
             </a:pPr>
             <a:r>
-              <a:rPr b="0" lang="en-US" sz="4400" spc="-1" strike="noStrike">
+              <a:rPr lang="en-US" sz="4400" b="0" strike="noStrike" spc="-1">
                 <a:solidFill>
                   <a:srgbClr val="000000"/>
                 </a:solidFill>
@@ -4209,7 +4612,7 @@
               </a:rPr>
               <a:t>As a naïve approach, what are the possible values of our mismatch threshold T?</a:t>
             </a:r>
-            <a:endParaRPr b="0" lang="en-US" sz="4400" spc="-1" strike="noStrike">
+            <a:endParaRPr lang="en-US" sz="4400" b="0" strike="noStrike" spc="-1">
               <a:solidFill>
                 <a:srgbClr val="000000"/>
               </a:solidFill>
@@ -4239,8 +4642,9 @@
         </p:spPr>
         <p:txBody>
           <a:bodyPr>
-            <a:normAutofit/>
+            <a:normAutofit fontScale="92500" lnSpcReduction="10000"/>
           </a:bodyPr>
+          <a:lstStyle/>
           <a:p>
             <a:pPr marL="228600" indent="-228240">
               <a:lnSpc>
@@ -4256,7 +4660,7 @@
               <a:buChar char="•"/>
             </a:pPr>
             <a:r>
-              <a:rPr b="0" lang="en-US" sz="2800" spc="-1" strike="noStrike">
+              <a:rPr lang="en-US" sz="2800" b="0" strike="noStrike" spc="-1">
                 <a:solidFill>
                   <a:srgbClr val="000000"/>
                 </a:solidFill>
@@ -4264,12 +4668,6 @@
               </a:rPr>
               <a:t>Goal: To find a T that will align the single strand RNA-seq 100-bp reads from wild strain PWK with the reference genome B6. </a:t>
             </a:r>
-            <a:endParaRPr b="0" lang="en-US" sz="2800" spc="-1" strike="noStrike">
-              <a:solidFill>
-                <a:srgbClr val="000000"/>
-              </a:solidFill>
-              <a:latin typeface="Calibri"/>
-            </a:endParaRPr>
           </a:p>
           <a:p>
             <a:pPr>
@@ -4280,7 +4678,7 @@
                 <a:spcPts val="1001"/>
               </a:spcBef>
             </a:pPr>
-            <a:endParaRPr b="0" lang="en-US" sz="2800" spc="-1" strike="noStrike">
+            <a:endParaRPr lang="en-US" sz="2800" b="0" strike="noStrike" spc="-1">
               <a:solidFill>
                 <a:srgbClr val="000000"/>
               </a:solidFill>
@@ -4297,7 +4695,7 @@
         </p:nvSpPr>
         <p:spPr>
           <a:xfrm>
-            <a:off x="182880" y="3933000"/>
+            <a:off x="474570" y="4554720"/>
             <a:ext cx="4334760" cy="1461960"/>
           </a:xfrm>
           <a:prstGeom prst="rect">
@@ -4309,13 +4707,20 @@
           </a:ln>
         </p:spPr>
         <p:style>
-          <a:lnRef idx="0"/>
-          <a:fillRef idx="0"/>
-          <a:effectRef idx="0"/>
+          <a:lnRef idx="0">
+            <a:scrgbClr r="0" g="0" b="0"/>
+          </a:lnRef>
+          <a:fillRef idx="0">
+            <a:scrgbClr r="0" g="0" b="0"/>
+          </a:fillRef>
+          <a:effectRef idx="0">
+            <a:scrgbClr r="0" g="0" b="0"/>
+          </a:effectRef>
           <a:fontRef idx="minor"/>
         </p:style>
         <p:txBody>
-          <a:bodyPr lIns="90000" rIns="90000" tIns="45000" bIns="45000"/>
+          <a:bodyPr lIns="90000" tIns="45000" rIns="90000" bIns="45000"/>
+          <a:lstStyle/>
           <a:p>
             <a:pPr>
               <a:lnSpc>
@@ -4323,7 +4728,7 @@
               </a:lnSpc>
             </a:pPr>
             <a:r>
-              <a:rPr b="0" lang="en-US" sz="1800" spc="-1" strike="noStrike">
+              <a:rPr lang="en-US" sz="1800" b="0" strike="noStrike" spc="-1" dirty="0">
                 <a:solidFill>
                   <a:srgbClr val="000000"/>
                 </a:solidFill>
@@ -4331,7 +4736,7 @@
               </a:rPr>
               <a:t>Data we have to use: </a:t>
             </a:r>
-            <a:endParaRPr b="0" lang="en-US" sz="1800" spc="-1" strike="noStrike">
+            <a:endParaRPr lang="en-US" sz="1800" b="0" strike="noStrike" spc="-1" dirty="0">
               <a:latin typeface="Arial"/>
             </a:endParaRPr>
           </a:p>
@@ -4342,24 +4747,51 @@
               </a:lnSpc>
             </a:pPr>
             <a:r>
-              <a:rPr b="0" lang="en-US" sz="1800" spc="-1" strike="noStrike">
+              <a:rPr lang="en-US" sz="1800" b="0" strike="noStrike" spc="-1" dirty="0">
                 <a:solidFill>
                   <a:srgbClr val="000000"/>
                 </a:solidFill>
                 <a:latin typeface="Calibri"/>
               </a:rPr>
-              <a:t>	</a:t>
+              <a:t>	1. variation in B6 </a:t>
             </a:r>
             <a:r>
-              <a:rPr b="0" lang="en-US" sz="1800" spc="-1" strike="noStrike">
+              <a:rPr lang="en-US" sz="1800" b="0" strike="noStrike" spc="-1" dirty="0" err="1">
                 <a:solidFill>
                   <a:srgbClr val="000000"/>
                 </a:solidFill>
                 <a:latin typeface="Calibri"/>
               </a:rPr>
-              <a:t>1. variation in B6 chr 1 (.vcf) </a:t>
+              <a:t>chr</a:t>
             </a:r>
-            <a:endParaRPr b="0" lang="en-US" sz="1800" spc="-1" strike="noStrike">
+            <a:r>
+              <a:rPr lang="en-US" sz="1800" b="0" strike="noStrike" spc="-1" dirty="0">
+                <a:solidFill>
+                  <a:srgbClr val="000000"/>
+                </a:solidFill>
+                <a:latin typeface="Calibri"/>
+              </a:rPr>
+              <a:t> 1 (.</a:t>
+            </a:r>
+            <a:r>
+              <a:rPr lang="en-US" sz="1800" b="0" strike="noStrike" spc="-1" dirty="0" err="1">
+                <a:solidFill>
+                  <a:srgbClr val="000000"/>
+                </a:solidFill>
+                <a:latin typeface="Calibri"/>
+              </a:rPr>
+              <a:t>vcf</a:t>
+            </a:r>
+            <a:r>
+              <a:rPr lang="en-US" sz="1800" b="0" strike="noStrike" spc="-1" dirty="0">
+                <a:solidFill>
+                  <a:srgbClr val="000000"/>
+                </a:solidFill>
+                <a:latin typeface="Calibri"/>
+              </a:rPr>
+              <a:t>) </a:t>
+            </a:r>
+            <a:endParaRPr lang="en-US" sz="1800" b="0" strike="noStrike" spc="-1" dirty="0">
               <a:latin typeface="Arial"/>
             </a:endParaRPr>
           </a:p>
@@ -4370,24 +4802,33 @@
               </a:lnSpc>
             </a:pPr>
             <a:r>
-              <a:rPr b="0" lang="en-US" sz="1800" spc="-1" strike="noStrike">
+              <a:rPr lang="en-US" sz="1800" b="0" strike="noStrike" spc="-1" dirty="0">
                 <a:solidFill>
                   <a:srgbClr val="000000"/>
                 </a:solidFill>
                 <a:latin typeface="Calibri"/>
               </a:rPr>
-              <a:t>	</a:t>
+              <a:t>	2.  PWK RNA-seq reads (</a:t>
             </a:r>
             <a:r>
-              <a:rPr b="0" lang="en-US" sz="1800" spc="-1" strike="noStrike">
+              <a:rPr lang="en-US" sz="1800" b="0" strike="noStrike" spc="-1" dirty="0" err="1">
                 <a:solidFill>
                   <a:srgbClr val="000000"/>
                 </a:solidFill>
                 <a:latin typeface="Calibri"/>
               </a:rPr>
-              <a:t>2.  PWK RNA-seq reads (fastq) </a:t>
+              <a:t>fastq</a:t>
             </a:r>
-            <a:endParaRPr b="0" lang="en-US" sz="1800" spc="-1" strike="noStrike">
+            <a:r>
+              <a:rPr lang="en-US" sz="1800" b="0" strike="noStrike" spc="-1" dirty="0">
+                <a:solidFill>
+                  <a:srgbClr val="000000"/>
+                </a:solidFill>
+                <a:latin typeface="Calibri"/>
+              </a:rPr>
+              <a:t>) </a:t>
+            </a:r>
+            <a:endParaRPr lang="en-US" sz="1800" b="0" strike="noStrike" spc="-1" dirty="0">
               <a:latin typeface="Arial"/>
             </a:endParaRPr>
           </a:p>
@@ -4398,24 +4839,33 @@
               </a:lnSpc>
             </a:pPr>
             <a:r>
-              <a:rPr b="0" lang="en-US" sz="1800" spc="-1" strike="noStrike">
+              <a:rPr lang="en-US" sz="1800" b="0" strike="noStrike" spc="-1" dirty="0">
                 <a:solidFill>
                   <a:srgbClr val="000000"/>
                 </a:solidFill>
                 <a:latin typeface="Calibri"/>
               </a:rPr>
-              <a:t>	</a:t>
+              <a:t>	3. B6 Reference Genome (.</a:t>
             </a:r>
             <a:r>
-              <a:rPr b="0" lang="en-US" sz="1800" spc="-1" strike="noStrike">
+              <a:rPr lang="en-US" sz="1800" b="0" strike="noStrike" spc="-1" dirty="0" err="1">
                 <a:solidFill>
                   <a:srgbClr val="000000"/>
                 </a:solidFill>
                 <a:latin typeface="Calibri"/>
               </a:rPr>
-              <a:t>3. B6 Reference Genome (.gcf) </a:t>
+              <a:t>gcf</a:t>
             </a:r>
-            <a:endParaRPr b="0" lang="en-US" sz="1800" spc="-1" strike="noStrike">
+            <a:r>
+              <a:rPr lang="en-US" sz="1800" b="0" strike="noStrike" spc="-1" dirty="0">
+                <a:solidFill>
+                  <a:srgbClr val="000000"/>
+                </a:solidFill>
+                <a:latin typeface="Calibri"/>
+              </a:rPr>
+              <a:t>) </a:t>
+            </a:r>
+            <a:endParaRPr lang="en-US" sz="1800" b="0" strike="noStrike" spc="-1" dirty="0">
               <a:latin typeface="Arial"/>
             </a:endParaRPr>
           </a:p>
@@ -4426,24 +4876,51 @@
               </a:lnSpc>
             </a:pPr>
             <a:r>
-              <a:rPr b="0" lang="en-US" sz="1800" spc="-1" strike="noStrike">
+              <a:rPr lang="en-US" sz="1800" b="0" strike="noStrike" spc="-1" dirty="0">
                 <a:solidFill>
                   <a:srgbClr val="000000"/>
                 </a:solidFill>
                 <a:latin typeface="Calibri"/>
               </a:rPr>
-              <a:t>	</a:t>
+              <a:t>	4.  B6 </a:t>
             </a:r>
             <a:r>
-              <a:rPr b="0" lang="en-US" sz="1800" spc="-1" strike="noStrike">
+              <a:rPr lang="en-US" sz="1800" b="0" strike="noStrike" spc="-1" dirty="0" err="1">
                 <a:solidFill>
                   <a:srgbClr val="000000"/>
                 </a:solidFill>
                 <a:latin typeface="Calibri"/>
               </a:rPr>
-              <a:t>4.  B6 fasta file for chr 1 (.fa)</a:t>
+              <a:t>fasta</a:t>
             </a:r>
-            <a:endParaRPr b="0" lang="en-US" sz="1800" spc="-1" strike="noStrike">
+            <a:r>
+              <a:rPr lang="en-US" sz="1800" b="0" strike="noStrike" spc="-1" dirty="0">
+                <a:solidFill>
+                  <a:srgbClr val="000000"/>
+                </a:solidFill>
+                <a:latin typeface="Calibri"/>
+              </a:rPr>
+              <a:t> file for </a:t>
+            </a:r>
+            <a:r>
+              <a:rPr lang="en-US" sz="1800" b="0" strike="noStrike" spc="-1" dirty="0" err="1">
+                <a:solidFill>
+                  <a:srgbClr val="000000"/>
+                </a:solidFill>
+                <a:latin typeface="Calibri"/>
+              </a:rPr>
+              <a:t>chr</a:t>
+            </a:r>
+            <a:r>
+              <a:rPr lang="en-US" sz="1800" b="0" strike="noStrike" spc="-1" dirty="0">
+                <a:solidFill>
+                  <a:srgbClr val="000000"/>
+                </a:solidFill>
+                <a:latin typeface="Calibri"/>
+              </a:rPr>
+              <a:t> 1 (.fa)</a:t>
+            </a:r>
+            <a:endParaRPr lang="en-US" sz="1800" b="0" strike="noStrike" spc="-1" dirty="0">
               <a:latin typeface="Arial"/>
             </a:endParaRPr>
           </a:p>
@@ -4542,7 +5019,8 @@
           <a:fontRef idx="minor"/>
         </p:style>
         <p:txBody>
-          <a:bodyPr lIns="90000" rIns="90000" tIns="45000" bIns="45000" anchor="ctr"/>
+          <a:bodyPr lIns="90000" tIns="45000" rIns="90000" bIns="45000" anchor="ctr"/>
+          <a:lstStyle/>
           <a:p>
             <a:pPr algn="ctr">
               <a:lnSpc>
@@ -4550,15 +5028,15 @@
               </a:lnSpc>
             </a:pPr>
             <a:r>
-              <a:rPr b="0" lang="en-US" sz="900" spc="-1" strike="noStrike">
+              <a:rPr lang="en-US" sz="900" b="0" strike="noStrike" spc="-1">
                 <a:solidFill>
-                  <a:srgbClr val="ffffff"/>
+                  <a:srgbClr val="FFFFFF"/>
                 </a:solidFill>
                 <a:latin typeface="Calibri"/>
               </a:rPr>
               <a:t>READ 1</a:t>
             </a:r>
-            <a:endParaRPr b="0" lang="en-US" sz="900" spc="-1" strike="noStrike">
+            <a:endParaRPr lang="en-US" sz="900" b="0" strike="noStrike" spc="-1">
               <a:latin typeface="Arial"/>
             </a:endParaRPr>
           </a:p>
@@ -4595,7 +5073,8 @@
           <a:fontRef idx="minor"/>
         </p:style>
         <p:txBody>
-          <a:bodyPr lIns="90000" rIns="90000" tIns="45000" bIns="45000" anchor="ctr"/>
+          <a:bodyPr lIns="90000" tIns="45000" rIns="90000" bIns="45000" anchor="ctr"/>
+          <a:lstStyle/>
           <a:p>
             <a:pPr algn="ctr">
               <a:lnSpc>
@@ -4603,15 +5082,15 @@
               </a:lnSpc>
             </a:pPr>
             <a:r>
-              <a:rPr b="0" lang="en-US" sz="900" spc="-1" strike="noStrike">
+              <a:rPr lang="en-US" sz="900" b="0" strike="noStrike" spc="-1">
                 <a:solidFill>
-                  <a:srgbClr val="ffffff"/>
+                  <a:srgbClr val="FFFFFF"/>
                 </a:solidFill>
                 <a:latin typeface="Calibri"/>
               </a:rPr>
               <a:t>READ 2</a:t>
             </a:r>
-            <a:endParaRPr b="0" lang="en-US" sz="900" spc="-1" strike="noStrike">
+            <a:endParaRPr lang="en-US" sz="900" b="0" strike="noStrike" spc="-1">
               <a:latin typeface="Arial"/>
             </a:endParaRPr>
           </a:p>
@@ -4648,7 +5127,8 @@
           <a:fontRef idx="minor"/>
         </p:style>
         <p:txBody>
-          <a:bodyPr lIns="90000" rIns="90000" tIns="45000" bIns="45000" anchor="ctr"/>
+          <a:bodyPr lIns="90000" tIns="45000" rIns="90000" bIns="45000" anchor="ctr"/>
+          <a:lstStyle/>
           <a:p>
             <a:pPr algn="ctr">
               <a:lnSpc>
@@ -4656,15 +5136,15 @@
               </a:lnSpc>
             </a:pPr>
             <a:r>
-              <a:rPr b="0" lang="en-US" sz="900" spc="-1" strike="noStrike">
+              <a:rPr lang="en-US" sz="900" b="0" strike="noStrike" spc="-1">
                 <a:solidFill>
-                  <a:srgbClr val="ffffff"/>
+                  <a:srgbClr val="FFFFFF"/>
                 </a:solidFill>
                 <a:latin typeface="Calibri"/>
               </a:rPr>
               <a:t>Read 3</a:t>
             </a:r>
-            <a:endParaRPr b="0" lang="en-US" sz="900" spc="-1" strike="noStrike">
+            <a:endParaRPr lang="en-US" sz="900" b="0" strike="noStrike" spc="-1">
               <a:latin typeface="Arial"/>
             </a:endParaRPr>
           </a:p>
@@ -4695,9 +5175,15 @@
           </a:ln>
         </p:spPr>
         <p:style>
-          <a:lnRef idx="0"/>
-          <a:fillRef idx="0"/>
-          <a:effectRef idx="0"/>
+          <a:lnRef idx="0">
+            <a:scrgbClr r="0" g="0" b="0"/>
+          </a:lnRef>
+          <a:fillRef idx="0">
+            <a:scrgbClr r="0" g="0" b="0"/>
+          </a:fillRef>
+          <a:effectRef idx="0">
+            <a:scrgbClr r="0" g="0" b="0"/>
+          </a:effectRef>
           <a:fontRef idx="minor"/>
         </p:style>
       </p:sp>
@@ -4732,7 +5218,8 @@
           <a:fontRef idx="minor"/>
         </p:style>
         <p:txBody>
-          <a:bodyPr lIns="90000" rIns="90000" tIns="45000" bIns="45000" anchor="ctr"/>
+          <a:bodyPr lIns="90000" tIns="45000" rIns="90000" bIns="45000" anchor="ctr"/>
+          <a:lstStyle/>
           <a:p>
             <a:pPr algn="ctr">
               <a:lnSpc>
@@ -4740,15 +5227,15 @@
               </a:lnSpc>
             </a:pPr>
             <a:r>
-              <a:rPr b="0" lang="en-US" sz="900" spc="-1" strike="noStrike">
+              <a:rPr lang="en-US" sz="900" b="0" strike="noStrike" spc="-1">
                 <a:solidFill>
-                  <a:srgbClr val="ffffff"/>
+                  <a:srgbClr val="FFFFFF"/>
                 </a:solidFill>
                 <a:latin typeface="Calibri"/>
               </a:rPr>
               <a:t>Read 4</a:t>
             </a:r>
-            <a:endParaRPr b="0" lang="en-US" sz="900" spc="-1" strike="noStrike">
+            <a:endParaRPr lang="en-US" sz="900" b="0" strike="noStrike" spc="-1">
               <a:latin typeface="Arial"/>
             </a:endParaRPr>
           </a:p>
@@ -4785,7 +5272,8 @@
           <a:fontRef idx="minor"/>
         </p:style>
         <p:txBody>
-          <a:bodyPr lIns="90000" rIns="90000" tIns="45000" bIns="45000" anchor="ctr"/>
+          <a:bodyPr lIns="90000" tIns="45000" rIns="90000" bIns="45000" anchor="ctr"/>
+          <a:lstStyle/>
           <a:p>
             <a:pPr algn="ctr">
               <a:lnSpc>
@@ -4793,15 +5281,15 @@
               </a:lnSpc>
             </a:pPr>
             <a:r>
-              <a:rPr b="0" lang="en-US" sz="900" spc="-1" strike="noStrike">
+              <a:rPr lang="en-US" sz="900" b="0" strike="noStrike" spc="-1">
                 <a:solidFill>
-                  <a:srgbClr val="ffffff"/>
+                  <a:srgbClr val="FFFFFF"/>
                 </a:solidFill>
                 <a:latin typeface="Calibri"/>
               </a:rPr>
               <a:t>Read 5</a:t>
             </a:r>
-            <a:endParaRPr b="0" lang="en-US" sz="900" spc="-1" strike="noStrike">
+            <a:endParaRPr lang="en-US" sz="900" b="0" strike="noStrike" spc="-1">
               <a:latin typeface="Arial"/>
             </a:endParaRPr>
           </a:p>
@@ -4867,7 +5355,8 @@
           <a:fontRef idx="minor"/>
         </p:style>
         <p:txBody>
-          <a:bodyPr lIns="90000" rIns="90000" tIns="45000" bIns="45000" anchor="ctr"/>
+          <a:bodyPr lIns="90000" tIns="45000" rIns="90000" bIns="45000" anchor="ctr"/>
+          <a:lstStyle/>
           <a:p>
             <a:pPr algn="ctr">
               <a:lnSpc>
@@ -4875,15 +5364,15 @@
               </a:lnSpc>
             </a:pPr>
             <a:r>
-              <a:rPr b="0" lang="en-US" sz="1800" spc="-1" strike="noStrike">
+              <a:rPr lang="en-US" sz="1800" b="0" strike="noStrike" spc="-1">
                 <a:solidFill>
-                  <a:srgbClr val="ffffff"/>
+                  <a:srgbClr val="FFFFFF"/>
                 </a:solidFill>
                 <a:latin typeface="Calibri"/>
               </a:rPr>
               <a:t>EXON 1</a:t>
             </a:r>
-            <a:endParaRPr b="0" lang="en-US" sz="1800" spc="-1" strike="noStrike">
+            <a:endParaRPr lang="en-US" sz="1800" b="0" strike="noStrike" spc="-1">
               <a:latin typeface="Arial"/>
             </a:endParaRPr>
           </a:p>
@@ -4920,7 +5409,8 @@
           <a:fontRef idx="minor"/>
         </p:style>
         <p:txBody>
-          <a:bodyPr lIns="90000" rIns="90000" tIns="45000" bIns="45000" anchor="ctr"/>
+          <a:bodyPr lIns="90000" tIns="45000" rIns="90000" bIns="45000" anchor="ctr"/>
+          <a:lstStyle/>
           <a:p>
             <a:pPr algn="ctr">
               <a:lnSpc>
@@ -4928,15 +5418,15 @@
               </a:lnSpc>
             </a:pPr>
             <a:r>
-              <a:rPr b="0" lang="en-US" sz="1800" spc="-1" strike="noStrike">
+              <a:rPr lang="en-US" sz="1800" b="0" strike="noStrike" spc="-1">
                 <a:solidFill>
-                  <a:srgbClr val="ffffff"/>
+                  <a:srgbClr val="FFFFFF"/>
                 </a:solidFill>
                 <a:latin typeface="Calibri"/>
               </a:rPr>
               <a:t>EXON 2</a:t>
             </a:r>
-            <a:endParaRPr b="0" lang="en-US" sz="1800" spc="-1" strike="noStrike">
+            <a:endParaRPr lang="en-US" sz="1800" b="0" strike="noStrike" spc="-1">
               <a:latin typeface="Arial"/>
             </a:endParaRPr>
           </a:p>
@@ -4967,9 +5457,15 @@
           </a:ln>
         </p:spPr>
         <p:style>
-          <a:lnRef idx="0"/>
-          <a:fillRef idx="0"/>
-          <a:effectRef idx="0"/>
+          <a:lnRef idx="0">
+            <a:scrgbClr r="0" g="0" b="0"/>
+          </a:lnRef>
+          <a:fillRef idx="0">
+            <a:scrgbClr r="0" g="0" b="0"/>
+          </a:fillRef>
+          <a:effectRef idx="0">
+            <a:scrgbClr r="0" g="0" b="0"/>
+          </a:effectRef>
           <a:fontRef idx="minor"/>
         </p:style>
       </p:sp>
@@ -4998,9 +5494,15 @@
           </a:ln>
         </p:spPr>
         <p:style>
-          <a:lnRef idx="0"/>
-          <a:fillRef idx="0"/>
-          <a:effectRef idx="0"/>
+          <a:lnRef idx="0">
+            <a:scrgbClr r="0" g="0" b="0"/>
+          </a:lnRef>
+          <a:fillRef idx="0">
+            <a:scrgbClr r="0" g="0" b="0"/>
+          </a:fillRef>
+          <a:effectRef idx="0">
+            <a:scrgbClr r="0" g="0" b="0"/>
+          </a:effectRef>
           <a:fontRef idx="minor"/>
         </p:style>
       </p:sp>
@@ -5024,13 +5526,20 @@
           </a:ln>
         </p:spPr>
         <p:style>
-          <a:lnRef idx="0"/>
-          <a:fillRef idx="0"/>
-          <a:effectRef idx="0"/>
+          <a:lnRef idx="0">
+            <a:scrgbClr r="0" g="0" b="0"/>
+          </a:lnRef>
+          <a:fillRef idx="0">
+            <a:scrgbClr r="0" g="0" b="0"/>
+          </a:fillRef>
+          <a:effectRef idx="0">
+            <a:scrgbClr r="0" g="0" b="0"/>
+          </a:effectRef>
           <a:fontRef idx="minor"/>
         </p:style>
         <p:txBody>
-          <a:bodyPr wrap="none" lIns="90000" rIns="90000" tIns="45000" bIns="45000"/>
+          <a:bodyPr wrap="none" lIns="90000" tIns="45000" rIns="90000" bIns="45000"/>
+          <a:lstStyle/>
           <a:p>
             <a:pPr>
               <a:lnSpc>
@@ -5038,7 +5547,7 @@
               </a:lnSpc>
             </a:pPr>
             <a:r>
-              <a:rPr b="0" lang="en-US" sz="1800" spc="-1" strike="noStrike">
+              <a:rPr lang="en-US" sz="1800" b="0" strike="noStrike" spc="-1">
                 <a:solidFill>
                   <a:srgbClr val="000000"/>
                 </a:solidFill>
@@ -5046,7 +5555,7 @@
               </a:rPr>
               <a:t>INTRON</a:t>
             </a:r>
-            <a:endParaRPr b="0" lang="en-US" sz="1800" spc="-1" strike="noStrike">
+            <a:endParaRPr lang="en-US" sz="1800" b="0" strike="noStrike" spc="-1">
               <a:latin typeface="Arial"/>
             </a:endParaRPr>
           </a:p>
@@ -5072,13 +5581,20 @@
           </a:ln>
         </p:spPr>
         <p:style>
-          <a:lnRef idx="0"/>
-          <a:fillRef idx="0"/>
-          <a:effectRef idx="0"/>
+          <a:lnRef idx="0">
+            <a:scrgbClr r="0" g="0" b="0"/>
+          </a:lnRef>
+          <a:fillRef idx="0">
+            <a:scrgbClr r="0" g="0" b="0"/>
+          </a:fillRef>
+          <a:effectRef idx="0">
+            <a:scrgbClr r="0" g="0" b="0"/>
+          </a:effectRef>
           <a:fontRef idx="minor"/>
         </p:style>
         <p:txBody>
-          <a:bodyPr wrap="none" lIns="90000" rIns="90000" tIns="45000" bIns="45000"/>
+          <a:bodyPr wrap="none" lIns="90000" tIns="45000" rIns="90000" bIns="45000"/>
+          <a:lstStyle/>
           <a:p>
             <a:pPr>
               <a:lnSpc>
@@ -5086,7 +5602,7 @@
               </a:lnSpc>
             </a:pPr>
             <a:r>
-              <a:rPr b="0" lang="en-US" sz="1800" spc="-1" strike="noStrike">
+              <a:rPr lang="en-US" sz="1800" b="0" strike="noStrike" spc="-1">
                 <a:solidFill>
                   <a:srgbClr val="000000"/>
                 </a:solidFill>
@@ -5094,7 +5610,7 @@
               </a:rPr>
               <a:t>mRNA</a:t>
             </a:r>
-            <a:endParaRPr b="0" lang="en-US" sz="1800" spc="-1" strike="noStrike">
+            <a:endParaRPr lang="en-US" sz="1800" b="0" strike="noStrike" spc="-1">
               <a:latin typeface="Arial"/>
             </a:endParaRPr>
           </a:p>
@@ -5153,13 +5669,20 @@
           </a:ln>
         </p:spPr>
         <p:style>
-          <a:lnRef idx="0"/>
-          <a:fillRef idx="0"/>
-          <a:effectRef idx="0"/>
+          <a:lnRef idx="0">
+            <a:scrgbClr r="0" g="0" b="0"/>
+          </a:lnRef>
+          <a:fillRef idx="0">
+            <a:scrgbClr r="0" g="0" b="0"/>
+          </a:fillRef>
+          <a:effectRef idx="0">
+            <a:scrgbClr r="0" g="0" b="0"/>
+          </a:effectRef>
           <a:fontRef idx="minor"/>
         </p:style>
         <p:txBody>
-          <a:bodyPr wrap="none" lIns="90000" rIns="90000" tIns="45000" bIns="45000"/>
+          <a:bodyPr wrap="none" lIns="90000" tIns="45000" rIns="90000" bIns="45000"/>
+          <a:lstStyle/>
           <a:p>
             <a:pPr>
               <a:lnSpc>
@@ -5167,7 +5690,7 @@
               </a:lnSpc>
             </a:pPr>
             <a:r>
-              <a:rPr b="0" lang="en-US" sz="1800" spc="-1" strike="noStrike">
+              <a:rPr lang="en-US" sz="1800" b="0" strike="noStrike" spc="-1">
                 <a:solidFill>
                   <a:srgbClr val="000000"/>
                 </a:solidFill>
@@ -5175,7 +5698,7 @@
               </a:rPr>
               <a:t>RNA-seq </a:t>
             </a:r>
-            <a:endParaRPr b="0" lang="en-US" sz="1800" spc="-1" strike="noStrike">
+            <a:endParaRPr lang="en-US" sz="1800" b="0" strike="noStrike" spc="-1">
               <a:latin typeface="Arial"/>
             </a:endParaRPr>
           </a:p>
@@ -5196,6 +5719,7 @@
             <a:avLst/>
             <a:gdLst/>
             <a:ahLst/>
+            <a:cxnLst/>
             <a:rect l="l" t="t" r="r" b="b"/>
             <a:pathLst>
               <a:path w="21600" h="21600">
@@ -5214,13 +5738,19 @@
               <a:schemeClr val="accent2"/>
             </a:solidFill>
             <a:round/>
-            <a:tailEnd len="med" type="triangle" w="med"/>
+            <a:tailEnd type="triangle" w="med" len="med"/>
           </a:ln>
         </p:spPr>
         <p:style>
-          <a:lnRef idx="0"/>
-          <a:fillRef idx="0"/>
-          <a:effectRef idx="0"/>
+          <a:lnRef idx="0">
+            <a:scrgbClr r="0" g="0" b="0"/>
+          </a:lnRef>
+          <a:fillRef idx="0">
+            <a:scrgbClr r="0" g="0" b="0"/>
+          </a:fillRef>
+          <a:effectRef idx="0">
+            <a:scrgbClr r="0" g="0" b="0"/>
+          </a:effectRef>
           <a:fontRef idx="minor"/>
         </p:style>
       </p:sp>
@@ -5239,6 +5769,7 @@
             <a:avLst/>
             <a:gdLst/>
             <a:ahLst/>
+            <a:cxnLst/>
             <a:rect l="l" t="t" r="r" b="b"/>
             <a:pathLst>
               <a:path w="21600" h="21600">
@@ -5257,13 +5788,19 @@
               <a:schemeClr val="accent2"/>
             </a:solidFill>
             <a:round/>
-            <a:tailEnd len="med" type="triangle" w="med"/>
+            <a:tailEnd type="triangle" w="med" len="med"/>
           </a:ln>
         </p:spPr>
         <p:style>
-          <a:lnRef idx="0"/>
-          <a:fillRef idx="0"/>
-          <a:effectRef idx="0"/>
+          <a:lnRef idx="0">
+            <a:scrgbClr r="0" g="0" b="0"/>
+          </a:lnRef>
+          <a:fillRef idx="0">
+            <a:scrgbClr r="0" g="0" b="0"/>
+          </a:fillRef>
+          <a:effectRef idx="0">
+            <a:scrgbClr r="0" g="0" b="0"/>
+          </a:effectRef>
           <a:fontRef idx="minor"/>
         </p:style>
       </p:sp>
@@ -5364,7 +5901,8 @@
           <a:fontRef idx="minor"/>
         </p:style>
         <p:txBody>
-          <a:bodyPr lIns="90000" rIns="90000" tIns="45000" bIns="45000" anchor="ctr"/>
+          <a:bodyPr lIns="90000" tIns="45000" rIns="90000" bIns="45000" anchor="ctr"/>
+          <a:lstStyle/>
           <a:p>
             <a:pPr algn="ctr">
               <a:lnSpc>
@@ -5372,15 +5910,15 @@
               </a:lnSpc>
             </a:pPr>
             <a:r>
-              <a:rPr b="0" lang="en-US" sz="900" spc="-1" strike="noStrike">
+              <a:rPr lang="en-US" sz="900" b="0" strike="noStrike" spc="-1">
                 <a:solidFill>
-                  <a:srgbClr val="ffffff"/>
+                  <a:srgbClr val="FFFFFF"/>
                 </a:solidFill>
                 <a:latin typeface="Calibri"/>
               </a:rPr>
               <a:t>READ 1</a:t>
             </a:r>
-            <a:endParaRPr b="0" lang="en-US" sz="900" spc="-1" strike="noStrike">
+            <a:endParaRPr lang="en-US" sz="900" b="0" strike="noStrike" spc="-1">
               <a:latin typeface="Arial"/>
             </a:endParaRPr>
           </a:p>
@@ -5417,7 +5955,8 @@
           <a:fontRef idx="minor"/>
         </p:style>
         <p:txBody>
-          <a:bodyPr lIns="90000" rIns="90000" tIns="45000" bIns="45000" anchor="ctr"/>
+          <a:bodyPr lIns="90000" tIns="45000" rIns="90000" bIns="45000" anchor="ctr"/>
+          <a:lstStyle/>
           <a:p>
             <a:pPr algn="ctr">
               <a:lnSpc>
@@ -5425,15 +5964,15 @@
               </a:lnSpc>
             </a:pPr>
             <a:r>
-              <a:rPr b="0" lang="en-US" sz="900" spc="-1" strike="noStrike">
+              <a:rPr lang="en-US" sz="900" b="0" strike="noStrike" spc="-1">
                 <a:solidFill>
-                  <a:srgbClr val="ffffff"/>
+                  <a:srgbClr val="FFFFFF"/>
                 </a:solidFill>
                 <a:latin typeface="Calibri"/>
               </a:rPr>
               <a:t>READ 2</a:t>
             </a:r>
-            <a:endParaRPr b="0" lang="en-US" sz="900" spc="-1" strike="noStrike">
+            <a:endParaRPr lang="en-US" sz="900" b="0" strike="noStrike" spc="-1">
               <a:latin typeface="Arial"/>
             </a:endParaRPr>
           </a:p>
@@ -5470,7 +6009,8 @@
           <a:fontRef idx="minor"/>
         </p:style>
         <p:txBody>
-          <a:bodyPr lIns="90000" rIns="90000" tIns="45000" bIns="45000" anchor="ctr"/>
+          <a:bodyPr lIns="90000" tIns="45000" rIns="90000" bIns="45000" anchor="ctr"/>
+          <a:lstStyle/>
           <a:p>
             <a:pPr algn="ctr">
               <a:lnSpc>
@@ -5478,15 +6018,15 @@
               </a:lnSpc>
             </a:pPr>
             <a:r>
-              <a:rPr b="0" lang="en-US" sz="900" spc="-1" strike="noStrike">
+              <a:rPr lang="en-US" sz="900" b="0" strike="noStrike" spc="-1">
                 <a:solidFill>
-                  <a:srgbClr val="ffffff"/>
+                  <a:srgbClr val="FFFFFF"/>
                 </a:solidFill>
                 <a:latin typeface="Calibri"/>
               </a:rPr>
               <a:t>3</a:t>
             </a:r>
-            <a:endParaRPr b="0" lang="en-US" sz="900" spc="-1" strike="noStrike">
+            <a:endParaRPr lang="en-US" sz="900" b="0" strike="noStrike" spc="-1">
               <a:latin typeface="Arial"/>
             </a:endParaRPr>
           </a:p>
@@ -5523,7 +6063,8 @@
           <a:fontRef idx="minor"/>
         </p:style>
         <p:txBody>
-          <a:bodyPr lIns="90000" rIns="90000" tIns="45000" bIns="45000" anchor="ctr"/>
+          <a:bodyPr lIns="90000" tIns="45000" rIns="90000" bIns="45000" anchor="ctr"/>
+          <a:lstStyle/>
           <a:p>
             <a:pPr algn="ctr">
               <a:lnSpc>
@@ -5531,15 +6072,15 @@
               </a:lnSpc>
             </a:pPr>
             <a:r>
-              <a:rPr b="0" lang="en-US" sz="900" spc="-1" strike="noStrike">
+              <a:rPr lang="en-US" sz="900" b="0" strike="noStrike" spc="-1">
                 <a:solidFill>
-                  <a:srgbClr val="ffffff"/>
+                  <a:srgbClr val="FFFFFF"/>
                 </a:solidFill>
                 <a:latin typeface="Calibri"/>
               </a:rPr>
               <a:t>3</a:t>
             </a:r>
-            <a:endParaRPr b="0" lang="en-US" sz="900" spc="-1" strike="noStrike">
+            <a:endParaRPr lang="en-US" sz="900" b="0" strike="noStrike" spc="-1">
               <a:latin typeface="Arial"/>
             </a:endParaRPr>
           </a:p>
@@ -5570,9 +6111,15 @@
           </a:ln>
         </p:spPr>
         <p:style>
-          <a:lnRef idx="0"/>
-          <a:fillRef idx="0"/>
-          <a:effectRef idx="0"/>
+          <a:lnRef idx="0">
+            <a:scrgbClr r="0" g="0" b="0"/>
+          </a:lnRef>
+          <a:fillRef idx="0">
+            <a:scrgbClr r="0" g="0" b="0"/>
+          </a:fillRef>
+          <a:effectRef idx="0">
+            <a:scrgbClr r="0" g="0" b="0"/>
+          </a:effectRef>
           <a:fontRef idx="minor"/>
         </p:style>
       </p:sp>
@@ -5607,7 +6154,8 @@
           <a:fontRef idx="minor"/>
         </p:style>
         <p:txBody>
-          <a:bodyPr lIns="90000" rIns="90000" tIns="45000" bIns="45000" anchor="ctr"/>
+          <a:bodyPr lIns="90000" tIns="45000" rIns="90000" bIns="45000" anchor="ctr"/>
+          <a:lstStyle/>
           <a:p>
             <a:pPr algn="ctr">
               <a:lnSpc>
@@ -5615,15 +6163,15 @@
               </a:lnSpc>
             </a:pPr>
             <a:r>
-              <a:rPr b="0" lang="en-US" sz="900" spc="-1" strike="noStrike">
+              <a:rPr lang="en-US" sz="900" b="0" strike="noStrike" spc="-1">
                 <a:solidFill>
-                  <a:srgbClr val="ffffff"/>
+                  <a:srgbClr val="FFFFFF"/>
                 </a:solidFill>
                 <a:latin typeface="Calibri"/>
               </a:rPr>
               <a:t>Read 4</a:t>
             </a:r>
-            <a:endParaRPr b="0" lang="en-US" sz="900" spc="-1" strike="noStrike">
+            <a:endParaRPr lang="en-US" sz="900" b="0" strike="noStrike" spc="-1">
               <a:latin typeface="Arial"/>
             </a:endParaRPr>
           </a:p>
@@ -5660,7 +6208,8 @@
           <a:fontRef idx="minor"/>
         </p:style>
         <p:txBody>
-          <a:bodyPr lIns="90000" rIns="90000" tIns="45000" bIns="45000" anchor="ctr"/>
+          <a:bodyPr lIns="90000" tIns="45000" rIns="90000" bIns="45000" anchor="ctr"/>
+          <a:lstStyle/>
           <a:p>
             <a:pPr algn="ctr">
               <a:lnSpc>
@@ -5668,15 +6217,15 @@
               </a:lnSpc>
             </a:pPr>
             <a:r>
-              <a:rPr b="0" lang="en-US" sz="900" spc="-1" strike="noStrike">
+              <a:rPr lang="en-US" sz="900" b="0" strike="noStrike" spc="-1">
                 <a:solidFill>
-                  <a:srgbClr val="ffffff"/>
+                  <a:srgbClr val="FFFFFF"/>
                 </a:solidFill>
                 <a:latin typeface="Calibri"/>
               </a:rPr>
               <a:t>Read 5</a:t>
             </a:r>
-            <a:endParaRPr b="0" lang="en-US" sz="900" spc="-1" strike="noStrike">
+            <a:endParaRPr lang="en-US" sz="900" b="0" strike="noStrike" spc="-1">
               <a:latin typeface="Arial"/>
             </a:endParaRPr>
           </a:p>
@@ -5707,9 +6256,15 @@
           </a:ln>
         </p:spPr>
         <p:style>
-          <a:lnRef idx="0"/>
-          <a:fillRef idx="0"/>
-          <a:effectRef idx="0"/>
+          <a:lnRef idx="0">
+            <a:scrgbClr r="0" g="0" b="0"/>
+          </a:lnRef>
+          <a:fillRef idx="0">
+            <a:scrgbClr r="0" g="0" b="0"/>
+          </a:fillRef>
+          <a:effectRef idx="0">
+            <a:scrgbClr r="0" g="0" b="0"/>
+          </a:effectRef>
           <a:fontRef idx="minor"/>
         </p:style>
       </p:sp>
@@ -5728,6 +6283,7 @@
             <a:avLst/>
             <a:gdLst/>
             <a:ahLst/>
+            <a:cxnLst/>
             <a:rect l="l" t="t" r="r" b="b"/>
             <a:pathLst>
               <a:path w="21600" h="21600">
@@ -5746,13 +6302,19 @@
               <a:schemeClr val="accent2"/>
             </a:solidFill>
             <a:round/>
-            <a:tailEnd len="med" type="triangle" w="med"/>
+            <a:tailEnd type="triangle" w="med" len="med"/>
           </a:ln>
         </p:spPr>
         <p:style>
-          <a:lnRef idx="0"/>
-          <a:fillRef idx="0"/>
-          <a:effectRef idx="0"/>
+          <a:lnRef idx="0">
+            <a:scrgbClr r="0" g="0" b="0"/>
+          </a:lnRef>
+          <a:fillRef idx="0">
+            <a:scrgbClr r="0" g="0" b="0"/>
+          </a:fillRef>
+          <a:effectRef idx="0">
+            <a:scrgbClr r="0" g="0" b="0"/>
+          </a:effectRef>
           <a:fontRef idx="minor"/>
         </p:style>
       </p:sp>
@@ -5825,7 +6387,7 @@
           <p:nvPr/>
         </p:nvSpPr>
         <p:spPr>
-          <a:xfrm flipV="1" rot="10800000">
+          <a:xfrm rot="10800000" flipV="1">
             <a:off x="10287000" y="2882880"/>
             <a:ext cx="2002680" cy="338040"/>
           </a:xfrm>
@@ -5836,7 +6398,7 @@
           </a:prstGeom>
           <a:noFill/>
           <a:ln>
-            <a:tailEnd len="med" type="triangle" w="med"/>
+            <a:tailEnd type="triangle" w="med" len="med"/>
           </a:ln>
         </p:spPr>
         <p:style>
@@ -5872,13 +6434,20 @@
           </a:ln>
         </p:spPr>
         <p:style>
-          <a:lnRef idx="0"/>
-          <a:fillRef idx="0"/>
-          <a:effectRef idx="0"/>
+          <a:lnRef idx="0">
+            <a:scrgbClr r="0" g="0" b="0"/>
+          </a:lnRef>
+          <a:fillRef idx="0">
+            <a:scrgbClr r="0" g="0" b="0"/>
+          </a:fillRef>
+          <a:effectRef idx="0">
+            <a:scrgbClr r="0" g="0" b="0"/>
+          </a:effectRef>
           <a:fontRef idx="minor"/>
         </p:style>
         <p:txBody>
-          <a:bodyPr lIns="90000" rIns="90000" tIns="45000" bIns="45000"/>
+          <a:bodyPr lIns="90000" tIns="45000" rIns="90000" bIns="45000"/>
+          <a:lstStyle/>
           <a:p>
             <a:pPr>
               <a:lnSpc>
@@ -5886,7 +6455,7 @@
               </a:lnSpc>
             </a:pPr>
             <a:r>
-              <a:rPr b="0" lang="en-US" sz="1800" spc="-1" strike="noStrike">
+              <a:rPr lang="en-US" sz="1800" b="0" strike="noStrike" spc="-1">
                 <a:solidFill>
                   <a:srgbClr val="000000"/>
                 </a:solidFill>
@@ -5894,7 +6463,7 @@
               </a:rPr>
               <a:t>Not considered a mismatch</a:t>
             </a:r>
-            <a:endParaRPr b="0" lang="en-US" sz="1800" spc="-1" strike="noStrike">
+            <a:endParaRPr lang="en-US" sz="1800" b="0" strike="noStrike" spc="-1">
               <a:latin typeface="Arial"/>
             </a:endParaRPr>
           </a:p>
@@ -5920,13 +6489,20 @@
           </a:ln>
         </p:spPr>
         <p:style>
-          <a:lnRef idx="0"/>
-          <a:fillRef idx="0"/>
-          <a:effectRef idx="0"/>
+          <a:lnRef idx="0">
+            <a:scrgbClr r="0" g="0" b="0"/>
+          </a:lnRef>
+          <a:fillRef idx="0">
+            <a:scrgbClr r="0" g="0" b="0"/>
+          </a:fillRef>
+          <a:effectRef idx="0">
+            <a:scrgbClr r="0" g="0" b="0"/>
+          </a:effectRef>
           <a:fontRef idx="minor"/>
         </p:style>
         <p:txBody>
-          <a:bodyPr wrap="none" lIns="90000" rIns="90000" tIns="45000" bIns="45000"/>
+          <a:bodyPr wrap="none" lIns="90000" tIns="45000" rIns="90000" bIns="45000"/>
+          <a:lstStyle/>
           <a:p>
             <a:pPr>
               <a:lnSpc>
@@ -5934,7 +6510,7 @@
               </a:lnSpc>
             </a:pPr>
             <a:r>
-              <a:rPr b="0" lang="en-US" sz="1800" spc="-1" strike="noStrike">
+              <a:rPr lang="en-US" sz="1800" b="0" strike="noStrike" spc="-1">
                 <a:solidFill>
                   <a:srgbClr val="000000"/>
                 </a:solidFill>
@@ -5942,7 +6518,7 @@
               </a:rPr>
               <a:t>REF. Genome</a:t>
             </a:r>
-            <a:endParaRPr b="0" lang="en-US" sz="1800" spc="-1" strike="noStrike">
+            <a:endParaRPr lang="en-US" sz="1800" b="0" strike="noStrike" spc="-1">
               <a:latin typeface="Arial"/>
             </a:endParaRPr>
           </a:p>
@@ -5968,13 +6544,20 @@
           </a:ln>
         </p:spPr>
         <p:style>
-          <a:lnRef idx="0"/>
-          <a:fillRef idx="0"/>
-          <a:effectRef idx="0"/>
+          <a:lnRef idx="0">
+            <a:scrgbClr r="0" g="0" b="0"/>
+          </a:lnRef>
+          <a:fillRef idx="0">
+            <a:scrgbClr r="0" g="0" b="0"/>
+          </a:fillRef>
+          <a:effectRef idx="0">
+            <a:scrgbClr r="0" g="0" b="0"/>
+          </a:effectRef>
           <a:fontRef idx="minor"/>
         </p:style>
         <p:txBody>
-          <a:bodyPr wrap="none" lIns="90000" rIns="90000" tIns="45000" bIns="45000"/>
+          <a:bodyPr wrap="none" lIns="90000" tIns="45000" rIns="90000" bIns="45000"/>
+          <a:lstStyle/>
           <a:p>
             <a:pPr>
               <a:lnSpc>
@@ -5982,7 +6565,7 @@
               </a:lnSpc>
             </a:pPr>
             <a:r>
-              <a:rPr b="0" lang="en-US" sz="1800" spc="-1" strike="noStrike">
+              <a:rPr lang="en-US" sz="1800" b="0" strike="noStrike" spc="-1">
                 <a:solidFill>
                   <a:srgbClr val="000000"/>
                 </a:solidFill>
@@ -5990,7 +6573,7 @@
               </a:rPr>
               <a:t>using STAR</a:t>
             </a:r>
-            <a:endParaRPr b="0" lang="en-US" sz="1800" spc="-1" strike="noStrike">
+            <a:endParaRPr lang="en-US" sz="1800" b="0" strike="noStrike" spc="-1">
               <a:latin typeface="Arial"/>
             </a:endParaRPr>
           </a:p>
@@ -6011,6 +6594,7 @@
             <a:avLst/>
             <a:gdLst/>
             <a:ahLst/>
+            <a:cxnLst/>
             <a:rect l="l" t="t" r="r" b="b"/>
             <a:pathLst>
               <a:path w="21600" h="21600">
@@ -6025,7 +6609,7 @@
           </a:custGeom>
           <a:noFill/>
           <a:ln>
-            <a:tailEnd len="med" type="triangle" w="med"/>
+            <a:tailEnd type="triangle" w="med" len="med"/>
           </a:ln>
         </p:spPr>
         <p:style>
@@ -6061,13 +6645,20 @@
           </a:ln>
         </p:spPr>
         <p:style>
-          <a:lnRef idx="0"/>
-          <a:fillRef idx="0"/>
-          <a:effectRef idx="0"/>
+          <a:lnRef idx="0">
+            <a:scrgbClr r="0" g="0" b="0"/>
+          </a:lnRef>
+          <a:fillRef idx="0">
+            <a:scrgbClr r="0" g="0" b="0"/>
+          </a:fillRef>
+          <a:effectRef idx="0">
+            <a:scrgbClr r="0" g="0" b="0"/>
+          </a:effectRef>
           <a:fontRef idx="minor"/>
         </p:style>
         <p:txBody>
-          <a:bodyPr wrap="none" lIns="90000" rIns="90000" tIns="45000" bIns="45000"/>
+          <a:bodyPr wrap="none" lIns="90000" tIns="45000" rIns="90000" bIns="45000"/>
+          <a:lstStyle/>
           <a:p>
             <a:pPr>
               <a:lnSpc>
@@ -6075,7 +6666,7 @@
               </a:lnSpc>
             </a:pPr>
             <a:r>
-              <a:rPr b="0" lang="en-US" sz="1800" spc="-1" strike="noStrike">
+              <a:rPr lang="en-US" sz="1800" b="0" strike="noStrike" spc="-1">
                 <a:solidFill>
                   <a:srgbClr val="000000"/>
                 </a:solidFill>
@@ -6083,7 +6674,7 @@
               </a:rPr>
               <a:t>Mismatch</a:t>
             </a:r>
-            <a:endParaRPr b="0" lang="en-US" sz="1800" spc="-1" strike="noStrike">
+            <a:endParaRPr lang="en-US" sz="1800" b="0" strike="noStrike" spc="-1">
               <a:latin typeface="Arial"/>
             </a:endParaRPr>
           </a:p>
@@ -6097,8 +6688,8 @@
         </p:nvSpPr>
         <p:spPr>
           <a:xfrm>
-            <a:off x="4020840" y="4032000"/>
-            <a:ext cx="7904880" cy="360"/>
+            <a:off x="4666680" y="4020480"/>
+            <a:ext cx="7259040" cy="11880"/>
           </a:xfrm>
           <a:prstGeom prst="line">
             <a:avLst/>
@@ -6227,13 +6818,20 @@
           </a:ln>
         </p:spPr>
         <p:style>
-          <a:lnRef idx="0"/>
-          <a:fillRef idx="0"/>
-          <a:effectRef idx="0"/>
+          <a:lnRef idx="0">
+            <a:scrgbClr r="0" g="0" b="0"/>
+          </a:lnRef>
+          <a:fillRef idx="0">
+            <a:scrgbClr r="0" g="0" b="0"/>
+          </a:fillRef>
+          <a:effectRef idx="0">
+            <a:scrgbClr r="0" g="0" b="0"/>
+          </a:effectRef>
           <a:fontRef idx="minor"/>
         </p:style>
         <p:txBody>
-          <a:bodyPr wrap="none" lIns="90000" rIns="90000" tIns="45000" bIns="45000"/>
+          <a:bodyPr wrap="none" lIns="90000" tIns="45000" rIns="90000" bIns="45000"/>
+          <a:lstStyle/>
           <a:p>
             <a:pPr>
               <a:lnSpc>
@@ -6241,7 +6839,7 @@
               </a:lnSpc>
             </a:pPr>
             <a:r>
-              <a:rPr b="0" lang="en-US" sz="1800" spc="-1" strike="noStrike">
+              <a:rPr lang="en-US" sz="1800" b="0" strike="noStrike" spc="-1">
                 <a:solidFill>
                   <a:srgbClr val="000000"/>
                 </a:solidFill>
@@ -6249,7 +6847,7 @@
               </a:rPr>
               <a:t>0</a:t>
             </a:r>
-            <a:endParaRPr b="0" lang="en-US" sz="1800" spc="-1" strike="noStrike">
+            <a:endParaRPr lang="en-US" sz="1800" b="0" strike="noStrike" spc="-1">
               <a:latin typeface="Arial"/>
             </a:endParaRPr>
           </a:p>
@@ -6275,13 +6873,20 @@
           </a:ln>
         </p:spPr>
         <p:style>
-          <a:lnRef idx="0"/>
-          <a:fillRef idx="0"/>
-          <a:effectRef idx="0"/>
+          <a:lnRef idx="0">
+            <a:scrgbClr r="0" g="0" b="0"/>
+          </a:lnRef>
+          <a:fillRef idx="0">
+            <a:scrgbClr r="0" g="0" b="0"/>
+          </a:fillRef>
+          <a:effectRef idx="0">
+            <a:scrgbClr r="0" g="0" b="0"/>
+          </a:effectRef>
           <a:fontRef idx="minor"/>
         </p:style>
         <p:txBody>
-          <a:bodyPr wrap="none" lIns="90000" rIns="90000" tIns="45000" bIns="45000"/>
+          <a:bodyPr wrap="none" lIns="90000" tIns="45000" rIns="90000" bIns="45000"/>
+          <a:lstStyle/>
           <a:p>
             <a:pPr>
               <a:lnSpc>
@@ -6289,168 +6894,15 @@
               </a:lnSpc>
             </a:pPr>
             <a:r>
-              <a:rPr b="0" lang="en-US" sz="1800" spc="-1" strike="noStrike">
+              <a:rPr lang="en-US" sz="1800" b="0" strike="noStrike" spc="-1">
                 <a:solidFill>
                   <a:srgbClr val="000000"/>
                 </a:solidFill>
                 <a:latin typeface="Calibri"/>
               </a:rPr>
-              <a:t>W</a:t>
+              <a:t>Window length (100)</a:t>
             </a:r>
-            <a:r>
-              <a:rPr b="0" lang="en-US" sz="1800" spc="-1" strike="noStrike">
-                <a:solidFill>
-                  <a:srgbClr val="000000"/>
-                </a:solidFill>
-                <a:latin typeface="Calibri"/>
-              </a:rPr>
-              <a:t>i</a:t>
-            </a:r>
-            <a:r>
-              <a:rPr b="0" lang="en-US" sz="1800" spc="-1" strike="noStrike">
-                <a:solidFill>
-                  <a:srgbClr val="000000"/>
-                </a:solidFill>
-                <a:latin typeface="Calibri"/>
-              </a:rPr>
-              <a:t>n</a:t>
-            </a:r>
-            <a:r>
-              <a:rPr b="0" lang="en-US" sz="1800" spc="-1" strike="noStrike">
-                <a:solidFill>
-                  <a:srgbClr val="000000"/>
-                </a:solidFill>
-                <a:latin typeface="Calibri"/>
-              </a:rPr>
-              <a:t>d</a:t>
-            </a:r>
-            <a:r>
-              <a:rPr b="0" lang="en-US" sz="1800" spc="-1" strike="noStrike">
-                <a:solidFill>
-                  <a:srgbClr val="000000"/>
-                </a:solidFill>
-                <a:latin typeface="Calibri"/>
-              </a:rPr>
-              <a:t>o</a:t>
-            </a:r>
-            <a:r>
-              <a:rPr b="0" lang="en-US" sz="1800" spc="-1" strike="noStrike">
-                <a:solidFill>
-                  <a:srgbClr val="000000"/>
-                </a:solidFill>
-                <a:latin typeface="Calibri"/>
-              </a:rPr>
-              <a:t>w</a:t>
-            </a:r>
-            <a:r>
-              <a:rPr b="0" lang="en-US" sz="1800" spc="-1" strike="noStrike">
-                <a:solidFill>
-                  <a:srgbClr val="000000"/>
-                </a:solidFill>
-                <a:latin typeface="Calibri"/>
-              </a:rPr>
-              <a:t> </a:t>
-            </a:r>
-            <a:r>
-              <a:rPr b="0" lang="en-US" sz="1800" spc="-1" strike="noStrike">
-                <a:solidFill>
-                  <a:srgbClr val="000000"/>
-                </a:solidFill>
-                <a:latin typeface="Calibri"/>
-              </a:rPr>
-              <a:t>l</a:t>
-            </a:r>
-            <a:r>
-              <a:rPr b="0" lang="en-US" sz="1800" spc="-1" strike="noStrike">
-                <a:solidFill>
-                  <a:srgbClr val="000000"/>
-                </a:solidFill>
-                <a:latin typeface="Calibri"/>
-              </a:rPr>
-              <a:t>e</a:t>
-            </a:r>
-            <a:r>
-              <a:rPr b="0" lang="en-US" sz="1800" spc="-1" strike="noStrike">
-                <a:solidFill>
-                  <a:srgbClr val="000000"/>
-                </a:solidFill>
-                <a:latin typeface="Calibri"/>
-              </a:rPr>
-              <a:t>n</a:t>
-            </a:r>
-            <a:r>
-              <a:rPr b="0" lang="en-US" sz="1800" spc="-1" strike="noStrike">
-                <a:solidFill>
-                  <a:srgbClr val="000000"/>
-                </a:solidFill>
-                <a:latin typeface="Calibri"/>
-              </a:rPr>
-              <a:t>g</a:t>
-            </a:r>
-            <a:r>
-              <a:rPr b="0" lang="en-US" sz="1800" spc="-1" strike="noStrike">
-                <a:solidFill>
-                  <a:srgbClr val="000000"/>
-                </a:solidFill>
-                <a:latin typeface="Calibri"/>
-              </a:rPr>
-              <a:t>t</a:t>
-            </a:r>
-            <a:r>
-              <a:rPr b="0" lang="en-US" sz="1800" spc="-1" strike="noStrike">
-                <a:solidFill>
-                  <a:srgbClr val="000000"/>
-                </a:solidFill>
-                <a:latin typeface="Calibri"/>
-              </a:rPr>
-              <a:t>h </a:t>
-            </a:r>
-            <a:r>
-              <a:rPr b="0" lang="en-US" sz="1800" spc="-1" strike="noStrike">
-                <a:solidFill>
-                  <a:srgbClr val="000000"/>
-                </a:solidFill>
-                <a:latin typeface="Calibri"/>
-              </a:rPr>
-              <a:t>(</a:t>
-            </a:r>
-            <a:r>
-              <a:rPr b="0" lang="en-US" sz="1800" spc="-1" strike="noStrike">
-                <a:solidFill>
-                  <a:srgbClr val="000000"/>
-                </a:solidFill>
-                <a:latin typeface="Calibri"/>
-              </a:rPr>
-              <a:t>1</a:t>
-            </a:r>
-            <a:r>
-              <a:rPr b="0" lang="en-US" sz="1800" spc="-1" strike="noStrike">
-                <a:solidFill>
-                  <a:srgbClr val="000000"/>
-                </a:solidFill>
-                <a:latin typeface="Calibri"/>
-              </a:rPr>
-              <a:t>0</a:t>
-            </a:r>
-            <a:r>
-              <a:rPr b="0" lang="en-US" sz="1800" spc="-1" strike="noStrike">
-                <a:solidFill>
-                  <a:srgbClr val="000000"/>
-                </a:solidFill>
-                <a:latin typeface="Calibri"/>
-              </a:rPr>
-              <a:t>0</a:t>
-            </a:r>
-            <a:r>
-              <a:rPr b="0" lang="en-US" sz="1800" spc="-1" strike="noStrike">
-                <a:solidFill>
-                  <a:srgbClr val="000000"/>
-                </a:solidFill>
-                <a:latin typeface="Calibri"/>
-              </a:rPr>
-              <a:t>)</a:t>
-            </a:r>
-            <a:endParaRPr b="0" lang="en-US" sz="1800" spc="-1" strike="noStrike">
+            <a:endParaRPr lang="en-US" sz="1800" b="0" strike="noStrike" spc="-1">
               <a:latin typeface="Arial"/>
             </a:endParaRPr>
           </a:p>
@@ -6471,6 +6923,7 @@
             <a:avLst/>
             <a:gdLst/>
             <a:ahLst/>
+            <a:cxnLst/>
             <a:rect l="l" t="t" r="r" b="b"/>
             <a:pathLst>
               <a:path w="21600" h="21600">
@@ -6485,7 +6938,7 @@
           </a:custGeom>
           <a:noFill/>
           <a:ln>
-            <a:tailEnd len="med" type="triangle" w="med"/>
+            <a:tailEnd type="triangle" w="med" len="med"/>
           </a:ln>
         </p:spPr>
         <p:style>
@@ -6516,6 +6969,7 @@
             <a:avLst/>
             <a:gdLst/>
             <a:ahLst/>
+            <a:cxnLst/>
             <a:rect l="l" t="t" r="r" b="b"/>
             <a:pathLst>
               <a:path w="21600" h="21600">
@@ -6530,7 +6984,7 @@
           </a:custGeom>
           <a:noFill/>
           <a:ln>
-            <a:tailEnd len="med" type="triangle" w="med"/>
+            <a:tailEnd type="triangle" w="med" len="med"/>
           </a:ln>
         </p:spPr>
         <p:style>
@@ -6566,13 +7020,20 @@
           </a:ln>
         </p:spPr>
         <p:style>
-          <a:lnRef idx="0"/>
-          <a:fillRef idx="0"/>
-          <a:effectRef idx="0"/>
+          <a:lnRef idx="0">
+            <a:scrgbClr r="0" g="0" b="0"/>
+          </a:lnRef>
+          <a:fillRef idx="0">
+            <a:scrgbClr r="0" g="0" b="0"/>
+          </a:fillRef>
+          <a:effectRef idx="0">
+            <a:scrgbClr r="0" g="0" b="0"/>
+          </a:effectRef>
           <a:fontRef idx="minor"/>
         </p:style>
         <p:txBody>
-          <a:bodyPr wrap="none" lIns="90000" rIns="90000" tIns="45000" bIns="45000"/>
+          <a:bodyPr wrap="none" lIns="90000" tIns="45000" rIns="90000" bIns="45000"/>
+          <a:lstStyle/>
           <a:p>
             <a:pPr>
               <a:lnSpc>
@@ -6580,60 +7041,15 @@
               </a:lnSpc>
             </a:pPr>
             <a:r>
-              <a:rPr b="0" lang="en-US" sz="1800" spc="-1" strike="noStrike">
+              <a:rPr lang="en-US" sz="1800" b="0" strike="noStrike" spc="-1">
                 <a:solidFill>
                   <a:srgbClr val="000000"/>
                 </a:solidFill>
                 <a:latin typeface="Calibri"/>
               </a:rPr>
-              <a:t>Fewer </a:t>
+              <a:t>Fewer multiple Alignments</a:t>
             </a:r>
-            <a:r>
-              <a:rPr b="0" lang="en-US" sz="1800" spc="-1" strike="noStrike">
-                <a:solidFill>
-                  <a:srgbClr val="000000"/>
-                </a:solidFill>
-                <a:latin typeface="Calibri"/>
-              </a:rPr>
-              <a:t>multi</a:t>
-            </a:r>
-            <a:r>
-              <a:rPr b="0" lang="en-US" sz="1800" spc="-1" strike="noStrike">
-                <a:solidFill>
-                  <a:srgbClr val="000000"/>
-                </a:solidFill>
-                <a:latin typeface="Calibri"/>
-              </a:rPr>
-              <a:t>ple </a:t>
-            </a:r>
-            <a:r>
-              <a:rPr b="0" lang="en-US" sz="1800" spc="-1" strike="noStrike">
-                <a:solidFill>
-                  <a:srgbClr val="000000"/>
-                </a:solidFill>
-                <a:latin typeface="Calibri"/>
-              </a:rPr>
-              <a:t>Align</a:t>
-            </a:r>
-            <a:r>
-              <a:rPr b="0" lang="en-US" sz="1800" spc="-1" strike="noStrike">
-                <a:solidFill>
-                  <a:srgbClr val="000000"/>
-                </a:solidFill>
-                <a:latin typeface="Calibri"/>
-              </a:rPr>
-              <a:t>ment</a:t>
-            </a:r>
-            <a:r>
-              <a:rPr b="0" lang="en-US" sz="1800" spc="-1" strike="noStrike">
-                <a:solidFill>
-                  <a:srgbClr val="000000"/>
-                </a:solidFill>
-                <a:latin typeface="Calibri"/>
-              </a:rPr>
-              <a:t>s</a:t>
-            </a:r>
-            <a:endParaRPr b="0" lang="en-US" sz="1800" spc="-1" strike="noStrike">
+            <a:endParaRPr lang="en-US" sz="1800" b="0" strike="noStrike" spc="-1">
               <a:latin typeface="Arial"/>
             </a:endParaRPr>
           </a:p>
@@ -6654,7 +7070,7 @@
             <a:avLst/>
           </a:prstGeom>
           <a:solidFill>
-            <a:srgbClr val="e43030">
+            <a:srgbClr val="E43030">
               <a:alpha val="19000"/>
             </a:srgbClr>
           </a:solidFill>
@@ -6682,7 +7098,7 @@
           <p:nvPr/>
         </p:nvSpPr>
         <p:spPr>
-          <a:xfrm flipH="1" rot="16200000">
+          <a:xfrm rot="16200000" flipH="1">
             <a:off x="7674480" y="5476680"/>
             <a:ext cx="1171080" cy="641520"/>
           </a:xfrm>
@@ -6713,7 +7129,7 @@
         </p:nvSpPr>
         <p:spPr>
           <a:xfrm>
-            <a:off x="5837760" y="6217920"/>
+            <a:off x="5823720" y="6340680"/>
             <a:ext cx="1463040" cy="0"/>
           </a:xfrm>
           <a:prstGeom prst="line">
@@ -6723,15 +7139,28 @@
             <a:solidFill>
               <a:srgbClr val="000000"/>
             </a:solidFill>
-            <a:tailEnd len="med" type="triangle" w="med"/>
+            <a:tailEnd type="triangle" w="med" len="med"/>
           </a:ln>
         </p:spPr>
         <p:style>
-          <a:lnRef idx="0"/>
-          <a:fillRef idx="0"/>
-          <a:effectRef idx="0"/>
+          <a:lnRef idx="0">
+            <a:scrgbClr r="0" g="0" b="0"/>
+          </a:lnRef>
+          <a:fillRef idx="0">
+            <a:scrgbClr r="0" g="0" b="0"/>
+          </a:fillRef>
+          <a:effectRef idx="0">
+            <a:scrgbClr r="0" g="0" b="0"/>
+          </a:effectRef>
           <a:fontRef idx="minor"/>
         </p:style>
+        <p:txBody>
+          <a:bodyPr/>
+          <a:lstStyle/>
+          <a:p>
+            <a:endParaRPr lang="en-US" dirty="0"/>
+          </a:p>
+        </p:txBody>
       </p:sp>
       <p:sp>
         <p:nvSpPr>
@@ -6742,7 +7171,7 @@
         <p:spPr>
           <a:xfrm>
             <a:off x="4945680" y="5305320"/>
-            <a:ext cx="2598120" cy="912600"/>
+            <a:ext cx="2598120" cy="652680"/>
           </a:xfrm>
           <a:prstGeom prst="rect">
             <a:avLst/>
@@ -6753,13 +7182,20 @@
           </a:ln>
         </p:spPr>
         <p:style>
-          <a:lnRef idx="0"/>
-          <a:fillRef idx="0"/>
-          <a:effectRef idx="0"/>
+          <a:lnRef idx="0">
+            <a:scrgbClr r="0" g="0" b="0"/>
+          </a:lnRef>
+          <a:fillRef idx="0">
+            <a:scrgbClr r="0" g="0" b="0"/>
+          </a:fillRef>
+          <a:effectRef idx="0">
+            <a:scrgbClr r="0" g="0" b="0"/>
+          </a:effectRef>
           <a:fontRef idx="minor"/>
         </p:style>
         <p:txBody>
-          <a:bodyPr wrap="none" lIns="90000" rIns="90000" tIns="45000" bIns="45000"/>
+          <a:bodyPr wrap="none" lIns="90000" tIns="45000" rIns="90000" bIns="45000"/>
+          <a:lstStyle/>
           <a:p>
             <a:pPr>
               <a:lnSpc>
@@ -6767,204 +7203,15 @@
               </a:lnSpc>
             </a:pPr>
             <a:r>
-              <a:rPr b="0" lang="en-US" sz="1800" spc="-1" strike="noStrike">
+              <a:rPr lang="en-US" sz="1800" b="0" strike="noStrike" spc="-1">
                 <a:solidFill>
                   <a:srgbClr val="000000"/>
                 </a:solidFill>
                 <a:latin typeface="Calibri"/>
               </a:rPr>
-              <a:t>I</a:t>
+              <a:t>Increasing sensitivity</a:t>
             </a:r>
-            <a:r>
-              <a:rPr b="0" lang="en-US" sz="1800" spc="-1" strike="noStrike">
-                <a:solidFill>
-                  <a:srgbClr val="000000"/>
-                </a:solidFill>
-                <a:latin typeface="Calibri"/>
-              </a:rPr>
-              <a:t>n</a:t>
-            </a:r>
-            <a:r>
-              <a:rPr b="0" lang="en-US" sz="1800" spc="-1" strike="noStrike">
-                <a:solidFill>
-                  <a:srgbClr val="000000"/>
-                </a:solidFill>
-                <a:latin typeface="Calibri"/>
-              </a:rPr>
-              <a:t>c</a:t>
-            </a:r>
-            <a:r>
-              <a:rPr b="0" lang="en-US" sz="1800" spc="-1" strike="noStrike">
-                <a:solidFill>
-                  <a:srgbClr val="000000"/>
-                </a:solidFill>
-                <a:latin typeface="Calibri"/>
-              </a:rPr>
-              <a:t>r</a:t>
-            </a:r>
-            <a:r>
-              <a:rPr b="0" lang="en-US" sz="1800" spc="-1" strike="noStrike">
-                <a:solidFill>
-                  <a:srgbClr val="000000"/>
-                </a:solidFill>
-                <a:latin typeface="Calibri"/>
-              </a:rPr>
-              <a:t>e</a:t>
-            </a:r>
-            <a:r>
-              <a:rPr b="0" lang="en-US" sz="1800" spc="-1" strike="noStrike">
-                <a:solidFill>
-                  <a:srgbClr val="000000"/>
-                </a:solidFill>
-                <a:latin typeface="Calibri"/>
-              </a:rPr>
-              <a:t>a</a:t>
-            </a:r>
-            <a:r>
-              <a:rPr b="0" lang="en-US" sz="1800" spc="-1" strike="noStrike">
-                <a:solidFill>
-                  <a:srgbClr val="000000"/>
-                </a:solidFill>
-                <a:latin typeface="Calibri"/>
-              </a:rPr>
-              <a:t>s</a:t>
-            </a:r>
-            <a:r>
-              <a:rPr b="0" lang="en-US" sz="1800" spc="-1" strike="noStrike">
-                <a:solidFill>
-                  <a:srgbClr val="000000"/>
-                </a:solidFill>
-                <a:latin typeface="Calibri"/>
-              </a:rPr>
-              <a:t>i</a:t>
-            </a:r>
-            <a:r>
-              <a:rPr b="0" lang="en-US" sz="1800" spc="-1" strike="noStrike">
-                <a:solidFill>
-                  <a:srgbClr val="000000"/>
-                </a:solidFill>
-                <a:latin typeface="Calibri"/>
-              </a:rPr>
-              <a:t>n</a:t>
-            </a:r>
-            <a:r>
-              <a:rPr b="0" lang="en-US" sz="1800" spc="-1" strike="noStrike">
-                <a:solidFill>
-                  <a:srgbClr val="000000"/>
-                </a:solidFill>
-                <a:latin typeface="Calibri"/>
-              </a:rPr>
-              <a:t>g</a:t>
-            </a:r>
-            <a:r>
-              <a:rPr b="0" lang="en-US" sz="1800" spc="-1" strike="noStrike">
-                <a:solidFill>
-                  <a:srgbClr val="000000"/>
-                </a:solidFill>
-                <a:latin typeface="Calibri"/>
-              </a:rPr>
-              <a:t> </a:t>
-            </a:r>
-            <a:r>
-              <a:rPr b="0" lang="en-US" sz="1800" spc="-1" strike="noStrike">
-                <a:solidFill>
-                  <a:srgbClr val="000000"/>
-                </a:solidFill>
-                <a:latin typeface="Calibri"/>
-              </a:rPr>
-              <a:t>s</a:t>
-            </a:r>
-            <a:r>
-              <a:rPr b="0" lang="en-US" sz="1800" spc="-1" strike="noStrike">
-                <a:solidFill>
-                  <a:srgbClr val="000000"/>
-                </a:solidFill>
-                <a:latin typeface="Calibri"/>
-              </a:rPr>
-              <a:t>e</a:t>
-            </a:r>
-            <a:r>
-              <a:rPr b="0" lang="en-US" sz="1800" spc="-1" strike="noStrike">
-                <a:solidFill>
-                  <a:srgbClr val="000000"/>
-                </a:solidFill>
-                <a:latin typeface="Calibri"/>
-              </a:rPr>
-              <a:t>n</a:t>
-            </a:r>
-            <a:r>
-              <a:rPr b="0" lang="en-US" sz="1800" spc="-1" strike="noStrike">
-                <a:solidFill>
-                  <a:srgbClr val="000000"/>
-                </a:solidFill>
-                <a:latin typeface="Calibri"/>
-              </a:rPr>
-              <a:t>s</a:t>
-            </a:r>
-            <a:r>
-              <a:rPr b="0" lang="en-US" sz="1800" spc="-1" strike="noStrike">
-                <a:solidFill>
-                  <a:srgbClr val="000000"/>
-                </a:solidFill>
-                <a:latin typeface="Calibri"/>
-              </a:rPr>
-              <a:t>i</a:t>
-            </a:r>
-            <a:r>
-              <a:rPr b="0" lang="en-US" sz="1800" spc="-1" strike="noStrike">
-                <a:solidFill>
-                  <a:srgbClr val="000000"/>
-                </a:solidFill>
-                <a:latin typeface="Calibri"/>
-              </a:rPr>
-              <a:t>t</a:t>
-            </a:r>
-            <a:r>
-              <a:rPr b="0" lang="en-US" sz="1800" spc="-1" strike="noStrike">
-                <a:solidFill>
-                  <a:srgbClr val="000000"/>
-                </a:solidFill>
-                <a:latin typeface="Calibri"/>
-              </a:rPr>
-              <a:t>i</a:t>
-            </a:r>
-            <a:r>
-              <a:rPr b="0" lang="en-US" sz="1800" spc="-1" strike="noStrike">
-                <a:solidFill>
-                  <a:srgbClr val="000000"/>
-                </a:solidFill>
-                <a:latin typeface="Calibri"/>
-              </a:rPr>
-              <a:t>v</a:t>
-            </a:r>
-            <a:r>
-              <a:rPr b="0" lang="en-US" sz="1800" spc="-1" strike="noStrike">
-                <a:solidFill>
-                  <a:srgbClr val="000000"/>
-                </a:solidFill>
-                <a:latin typeface="Calibri"/>
-              </a:rPr>
-              <a:t>i</a:t>
-            </a:r>
-            <a:r>
-              <a:rPr b="0" lang="en-US" sz="1800" spc="-1" strike="noStrike">
-                <a:solidFill>
-                  <a:srgbClr val="000000"/>
-                </a:solidFill>
-                <a:latin typeface="Calibri"/>
-              </a:rPr>
-              <a:t>t</a:t>
-            </a:r>
-            <a:r>
-              <a:rPr b="0" lang="en-US" sz="1800" spc="-1" strike="noStrike">
-                <a:solidFill>
-                  <a:srgbClr val="000000"/>
-                </a:solidFill>
-                <a:latin typeface="Calibri"/>
-              </a:rPr>
-              <a:t>y</a:t>
-            </a:r>
-            <a:endParaRPr b="0" lang="en-US" sz="1800" spc="-1" strike="noStrike">
+            <a:endParaRPr lang="en-US" sz="1800" b="0" strike="noStrike" spc="-1">
               <a:latin typeface="Arial"/>
             </a:endParaRPr>
           </a:p>
@@ -6975,150 +7222,15 @@
               </a:lnSpc>
             </a:pPr>
             <a:r>
-              <a:rPr b="0" lang="en-US" sz="1800" spc="-1" strike="noStrike">
+              <a:rPr lang="en-US" sz="1800" b="0" strike="noStrike" spc="-1">
                 <a:solidFill>
                   <a:srgbClr val="000000"/>
                 </a:solidFill>
                 <a:latin typeface="Calibri"/>
               </a:rPr>
-              <a:t>F</a:t>
+              <a:t>Fewer improperly</a:t>
             </a:r>
-            <a:r>
-              <a:rPr b="0" lang="en-US" sz="1800" spc="-1" strike="noStrike">
-                <a:solidFill>
-                  <a:srgbClr val="000000"/>
-                </a:solidFill>
-                <a:latin typeface="Calibri"/>
-              </a:rPr>
-              <a:t>e</a:t>
-            </a:r>
-            <a:r>
-              <a:rPr b="0" lang="en-US" sz="1800" spc="-1" strike="noStrike">
-                <a:solidFill>
-                  <a:srgbClr val="000000"/>
-                </a:solidFill>
-                <a:latin typeface="Calibri"/>
-              </a:rPr>
-              <a:t>w</a:t>
-            </a:r>
-            <a:r>
-              <a:rPr b="0" lang="en-US" sz="1800" spc="-1" strike="noStrike">
-                <a:solidFill>
-                  <a:srgbClr val="000000"/>
-                </a:solidFill>
-                <a:latin typeface="Calibri"/>
-              </a:rPr>
-              <a:t>e</a:t>
-            </a:r>
-            <a:r>
-              <a:rPr b="0" lang="en-US" sz="1800" spc="-1" strike="noStrike">
-                <a:solidFill>
-                  <a:srgbClr val="000000"/>
-                </a:solidFill>
-                <a:latin typeface="Calibri"/>
-              </a:rPr>
-              <a:t>r</a:t>
-            </a:r>
-            <a:r>
-              <a:rPr b="0" lang="en-US" sz="1800" spc="-1" strike="noStrike">
-                <a:solidFill>
-                  <a:srgbClr val="000000"/>
-                </a:solidFill>
-                <a:latin typeface="Calibri"/>
-              </a:rPr>
-              <a:t> </a:t>
-            </a:r>
-            <a:r>
-              <a:rPr b="0" lang="en-US" sz="1800" spc="-1" strike="noStrike">
-                <a:solidFill>
-                  <a:srgbClr val="000000"/>
-                </a:solidFill>
-                <a:latin typeface="Calibri"/>
-              </a:rPr>
-              <a:t>i</a:t>
-            </a:r>
-            <a:r>
-              <a:rPr b="0" lang="en-US" sz="1800" spc="-1" strike="noStrike">
-                <a:solidFill>
-                  <a:srgbClr val="000000"/>
-                </a:solidFill>
-                <a:latin typeface="Calibri"/>
-              </a:rPr>
-              <a:t>m</a:t>
-            </a:r>
-            <a:r>
-              <a:rPr b="0" lang="en-US" sz="1800" spc="-1" strike="noStrike">
-                <a:solidFill>
-                  <a:srgbClr val="000000"/>
-                </a:solidFill>
-                <a:latin typeface="Calibri"/>
-              </a:rPr>
-              <a:t>p</a:t>
-            </a:r>
-            <a:r>
-              <a:rPr b="0" lang="en-US" sz="1800" spc="-1" strike="noStrike">
-                <a:solidFill>
-                  <a:srgbClr val="000000"/>
-                </a:solidFill>
-                <a:latin typeface="Calibri"/>
-              </a:rPr>
-              <a:t>r</a:t>
-            </a:r>
-            <a:r>
-              <a:rPr b="0" lang="en-US" sz="1800" spc="-1" strike="noStrike">
-                <a:solidFill>
-                  <a:srgbClr val="000000"/>
-                </a:solidFill>
-                <a:latin typeface="Calibri"/>
-              </a:rPr>
-              <a:t>o</a:t>
-            </a:r>
-            <a:r>
-              <a:rPr b="0" lang="en-US" sz="1800" spc="-1" strike="noStrike">
-                <a:solidFill>
-                  <a:srgbClr val="000000"/>
-                </a:solidFill>
-                <a:latin typeface="Calibri"/>
-              </a:rPr>
-              <a:t>p</a:t>
-            </a:r>
-            <a:r>
-              <a:rPr b="0" lang="en-US" sz="1800" spc="-1" strike="noStrike">
-                <a:solidFill>
-                  <a:srgbClr val="000000"/>
-                </a:solidFill>
-                <a:latin typeface="Calibri"/>
-              </a:rPr>
-              <a:t>e</a:t>
-            </a:r>
-            <a:r>
-              <a:rPr b="0" lang="en-US" sz="1800" spc="-1" strike="noStrike">
-                <a:solidFill>
-                  <a:srgbClr val="000000"/>
-                </a:solidFill>
-                <a:latin typeface="Calibri"/>
-              </a:rPr>
-              <a:t>r</a:t>
-            </a:r>
-            <a:r>
-              <a:rPr b="0" lang="en-US" sz="1800" spc="-1" strike="noStrike">
-                <a:solidFill>
-                  <a:srgbClr val="000000"/>
-                </a:solidFill>
-                <a:latin typeface="Calibri"/>
-              </a:rPr>
-              <a:t>l</a:t>
-            </a:r>
-            <a:r>
-              <a:rPr b="0" lang="en-US" sz="1800" spc="-1" strike="noStrike">
-                <a:solidFill>
-                  <a:srgbClr val="000000"/>
-                </a:solidFill>
-                <a:latin typeface="Calibri"/>
-              </a:rPr>
-              <a:t>y</a:t>
-            </a:r>
-            <a:endParaRPr b="0" lang="en-US" sz="1800" spc="-1" strike="noStrike">
+            <a:endParaRPr lang="en-US" sz="1800" b="0" strike="noStrike" spc="-1">
               <a:latin typeface="Arial"/>
             </a:endParaRPr>
           </a:p>
@@ -7129,177 +7241,15 @@
               </a:lnSpc>
             </a:pPr>
             <a:r>
-              <a:rPr b="0" lang="en-US" sz="1800" spc="-1" strike="noStrike">
+              <a:rPr lang="en-US" sz="1800" b="0" strike="noStrike" spc="-1">
                 <a:solidFill>
                   <a:srgbClr val="000000"/>
                 </a:solidFill>
                 <a:latin typeface="Calibri"/>
               </a:rPr>
-              <a:t>r</a:t>
+              <a:t>rejected alignments</a:t>
             </a:r>
-            <a:r>
-              <a:rPr b="0" lang="en-US" sz="1800" spc="-1" strike="noStrike">
-                <a:solidFill>
-                  <a:srgbClr val="000000"/>
-                </a:solidFill>
-                <a:latin typeface="Calibri"/>
-              </a:rPr>
-              <a:t>e</a:t>
-            </a:r>
-            <a:r>
-              <a:rPr b="0" lang="en-US" sz="1800" spc="-1" strike="noStrike">
-                <a:solidFill>
-                  <a:srgbClr val="000000"/>
-                </a:solidFill>
-                <a:latin typeface="Calibri"/>
-              </a:rPr>
-              <a:t>j</a:t>
-            </a:r>
-            <a:r>
-              <a:rPr b="0" lang="en-US" sz="1800" spc="-1" strike="noStrike">
-                <a:solidFill>
-                  <a:srgbClr val="000000"/>
-                </a:solidFill>
-                <a:latin typeface="Calibri"/>
-              </a:rPr>
-              <a:t>e</a:t>
-            </a:r>
-            <a:r>
-              <a:rPr b="0" lang="en-US" sz="1800" spc="-1" strike="noStrike">
-                <a:solidFill>
-                  <a:srgbClr val="000000"/>
-                </a:solidFill>
-                <a:latin typeface="Calibri"/>
-              </a:rPr>
-              <a:t>c</a:t>
-            </a:r>
-            <a:r>
-              <a:rPr b="0" lang="en-US" sz="1800" spc="-1" strike="noStrike">
-                <a:solidFill>
-                  <a:srgbClr val="000000"/>
-                </a:solidFill>
-                <a:latin typeface="Calibri"/>
-              </a:rPr>
-              <a:t>t</a:t>
-            </a:r>
-            <a:r>
-              <a:rPr b="0" lang="en-US" sz="1800" spc="-1" strike="noStrike">
-                <a:solidFill>
-                  <a:srgbClr val="000000"/>
-                </a:solidFill>
-                <a:latin typeface="Calibri"/>
-              </a:rPr>
-              <a:t>e</a:t>
-            </a:r>
-            <a:r>
-              <a:rPr b="0" lang="en-US" sz="1800" spc="-1" strike="noStrike">
-                <a:solidFill>
-                  <a:srgbClr val="000000"/>
-                </a:solidFill>
-                <a:latin typeface="Calibri"/>
-              </a:rPr>
-              <a:t>d</a:t>
-            </a:r>
-            <a:r>
-              <a:rPr b="0" lang="en-US" sz="1800" spc="-1" strike="noStrike">
-                <a:solidFill>
-                  <a:srgbClr val="000000"/>
-                </a:solidFill>
-                <a:latin typeface="Calibri"/>
-              </a:rPr>
-              <a:t> </a:t>
-            </a:r>
-            <a:r>
-              <a:rPr b="0" lang="en-US" sz="1800" spc="-1" strike="noStrike">
-                <a:solidFill>
-                  <a:srgbClr val="000000"/>
-                </a:solidFill>
-                <a:latin typeface="Calibri"/>
-              </a:rPr>
-              <a:t>a</a:t>
-            </a:r>
-            <a:r>
-              <a:rPr b="0" lang="en-US" sz="1800" spc="-1" strike="noStrike">
-                <a:solidFill>
-                  <a:srgbClr val="000000"/>
-                </a:solidFill>
-                <a:latin typeface="Calibri"/>
-              </a:rPr>
-              <a:t>l</a:t>
-            </a:r>
-            <a:r>
-              <a:rPr b="0" lang="en-US" sz="1800" spc="-1" strike="noStrike">
-                <a:solidFill>
-                  <a:srgbClr val="000000"/>
-                </a:solidFill>
-                <a:latin typeface="Calibri"/>
-              </a:rPr>
-              <a:t>i</a:t>
-            </a:r>
-            <a:r>
-              <a:rPr b="0" lang="en-US" sz="1800" spc="-1" strike="noStrike">
-                <a:solidFill>
-                  <a:srgbClr val="000000"/>
-                </a:solidFill>
-                <a:latin typeface="Calibri"/>
-              </a:rPr>
-              <a:t>g</a:t>
-            </a:r>
-            <a:r>
-              <a:rPr b="0" lang="en-US" sz="1800" spc="-1" strike="noStrike">
-                <a:solidFill>
-                  <a:srgbClr val="000000"/>
-                </a:solidFill>
-                <a:latin typeface="Calibri"/>
-              </a:rPr>
-              <a:t>n</a:t>
-            </a:r>
-            <a:r>
-              <a:rPr b="0" lang="en-US" sz="1800" spc="-1" strike="noStrike">
-                <a:solidFill>
-                  <a:srgbClr val="000000"/>
-                </a:solidFill>
-                <a:latin typeface="Calibri"/>
-              </a:rPr>
-              <a:t>m</a:t>
-            </a:r>
-            <a:r>
-              <a:rPr b="0" lang="en-US" sz="1800" spc="-1" strike="noStrike">
-                <a:solidFill>
-                  <a:srgbClr val="000000"/>
-                </a:solidFill>
-                <a:latin typeface="Calibri"/>
-              </a:rPr>
-              <a:t>e</a:t>
-            </a:r>
-            <a:r>
-              <a:rPr b="0" lang="en-US" sz="1800" spc="-1" strike="noStrike">
-                <a:solidFill>
-                  <a:srgbClr val="000000"/>
-                </a:solidFill>
-                <a:latin typeface="Calibri"/>
-              </a:rPr>
-              <a:t>n</a:t>
-            </a:r>
-            <a:r>
-              <a:rPr b="0" lang="en-US" sz="1800" spc="-1" strike="noStrike">
-                <a:solidFill>
-                  <a:srgbClr val="000000"/>
-                </a:solidFill>
-                <a:latin typeface="Calibri"/>
-              </a:rPr>
-              <a:t>t</a:t>
-            </a:r>
-            <a:r>
-              <a:rPr b="0" lang="en-US" sz="1800" spc="-1" strike="noStrike">
-                <a:solidFill>
-                  <a:srgbClr val="000000"/>
-                </a:solidFill>
-                <a:latin typeface="Calibri"/>
-              </a:rPr>
-              <a:t>s</a:t>
-            </a:r>
-            <a:endParaRPr b="0" lang="en-US" sz="1800" spc="-1" strike="noStrike">
+            <a:endParaRPr lang="en-US" sz="1800" b="0" strike="noStrike" spc="-1">
               <a:latin typeface="Arial"/>
             </a:endParaRPr>
           </a:p>
@@ -7313,7 +7263,7 @@
         </p:nvSpPr>
         <p:spPr>
           <a:xfrm>
-            <a:off x="4466160" y="6309360"/>
+            <a:off x="4445640" y="6340680"/>
             <a:ext cx="3200400" cy="457200"/>
           </a:xfrm>
           <a:prstGeom prst="rect">
@@ -7325,17 +7275,15 @@
           </a:ln>
         </p:spPr>
         <p:txBody>
-          <a:bodyPr lIns="90000" rIns="90000" tIns="45000" bIns="45000"/>
+          <a:bodyPr lIns="90000" tIns="45000" rIns="90000" bIns="45000"/>
+          <a:lstStyle/>
           <a:p>
             <a:r>
-              <a:rPr b="0" lang="en-US" sz="1800" spc="-1" strike="noStrike">
+              <a:rPr lang="en-US" sz="1800" b="0" strike="noStrike" spc="-1" dirty="0">
                 <a:latin typeface="Arial"/>
               </a:rPr>
               <a:t>Increasing Comp. Resources</a:t>
             </a:r>
-            <a:endParaRPr b="0" lang="en-US" sz="1800" spc="-1" strike="noStrike">
-              <a:latin typeface="Arial"/>
-            </a:endParaRPr>
           </a:p>
         </p:txBody>
       </p:sp>
@@ -7359,13 +7307,20 @@
           </a:ln>
         </p:spPr>
         <p:style>
-          <a:lnRef idx="0"/>
-          <a:fillRef idx="0"/>
-          <a:effectRef idx="0"/>
+          <a:lnRef idx="0">
+            <a:scrgbClr r="0" g="0" b="0"/>
+          </a:lnRef>
+          <a:fillRef idx="0">
+            <a:scrgbClr r="0" g="0" b="0"/>
+          </a:fillRef>
+          <a:effectRef idx="0">
+            <a:scrgbClr r="0" g="0" b="0"/>
+          </a:effectRef>
           <a:fontRef idx="minor"/>
         </p:style>
         <p:txBody>
-          <a:bodyPr wrap="none" lIns="90000" rIns="90000" tIns="45000" bIns="45000"/>
+          <a:bodyPr wrap="none" lIns="90000" tIns="45000" rIns="90000" bIns="45000"/>
+          <a:lstStyle/>
           <a:p>
             <a:pPr>
               <a:lnSpc>
@@ -7373,24 +7328,15 @@
               </a:lnSpc>
             </a:pPr>
             <a:r>
-              <a:rPr b="0" lang="en-US" sz="1800" spc="-1" strike="noStrike">
+              <a:rPr lang="en-US" sz="1800" b="0" strike="noStrike" spc="-1">
                 <a:solidFill>
                   <a:srgbClr val="000000"/>
                 </a:solidFill>
                 <a:latin typeface="Calibri"/>
               </a:rPr>
-              <a:t>Optimal </a:t>
+              <a:t>Optimal region: </a:t>
             </a:r>
-            <a:r>
-              <a:rPr b="0" lang="en-US" sz="1800" spc="-1" strike="noStrike">
-                <a:solidFill>
-                  <a:srgbClr val="000000"/>
-                </a:solidFill>
-                <a:latin typeface="Calibri"/>
-              </a:rPr>
-              <a:t>region: </a:t>
-            </a:r>
-            <a:endParaRPr b="0" lang="en-US" sz="1800" spc="-1" strike="noStrike">
+            <a:endParaRPr lang="en-US" sz="1800" b="0" strike="noStrike" spc="-1">
               <a:latin typeface="Arial"/>
             </a:endParaRPr>
           </a:p>
@@ -7401,33 +7347,15 @@
               </a:lnSpc>
             </a:pPr>
             <a:r>
-              <a:rPr b="0" lang="en-US" sz="1800" spc="-1" strike="noStrike">
+              <a:rPr lang="en-US" sz="1800" b="0" strike="noStrike" spc="-1">
                 <a:solidFill>
                   <a:srgbClr val="000000"/>
                 </a:solidFill>
                 <a:latin typeface="Calibri"/>
               </a:rPr>
-              <a:t>Maximize </a:t>
+              <a:t>Maximize sens. &amp; spec.</a:t>
             </a:r>
-            <a:r>
-              <a:rPr b="0" lang="en-US" sz="1800" spc="-1" strike="noStrike">
-                <a:solidFill>
-                  <a:srgbClr val="000000"/>
-                </a:solidFill>
-                <a:latin typeface="Calibri"/>
-              </a:rPr>
-              <a:t>sens. &amp; </a:t>
-            </a:r>
-            <a:r>
-              <a:rPr b="0" lang="en-US" sz="1800" spc="-1" strike="noStrike">
-                <a:solidFill>
-                  <a:srgbClr val="000000"/>
-                </a:solidFill>
-                <a:latin typeface="Calibri"/>
-              </a:rPr>
-              <a:t>spec.</a:t>
-            </a:r>
-            <a:endParaRPr b="0" lang="en-US" sz="1800" spc="-1" strike="noStrike">
+            <a:endParaRPr lang="en-US" sz="1800" b="0" strike="noStrike" spc="-1">
               <a:latin typeface="Arial"/>
             </a:endParaRPr>
           </a:p>
@@ -7438,33 +7366,15 @@
               </a:lnSpc>
             </a:pPr>
             <a:r>
-              <a:rPr b="0" lang="en-US" sz="1800" spc="-1" strike="noStrike">
+              <a:rPr lang="en-US" sz="1800" b="0" strike="noStrike" spc="-1">
                 <a:solidFill>
                   <a:srgbClr val="000000"/>
                 </a:solidFill>
                 <a:latin typeface="Calibri"/>
               </a:rPr>
-              <a:t>(&amp; Min. </a:t>
+              <a:t>(&amp; Min. Comp. resource)</a:t>
             </a:r>
-            <a:r>
-              <a:rPr b="0" lang="en-US" sz="1800" spc="-1" strike="noStrike">
-                <a:solidFill>
-                  <a:srgbClr val="000000"/>
-                </a:solidFill>
-                <a:latin typeface="Calibri"/>
-              </a:rPr>
-              <a:t>Comp. </a:t>
-            </a:r>
-            <a:r>
-              <a:rPr b="0" lang="en-US" sz="1800" spc="-1" strike="noStrike">
-                <a:solidFill>
-                  <a:srgbClr val="000000"/>
-                </a:solidFill>
-                <a:latin typeface="Calibri"/>
-              </a:rPr>
-              <a:t>resource)</a:t>
-            </a:r>
-            <a:endParaRPr b="0" lang="en-US" sz="1800" spc="-1" strike="noStrike">
+            <a:endParaRPr lang="en-US" sz="1800" b="0" strike="noStrike" spc="-1">
               <a:latin typeface="Arial"/>
             </a:endParaRPr>
           </a:p>
@@ -7472,22 +7382,25 @@
       </p:sp>
     </p:spTree>
   </p:cSld>
+  <p:clrMapOvr>
+    <a:masterClrMapping/>
+  </p:clrMapOvr>
   <p:timing>
     <p:tnLst>
       <p:par>
-        <p:cTn id="3" dur="indefinite" restart="never" nodeType="tmRoot">
+        <p:cTn id="1" dur="indefinite" restart="never" nodeType="tmRoot">
           <p:childTnLst>
             <p:seq>
-              <p:cTn id="4" dur="indefinite" nodeType="mainSeq"/>
+              <p:cTn id="2" dur="indefinite" nodeType="mainSeq"/>
               <p:prevCondLst>
-                <p:cond delay="0" evt="onPrev">
+                <p:cond evt="onPrev" delay="0">
                   <p:tgtEl>
                     <p:sldTgt/>
                   </p:tgtEl>
                 </p:cond>
               </p:prevCondLst>
               <p:nextCondLst>
-                <p:cond delay="0" evt="onNext">
+                <p:cond evt="onNext" delay="0">
                   <p:tgtEl>
                     <p:sldTgt/>
                   </p:tgtEl>
@@ -7503,7 +7416,7 @@
 </file>
 
 <file path=ppt/slides/slide3.xml><?xml version="1.0" encoding="utf-8"?>
-<p:sld xmlns:a="http://schemas.openxmlformats.org/drawingml/2006/main" xmlns:p="http://schemas.openxmlformats.org/presentationml/2006/main" xmlns:r="http://schemas.openxmlformats.org/officeDocument/2006/relationships" xmlns:p14="http://schemas.microsoft.com/office/powerpoint/2010/main" xmlns:p15="http://schemas.microsoft.com/office/powerpoint/2012/main" xmlns:mc="http://schemas.openxmlformats.org/markup-compatibility/2006">
+<p:sld xmlns:a="http://schemas.openxmlformats.org/drawingml/2006/main" xmlns:r="http://schemas.openxmlformats.org/officeDocument/2006/relationships" xmlns:p="http://schemas.openxmlformats.org/presentationml/2006/main">
   <p:cSld>
     <p:spTree>
       <p:nvGrpSpPr>
@@ -7540,8 +7453,9 @@
         </p:spPr>
         <p:txBody>
           <a:bodyPr anchor="ctr">
-            <a:normAutofit/>
+            <a:normAutofit fontScale="92500" lnSpcReduction="20000"/>
           </a:bodyPr>
+          <a:lstStyle/>
           <a:p>
             <a:pPr>
               <a:lnSpc>
@@ -7549,7 +7463,7 @@
               </a:lnSpc>
             </a:pPr>
             <a:r>
-              <a:rPr b="0" lang="en-US" sz="4400" spc="-1" strike="noStrike">
+              <a:rPr lang="en-US" sz="4400" b="0" strike="noStrike" spc="-1">
                 <a:solidFill>
                   <a:srgbClr val="000000"/>
                 </a:solidFill>
@@ -7557,7 +7471,7 @@
               </a:rPr>
               <a:t>Calculating T</a:t>
             </a:r>
-            <a:endParaRPr b="0" lang="en-US" sz="4400" spc="-1" strike="noStrike">
+            <a:endParaRPr lang="en-US" sz="4400" b="0" strike="noStrike" spc="-1">
               <a:solidFill>
                 <a:srgbClr val="000000"/>
               </a:solidFill>
@@ -7568,12 +7482,12 @@
       </p:sp>
       <p:pic>
         <p:nvPicPr>
-          <p:cNvPr id="141" name="Picture 7" descr=""/>
+          <p:cNvPr id="141" name="Picture 7"/>
           <p:cNvPicPr/>
           <p:nvPr/>
         </p:nvPicPr>
         <p:blipFill>
-          <a:blip r:embed="rId1"/>
+          <a:blip r:embed="rId2"/>
           <a:stretch/>
         </p:blipFill>
         <p:spPr>
@@ -7609,13 +7523,20 @@
           </a:ln>
         </p:spPr>
         <p:style>
-          <a:lnRef idx="0"/>
-          <a:fillRef idx="0"/>
-          <a:effectRef idx="0"/>
+          <a:lnRef idx="0">
+            <a:scrgbClr r="0" g="0" b="0"/>
+          </a:lnRef>
+          <a:fillRef idx="0">
+            <a:scrgbClr r="0" g="0" b="0"/>
+          </a:fillRef>
+          <a:effectRef idx="0">
+            <a:scrgbClr r="0" g="0" b="0"/>
+          </a:effectRef>
           <a:fontRef idx="minor"/>
         </p:style>
         <p:txBody>
-          <a:bodyPr lIns="90000" rIns="90000" tIns="45000" bIns="45000"/>
+          <a:bodyPr lIns="90000" tIns="45000" rIns="90000" bIns="45000"/>
+          <a:lstStyle/>
           <a:p>
             <a:pPr>
               <a:lnSpc>
@@ -7623,7 +7544,7 @@
               </a:lnSpc>
             </a:pPr>
             <a:r>
-              <a:rPr b="1" lang="en-US" sz="1800" spc="-1" strike="noStrike">
+              <a:rPr lang="en-US" sz="1800" b="1" strike="noStrike" spc="-1" dirty="0">
                 <a:solidFill>
                   <a:srgbClr val="000000"/>
                 </a:solidFill>
@@ -7631,7 +7552,7 @@
               </a:rPr>
               <a:t>Estimating T’s lower bound</a:t>
             </a:r>
-            <a:endParaRPr b="0" lang="en-US" sz="1800" spc="-1" strike="noStrike">
+            <a:endParaRPr lang="en-US" sz="1800" b="0" strike="noStrike" spc="-1" dirty="0">
               <a:latin typeface="Arial"/>
             </a:endParaRPr>
           </a:p>
@@ -7642,7 +7563,7 @@
               </a:lnSpc>
             </a:pPr>
             <a:r>
-              <a:rPr b="0" lang="en-US" sz="1600" spc="-1" strike="noStrike">
+              <a:rPr lang="en-US" sz="1600" b="0" strike="noStrike" spc="-1" dirty="0">
                 <a:solidFill>
                   <a:srgbClr val="000000"/>
                 </a:solidFill>
@@ -7651,7 +7572,7 @@
               <a:t>Given common variation on B6 chromosome 1, what T will properly accept </a:t>
             </a:r>
             <a:r>
-              <a:rPr b="1" lang="en-US" sz="1600" spc="-1" strike="noStrike">
+              <a:rPr lang="en-US" sz="1600" b="1" strike="noStrike" spc="-1" dirty="0">
                 <a:solidFill>
                   <a:srgbClr val="000000"/>
                 </a:solidFill>
@@ -7660,7 +7581,7 @@
               <a:t>99.9</a:t>
             </a:r>
             <a:r>
-              <a:rPr b="0" lang="en-US" sz="1600" spc="-1" strike="noStrike">
+              <a:rPr lang="en-US" sz="1600" b="0" strike="noStrike" spc="-1" dirty="0">
                 <a:solidFill>
                   <a:srgbClr val="000000"/>
                 </a:solidFill>
@@ -7668,7 +7589,7 @@
               </a:rPr>
               <a:t>% of the variation? </a:t>
             </a:r>
-            <a:endParaRPr b="0" lang="en-US" sz="1600" spc="-1" strike="noStrike">
+            <a:endParaRPr lang="en-US" sz="1600" b="0" strike="noStrike" spc="-1" dirty="0">
               <a:latin typeface="Arial"/>
             </a:endParaRPr>
           </a:p>
@@ -7678,7 +7599,7 @@
                 <a:spcPct val="100000"/>
               </a:lnSpc>
             </a:pPr>
-            <a:endParaRPr b="0" lang="en-US" sz="1600" spc="-1" strike="noStrike">
+            <a:endParaRPr lang="en-US" sz="1600" b="0" strike="noStrike" spc="-1" dirty="0">
               <a:latin typeface="Arial"/>
             </a:endParaRPr>
           </a:p>
@@ -7689,15 +7610,15 @@
               </a:lnSpc>
             </a:pPr>
             <a:r>
-              <a:rPr b="0" lang="en-US" sz="1600" spc="-1" strike="noStrike">
+              <a:rPr lang="en-US" sz="1600" b="0" strike="noStrike" spc="-1" dirty="0">
                 <a:solidFill>
                   <a:srgbClr val="000000"/>
                 </a:solidFill>
                 <a:latin typeface="Calibri"/>
               </a:rPr>
-              <a:t>To extrapolate this to PWK alignment assumes:</a:t>
+              <a:t>To use this method assumes:</a:t>
             </a:r>
-            <a:endParaRPr b="0" lang="en-US" sz="1600" spc="-1" strike="noStrike">
+            <a:endParaRPr lang="en-US" sz="1600" b="0" strike="noStrike" spc="-1" dirty="0">
               <a:latin typeface="Arial"/>
             </a:endParaRPr>
           </a:p>
@@ -7708,7 +7629,7 @@
               </a:lnSpc>
             </a:pPr>
             <a:r>
-              <a:rPr b="0" lang="en-US" sz="1600" spc="-1" strike="noStrike">
+              <a:rPr lang="en-US" sz="1600" b="0" strike="noStrike" spc="-1" dirty="0">
                 <a:solidFill>
                   <a:srgbClr val="000000"/>
                 </a:solidFill>
@@ -7716,7 +7637,7 @@
               </a:rPr>
               <a:t>1. B6 gene-region variation on chr1 is equal to the rest of the genome.  </a:t>
             </a:r>
-            <a:endParaRPr b="0" lang="en-US" sz="1600" spc="-1" strike="noStrike">
+            <a:endParaRPr lang="en-US" sz="1600" b="0" strike="noStrike" spc="-1" dirty="0">
               <a:latin typeface="Arial"/>
             </a:endParaRPr>
           </a:p>
@@ -7727,7 +7648,7 @@
               </a:lnSpc>
             </a:pPr>
             <a:r>
-              <a:rPr b="0" lang="en-US" sz="1600" spc="-1" strike="noStrike">
+              <a:rPr lang="en-US" sz="1600" b="0" strike="noStrike" spc="-1" dirty="0">
                 <a:solidFill>
                   <a:srgbClr val="000000"/>
                 </a:solidFill>
@@ -7735,17 +7656,7 @@
               </a:rPr>
               <a:t>2. PWK gene-region variation is similar to B6 </a:t>
             </a:r>
-            <a:endParaRPr b="0" lang="en-US" sz="1600" spc="-1" strike="noStrike">
-              <a:latin typeface="Arial"/>
-            </a:endParaRPr>
-          </a:p>
-          <a:p>
-            <a:pPr>
-              <a:lnSpc>
-                <a:spcPct val="100000"/>
-              </a:lnSpc>
-            </a:pPr>
-            <a:endParaRPr b="0" lang="en-US" sz="1600" spc="-1" strike="noStrike">
+            <a:endParaRPr lang="en-US" sz="1600" b="0" strike="noStrike" spc="-1" dirty="0">
               <a:latin typeface="Arial"/>
             </a:endParaRPr>
           </a:p>
@@ -7756,7 +7667,24 @@
               </a:lnSpc>
             </a:pPr>
             <a:r>
-              <a:rPr b="0" lang="en-US" sz="1600" spc="-1" strike="noStrike">
+              <a:rPr lang="en-US" sz="1600" spc="-1" dirty="0">
+                <a:latin typeface="Arial"/>
+              </a:rPr>
+              <a:t>ALGORITHM: </a:t>
+            </a:r>
+            <a:endParaRPr lang="en-US" sz="1600" b="0" strike="noStrike" spc="-1" dirty="0">
+              <a:latin typeface="Arial"/>
+            </a:endParaRPr>
+          </a:p>
+          <a:p>
+            <a:pPr marL="342900" indent="-342900">
+              <a:lnSpc>
+                <a:spcPct val="100000"/>
+              </a:lnSpc>
+              <a:buAutoNum type="arabicPeriod"/>
+            </a:pPr>
+            <a:r>
+              <a:rPr lang="en-US" sz="1600" b="0" strike="noStrike" spc="-1" dirty="0">
                 <a:solidFill>
                   <a:srgbClr val="000000"/>
                 </a:solidFill>
@@ -7764,8 +7692,132 @@
               </a:rPr>
               <a:t>Create a chromosome mask representing SNPs and iterate over each 100-mer in the mask, recording number of SNPs per 100-mer.</a:t>
             </a:r>
-            <a:endParaRPr b="0" lang="en-US" sz="1600" spc="-1" strike="noStrike">
-              <a:latin typeface="Arial"/>
+            <a:r>
+              <a:rPr lang="en-US" sz="1600" spc="-1" dirty="0">
+                <a:latin typeface="Arial"/>
+              </a:rPr>
+              <a:t> </a:t>
+            </a:r>
+          </a:p>
+          <a:p>
+            <a:pPr marL="342900" indent="-342900">
+              <a:lnSpc>
+                <a:spcPct val="100000"/>
+              </a:lnSpc>
+              <a:buAutoNum type="arabicPeriod"/>
+            </a:pPr>
+            <a:r>
+              <a:rPr lang="en-US" sz="1600" spc="-1" dirty="0">
+                <a:solidFill>
+                  <a:srgbClr val="000000"/>
+                </a:solidFill>
+                <a:latin typeface="Calibri"/>
+              </a:rPr>
+              <a:t>S</a:t>
+            </a:r>
+            <a:r>
+              <a:rPr lang="en-US" sz="1600" b="0" strike="noStrike" spc="-1" dirty="0">
+                <a:solidFill>
+                  <a:srgbClr val="000000"/>
+                </a:solidFill>
+                <a:latin typeface="Calibri"/>
+              </a:rPr>
+              <a:t>ince we’re aligning RNA-seq, only include </a:t>
+            </a:r>
+            <a:r>
+              <a:rPr lang="en-US" sz="1600" b="0" strike="noStrike" spc="-1" dirty="0" err="1">
+                <a:solidFill>
+                  <a:srgbClr val="000000"/>
+                </a:solidFill>
+                <a:latin typeface="Calibri"/>
+              </a:rPr>
+              <a:t>exonic</a:t>
+            </a:r>
+            <a:r>
+              <a:rPr lang="en-US" sz="1600" b="0" strike="noStrike" spc="-1" dirty="0">
+                <a:solidFill>
+                  <a:srgbClr val="000000"/>
+                </a:solidFill>
+                <a:latin typeface="Calibri"/>
+              </a:rPr>
+              <a:t> 100-mers. </a:t>
+            </a:r>
+            <a:r>
+              <a:rPr lang="en-US" sz="1600" spc="-1" dirty="0">
+                <a:solidFill>
+                  <a:srgbClr val="000000"/>
+                </a:solidFill>
+                <a:latin typeface="Calibri"/>
+              </a:rPr>
+              <a:t>Use </a:t>
+            </a:r>
+            <a:r>
+              <a:rPr lang="en-US" sz="1600" spc="-1" dirty="0" err="1">
+                <a:solidFill>
+                  <a:srgbClr val="000000"/>
+                </a:solidFill>
+                <a:latin typeface="Calibri"/>
+              </a:rPr>
+              <a:t>e</a:t>
+            </a:r>
+            <a:r>
+              <a:rPr lang="en-US" sz="1600" b="0" strike="noStrike" spc="-1" dirty="0" err="1">
+                <a:solidFill>
+                  <a:srgbClr val="000000"/>
+                </a:solidFill>
+                <a:latin typeface="Calibri"/>
+              </a:rPr>
+              <a:t>ntrez</a:t>
+            </a:r>
+            <a:r>
+              <a:rPr lang="en-US" sz="1600" b="0" strike="noStrike" spc="-1" dirty="0">
+                <a:solidFill>
+                  <a:srgbClr val="000000"/>
+                </a:solidFill>
+                <a:latin typeface="Calibri"/>
+              </a:rPr>
+              <a:t> </a:t>
+            </a:r>
+            <a:r>
+              <a:rPr lang="en-US" sz="1600" b="0" strike="noStrike" spc="-1">
+                <a:solidFill>
+                  <a:srgbClr val="000000"/>
+                </a:solidFill>
+                <a:latin typeface="Calibri"/>
+              </a:rPr>
+              <a:t>to pull genes </a:t>
+            </a:r>
+            <a:r>
+              <a:rPr lang="en-US" sz="1600" b="0" strike="noStrike" spc="-1" dirty="0">
+                <a:solidFill>
+                  <a:srgbClr val="000000"/>
+                </a:solidFill>
+                <a:latin typeface="Calibri"/>
+              </a:rPr>
+              <a:t>to create exon mask. </a:t>
+            </a:r>
+          </a:p>
+          <a:p>
+            <a:pPr marL="342900" indent="-342900">
+              <a:lnSpc>
+                <a:spcPct val="100000"/>
+              </a:lnSpc>
+              <a:buAutoNum type="arabicPeriod"/>
+            </a:pPr>
+            <a:r>
+              <a:rPr lang="en-US" sz="1600" spc="-1" dirty="0">
+                <a:solidFill>
+                  <a:srgbClr val="000000"/>
+                </a:solidFill>
+                <a:latin typeface="Calibri"/>
+              </a:rPr>
+              <a:t>Calculate T threshold that includes 99.9% data</a:t>
+            </a:r>
+            <a:endParaRPr lang="en-US" sz="1600" b="0" strike="noStrike" spc="-1" dirty="0">
+              <a:solidFill>
+                <a:srgbClr val="000000"/>
+              </a:solidFill>
+              <a:latin typeface="Calibri"/>
             </a:endParaRPr>
           </a:p>
           <a:p>
@@ -7775,25 +7827,24 @@
               </a:lnSpc>
             </a:pPr>
             <a:r>
-              <a:rPr b="0" lang="en-US" sz="1600" spc="-1" strike="noStrike">
+              <a:rPr lang="en-US" sz="1600" b="0" strike="noStrike" spc="-1" dirty="0">
                 <a:solidFill>
                   <a:srgbClr val="000000"/>
                 </a:solidFill>
                 <a:latin typeface="Calibri"/>
               </a:rPr>
-              <a:t>BUT, since we’re aligning RNA-seq, only include exonic 100-mers. </a:t>
+              <a:t>TODO: Splice out introns by splice sites: </a:t>
             </a:r>
-            <a:endParaRPr b="0" lang="en-US" sz="1600" spc="-1" strike="noStrike">
-              <a:latin typeface="Arial"/>
-            </a:endParaRPr>
-          </a:p>
-          <a:p>
-            <a:pPr>
-              <a:lnSpc>
-                <a:spcPct val="100000"/>
-              </a:lnSpc>
-            </a:pPr>
-            <a:endParaRPr b="0" lang="en-US" sz="1600" spc="-1" strike="noStrike">
+            <a:r>
+              <a:rPr lang="en-US" sz="1600" spc="-1" dirty="0">
+                <a:solidFill>
+                  <a:srgbClr val="000000"/>
+                </a:solidFill>
+                <a:latin typeface="Calibri"/>
+              </a:rPr>
+              <a:t>GT/AG, GC/AG, AT/AC (STAR)</a:t>
+            </a:r>
+            <a:endParaRPr lang="en-US" sz="1600" b="0" strike="noStrike" spc="-1" dirty="0">
               <a:latin typeface="Arial"/>
             </a:endParaRPr>
           </a:p>
@@ -7804,7 +7855,7 @@
               </a:lnSpc>
             </a:pPr>
             <a:r>
-              <a:rPr b="1" lang="en-US" sz="1800" spc="-1" strike="noStrike">
+              <a:rPr lang="en-US" sz="1800" b="1" strike="noStrike" spc="-1" dirty="0">
                 <a:solidFill>
                   <a:srgbClr val="000000"/>
                 </a:solidFill>
@@ -7812,7 +7863,7 @@
               </a:rPr>
               <a:t>Estimating T’s Upper Bound</a:t>
             </a:r>
-            <a:endParaRPr b="0" lang="en-US" sz="1800" spc="-1" strike="noStrike">
+            <a:endParaRPr lang="en-US" sz="1800" b="0" strike="noStrike" spc="-1" dirty="0">
               <a:latin typeface="Arial"/>
             </a:endParaRPr>
           </a:p>
@@ -7823,7 +7874,7 @@
               </a:lnSpc>
             </a:pPr>
             <a:r>
-              <a:rPr b="0" lang="en-US" sz="1600" spc="-1" strike="noStrike">
+              <a:rPr lang="en-US" sz="1600" b="0" strike="noStrike" spc="-1" dirty="0">
                 <a:solidFill>
                   <a:srgbClr val="000000"/>
                 </a:solidFill>
@@ -7831,7 +7882,7 @@
               </a:rPr>
               <a:t>Assuming random sequence and subsequence, what is the probability of getting an alignment allowing for T mismatches?</a:t>
             </a:r>
-            <a:endParaRPr b="0" lang="en-US" sz="1600" spc="-1" strike="noStrike">
+            <a:endParaRPr lang="en-US" sz="1600" b="0" strike="noStrike" spc="-1" dirty="0">
               <a:latin typeface="Arial"/>
             </a:endParaRPr>
           </a:p>
@@ -7841,7 +7892,7 @@
                 <a:spcPct val="100000"/>
               </a:lnSpc>
             </a:pPr>
-            <a:endParaRPr b="0" lang="en-US" sz="1600" spc="-1" strike="noStrike">
+            <a:endParaRPr lang="en-US" sz="1600" b="0" strike="noStrike" spc="-1" dirty="0">
               <a:latin typeface="Arial"/>
             </a:endParaRPr>
           </a:p>
@@ -7852,7 +7903,7 @@
               </a:lnSpc>
             </a:pPr>
             <a:r>
-              <a:rPr b="0" lang="en-US" sz="1800" spc="-1" strike="noStrike">
+              <a:rPr lang="en-US" sz="1800" b="0" strike="noStrike" spc="-1" dirty="0">
                 <a:solidFill>
                   <a:srgbClr val="000000"/>
                 </a:solidFill>
@@ -7860,7 +7911,7 @@
               </a:rPr>
               <a:t>	</a:t>
             </a:r>
-            <a:endParaRPr b="0" lang="en-US" sz="1800" spc="-1" strike="noStrike">
+            <a:endParaRPr lang="en-US" sz="1800" b="0" strike="noStrike" spc="-1" dirty="0">
               <a:latin typeface="Arial"/>
             </a:endParaRPr>
           </a:p>
@@ -7870,7 +7921,7 @@
                 <a:spcPct val="100000"/>
               </a:lnSpc>
             </a:pPr>
-            <a:endParaRPr b="0" lang="en-US" sz="1800" spc="-1" strike="noStrike">
+            <a:endParaRPr lang="en-US" sz="1800" b="0" strike="noStrike" spc="-1" dirty="0">
               <a:latin typeface="Arial"/>
             </a:endParaRPr>
           </a:p>
@@ -7880,26 +7931,57 @@
         <p:nvGraphicFramePr>
           <p:cNvPr id="143" name="Table 3"/>
           <p:cNvGraphicFramePr/>
-          <p:nvPr/>
+          <p:nvPr>
+            <p:extLst>
+              <p:ext uri="{D42A27DB-BD31-4B8C-83A1-F6EECF244321}">
+                <p14:modId xmlns:p14="http://schemas.microsoft.com/office/powerpoint/2010/main" val="2002180820"/>
+              </p:ext>
+            </p:extLst>
+          </p:nvPr>
         </p:nvGraphicFramePr>
         <p:xfrm>
           <a:off x="5624640" y="4371120"/>
-          <a:ext cx="6301440" cy="2349360"/>
+          <a:ext cx="6301800" cy="2346960"/>
         </p:xfrm>
         <a:graphic>
           <a:graphicData uri="http://schemas.openxmlformats.org/drawingml/2006/table">
             <a:tbl>
               <a:tblPr/>
               <a:tblGrid>
-                <a:gridCol w="2424960"/>
-                <a:gridCol w="1301040"/>
-                <a:gridCol w="1263600"/>
-                <a:gridCol w="1312200"/>
+                <a:gridCol w="2424960">
+                  <a:extLst>
+                    <a:ext uri="{9D8B030D-6E8A-4147-A177-3AD203B41FA5}">
+                      <a16:colId xmlns:a16="http://schemas.microsoft.com/office/drawing/2014/main" val="20000"/>
+                    </a:ext>
+                  </a:extLst>
+                </a:gridCol>
+                <a:gridCol w="1301040">
+                  <a:extLst>
+                    <a:ext uri="{9D8B030D-6E8A-4147-A177-3AD203B41FA5}">
+                      <a16:colId xmlns:a16="http://schemas.microsoft.com/office/drawing/2014/main" val="20001"/>
+                    </a:ext>
+                  </a:extLst>
+                </a:gridCol>
+                <a:gridCol w="1263600">
+                  <a:extLst>
+                    <a:ext uri="{9D8B030D-6E8A-4147-A177-3AD203B41FA5}">
+                      <a16:colId xmlns:a16="http://schemas.microsoft.com/office/drawing/2014/main" val="20002"/>
+                    </a:ext>
+                  </a:extLst>
+                </a:gridCol>
+                <a:gridCol w="1312200">
+                  <a:extLst>
+                    <a:ext uri="{9D8B030D-6E8A-4147-A177-3AD203B41FA5}">
+                      <a16:colId xmlns:a16="http://schemas.microsoft.com/office/drawing/2014/main" val="20003"/>
+                    </a:ext>
+                  </a:extLst>
+                </a:gridCol>
               </a:tblGrid>
               <a:tr h="357120">
                 <a:tc>
                   <a:txBody>
                     <a:bodyPr/>
+                    <a:lstStyle/>
                     <a:p>
                       <a:pPr>
                         <a:lnSpc>
@@ -7907,48 +7989,49 @@
                         </a:lnSpc>
                       </a:pPr>
                       <a:r>
-                        <a:rPr b="1" lang="en-US" sz="1800" spc="-1" strike="noStrike">
+                        <a:rPr lang="en-US" sz="1800" b="1" strike="noStrike" spc="-1">
                           <a:solidFill>
-                            <a:srgbClr val="ffffff"/>
+                            <a:srgbClr val="FFFFFF"/>
                           </a:solidFill>
                           <a:latin typeface="Calibri"/>
                         </a:rPr>
                         <a:t>Region</a:t>
                       </a:r>
-                      <a:endParaRPr b="0" lang="en-US" sz="1800" spc="-1" strike="noStrike">
+                      <a:endParaRPr lang="en-US" sz="1800" b="0" strike="noStrike" spc="-1">
                         <a:latin typeface="Arial"/>
                       </a:endParaRPr>
                     </a:p>
                   </a:txBody>
-                  <a:tcPr marL="91440" marR="91440">
+                  <a:tcPr>
                     <a:lnL w="12240">
                       <a:solidFill>
-                        <a:srgbClr val="ffffff"/>
+                        <a:srgbClr val="FFFFFF"/>
                       </a:solidFill>
                     </a:lnL>
                     <a:lnR w="12240">
                       <a:solidFill>
-                        <a:srgbClr val="ffffff"/>
+                        <a:srgbClr val="FFFFFF"/>
                       </a:solidFill>
                     </a:lnR>
                     <a:lnT w="12240">
                       <a:solidFill>
-                        <a:srgbClr val="ffffff"/>
+                        <a:srgbClr val="FFFFFF"/>
                       </a:solidFill>
                     </a:lnT>
                     <a:lnB w="38160">
                       <a:solidFill>
-                        <a:srgbClr val="ffffff"/>
+                        <a:srgbClr val="FFFFFF"/>
                       </a:solidFill>
                     </a:lnB>
                     <a:solidFill>
-                      <a:srgbClr val="4472c4"/>
+                      <a:srgbClr val="4472C4"/>
                     </a:solidFill>
                   </a:tcPr>
                 </a:tc>
                 <a:tc>
                   <a:txBody>
                     <a:bodyPr/>
+                    <a:lstStyle/>
                     <a:p>
                       <a:pPr>
                         <a:lnSpc>
@@ -7956,48 +8039,49 @@
                         </a:lnSpc>
                       </a:pPr>
                       <a:r>
-                        <a:rPr b="1" lang="en-US" sz="1800" spc="-1" strike="noStrike">
+                        <a:rPr lang="en-US" sz="1800" b="1" strike="noStrike" spc="-1">
                           <a:solidFill>
-                            <a:srgbClr val="ffffff"/>
+                            <a:srgbClr val="FFFFFF"/>
                           </a:solidFill>
                           <a:latin typeface="Calibri"/>
                         </a:rPr>
                         <a:t>Mean</a:t>
                       </a:r>
-                      <a:endParaRPr b="0" lang="en-US" sz="1800" spc="-1" strike="noStrike">
+                      <a:endParaRPr lang="en-US" sz="1800" b="0" strike="noStrike" spc="-1">
                         <a:latin typeface="Arial"/>
                       </a:endParaRPr>
                     </a:p>
                   </a:txBody>
-                  <a:tcPr marL="91440" marR="91440">
+                  <a:tcPr>
                     <a:lnL w="12240">
                       <a:solidFill>
-                        <a:srgbClr val="ffffff"/>
+                        <a:srgbClr val="FFFFFF"/>
                       </a:solidFill>
                     </a:lnL>
                     <a:lnR w="12240">
                       <a:solidFill>
-                        <a:srgbClr val="ffffff"/>
+                        <a:srgbClr val="FFFFFF"/>
                       </a:solidFill>
                     </a:lnR>
                     <a:lnT w="12240">
                       <a:solidFill>
-                        <a:srgbClr val="ffffff"/>
+                        <a:srgbClr val="FFFFFF"/>
                       </a:solidFill>
                     </a:lnT>
                     <a:lnB w="38160">
                       <a:solidFill>
-                        <a:srgbClr val="ffffff"/>
+                        <a:srgbClr val="FFFFFF"/>
                       </a:solidFill>
                     </a:lnB>
                     <a:solidFill>
-                      <a:srgbClr val="4472c4"/>
+                      <a:srgbClr val="4472C4"/>
                     </a:solidFill>
                   </a:tcPr>
                 </a:tc>
                 <a:tc>
                   <a:txBody>
                     <a:bodyPr/>
+                    <a:lstStyle/>
                     <a:p>
                       <a:pPr>
                         <a:lnSpc>
@@ -8005,48 +8089,49 @@
                         </a:lnSpc>
                       </a:pPr>
                       <a:r>
-                        <a:rPr b="1" lang="en-US" sz="1800" spc="-1" strike="noStrike">
+                        <a:rPr lang="en-US" sz="1800" b="1" strike="noStrike" spc="-1">
                           <a:solidFill>
-                            <a:srgbClr val="ffffff"/>
+                            <a:srgbClr val="FFFFFF"/>
                           </a:solidFill>
                           <a:latin typeface="Calibri"/>
                         </a:rPr>
                         <a:t>STD</a:t>
                       </a:r>
-                      <a:endParaRPr b="0" lang="en-US" sz="1800" spc="-1" strike="noStrike">
+                      <a:endParaRPr lang="en-US" sz="1800" b="0" strike="noStrike" spc="-1">
                         <a:latin typeface="Arial"/>
                       </a:endParaRPr>
                     </a:p>
                   </a:txBody>
-                  <a:tcPr marL="91440" marR="91440">
+                  <a:tcPr>
                     <a:lnL w="12240">
                       <a:solidFill>
-                        <a:srgbClr val="ffffff"/>
+                        <a:srgbClr val="FFFFFF"/>
                       </a:solidFill>
                     </a:lnL>
                     <a:lnR w="12240">
                       <a:solidFill>
-                        <a:srgbClr val="ffffff"/>
+                        <a:srgbClr val="FFFFFF"/>
                       </a:solidFill>
                     </a:lnR>
                     <a:lnT w="12240">
                       <a:solidFill>
-                        <a:srgbClr val="ffffff"/>
+                        <a:srgbClr val="FFFFFF"/>
                       </a:solidFill>
                     </a:lnT>
                     <a:lnB w="38160">
                       <a:solidFill>
-                        <a:srgbClr val="ffffff"/>
+                        <a:srgbClr val="FFFFFF"/>
                       </a:solidFill>
                     </a:lnB>
                     <a:solidFill>
-                      <a:srgbClr val="4472c4"/>
+                      <a:srgbClr val="4472C4"/>
                     </a:solidFill>
                   </a:tcPr>
                 </a:tc>
                 <a:tc>
                   <a:txBody>
                     <a:bodyPr/>
+                    <a:lstStyle/>
                     <a:p>
                       <a:pPr>
                         <a:lnSpc>
@@ -8054,50 +8139,56 @@
                         </a:lnSpc>
                       </a:pPr>
                       <a:r>
-                        <a:rPr b="1" lang="en-US" sz="1800" spc="-1" strike="noStrike">
+                        <a:rPr lang="en-US" sz="1800" b="1" strike="noStrike" spc="-1">
                           <a:solidFill>
-                            <a:srgbClr val="ffffff"/>
+                            <a:srgbClr val="FFFFFF"/>
                           </a:solidFill>
                           <a:latin typeface="Calibri"/>
                         </a:rPr>
                         <a:t>Max</a:t>
                       </a:r>
-                      <a:endParaRPr b="0" lang="en-US" sz="1800" spc="-1" strike="noStrike">
+                      <a:endParaRPr lang="en-US" sz="1800" b="0" strike="noStrike" spc="-1">
                         <a:latin typeface="Arial"/>
                       </a:endParaRPr>
                     </a:p>
                   </a:txBody>
-                  <a:tcPr marL="91440" marR="91440">
+                  <a:tcPr>
                     <a:lnL w="12240">
                       <a:solidFill>
-                        <a:srgbClr val="ffffff"/>
+                        <a:srgbClr val="FFFFFF"/>
                       </a:solidFill>
                     </a:lnL>
                     <a:lnR w="12240">
                       <a:solidFill>
-                        <a:srgbClr val="ffffff"/>
+                        <a:srgbClr val="FFFFFF"/>
                       </a:solidFill>
                     </a:lnR>
                     <a:lnT w="12240">
                       <a:solidFill>
-                        <a:srgbClr val="ffffff"/>
+                        <a:srgbClr val="FFFFFF"/>
                       </a:solidFill>
                     </a:lnT>
                     <a:lnB w="38160">
                       <a:solidFill>
-                        <a:srgbClr val="ffffff"/>
+                        <a:srgbClr val="FFFFFF"/>
                       </a:solidFill>
                     </a:lnB>
                     <a:solidFill>
-                      <a:srgbClr val="4472c4"/>
+                      <a:srgbClr val="4472C4"/>
                     </a:solidFill>
                   </a:tcPr>
                 </a:tc>
+                <a:extLst>
+                  <a:ext uri="{0D108BD9-81ED-4DB2-BD59-A6C34878D82A}">
+                    <a16:rowId xmlns:a16="http://schemas.microsoft.com/office/drawing/2014/main" val="10000"/>
+                  </a:ext>
+                </a:extLst>
               </a:tr>
               <a:tr h="591840">
                 <a:tc>
                   <a:txBody>
                     <a:bodyPr/>
+                    <a:lstStyle/>
                     <a:p>
                       <a:pPr>
                         <a:lnSpc>
@@ -8105,7 +8196,7 @@
                         </a:lnSpc>
                       </a:pPr>
                       <a:r>
-                        <a:rPr b="0" lang="en-US" sz="1800" spc="-1" strike="noStrike">
+                        <a:rPr lang="en-US" sz="1800" b="0" strike="noStrike" spc="-1">
                           <a:solidFill>
                             <a:srgbClr val="000000"/>
                           </a:solidFill>
@@ -8114,7 +8205,7 @@
                         <a:t>Gene Regions </a:t>
                       </a:r>
                       <a:r>
-                        <a:rPr b="0" lang="en-US" sz="1600" spc="-1" strike="noStrike">
+                        <a:rPr lang="en-US" sz="1600" b="0" strike="noStrike" spc="-1">
                           <a:solidFill>
                             <a:srgbClr val="000000"/>
                           </a:solidFill>
@@ -8123,7 +8214,7 @@
                         <a:t>(exon &amp; </a:t>
                       </a:r>
                       <a:r>
-                        <a:rPr b="1" lang="en-US" sz="1600" spc="-1" strike="noStrike">
+                        <a:rPr lang="en-US" sz="1600" b="1" strike="noStrike" spc="-1">
                           <a:solidFill>
                             <a:srgbClr val="000000"/>
                           </a:solidFill>
@@ -8132,7 +8223,7 @@
                         <a:t>intron!?</a:t>
                       </a:r>
                       <a:r>
-                        <a:rPr b="0" lang="en-US" sz="1600" spc="-1" strike="noStrike">
+                        <a:rPr lang="en-US" sz="1600" b="0" strike="noStrike" spc="-1">
                           <a:solidFill>
                             <a:srgbClr val="000000"/>
                           </a:solidFill>
@@ -8140,165 +8231,181 @@
                         </a:rPr>
                         <a:t>)</a:t>
                       </a:r>
-                      <a:endParaRPr b="0" lang="en-US" sz="1600" spc="-1" strike="noStrike">
+                      <a:endParaRPr lang="en-US" sz="1600" b="0" strike="noStrike" spc="-1">
                         <a:latin typeface="Arial"/>
                       </a:endParaRPr>
                     </a:p>
                   </a:txBody>
-                  <a:tcPr marL="91440" marR="91440">
+                  <a:tcPr>
                     <a:lnL w="12240">
                       <a:solidFill>
-                        <a:srgbClr val="ffffff"/>
+                        <a:srgbClr val="FFFFFF"/>
                       </a:solidFill>
                     </a:lnL>
                     <a:lnR w="12240">
                       <a:solidFill>
-                        <a:srgbClr val="ffffff"/>
+                        <a:srgbClr val="FFFFFF"/>
                       </a:solidFill>
                     </a:lnR>
-                    <a:lnT w="12240">
+                    <a:lnT w="38160" cap="flat" cmpd="sng" algn="ctr">
                       <a:solidFill>
-                        <a:srgbClr val="ffffff"/>
+                        <a:srgbClr val="FFFFFF"/>
                       </a:solidFill>
+                      <a:prstDash val="solid"/>
+                      <a:round/>
+                      <a:headEnd type="none" w="med" len="med"/>
+                      <a:tailEnd type="none" w="med" len="med"/>
                     </a:lnT>
                     <a:lnB w="12240">
                       <a:solidFill>
-                        <a:srgbClr val="ffffff"/>
+                        <a:srgbClr val="FFFFFF"/>
                       </a:solidFill>
                     </a:lnB>
                     <a:solidFill>
-                      <a:srgbClr val="cfd5e9"/>
+                      <a:srgbClr val="CFD5E9"/>
                     </a:solidFill>
                   </a:tcPr>
                 </a:tc>
                 <a:tc>
                   <a:txBody>
                     <a:bodyPr/>
+                    <a:lstStyle/>
                     <a:p>
                       <a:r>
-                        <a:rPr b="0" lang="en-US" sz="2400" spc="-1" strike="noStrike">
+                        <a:rPr lang="en-US" sz="2400" b="0" strike="noStrike" spc="-1">
                           <a:latin typeface="Times New Roman"/>
                         </a:rPr>
                         <a:t>0.801</a:t>
                       </a:r>
-                      <a:endParaRPr b="0" lang="en-US" sz="2400" spc="-1" strike="noStrike">
-                        <a:latin typeface="Times New Roman"/>
-                      </a:endParaRPr>
                     </a:p>
                   </a:txBody>
-                  <a:tcPr marL="91440" marR="91440">
+                  <a:tcPr>
                     <a:lnL w="12240">
                       <a:solidFill>
-                        <a:srgbClr val="ffffff"/>
+                        <a:srgbClr val="FFFFFF"/>
                       </a:solidFill>
                     </a:lnL>
                     <a:lnR w="12240">
                       <a:solidFill>
-                        <a:srgbClr val="ffffff"/>
+                        <a:srgbClr val="FFFFFF"/>
                       </a:solidFill>
                     </a:lnR>
-                    <a:lnT w="12240">
+                    <a:lnT w="38160" cap="flat" cmpd="sng" algn="ctr">
                       <a:solidFill>
-                        <a:srgbClr val="ffffff"/>
+                        <a:srgbClr val="FFFFFF"/>
                       </a:solidFill>
+                      <a:prstDash val="solid"/>
+                      <a:round/>
+                      <a:headEnd type="none" w="med" len="med"/>
+                      <a:tailEnd type="none" w="med" len="med"/>
                     </a:lnT>
                     <a:lnB w="12240">
                       <a:solidFill>
-                        <a:srgbClr val="ffffff"/>
+                        <a:srgbClr val="FFFFFF"/>
                       </a:solidFill>
                     </a:lnB>
                     <a:solidFill>
-                      <a:srgbClr val="cfd5e9"/>
+                      <a:srgbClr val="CFD5E9"/>
                     </a:solidFill>
                   </a:tcPr>
                 </a:tc>
                 <a:tc>
                   <a:txBody>
                     <a:bodyPr/>
+                    <a:lstStyle/>
                     <a:p>
                       <a:r>
-                        <a:rPr b="0" lang="en-US" sz="2400" spc="-1" strike="noStrike">
+                        <a:rPr lang="en-US" sz="2400" b="0" strike="noStrike" spc="-1">
                           <a:latin typeface="Times New Roman"/>
                         </a:rPr>
                         <a:t>1.221</a:t>
                       </a:r>
-                      <a:endParaRPr b="0" lang="en-US" sz="2400" spc="-1" strike="noStrike">
-                        <a:latin typeface="Times New Roman"/>
-                      </a:endParaRPr>
                     </a:p>
                   </a:txBody>
-                  <a:tcPr marL="91440" marR="91440">
+                  <a:tcPr>
                     <a:lnL w="12240">
                       <a:solidFill>
-                        <a:srgbClr val="ffffff"/>
+                        <a:srgbClr val="FFFFFF"/>
                       </a:solidFill>
                     </a:lnL>
                     <a:lnR w="12240">
                       <a:solidFill>
-                        <a:srgbClr val="ffffff"/>
+                        <a:srgbClr val="FFFFFF"/>
                       </a:solidFill>
                     </a:lnR>
-                    <a:lnT w="12240">
+                    <a:lnT w="38160" cap="flat" cmpd="sng" algn="ctr">
                       <a:solidFill>
-                        <a:srgbClr val="ffffff"/>
+                        <a:srgbClr val="FFFFFF"/>
                       </a:solidFill>
+                      <a:prstDash val="solid"/>
+                      <a:round/>
+                      <a:headEnd type="none" w="med" len="med"/>
+                      <a:tailEnd type="none" w="med" len="med"/>
                     </a:lnT>
                     <a:lnB w="12240">
                       <a:solidFill>
-                        <a:srgbClr val="ffffff"/>
+                        <a:srgbClr val="FFFFFF"/>
                       </a:solidFill>
                     </a:lnB>
                     <a:solidFill>
-                      <a:srgbClr val="cfd5e9"/>
+                      <a:srgbClr val="CFD5E9"/>
                     </a:solidFill>
                   </a:tcPr>
                 </a:tc>
                 <a:tc>
                   <a:txBody>
                     <a:bodyPr/>
+                    <a:lstStyle/>
                     <a:p>
                       <a:r>
-                        <a:rPr b="0" lang="en-US" sz="2400" spc="-1" strike="noStrike">
+                        <a:rPr lang="en-US" sz="2400" b="0" strike="noStrike" spc="-1">
                           <a:latin typeface="Times New Roman"/>
                         </a:rPr>
                         <a:t>20</a:t>
                       </a:r>
-                      <a:endParaRPr b="0" lang="en-US" sz="2400" spc="-1" strike="noStrike">
-                        <a:latin typeface="Times New Roman"/>
-                      </a:endParaRPr>
                     </a:p>
                   </a:txBody>
-                  <a:tcPr marL="91440" marR="91440">
+                  <a:tcPr>
                     <a:lnL w="12240">
                       <a:solidFill>
-                        <a:srgbClr val="ffffff"/>
+                        <a:srgbClr val="FFFFFF"/>
                       </a:solidFill>
                     </a:lnL>
                     <a:lnR w="12240">
                       <a:solidFill>
-                        <a:srgbClr val="ffffff"/>
+                        <a:srgbClr val="FFFFFF"/>
                       </a:solidFill>
                     </a:lnR>
-                    <a:lnT w="12240">
+                    <a:lnT w="38160" cap="flat" cmpd="sng" algn="ctr">
                       <a:solidFill>
-                        <a:srgbClr val="ffffff"/>
+                        <a:srgbClr val="FFFFFF"/>
                       </a:solidFill>
+                      <a:prstDash val="solid"/>
+                      <a:round/>
+                      <a:headEnd type="none" w="med" len="med"/>
+                      <a:tailEnd type="none" w="med" len="med"/>
                     </a:lnT>
                     <a:lnB w="12240">
                       <a:solidFill>
-                        <a:srgbClr val="ffffff"/>
+                        <a:srgbClr val="FFFFFF"/>
                       </a:solidFill>
                     </a:lnB>
                     <a:solidFill>
-                      <a:srgbClr val="cfd5e9"/>
+                      <a:srgbClr val="CFD5E9"/>
                     </a:solidFill>
                   </a:tcPr>
                 </a:tc>
+                <a:extLst>
+                  <a:ext uri="{0D108BD9-81ED-4DB2-BD59-A6C34878D82A}">
+                    <a16:rowId xmlns:a16="http://schemas.microsoft.com/office/drawing/2014/main" val="10001"/>
+                  </a:ext>
+                </a:extLst>
               </a:tr>
               <a:tr h="428760">
                 <a:tc>
                   <a:txBody>
                     <a:bodyPr/>
+                    <a:lstStyle/>
                     <a:p>
                       <a:pPr>
                         <a:lnSpc>
@@ -8306,173 +8413,173 @@
                         </a:lnSpc>
                       </a:pPr>
                       <a:r>
-                        <a:rPr b="0" lang="en-US" sz="1800" spc="-1" strike="noStrike">
+                        <a:rPr lang="en-US" sz="1800" b="0" strike="noStrike" spc="-1" dirty="0">
                           <a:solidFill>
                             <a:srgbClr val="000000"/>
                           </a:solidFill>
                           <a:latin typeface="Calibri"/>
                         </a:rPr>
-                        <a:t>Non Gene Regions </a:t>
+                        <a:t>Non -Gene Regions </a:t>
                       </a:r>
-                      <a:endParaRPr b="0" lang="en-US" sz="1800" spc="-1" strike="noStrike">
+                      <a:endParaRPr lang="en-US" sz="1800" b="0" strike="noStrike" spc="-1" dirty="0">
                         <a:latin typeface="Arial"/>
                       </a:endParaRPr>
                     </a:p>
                   </a:txBody>
-                  <a:tcPr marL="91440" marR="91440">
+                  <a:tcPr>
                     <a:lnL w="12240">
                       <a:solidFill>
-                        <a:srgbClr val="ffffff"/>
+                        <a:srgbClr val="FFFFFF"/>
                       </a:solidFill>
                     </a:lnL>
                     <a:lnR w="12240">
                       <a:solidFill>
-                        <a:srgbClr val="ffffff"/>
+                        <a:srgbClr val="FFFFFF"/>
                       </a:solidFill>
                     </a:lnR>
                     <a:lnT w="12240">
                       <a:solidFill>
-                        <a:srgbClr val="ffffff"/>
+                        <a:srgbClr val="FFFFFF"/>
                       </a:solidFill>
                     </a:lnT>
                     <a:lnB w="12240">
                       <a:solidFill>
-                        <a:srgbClr val="ffffff"/>
+                        <a:srgbClr val="FFFFFF"/>
                       </a:solidFill>
                     </a:lnB>
                     <a:solidFill>
-                      <a:srgbClr val="e8ebf4"/>
+                      <a:srgbClr val="E8EBF4"/>
                     </a:solidFill>
                   </a:tcPr>
                 </a:tc>
                 <a:tc>
                   <a:txBody>
                     <a:bodyPr/>
+                    <a:lstStyle/>
                     <a:p>
                       <a:r>
-                        <a:rPr b="0" lang="en-US" sz="2400" spc="-1" strike="noStrike">
+                        <a:rPr lang="en-US" sz="2400" b="0" strike="noStrike" spc="-1">
                           <a:latin typeface="Times New Roman"/>
                         </a:rPr>
                         <a:t>0.848</a:t>
                       </a:r>
-                      <a:endParaRPr b="0" lang="en-US" sz="2400" spc="-1" strike="noStrike">
-                        <a:latin typeface="Times New Roman"/>
-                      </a:endParaRPr>
                     </a:p>
                   </a:txBody>
-                  <a:tcPr marL="91440" marR="91440">
+                  <a:tcPr>
                     <a:lnL w="12240">
                       <a:solidFill>
-                        <a:srgbClr val="ffffff"/>
+                        <a:srgbClr val="FFFFFF"/>
                       </a:solidFill>
                     </a:lnL>
                     <a:lnR w="12240">
                       <a:solidFill>
-                        <a:srgbClr val="ffffff"/>
+                        <a:srgbClr val="FFFFFF"/>
                       </a:solidFill>
                     </a:lnR>
                     <a:lnT w="12240">
                       <a:solidFill>
-                        <a:srgbClr val="ffffff"/>
+                        <a:srgbClr val="FFFFFF"/>
                       </a:solidFill>
                     </a:lnT>
                     <a:lnB w="12240">
                       <a:solidFill>
-                        <a:srgbClr val="ffffff"/>
+                        <a:srgbClr val="FFFFFF"/>
                       </a:solidFill>
                     </a:lnB>
                     <a:solidFill>
-                      <a:srgbClr val="e8ebf4"/>
+                      <a:srgbClr val="E8EBF4"/>
                     </a:solidFill>
                   </a:tcPr>
                 </a:tc>
                 <a:tc>
                   <a:txBody>
                     <a:bodyPr/>
+                    <a:lstStyle/>
                     <a:p>
                       <a:r>
-                        <a:rPr b="0" lang="en-US" sz="2400" spc="-1" strike="noStrike">
+                        <a:rPr lang="en-US" sz="2400" b="0" strike="noStrike" spc="-1">
                           <a:latin typeface="Times New Roman"/>
                         </a:rPr>
                         <a:t>1.221</a:t>
                       </a:r>
-                      <a:endParaRPr b="0" lang="en-US" sz="2400" spc="-1" strike="noStrike">
-                        <a:latin typeface="Times New Roman"/>
-                      </a:endParaRPr>
                     </a:p>
                   </a:txBody>
-                  <a:tcPr marL="91440" marR="91440">
+                  <a:tcPr>
                     <a:lnL w="12240">
                       <a:solidFill>
-                        <a:srgbClr val="ffffff"/>
+                        <a:srgbClr val="FFFFFF"/>
                       </a:solidFill>
                     </a:lnL>
                     <a:lnR w="12240">
                       <a:solidFill>
-                        <a:srgbClr val="ffffff"/>
+                        <a:srgbClr val="FFFFFF"/>
                       </a:solidFill>
                     </a:lnR>
                     <a:lnT w="12240">
                       <a:solidFill>
-                        <a:srgbClr val="ffffff"/>
+                        <a:srgbClr val="FFFFFF"/>
                       </a:solidFill>
                     </a:lnT>
                     <a:lnB w="12240">
                       <a:solidFill>
-                        <a:srgbClr val="ffffff"/>
+                        <a:srgbClr val="FFFFFF"/>
                       </a:solidFill>
                     </a:lnB>
                     <a:solidFill>
-                      <a:srgbClr val="e8ebf4"/>
+                      <a:srgbClr val="E8EBF4"/>
                     </a:solidFill>
                   </a:tcPr>
                 </a:tc>
                 <a:tc>
                   <a:txBody>
                     <a:bodyPr/>
+                    <a:lstStyle/>
                     <a:p>
                       <a:r>
-                        <a:rPr b="0" lang="en-US" sz="2400" spc="-1" strike="noStrike">
+                        <a:rPr lang="en-US" sz="2400" b="0" strike="noStrike" spc="-1">
                           <a:latin typeface="Times New Roman"/>
                         </a:rPr>
                         <a:t>26</a:t>
                       </a:r>
-                      <a:endParaRPr b="0" lang="en-US" sz="2400" spc="-1" strike="noStrike">
-                        <a:latin typeface="Times New Roman"/>
-                      </a:endParaRPr>
                     </a:p>
                   </a:txBody>
-                  <a:tcPr marL="91440" marR="91440">
+                  <a:tcPr>
                     <a:lnL w="12240">
                       <a:solidFill>
-                        <a:srgbClr val="ffffff"/>
+                        <a:srgbClr val="FFFFFF"/>
                       </a:solidFill>
                     </a:lnL>
                     <a:lnR w="12240">
                       <a:solidFill>
-                        <a:srgbClr val="ffffff"/>
+                        <a:srgbClr val="FFFFFF"/>
                       </a:solidFill>
                     </a:lnR>
                     <a:lnT w="12240">
                       <a:solidFill>
-                        <a:srgbClr val="ffffff"/>
+                        <a:srgbClr val="FFFFFF"/>
                       </a:solidFill>
                     </a:lnT>
                     <a:lnB w="12240">
                       <a:solidFill>
-                        <a:srgbClr val="ffffff"/>
+                        <a:srgbClr val="FFFFFF"/>
                       </a:solidFill>
                     </a:lnB>
                     <a:solidFill>
-                      <a:srgbClr val="e8ebf4"/>
+                      <a:srgbClr val="E8EBF4"/>
                     </a:solidFill>
                   </a:tcPr>
                 </a:tc>
+                <a:extLst>
+                  <a:ext uri="{0D108BD9-81ED-4DB2-BD59-A6C34878D82A}">
+                    <a16:rowId xmlns:a16="http://schemas.microsoft.com/office/drawing/2014/main" val="10002"/>
+                  </a:ext>
+                </a:extLst>
               </a:tr>
               <a:tr h="428760">
                 <a:tc>
                   <a:txBody>
                     <a:bodyPr/>
+                    <a:lstStyle/>
                     <a:p>
                       <a:pPr>
                         <a:lnSpc>
@@ -8480,7 +8587,7 @@
                         </a:lnSpc>
                       </a:pPr>
                       <a:r>
-                        <a:rPr b="0" lang="en-US" sz="1800" spc="-1" strike="noStrike">
+                        <a:rPr lang="en-US" sz="1800" b="0" strike="noStrike" spc="-1">
                           <a:solidFill>
                             <a:srgbClr val="000000"/>
                           </a:solidFill>
@@ -8488,165 +8595,165 @@
                         </a:rPr>
                         <a:t>Boundary</a:t>
                       </a:r>
-                      <a:endParaRPr b="0" lang="en-US" sz="1800" spc="-1" strike="noStrike">
+                      <a:endParaRPr lang="en-US" sz="1800" b="0" strike="noStrike" spc="-1">
                         <a:latin typeface="Arial"/>
                       </a:endParaRPr>
                     </a:p>
                   </a:txBody>
-                  <a:tcPr marL="91440" marR="91440">
+                  <a:tcPr>
                     <a:lnL w="12240">
                       <a:solidFill>
-                        <a:srgbClr val="ffffff"/>
+                        <a:srgbClr val="FFFFFF"/>
                       </a:solidFill>
                     </a:lnL>
                     <a:lnR w="12240">
                       <a:solidFill>
-                        <a:srgbClr val="ffffff"/>
+                        <a:srgbClr val="FFFFFF"/>
                       </a:solidFill>
                     </a:lnR>
                     <a:lnT w="12240">
                       <a:solidFill>
-                        <a:srgbClr val="ffffff"/>
+                        <a:srgbClr val="FFFFFF"/>
                       </a:solidFill>
                     </a:lnT>
                     <a:lnB w="12240">
                       <a:solidFill>
-                        <a:srgbClr val="ffffff"/>
+                        <a:srgbClr val="FFFFFF"/>
                       </a:solidFill>
                     </a:lnB>
                     <a:solidFill>
-                      <a:srgbClr val="cfd5e9"/>
+                      <a:srgbClr val="CFD5E9"/>
                     </a:solidFill>
                   </a:tcPr>
                 </a:tc>
                 <a:tc>
                   <a:txBody>
                     <a:bodyPr/>
+                    <a:lstStyle/>
                     <a:p>
                       <a:r>
-                        <a:rPr b="0" lang="en-US" sz="2400" spc="-1" strike="noStrike">
+                        <a:rPr lang="en-US" sz="2400" b="0" strike="noStrike" spc="-1">
                           <a:latin typeface="Times New Roman"/>
                         </a:rPr>
                         <a:t>0.817</a:t>
                       </a:r>
-                      <a:endParaRPr b="0" lang="en-US" sz="2400" spc="-1" strike="noStrike">
-                        <a:latin typeface="Times New Roman"/>
-                      </a:endParaRPr>
                     </a:p>
                   </a:txBody>
-                  <a:tcPr marL="91440" marR="91440">
+                  <a:tcPr>
                     <a:lnL w="12240">
                       <a:solidFill>
-                        <a:srgbClr val="ffffff"/>
+                        <a:srgbClr val="FFFFFF"/>
                       </a:solidFill>
                     </a:lnL>
                     <a:lnR w="12240">
                       <a:solidFill>
-                        <a:srgbClr val="ffffff"/>
+                        <a:srgbClr val="FFFFFF"/>
                       </a:solidFill>
                     </a:lnR>
                     <a:lnT w="12240">
                       <a:solidFill>
-                        <a:srgbClr val="ffffff"/>
+                        <a:srgbClr val="FFFFFF"/>
                       </a:solidFill>
                     </a:lnT>
                     <a:lnB w="12240">
                       <a:solidFill>
-                        <a:srgbClr val="ffffff"/>
+                        <a:srgbClr val="FFFFFF"/>
                       </a:solidFill>
                     </a:lnB>
                     <a:solidFill>
-                      <a:srgbClr val="cfd5e9"/>
+                      <a:srgbClr val="CFD5E9"/>
                     </a:solidFill>
                   </a:tcPr>
                 </a:tc>
                 <a:tc>
                   <a:txBody>
                     <a:bodyPr/>
+                    <a:lstStyle/>
                     <a:p>
                       <a:r>
-                        <a:rPr b="0" lang="en-US" sz="2400" spc="-1" strike="noStrike">
+                        <a:rPr lang="en-US" sz="2400" b="0" strike="noStrike" spc="-1">
                           <a:latin typeface="Times New Roman"/>
                         </a:rPr>
                         <a:t>1.269</a:t>
                       </a:r>
-                      <a:endParaRPr b="0" lang="en-US" sz="2400" spc="-1" strike="noStrike">
-                        <a:latin typeface="Times New Roman"/>
-                      </a:endParaRPr>
                     </a:p>
                   </a:txBody>
-                  <a:tcPr marL="91440" marR="91440">
+                  <a:tcPr>
                     <a:lnL w="12240">
                       <a:solidFill>
-                        <a:srgbClr val="ffffff"/>
+                        <a:srgbClr val="FFFFFF"/>
                       </a:solidFill>
                     </a:lnL>
                     <a:lnR w="12240">
                       <a:solidFill>
-                        <a:srgbClr val="ffffff"/>
+                        <a:srgbClr val="FFFFFF"/>
                       </a:solidFill>
                     </a:lnR>
                     <a:lnT w="12240">
                       <a:solidFill>
-                        <a:srgbClr val="ffffff"/>
+                        <a:srgbClr val="FFFFFF"/>
                       </a:solidFill>
                     </a:lnT>
                     <a:lnB w="12240">
                       <a:solidFill>
-                        <a:srgbClr val="ffffff"/>
+                        <a:srgbClr val="FFFFFF"/>
                       </a:solidFill>
                     </a:lnB>
                     <a:solidFill>
-                      <a:srgbClr val="cfd5e9"/>
+                      <a:srgbClr val="CFD5E9"/>
                     </a:solidFill>
                   </a:tcPr>
                 </a:tc>
                 <a:tc>
                   <a:txBody>
                     <a:bodyPr/>
+                    <a:lstStyle/>
                     <a:p>
                       <a:r>
-                        <a:rPr b="0" lang="en-US" sz="2400" spc="-1" strike="noStrike">
+                        <a:rPr lang="en-US" sz="2400" b="0" strike="noStrike" spc="-1">
                           <a:latin typeface="Times New Roman"/>
                         </a:rPr>
                         <a:t>20</a:t>
                       </a:r>
-                      <a:endParaRPr b="0" lang="en-US" sz="2400" spc="-1" strike="noStrike">
-                        <a:latin typeface="Times New Roman"/>
-                      </a:endParaRPr>
                     </a:p>
                   </a:txBody>
-                  <a:tcPr marL="91440" marR="91440">
+                  <a:tcPr>
                     <a:lnL w="12240">
                       <a:solidFill>
-                        <a:srgbClr val="ffffff"/>
+                        <a:srgbClr val="FFFFFF"/>
                       </a:solidFill>
                     </a:lnL>
                     <a:lnR w="12240">
                       <a:solidFill>
-                        <a:srgbClr val="ffffff"/>
+                        <a:srgbClr val="FFFFFF"/>
                       </a:solidFill>
                     </a:lnR>
                     <a:lnT w="12240">
                       <a:solidFill>
-                        <a:srgbClr val="ffffff"/>
+                        <a:srgbClr val="FFFFFF"/>
                       </a:solidFill>
                     </a:lnT>
                     <a:lnB w="12240">
                       <a:solidFill>
-                        <a:srgbClr val="ffffff"/>
+                        <a:srgbClr val="FFFFFF"/>
                       </a:solidFill>
                     </a:lnB>
                     <a:solidFill>
-                      <a:srgbClr val="cfd5e9"/>
+                      <a:srgbClr val="CFD5E9"/>
                     </a:solidFill>
                   </a:tcPr>
                 </a:tc>
+                <a:extLst>
+                  <a:ext uri="{0D108BD9-81ED-4DB2-BD59-A6C34878D82A}">
+                    <a16:rowId xmlns:a16="http://schemas.microsoft.com/office/drawing/2014/main" val="10003"/>
+                  </a:ext>
+                </a:extLst>
               </a:tr>
               <a:tr h="428760">
                 <a:tc>
                   <a:txBody>
                     <a:bodyPr/>
+                    <a:lstStyle/>
                     <a:p>
                       <a:pPr>
                         <a:lnSpc>
@@ -8654,7 +8761,7 @@
                         </a:lnSpc>
                       </a:pPr>
                       <a:r>
-                        <a:rPr b="0" lang="en-US" sz="1800" spc="-1" strike="noStrike">
+                        <a:rPr lang="en-US" sz="1800" b="0" strike="noStrike" spc="-1">
                           <a:solidFill>
                             <a:srgbClr val="000000"/>
                           </a:solidFill>
@@ -8662,40 +8769,41 @@
                         </a:rPr>
                         <a:t>All</a:t>
                       </a:r>
-                      <a:endParaRPr b="0" lang="en-US" sz="1800" spc="-1" strike="noStrike">
+                      <a:endParaRPr lang="en-US" sz="1800" b="0" strike="noStrike" spc="-1">
                         <a:latin typeface="Arial"/>
                       </a:endParaRPr>
                     </a:p>
                   </a:txBody>
-                  <a:tcPr marL="91440" marR="91440">
+                  <a:tcPr>
                     <a:lnL w="12240">
                       <a:solidFill>
-                        <a:srgbClr val="ffffff"/>
+                        <a:srgbClr val="FFFFFF"/>
                       </a:solidFill>
                     </a:lnL>
                     <a:lnR w="12240">
                       <a:solidFill>
-                        <a:srgbClr val="ffffff"/>
+                        <a:srgbClr val="FFFFFF"/>
                       </a:solidFill>
                     </a:lnR>
                     <a:lnT w="12240">
                       <a:solidFill>
-                        <a:srgbClr val="ffffff"/>
+                        <a:srgbClr val="FFFFFF"/>
                       </a:solidFill>
                     </a:lnT>
                     <a:lnB w="12240">
                       <a:solidFill>
-                        <a:srgbClr val="ffffff"/>
+                        <a:srgbClr val="FFFFFF"/>
                       </a:solidFill>
                     </a:lnB>
                     <a:solidFill>
-                      <a:srgbClr val="e8ebf4"/>
+                      <a:srgbClr val="E8EBF4"/>
                     </a:solidFill>
                   </a:tcPr>
                 </a:tc>
                 <a:tc>
                   <a:txBody>
                     <a:bodyPr/>
+                    <a:lstStyle/>
                     <a:p>
                       <a:pPr>
                         <a:lnSpc>
@@ -8703,7 +8811,7 @@
                         </a:lnSpc>
                       </a:pPr>
                       <a:r>
-                        <a:rPr b="0" lang="en-US" sz="1800" spc="-1" strike="noStrike">
+                        <a:rPr lang="en-US" sz="1800" b="0" strike="noStrike" spc="-1">
                           <a:solidFill>
                             <a:srgbClr val="000000"/>
                           </a:solidFill>
@@ -8711,40 +8819,41 @@
                         </a:rPr>
                         <a:t>0.834</a:t>
                       </a:r>
-                      <a:endParaRPr b="0" lang="en-US" sz="1800" spc="-1" strike="noStrike">
+                      <a:endParaRPr lang="en-US" sz="1800" b="0" strike="noStrike" spc="-1">
                         <a:latin typeface="Arial"/>
                       </a:endParaRPr>
                     </a:p>
                   </a:txBody>
-                  <a:tcPr marL="91440" marR="91440">
+                  <a:tcPr>
                     <a:lnL w="12240">
                       <a:solidFill>
-                        <a:srgbClr val="ffffff"/>
+                        <a:srgbClr val="FFFFFF"/>
                       </a:solidFill>
                     </a:lnL>
                     <a:lnR w="12240">
                       <a:solidFill>
-                        <a:srgbClr val="ffffff"/>
+                        <a:srgbClr val="FFFFFF"/>
                       </a:solidFill>
                     </a:lnR>
                     <a:lnT w="12240">
                       <a:solidFill>
-                        <a:srgbClr val="ffffff"/>
+                        <a:srgbClr val="FFFFFF"/>
                       </a:solidFill>
                     </a:lnT>
                     <a:lnB w="12240">
                       <a:solidFill>
-                        <a:srgbClr val="ffffff"/>
+                        <a:srgbClr val="FFFFFF"/>
                       </a:solidFill>
                     </a:lnB>
                     <a:solidFill>
-                      <a:srgbClr val="e8ebf4"/>
+                      <a:srgbClr val="E8EBF4"/>
                     </a:solidFill>
                   </a:tcPr>
                 </a:tc>
                 <a:tc>
                   <a:txBody>
                     <a:bodyPr/>
+                    <a:lstStyle/>
                     <a:p>
                       <a:pPr>
                         <a:lnSpc>
@@ -8752,7 +8861,7 @@
                         </a:lnSpc>
                       </a:pPr>
                       <a:r>
-                        <a:rPr b="0" lang="en-US" sz="1800" spc="-1" strike="noStrike">
+                        <a:rPr lang="en-US" sz="1800" b="0" strike="noStrike" spc="-1">
                           <a:solidFill>
                             <a:srgbClr val="000000"/>
                           </a:solidFill>
@@ -8760,78 +8869,81 @@
                         </a:rPr>
                         <a:t>1.259</a:t>
                       </a:r>
-                      <a:endParaRPr b="0" lang="en-US" sz="1800" spc="-1" strike="noStrike">
+                      <a:endParaRPr lang="en-US" sz="1800" b="0" strike="noStrike" spc="-1">
                         <a:latin typeface="Arial"/>
                       </a:endParaRPr>
                     </a:p>
                   </a:txBody>
-                  <a:tcPr marL="91440" marR="91440">
+                  <a:tcPr>
                     <a:lnL w="12240">
                       <a:solidFill>
-                        <a:srgbClr val="ffffff"/>
+                        <a:srgbClr val="FFFFFF"/>
                       </a:solidFill>
                     </a:lnL>
                     <a:lnR w="12240">
                       <a:solidFill>
-                        <a:srgbClr val="ffffff"/>
+                        <a:srgbClr val="FFFFFF"/>
                       </a:solidFill>
                     </a:lnR>
                     <a:lnT w="12240">
                       <a:solidFill>
-                        <a:srgbClr val="ffffff"/>
+                        <a:srgbClr val="FFFFFF"/>
                       </a:solidFill>
                     </a:lnT>
                     <a:lnB w="12240">
                       <a:solidFill>
-                        <a:srgbClr val="ffffff"/>
+                        <a:srgbClr val="FFFFFF"/>
                       </a:solidFill>
                     </a:lnB>
                     <a:solidFill>
-                      <a:srgbClr val="e8ebf4"/>
+                      <a:srgbClr val="E8EBF4"/>
                     </a:solidFill>
                   </a:tcPr>
                 </a:tc>
                 <a:tc>
                   <a:txBody>
                     <a:bodyPr/>
+                    <a:lstStyle/>
                     <a:p>
                       <a:r>
-                        <a:rPr b="0" lang="en-US" sz="2400" spc="-1" strike="noStrike">
+                        <a:rPr lang="en-US" sz="2400" b="0" strike="noStrike" spc="-1" dirty="0">
                           <a:latin typeface="Times New Roman"/>
                         </a:rPr>
                         <a:t>26</a:t>
                       </a:r>
-                      <a:endParaRPr b="0" lang="en-US" sz="2400" spc="-1" strike="noStrike">
-                        <a:latin typeface="Times New Roman"/>
-                      </a:endParaRPr>
                     </a:p>
                   </a:txBody>
-                  <a:tcPr marL="91440" marR="91440">
+                  <a:tcPr>
                     <a:lnL w="12240">
                       <a:solidFill>
-                        <a:srgbClr val="ffffff"/>
+                        <a:srgbClr val="FFFFFF"/>
                       </a:solidFill>
                     </a:lnL>
                     <a:lnR w="12240">
                       <a:solidFill>
-                        <a:srgbClr val="ffffff"/>
+                        <a:srgbClr val="FFFFFF"/>
                       </a:solidFill>
                     </a:lnR>
                     <a:lnT w="12240">
                       <a:solidFill>
-                        <a:srgbClr val="ffffff"/>
+                        <a:srgbClr val="FFFFFF"/>
                       </a:solidFill>
                     </a:lnT>
                     <a:lnB w="12240">
                       <a:solidFill>
-                        <a:srgbClr val="ffffff"/>
+                        <a:srgbClr val="FFFFFF"/>
                       </a:solidFill>
                     </a:lnB>
                     <a:solidFill>
-                      <a:srgbClr val="e8ebf4"/>
+                      <a:srgbClr val="E8EBF4"/>
                     </a:solidFill>
                   </a:tcPr>
                 </a:tc>
+                <a:extLst>
+                  <a:ext uri="{0D108BD9-81ED-4DB2-BD59-A6C34878D82A}">
+                    <a16:rowId xmlns:a16="http://schemas.microsoft.com/office/drawing/2014/main" val="10004"/>
+                  </a:ext>
+                </a:extLst>
               </a:tr>
             </a:tbl>
           </a:graphicData>
@@ -8839,12 +8951,12 @@
       </p:graphicFrame>
       <p:pic>
         <p:nvPicPr>
-          <p:cNvPr id="144" name="" descr=""/>
+          <p:cNvPr id="144" name="Picture 143"/>
           <p:cNvPicPr/>
           <p:nvPr/>
         </p:nvPicPr>
         <p:blipFill>
-          <a:blip r:embed="rId2"/>
+          <a:blip r:embed="rId3"/>
           <a:stretch/>
         </p:blipFill>
         <p:spPr>
@@ -8862,22 +8974,25 @@
       </p:pic>
     </p:spTree>
   </p:cSld>
+  <p:clrMapOvr>
+    <a:masterClrMapping/>
+  </p:clrMapOvr>
   <p:timing>
     <p:tnLst>
       <p:par>
-        <p:cTn id="5" dur="indefinite" restart="never" nodeType="tmRoot">
+        <p:cTn id="1" dur="indefinite" restart="never" nodeType="tmRoot">
           <p:childTnLst>
             <p:seq>
-              <p:cTn id="6" dur="indefinite" nodeType="mainSeq"/>
+              <p:cTn id="2" dur="indefinite" nodeType="mainSeq"/>
               <p:prevCondLst>
-                <p:cond delay="0" evt="onPrev">
+                <p:cond evt="onPrev" delay="0">
                   <p:tgtEl>
                     <p:sldTgt/>
                   </p:tgtEl>
                 </p:cond>
               </p:prevCondLst>
               <p:nextCondLst>
-                <p:cond delay="0" evt="onNext">
+                <p:cond evt="onNext" delay="0">
                   <p:tgtEl>
                     <p:sldTgt/>
                   </p:tgtEl>
@@ -8893,7 +9008,7 @@
 </file>
 
 <file path=ppt/slides/slide4.xml><?xml version="1.0" encoding="utf-8"?>
-<p:sld xmlns:a="http://schemas.openxmlformats.org/drawingml/2006/main" xmlns:p="http://schemas.openxmlformats.org/presentationml/2006/main" xmlns:r="http://schemas.openxmlformats.org/officeDocument/2006/relationships" xmlns:p14="http://schemas.microsoft.com/office/powerpoint/2010/main" xmlns:p15="http://schemas.microsoft.com/office/powerpoint/2012/main" xmlns:mc="http://schemas.openxmlformats.org/markup-compatibility/2006">
+<p:sld xmlns:a="http://schemas.openxmlformats.org/drawingml/2006/main" xmlns:r="http://schemas.openxmlformats.org/officeDocument/2006/relationships" xmlns:p="http://schemas.openxmlformats.org/presentationml/2006/main">
   <p:cSld>
     <p:spTree>
       <p:nvGrpSpPr>
@@ -8930,13 +9045,18 @@
         </p:spPr>
         <p:txBody>
           <a:bodyPr anchor="ctr"/>
-          <a:p>
-            <a:endParaRPr b="0" lang="en-US" sz="1800" spc="-1" strike="noStrike">
-              <a:solidFill>
-                <a:srgbClr val="000000"/>
-              </a:solidFill>
-              <a:latin typeface="Calibri"/>
-            </a:endParaRPr>
+          <a:lstStyle/>
+          <a:p>
+            <a:pPr algn="ctr"/>
+            <a:r>
+              <a:rPr lang="en-US" sz="3600" b="0" strike="noStrike" spc="-1" dirty="0">
+                <a:solidFill>
+                  <a:srgbClr val="000000"/>
+                </a:solidFill>
+                <a:latin typeface="Calibri"/>
+              </a:rPr>
+              <a:t>Results and Alignment</a:t>
+            </a:r>
           </a:p>
         </p:txBody>
       </p:sp>
@@ -8948,7 +9068,7 @@
         </p:nvGrpSpPr>
         <p:grpSpPr>
           <a:xfrm>
-            <a:off x="6675120" y="4846320"/>
+            <a:off x="7284320" y="4775040"/>
             <a:ext cx="4479480" cy="1903320"/>
             <a:chOff x="6675120" y="4846320"/>
             <a:chExt cx="4479480" cy="1903320"/>
@@ -9063,13 +9183,20 @@
             </a:ln>
           </p:spPr>
           <p:style>
-            <a:lnRef idx="0"/>
-            <a:fillRef idx="0"/>
-            <a:effectRef idx="0"/>
+            <a:lnRef idx="0">
+              <a:scrgbClr r="0" g="0" b="0"/>
+            </a:lnRef>
+            <a:fillRef idx="0">
+              <a:scrgbClr r="0" g="0" b="0"/>
+            </a:fillRef>
+            <a:effectRef idx="0">
+              <a:scrgbClr r="0" g="0" b="0"/>
+            </a:effectRef>
             <a:fontRef idx="minor"/>
           </p:style>
           <p:txBody>
-            <a:bodyPr wrap="none" lIns="90000" rIns="90000" tIns="45000" bIns="45000"/>
+            <a:bodyPr wrap="none" lIns="90000" tIns="45000" rIns="90000" bIns="45000"/>
+            <a:lstStyle/>
             <a:p>
               <a:pPr>
                 <a:lnSpc>
@@ -9077,7 +9204,7 @@
                 </a:lnSpc>
               </a:pPr>
               <a:r>
-                <a:rPr b="0" lang="en-US" sz="1800" spc="-1" strike="noStrike">
+                <a:rPr lang="en-US" sz="1800" b="0" strike="noStrike" spc="-1">
                   <a:solidFill>
                     <a:srgbClr val="000000"/>
                   </a:solidFill>
@@ -9085,7 +9212,7 @@
                 </a:rPr>
                 <a:t>0</a:t>
               </a:r>
-              <a:endParaRPr b="0" lang="en-US" sz="1800" spc="-1" strike="noStrike">
+              <a:endParaRPr lang="en-US" sz="1800" b="0" strike="noStrike" spc="-1">
                 <a:latin typeface="Arial"/>
               </a:endParaRPr>
             </a:p>
@@ -9111,13 +9238,20 @@
             </a:ln>
           </p:spPr>
           <p:style>
-            <a:lnRef idx="0"/>
-            <a:fillRef idx="0"/>
-            <a:effectRef idx="0"/>
+            <a:lnRef idx="0">
+              <a:scrgbClr r="0" g="0" b="0"/>
+            </a:lnRef>
+            <a:fillRef idx="0">
+              <a:scrgbClr r="0" g="0" b="0"/>
+            </a:fillRef>
+            <a:effectRef idx="0">
+              <a:scrgbClr r="0" g="0" b="0"/>
+            </a:effectRef>
             <a:fontRef idx="minor"/>
           </p:style>
           <p:txBody>
-            <a:bodyPr wrap="none" lIns="90000" rIns="90000" tIns="45000" bIns="45000"/>
+            <a:bodyPr wrap="none" lIns="90000" tIns="45000" rIns="90000" bIns="45000"/>
+            <a:lstStyle/>
             <a:p>
               <a:pPr>
                 <a:lnSpc>
@@ -9125,7 +9259,7 @@
                 </a:lnSpc>
               </a:pPr>
               <a:r>
-                <a:rPr b="0" lang="en-US" sz="1800" spc="-1" strike="noStrike">
+                <a:rPr lang="en-US" sz="1800" b="0" strike="noStrike" spc="-1">
                   <a:solidFill>
                     <a:srgbClr val="000000"/>
                   </a:solidFill>
@@ -9133,7 +9267,7 @@
                 </a:rPr>
                 <a:t>100</a:t>
               </a:r>
-              <a:endParaRPr b="0" lang="en-US" sz="1800" spc="-1" strike="noStrike">
+              <a:endParaRPr lang="en-US" sz="1800" b="0" strike="noStrike" spc="-1">
                 <a:latin typeface="Arial"/>
               </a:endParaRPr>
             </a:p>
@@ -9154,7 +9288,7 @@
               <a:avLst/>
             </a:prstGeom>
             <a:solidFill>
-              <a:srgbClr val="e43030">
+              <a:srgbClr val="E43030">
                 <a:alpha val="19000"/>
               </a:srgbClr>
             </a:solidFill>
@@ -9253,13 +9387,20 @@
             </a:ln>
           </p:spPr>
           <p:style>
-            <a:lnRef idx="0"/>
-            <a:fillRef idx="0"/>
-            <a:effectRef idx="0"/>
+            <a:lnRef idx="0">
+              <a:scrgbClr r="0" g="0" b="0"/>
+            </a:lnRef>
+            <a:fillRef idx="0">
+              <a:scrgbClr r="0" g="0" b="0"/>
+            </a:fillRef>
+            <a:effectRef idx="0">
+              <a:scrgbClr r="0" g="0" b="0"/>
+            </a:effectRef>
             <a:fontRef idx="minor"/>
           </p:style>
           <p:txBody>
-            <a:bodyPr wrap="none" lIns="90000" rIns="90000" tIns="45000" bIns="45000"/>
+            <a:bodyPr wrap="none" lIns="90000" tIns="45000" rIns="90000" bIns="45000"/>
+            <a:lstStyle/>
             <a:p>
               <a:pPr>
                 <a:lnSpc>
@@ -9267,7 +9408,7 @@
                 </a:lnSpc>
               </a:pPr>
               <a:r>
-                <a:rPr b="0" lang="en-US" sz="1800" spc="-1" strike="noStrike">
+                <a:rPr lang="en-US" sz="1800" b="0" strike="noStrike" spc="-1">
                   <a:solidFill>
                     <a:srgbClr val="000000"/>
                   </a:solidFill>
@@ -9275,7 +9416,7 @@
                 </a:rPr>
                 <a:t>7</a:t>
               </a:r>
-              <a:endParaRPr b="0" lang="en-US" sz="1800" spc="-1" strike="noStrike">
+              <a:endParaRPr lang="en-US" sz="1800" b="0" strike="noStrike" spc="-1">
                 <a:latin typeface="Arial"/>
               </a:endParaRPr>
             </a:p>
@@ -9301,13 +9442,20 @@
             </a:ln>
           </p:spPr>
           <p:style>
-            <a:lnRef idx="0"/>
-            <a:fillRef idx="0"/>
-            <a:effectRef idx="0"/>
+            <a:lnRef idx="0">
+              <a:scrgbClr r="0" g="0" b="0"/>
+            </a:lnRef>
+            <a:fillRef idx="0">
+              <a:scrgbClr r="0" g="0" b="0"/>
+            </a:fillRef>
+            <a:effectRef idx="0">
+              <a:scrgbClr r="0" g="0" b="0"/>
+            </a:effectRef>
             <a:fontRef idx="minor"/>
           </p:style>
           <p:txBody>
-            <a:bodyPr wrap="none" lIns="90000" rIns="90000" tIns="45000" bIns="45000"/>
+            <a:bodyPr wrap="none" lIns="90000" tIns="45000" rIns="90000" bIns="45000"/>
+            <a:lstStyle/>
             <a:p>
               <a:pPr>
                 <a:lnSpc>
@@ -9315,7 +9463,7 @@
                 </a:lnSpc>
               </a:pPr>
               <a:r>
-                <a:rPr b="0" lang="en-US" sz="1800" spc="-1" strike="noStrike">
+                <a:rPr lang="en-US" sz="1800" b="0" strike="noStrike" spc="-1">
                   <a:solidFill>
                     <a:srgbClr val="000000"/>
                   </a:solidFill>
@@ -9323,7 +9471,7 @@
                 </a:rPr>
                 <a:t>84</a:t>
               </a:r>
-              <a:endParaRPr b="0" lang="en-US" sz="1800" spc="-1" strike="noStrike">
+              <a:endParaRPr lang="en-US" sz="1800" b="0" strike="noStrike" spc="-1">
                 <a:latin typeface="Arial"/>
               </a:endParaRPr>
             </a:p>
@@ -9349,13 +9497,20 @@
             </a:ln>
           </p:spPr>
           <p:style>
-            <a:lnRef idx="0"/>
-            <a:fillRef idx="0"/>
-            <a:effectRef idx="0"/>
+            <a:lnRef idx="0">
+              <a:scrgbClr r="0" g="0" b="0"/>
+            </a:lnRef>
+            <a:fillRef idx="0">
+              <a:scrgbClr r="0" g="0" b="0"/>
+            </a:fillRef>
+            <a:effectRef idx="0">
+              <a:scrgbClr r="0" g="0" b="0"/>
+            </a:effectRef>
             <a:fontRef idx="minor"/>
           </p:style>
           <p:txBody>
-            <a:bodyPr wrap="none" lIns="90000" rIns="90000" tIns="45000" bIns="45000"/>
+            <a:bodyPr wrap="none" lIns="90000" tIns="45000" rIns="90000" bIns="45000"/>
+            <a:lstStyle/>
             <a:p>
               <a:pPr>
                 <a:lnSpc>
@@ -9363,7 +9518,7 @@
                 </a:lnSpc>
               </a:pPr>
               <a:r>
-                <a:rPr b="0" lang="en-US" sz="1800" spc="-1" strike="noStrike">
+                <a:rPr lang="en-US" sz="1800" b="0" strike="noStrike" spc="-1">
                   <a:solidFill>
                     <a:srgbClr val="000000"/>
                   </a:solidFill>
@@ -9371,7 +9526,7 @@
                 </a:rPr>
                 <a:t>99.99% specificity</a:t>
               </a:r>
-              <a:endParaRPr b="0" lang="en-US" sz="1800" spc="-1" strike="noStrike">
+              <a:endParaRPr lang="en-US" sz="1800" b="0" strike="noStrike" spc="-1">
                 <a:latin typeface="Arial"/>
               </a:endParaRPr>
             </a:p>
@@ -9380,18 +9535,18 @@
       </p:grpSp>
       <p:pic>
         <p:nvPicPr>
-          <p:cNvPr id="158" name="" descr=""/>
+          <p:cNvPr id="158" name="Picture 157"/>
           <p:cNvPicPr/>
           <p:nvPr/>
         </p:nvPicPr>
         <p:blipFill>
-          <a:blip r:embed="rId1"/>
+          <a:blip r:embed="rId2"/>
           <a:stretch/>
         </p:blipFill>
         <p:spPr>
           <a:xfrm>
-            <a:off x="6035040" y="2011680"/>
-            <a:ext cx="5212080" cy="2651760"/>
+            <a:off x="7282560" y="1666600"/>
+            <a:ext cx="4481240" cy="2790000"/>
           </a:xfrm>
           <a:prstGeom prst="rect">
             <a:avLst/>
@@ -9401,24 +9556,544 @@
           </a:ln>
         </p:spPr>
       </p:pic>
+      <p:graphicFrame>
+        <p:nvGraphicFramePr>
+          <p:cNvPr id="2" name="Table 1">
+            <a:extLst>
+              <a:ext uri="{FF2B5EF4-FFF2-40B4-BE49-F238E27FC236}">
+                <a16:creationId xmlns:a16="http://schemas.microsoft.com/office/drawing/2014/main" id="{7D94E835-18B0-4AFC-90F0-1023DAF64F21}"/>
+              </a:ext>
+            </a:extLst>
+          </p:cNvPr>
+          <p:cNvGraphicFramePr>
+            <a:graphicFrameLocks noGrp="1"/>
+          </p:cNvGraphicFramePr>
+          <p:nvPr>
+            <p:extLst>
+              <p:ext uri="{D42A27DB-BD31-4B8C-83A1-F6EECF244321}">
+                <p14:modId xmlns:p14="http://schemas.microsoft.com/office/powerpoint/2010/main" val="3982916747"/>
+              </p:ext>
+            </p:extLst>
+          </p:nvPr>
+        </p:nvGraphicFramePr>
+        <p:xfrm>
+          <a:off x="437380" y="1686260"/>
+          <a:ext cx="6299200" cy="2768600"/>
+        </p:xfrm>
+        <a:graphic>
+          <a:graphicData uri="http://schemas.openxmlformats.org/drawingml/2006/table">
+            <a:tbl>
+              <a:tblPr firstRow="1" bandRow="1">
+                <a:tableStyleId>{5C22544A-7EE6-4342-B048-85BDC9FD1C3A}</a:tableStyleId>
+              </a:tblPr>
+              <a:tblGrid>
+                <a:gridCol w="509220">
+                  <a:extLst>
+                    <a:ext uri="{9D8B030D-6E8A-4147-A177-3AD203B41FA5}">
+                      <a16:colId xmlns:a16="http://schemas.microsoft.com/office/drawing/2014/main" val="2360069110"/>
+                    </a:ext>
+                  </a:extLst>
+                </a:gridCol>
+                <a:gridCol w="1249680">
+                  <a:extLst>
+                    <a:ext uri="{9D8B030D-6E8A-4147-A177-3AD203B41FA5}">
+                      <a16:colId xmlns:a16="http://schemas.microsoft.com/office/drawing/2014/main" val="2381588016"/>
+                    </a:ext>
+                  </a:extLst>
+                </a:gridCol>
+                <a:gridCol w="2590800">
+                  <a:extLst>
+                    <a:ext uri="{9D8B030D-6E8A-4147-A177-3AD203B41FA5}">
+                      <a16:colId xmlns:a16="http://schemas.microsoft.com/office/drawing/2014/main" val="3828909996"/>
+                    </a:ext>
+                  </a:extLst>
+                </a:gridCol>
+                <a:gridCol w="1949500">
+                  <a:extLst>
+                    <a:ext uri="{9D8B030D-6E8A-4147-A177-3AD203B41FA5}">
+                      <a16:colId xmlns:a16="http://schemas.microsoft.com/office/drawing/2014/main" val="3852267134"/>
+                    </a:ext>
+                  </a:extLst>
+                </a:gridCol>
+              </a:tblGrid>
+              <a:tr h="0">
+                <a:tc>
+                  <a:txBody>
+                    <a:bodyPr/>
+                    <a:lstStyle/>
+                    <a:p>
+                      <a:r>
+                        <a:rPr lang="en-US" dirty="0"/>
+                        <a:t>T</a:t>
+                      </a:r>
+                    </a:p>
+                  </a:txBody>
+                  <a:tcPr/>
+                </a:tc>
+                <a:tc>
+                  <a:txBody>
+                    <a:bodyPr/>
+                    <a:lstStyle/>
+                    <a:p>
+                      <a:r>
+                        <a:rPr lang="en-US" dirty="0"/>
+                        <a:t>Uniquely mapped reads </a:t>
+                      </a:r>
+                    </a:p>
+                  </a:txBody>
+                  <a:tcPr/>
+                </a:tc>
+                <a:tc>
+                  <a:txBody>
+                    <a:bodyPr/>
+                    <a:lstStyle/>
+                    <a:p>
+                      <a:r>
+                        <a:rPr lang="en-US" dirty="0"/>
+                        <a:t>% reads unmapped: too many mismatches</a:t>
+                      </a:r>
+                    </a:p>
+                  </a:txBody>
+                  <a:tcPr/>
+                </a:tc>
+                <a:tc>
+                  <a:txBody>
+                    <a:bodyPr/>
+                    <a:lstStyle/>
+                    <a:p>
+                      <a:r>
+                        <a:rPr lang="en-US" dirty="0"/>
+                        <a:t>% reads mapped to multiple loci</a:t>
+                      </a:r>
+                    </a:p>
+                  </a:txBody>
+                  <a:tcPr/>
+                </a:tc>
+                <a:extLst>
+                  <a:ext uri="{0D108BD9-81ED-4DB2-BD59-A6C34878D82A}">
+                    <a16:rowId xmlns:a16="http://schemas.microsoft.com/office/drawing/2014/main" val="1167122639"/>
+                  </a:ext>
+                </a:extLst>
+              </a:tr>
+              <a:tr h="370840">
+                <a:tc>
+                  <a:txBody>
+                    <a:bodyPr/>
+                    <a:lstStyle/>
+                    <a:p>
+                      <a:r>
+                        <a:rPr lang="en-US" dirty="0"/>
+                        <a:t>1</a:t>
+                      </a:r>
+                    </a:p>
+                  </a:txBody>
+                  <a:tcPr/>
+                </a:tc>
+                <a:tc>
+                  <a:txBody>
+                    <a:bodyPr/>
+                    <a:lstStyle/>
+                    <a:p>
+                      <a:r>
+                        <a:rPr lang="en-US" dirty="0"/>
+                        <a:t>83.13%</a:t>
+                      </a:r>
+                    </a:p>
+                  </a:txBody>
+                  <a:tcPr/>
+                </a:tc>
+                <a:tc>
+                  <a:txBody>
+                    <a:bodyPr/>
+                    <a:lstStyle/>
+                    <a:p>
+                      <a:r>
+                        <a:rPr lang="en-US" dirty="0"/>
+                        <a:t>0.0%</a:t>
+                      </a:r>
+                    </a:p>
+                  </a:txBody>
+                  <a:tcPr/>
+                </a:tc>
+                <a:tc>
+                  <a:txBody>
+                    <a:bodyPr/>
+                    <a:lstStyle/>
+                    <a:p>
+                      <a:r>
+                        <a:rPr lang="en-US" dirty="0"/>
+                        <a:t>7.29%</a:t>
+                      </a:r>
+                    </a:p>
+                  </a:txBody>
+                  <a:tcPr/>
+                </a:tc>
+                <a:extLst>
+                  <a:ext uri="{0D108BD9-81ED-4DB2-BD59-A6C34878D82A}">
+                    <a16:rowId xmlns:a16="http://schemas.microsoft.com/office/drawing/2014/main" val="923707113"/>
+                  </a:ext>
+                </a:extLst>
+              </a:tr>
+              <a:tr h="370840">
+                <a:tc>
+                  <a:txBody>
+                    <a:bodyPr/>
+                    <a:lstStyle/>
+                    <a:p>
+                      <a:r>
+                        <a:rPr lang="en-US" dirty="0"/>
+                        <a:t>3</a:t>
+                      </a:r>
+                    </a:p>
+                  </a:txBody>
+                  <a:tcPr/>
+                </a:tc>
+                <a:tc>
+                  <a:txBody>
+                    <a:bodyPr/>
+                    <a:lstStyle/>
+                    <a:p>
+                      <a:r>
+                        <a:rPr lang="en-US" dirty="0"/>
+                        <a:t>87.10%</a:t>
+                      </a:r>
+                    </a:p>
+                  </a:txBody>
+                  <a:tcPr/>
+                </a:tc>
+                <a:tc>
+                  <a:txBody>
+                    <a:bodyPr/>
+                    <a:lstStyle/>
+                    <a:p>
+                      <a:r>
+                        <a:rPr lang="en-US" dirty="0"/>
+                        <a:t>0.0%</a:t>
+                      </a:r>
+                    </a:p>
+                  </a:txBody>
+                  <a:tcPr/>
+                </a:tc>
+                <a:tc>
+                  <a:txBody>
+                    <a:bodyPr/>
+                    <a:lstStyle/>
+                    <a:p>
+                      <a:r>
+                        <a:rPr lang="en-US" dirty="0"/>
+                        <a:t>8.37%</a:t>
+                      </a:r>
+                    </a:p>
+                  </a:txBody>
+                  <a:tcPr/>
+                </a:tc>
+                <a:extLst>
+                  <a:ext uri="{0D108BD9-81ED-4DB2-BD59-A6C34878D82A}">
+                    <a16:rowId xmlns:a16="http://schemas.microsoft.com/office/drawing/2014/main" val="1996524963"/>
+                  </a:ext>
+                </a:extLst>
+              </a:tr>
+              <a:tr h="370840">
+                <a:tc>
+                  <a:txBody>
+                    <a:bodyPr/>
+                    <a:lstStyle/>
+                    <a:p>
+                      <a:r>
+                        <a:rPr lang="en-US" dirty="0"/>
+                        <a:t>7</a:t>
+                      </a:r>
+                    </a:p>
+                  </a:txBody>
+                  <a:tcPr/>
+                </a:tc>
+                <a:tc>
+                  <a:txBody>
+                    <a:bodyPr/>
+                    <a:lstStyle/>
+                    <a:p>
+                      <a:r>
+                        <a:rPr lang="en-US" dirty="0"/>
+                        <a:t>87.6%</a:t>
+                      </a:r>
+                    </a:p>
+                  </a:txBody>
+                  <a:tcPr/>
+                </a:tc>
+                <a:tc>
+                  <a:txBody>
+                    <a:bodyPr/>
+                    <a:lstStyle/>
+                    <a:p>
+                      <a:r>
+                        <a:rPr lang="en-US" dirty="0"/>
+                        <a:t>0.0%</a:t>
+                      </a:r>
+                    </a:p>
+                  </a:txBody>
+                  <a:tcPr/>
+                </a:tc>
+                <a:tc>
+                  <a:txBody>
+                    <a:bodyPr/>
+                    <a:lstStyle/>
+                    <a:p>
+                      <a:r>
+                        <a:rPr lang="en-US" dirty="0"/>
+                        <a:t>8.63%</a:t>
+                      </a:r>
+                    </a:p>
+                  </a:txBody>
+                  <a:tcPr/>
+                </a:tc>
+                <a:extLst>
+                  <a:ext uri="{0D108BD9-81ED-4DB2-BD59-A6C34878D82A}">
+                    <a16:rowId xmlns:a16="http://schemas.microsoft.com/office/drawing/2014/main" val="3483620357"/>
+                  </a:ext>
+                </a:extLst>
+              </a:tr>
+              <a:tr h="370840">
+                <a:tc>
+                  <a:txBody>
+                    <a:bodyPr/>
+                    <a:lstStyle/>
+                    <a:p>
+                      <a:r>
+                        <a:rPr lang="en-US" dirty="0"/>
+                        <a:t>13</a:t>
+                      </a:r>
+                    </a:p>
+                  </a:txBody>
+                  <a:tcPr/>
+                </a:tc>
+                <a:tc>
+                  <a:txBody>
+                    <a:bodyPr/>
+                    <a:lstStyle/>
+                    <a:p>
+                      <a:r>
+                        <a:rPr lang="en-US" dirty="0"/>
+                        <a:t>87.76%</a:t>
+                      </a:r>
+                    </a:p>
+                  </a:txBody>
+                  <a:tcPr/>
+                </a:tc>
+                <a:tc>
+                  <a:txBody>
+                    <a:bodyPr/>
+                    <a:lstStyle/>
+                    <a:p>
+                      <a:r>
+                        <a:rPr lang="en-US" dirty="0"/>
+                        <a:t>0.0%</a:t>
+                      </a:r>
+                    </a:p>
+                  </a:txBody>
+                  <a:tcPr/>
+                </a:tc>
+                <a:tc>
+                  <a:txBody>
+                    <a:bodyPr/>
+                    <a:lstStyle/>
+                    <a:p>
+                      <a:r>
+                        <a:rPr lang="en-US" dirty="0"/>
+                        <a:t>8.65%</a:t>
+                      </a:r>
+                    </a:p>
+                  </a:txBody>
+                  <a:tcPr/>
+                </a:tc>
+                <a:extLst>
+                  <a:ext uri="{0D108BD9-81ED-4DB2-BD59-A6C34878D82A}">
+                    <a16:rowId xmlns:a16="http://schemas.microsoft.com/office/drawing/2014/main" val="810457889"/>
+                  </a:ext>
+                </a:extLst>
+              </a:tr>
+              <a:tr h="370840">
+                <a:tc>
+                  <a:txBody>
+                    <a:bodyPr/>
+                    <a:lstStyle/>
+                    <a:p>
+                      <a:r>
+                        <a:rPr lang="en-US" dirty="0"/>
+                        <a:t>75</a:t>
+                      </a:r>
+                    </a:p>
+                  </a:txBody>
+                  <a:tcPr/>
+                </a:tc>
+                <a:tc>
+                  <a:txBody>
+                    <a:bodyPr/>
+                    <a:lstStyle/>
+                    <a:p>
+                      <a:r>
+                        <a:rPr lang="en-US" dirty="0"/>
+                        <a:t>87.78%</a:t>
+                      </a:r>
+                    </a:p>
+                  </a:txBody>
+                  <a:tcPr/>
+                </a:tc>
+                <a:tc>
+                  <a:txBody>
+                    <a:bodyPr/>
+                    <a:lstStyle/>
+                    <a:p>
+                      <a:r>
+                        <a:rPr lang="en-US" dirty="0"/>
+                        <a:t>0.0%</a:t>
+                      </a:r>
+                    </a:p>
+                  </a:txBody>
+                  <a:tcPr/>
+                </a:tc>
+                <a:tc>
+                  <a:txBody>
+                    <a:bodyPr/>
+                    <a:lstStyle/>
+                    <a:p>
+                      <a:r>
+                        <a:rPr lang="en-US" dirty="0"/>
+                        <a:t>8.65%</a:t>
+                      </a:r>
+                    </a:p>
+                  </a:txBody>
+                  <a:tcPr/>
+                </a:tc>
+                <a:extLst>
+                  <a:ext uri="{0D108BD9-81ED-4DB2-BD59-A6C34878D82A}">
+                    <a16:rowId xmlns:a16="http://schemas.microsoft.com/office/drawing/2014/main" val="2757544283"/>
+                  </a:ext>
+                </a:extLst>
+              </a:tr>
+            </a:tbl>
+          </a:graphicData>
+        </a:graphic>
+      </p:graphicFrame>
+      <p:sp>
+        <p:nvSpPr>
+          <p:cNvPr id="3" name="TextBox 2">
+            <a:extLst>
+              <a:ext uri="{FF2B5EF4-FFF2-40B4-BE49-F238E27FC236}">
+                <a16:creationId xmlns:a16="http://schemas.microsoft.com/office/drawing/2014/main" id="{00D52466-05C1-4A8E-B6ED-2E6695A5B458}"/>
+              </a:ext>
+            </a:extLst>
+          </p:cNvPr>
+          <p:cNvSpPr txBox="1"/>
+          <p:nvPr/>
+        </p:nvSpPr>
+        <p:spPr>
+          <a:xfrm>
+            <a:off x="443980" y="1176348"/>
+            <a:ext cx="4553362" cy="369332"/>
+          </a:xfrm>
+          <a:prstGeom prst="rect">
+            <a:avLst/>
+          </a:prstGeom>
+          <a:noFill/>
+        </p:spPr>
+        <p:txBody>
+          <a:bodyPr wrap="none" rtlCol="0">
+            <a:spAutoFit/>
+          </a:bodyPr>
+          <a:lstStyle/>
+          <a:p>
+            <a:r>
+              <a:rPr lang="en-US" dirty="0"/>
+              <a:t>Using STAR, and the </a:t>
+            </a:r>
+            <a:r>
+              <a:rPr lang="en-US" dirty="0" err="1"/>
+              <a:t>short_PWK.fastq</a:t>
+            </a:r>
+            <a:r>
+              <a:rPr lang="en-US" dirty="0"/>
+              <a:t> file</a:t>
+            </a:r>
+          </a:p>
+        </p:txBody>
+      </p:sp>
+      <p:sp>
+        <p:nvSpPr>
+          <p:cNvPr id="4" name="Rectangle 3">
+            <a:extLst>
+              <a:ext uri="{FF2B5EF4-FFF2-40B4-BE49-F238E27FC236}">
+                <a16:creationId xmlns:a16="http://schemas.microsoft.com/office/drawing/2014/main" id="{6443FF23-A1FA-4657-A569-585C492F7BF3}"/>
+              </a:ext>
+            </a:extLst>
+          </p:cNvPr>
+          <p:cNvSpPr/>
+          <p:nvPr/>
+        </p:nvSpPr>
+        <p:spPr>
+          <a:xfrm>
+            <a:off x="519600" y="4818932"/>
+            <a:ext cx="6088640" cy="1725440"/>
+          </a:xfrm>
+          <a:prstGeom prst="rect">
+            <a:avLst/>
+          </a:prstGeom>
+        </p:spPr>
+        <p:style>
+          <a:lnRef idx="2">
+            <a:schemeClr val="accent1">
+              <a:shade val="50000"/>
+            </a:schemeClr>
+          </a:lnRef>
+          <a:fillRef idx="1">
+            <a:schemeClr val="accent1"/>
+          </a:fillRef>
+          <a:effectRef idx="0">
+            <a:schemeClr val="accent1"/>
+          </a:effectRef>
+          <a:fontRef idx="minor">
+            <a:schemeClr val="lt1"/>
+          </a:fontRef>
+        </p:style>
+        <p:txBody>
+          <a:bodyPr rtlCol="0" anchor="ctr"/>
+          <a:lstStyle/>
+          <a:p>
+            <a:pPr algn="ctr"/>
+            <a:r>
+              <a:rPr lang="en-US" dirty="0"/>
+              <a:t>EXTENSION/GENERALIZABLE</a:t>
+            </a:r>
+          </a:p>
+          <a:p>
+            <a:pPr algn="ctr"/>
+            <a:r>
+              <a:rPr lang="en-US" dirty="0"/>
+              <a:t>Calculate variation from RNA-seq data itself by doing global optimal pairwise alignment on a small number of RNA-seq reads, and use this in the Algorithm described here. Unfortunately, this opens up a host of other parameters optimizations (score matrix &amp; gap penalties) </a:t>
+            </a:r>
+          </a:p>
+        </p:txBody>
+      </p:sp>
     </p:spTree>
   </p:cSld>
+  <p:clrMapOvr>
+    <a:masterClrMapping/>
+  </p:clrMapOvr>
   <p:timing>
     <p:tnLst>
       <p:par>
-        <p:cTn id="7" dur="indefinite" restart="never" nodeType="tmRoot">
+        <p:cTn id="1" dur="indefinite" restart="never" nodeType="tmRoot">
           <p:childTnLst>
             <p:seq>
-              <p:cTn id="8" dur="indefinite" nodeType="mainSeq"/>
+              <p:cTn id="2" dur="indefinite" nodeType="mainSeq"/>
               <p:prevCondLst>
-                <p:cond delay="0" evt="onPrev">
+                <p:cond evt="onPrev" delay="0">
                   <p:tgtEl>
                     <p:sldTgt/>
                   </p:tgtEl>
                 </p:cond>
               </p:prevCondLst>
               <p:nextCondLst>
-                <p:cond delay="0" evt="onNext">
+                <p:cond evt="onNext" delay="0">
                   <p:tgtEl>
                     <p:sldTgt/>
                   </p:tgtEl>
@@ -9444,34 +10119,34 @@
         <a:sysClr val="window" lastClr="FFFFFF"/>
       </a:lt1>
       <a:dk2>
-        <a:srgbClr val="44546a"/>
+        <a:srgbClr val="44546A"/>
       </a:dk2>
       <a:lt2>
-        <a:srgbClr val="e7e6e6"/>
+        <a:srgbClr val="E7E6E6"/>
       </a:lt2>
       <a:accent1>
-        <a:srgbClr val="4472c4"/>
+        <a:srgbClr val="4472C4"/>
       </a:accent1>
       <a:accent2>
-        <a:srgbClr val="ed7d31"/>
+        <a:srgbClr val="ED7D31"/>
       </a:accent2>
       <a:accent3>
-        <a:srgbClr val="a5a5a5"/>
+        <a:srgbClr val="A5A5A5"/>
       </a:accent3>
       <a:accent4>
-        <a:srgbClr val="ffc000"/>
+        <a:srgbClr val="FFC000"/>
       </a:accent4>
       <a:accent5>
-        <a:srgbClr val="5b9bd5"/>
+        <a:srgbClr val="5B9BD5"/>
       </a:accent5>
       <a:accent6>
-        <a:srgbClr val="70ad47"/>
+        <a:srgbClr val="70AD47"/>
       </a:accent6>
       <a:hlink>
-        <a:srgbClr val="0563c1"/>
+        <a:srgbClr val="0563C1"/>
       </a:hlink>
       <a:folHlink>
-        <a:srgbClr val="954f72"/>
+        <a:srgbClr val="954F72"/>
       </a:folHlink>
     </a:clrScheme>
     <a:fontScheme name="Office">
@@ -9653,6 +10328,8 @@
       </a:bgFillStyleLst>
     </a:fmtScheme>
   </a:themeElements>
+  <a:objectDefaults/>
+  <a:extraClrSchemeLst/>
 </a:theme>
 </file>
 
@@ -9667,34 +10344,34 @@
         <a:sysClr val="window" lastClr="FFFFFF"/>
       </a:lt1>
       <a:dk2>
-        <a:srgbClr val="44546a"/>
+        <a:srgbClr val="44546A"/>
       </a:dk2>
       <a:lt2>
-        <a:srgbClr val="e7e6e6"/>
+        <a:srgbClr val="E7E6E6"/>
       </a:lt2>
       <a:accent1>
-        <a:srgbClr val="4472c4"/>
+        <a:srgbClr val="4472C4"/>
       </a:accent1>
       <a:accent2>
-        <a:srgbClr val="ed7d31"/>
+        <a:srgbClr val="ED7D31"/>
       </a:accent2>
       <a:accent3>
-        <a:srgbClr val="a5a5a5"/>
+        <a:srgbClr val="A5A5A5"/>
       </a:accent3>
       <a:accent4>
-        <a:srgbClr val="ffc000"/>
+        <a:srgbClr val="FFC000"/>
       </a:accent4>
       <a:accent5>
-        <a:srgbClr val="5b9bd5"/>
+        <a:srgbClr val="5B9BD5"/>
       </a:accent5>
       <a:accent6>
-        <a:srgbClr val="70ad47"/>
+        <a:srgbClr val="70AD47"/>
       </a:accent6>
       <a:hlink>
-        <a:srgbClr val="0563c1"/>
+        <a:srgbClr val="0563C1"/>
       </a:hlink>
       <a:folHlink>
-        <a:srgbClr val="954f72"/>
+        <a:srgbClr val="954F72"/>
       </a:folHlink>
     </a:clrScheme>
     <a:fontScheme name="Office">
@@ -9876,5 +10553,7 @@
       </a:bgFillStyleLst>
     </a:fmtScheme>
   </a:themeElements>
+  <a:objectDefaults/>
+  <a:extraClrSchemeLst/>
 </a:theme>
 </file>
--- a/FINAL_PROJECT/Algorithms_Final_Project.pptx
+++ b/FINAL_PROJECT/Algorithms_Final_Project.pptx
@@ -4509,7 +4509,7 @@
               </a:spcBef>
             </a:pPr>
             <a:r>
-              <a:rPr lang="en-US" sz="2400" b="0" strike="noStrike" spc="-1">
+              <a:rPr lang="en-US" sz="2400" b="0" strike="noStrike" spc="-1" dirty="0">
                 <a:solidFill>
                   <a:srgbClr val="000000"/>
                 </a:solidFill>
@@ -4517,7 +4517,26 @@
               </a:rPr>
               <a:t>Mismatch threshold parameter selection for short read sequence alignment</a:t>
             </a:r>
-            <a:endParaRPr lang="en-US" sz="2400" b="0" strike="noStrike" spc="-1">
+          </a:p>
+          <a:p>
+            <a:pPr algn="ctr">
+              <a:lnSpc>
+                <a:spcPct val="90000"/>
+              </a:lnSpc>
+              <a:spcBef>
+                <a:spcPts val="1001"/>
+              </a:spcBef>
+            </a:pPr>
+            <a:r>
+              <a:rPr lang="en-US" sz="2400" spc="-1" dirty="0">
+                <a:solidFill>
+                  <a:srgbClr val="000000"/>
+                </a:solidFill>
+                <a:latin typeface="Calibri"/>
+              </a:rPr>
+              <a:t>Nathaniel Evans </a:t>
+            </a:r>
+            <a:endParaRPr lang="en-US" sz="2400" b="0" strike="noStrike" spc="-1" dirty="0">
               <a:latin typeface="Arial"/>
             </a:endParaRPr>
           </a:p>
@@ -4660,13 +4679,13 @@
               <a:buChar char="•"/>
             </a:pPr>
             <a:r>
-              <a:rPr lang="en-US" sz="2800" b="0" strike="noStrike" spc="-1">
+              <a:rPr lang="en-US" sz="2800" b="0" strike="noStrike" spc="-1" dirty="0">
                 <a:solidFill>
                   <a:srgbClr val="000000"/>
                 </a:solidFill>
                 <a:latin typeface="Calibri"/>
               </a:rPr>
-              <a:t>Goal: To find a T that will align the single strand RNA-seq 100-bp reads from wild strain PWK with the reference genome B6. </a:t>
+              <a:t>Goal: To find a T that will align the single-stranded RNA-seq 100-bp reads from wild strain PWK with the reference genome B6. </a:t>
             </a:r>
           </a:p>
           <a:p>
@@ -4678,7 +4697,7 @@
                 <a:spcPts val="1001"/>
               </a:spcBef>
             </a:pPr>
-            <a:endParaRPr lang="en-US" sz="2800" b="0" strike="noStrike" spc="-1">
+            <a:endParaRPr lang="en-US" sz="2800" b="0" strike="noStrike" spc="-1" dirty="0">
               <a:solidFill>
                 <a:srgbClr val="000000"/>
               </a:solidFill>
@@ -6565,15 +6584,15 @@
               </a:lnSpc>
             </a:pPr>
             <a:r>
-              <a:rPr lang="en-US" sz="1800" b="0" strike="noStrike" spc="-1">
+              <a:rPr lang="en-US" sz="1800" b="0" strike="noStrike" spc="-1" dirty="0">
                 <a:solidFill>
                   <a:srgbClr val="000000"/>
                 </a:solidFill>
                 <a:latin typeface="Calibri"/>
               </a:rPr>
-              <a:t>using STAR</a:t>
+              <a:t>(using STAR)</a:t>
             </a:r>
-            <a:endParaRPr lang="en-US" sz="1800" b="0" strike="noStrike" spc="-1">
+            <a:endParaRPr lang="en-US" sz="1800" b="0" strike="noStrike" spc="-1" dirty="0">
               <a:latin typeface="Arial"/>
             </a:endParaRPr>
           </a:p>
@@ -7492,7 +7511,7 @@
         </p:blipFill>
         <p:spPr>
           <a:xfrm>
-            <a:off x="190800" y="5428080"/>
+            <a:off x="226440" y="5382360"/>
             <a:ext cx="5257440" cy="1475640"/>
           </a:xfrm>
           <a:prstGeom prst="rect">
@@ -7599,18 +7618,8 @@
                 <a:spcPct val="100000"/>
               </a:lnSpc>
             </a:pPr>
-            <a:endParaRPr lang="en-US" sz="1600" b="0" strike="noStrike" spc="-1" dirty="0">
-              <a:latin typeface="Arial"/>
-            </a:endParaRPr>
-          </a:p>
-          <a:p>
-            <a:pPr>
-              <a:lnSpc>
-                <a:spcPct val="100000"/>
-              </a:lnSpc>
-            </a:pPr>
             <a:r>
-              <a:rPr lang="en-US" sz="1600" b="0" strike="noStrike" spc="-1" dirty="0">
+              <a:rPr lang="en-US" sz="1600" b="1" strike="noStrike" spc="-1" dirty="0">
                 <a:solidFill>
                   <a:srgbClr val="000000"/>
                 </a:solidFill>
@@ -7618,7 +7627,7 @@
               </a:rPr>
               <a:t>To use this method assumes:</a:t>
             </a:r>
-            <a:endParaRPr lang="en-US" sz="1600" b="0" strike="noStrike" spc="-1" dirty="0">
+            <a:endParaRPr lang="en-US" sz="1600" b="1" strike="noStrike" spc="-1" dirty="0">
               <a:latin typeface="Arial"/>
             </a:endParaRPr>
           </a:p>
@@ -7776,25 +7785,7 @@
                 </a:solidFill>
                 <a:latin typeface="Calibri"/>
               </a:rPr>
-              <a:t> </a:t>
-            </a:r>
-            <a:r>
-              <a:rPr lang="en-US" sz="1600" b="0" strike="noStrike" spc="-1">
-                <a:solidFill>
-                  <a:srgbClr val="000000"/>
-                </a:solidFill>
-                <a:latin typeface="Calibri"/>
-              </a:rPr>
-              <a:t>to pull genes </a:t>
-            </a:r>
-            <a:r>
-              <a:rPr lang="en-US" sz="1600" b="0" strike="noStrike" spc="-1" dirty="0">
-                <a:solidFill>
-                  <a:srgbClr val="000000"/>
-                </a:solidFill>
-                <a:latin typeface="Calibri"/>
-              </a:rPr>
-              <a:t>to create exon mask. </a:t>
+              <a:t> to pull genes to create exon mask. </a:t>
             </a:r>
           </a:p>
           <a:p>
@@ -10068,7 +10059,7 @@
             <a:pPr algn="ctr"/>
             <a:r>
               <a:rPr lang="en-US" dirty="0"/>
-              <a:t>Calculate variation from RNA-seq data itself by doing global optimal pairwise alignment on a small number of RNA-seq reads, and use this in the Algorithm described here. Unfortunately, this opens up a host of other parameters optimizations (score matrix &amp; gap penalties) </a:t>
+              <a:t>Calculate variation from RNA-seq data itself by doing global optimal pairwise alignment on a small number of RNA-seq reads, and use this in the Algorithm described here. Unfortunately, this opens up a host of other parameter optimizations (score matrix &amp; gap penalties) </a:t>
             </a:r>
           </a:p>
         </p:txBody>
